--- a/content/images/screenshots2/screenshot-captions.pptx
+++ b/content/images/screenshots2/screenshot-captions.pptx
@@ -8,6 +8,7 @@
     <p:sldId id="256" r:id="rId2"/>
     <p:sldId id="257" r:id="rId3"/>
     <p:sldId id="258" r:id="rId4"/>
+    <p:sldId id="259" r:id="rId5"/>
   </p:sldIdLst>
   <p:sldSz cx="9144000" cy="6858000" type="screen4x3"/>
   <p:notesSz cx="6858000" cy="9144000"/>
@@ -290,7 +291,7 @@
           <a:p>
             <a:fld id="{E5F807B2-FCF9-4B27-9118-3A3AB985CB6A}" type="datetimeFigureOut">
               <a:rPr lang="en-GB" smtClean="0"/>
-              <a:t>09/10/2013</a:t>
+              <a:t>11/10/2013</a:t>
             </a:fld>
             <a:endParaRPr lang="en-GB"/>
           </a:p>
@@ -460,7 +461,7 @@
           <a:p>
             <a:fld id="{E5F807B2-FCF9-4B27-9118-3A3AB985CB6A}" type="datetimeFigureOut">
               <a:rPr lang="en-GB" smtClean="0"/>
-              <a:t>09/10/2013</a:t>
+              <a:t>11/10/2013</a:t>
             </a:fld>
             <a:endParaRPr lang="en-GB"/>
           </a:p>
@@ -640,7 +641,7 @@
           <a:p>
             <a:fld id="{E5F807B2-FCF9-4B27-9118-3A3AB985CB6A}" type="datetimeFigureOut">
               <a:rPr lang="en-GB" smtClean="0"/>
-              <a:t>09/10/2013</a:t>
+              <a:t>11/10/2013</a:t>
             </a:fld>
             <a:endParaRPr lang="en-GB"/>
           </a:p>
@@ -810,7 +811,7 @@
           <a:p>
             <a:fld id="{E5F807B2-FCF9-4B27-9118-3A3AB985CB6A}" type="datetimeFigureOut">
               <a:rPr lang="en-GB" smtClean="0"/>
-              <a:t>09/10/2013</a:t>
+              <a:t>11/10/2013</a:t>
             </a:fld>
             <a:endParaRPr lang="en-GB"/>
           </a:p>
@@ -1056,7 +1057,7 @@
           <a:p>
             <a:fld id="{E5F807B2-FCF9-4B27-9118-3A3AB985CB6A}" type="datetimeFigureOut">
               <a:rPr lang="en-GB" smtClean="0"/>
-              <a:t>09/10/2013</a:t>
+              <a:t>11/10/2013</a:t>
             </a:fld>
             <a:endParaRPr lang="en-GB"/>
           </a:p>
@@ -1344,7 +1345,7 @@
           <a:p>
             <a:fld id="{E5F807B2-FCF9-4B27-9118-3A3AB985CB6A}" type="datetimeFigureOut">
               <a:rPr lang="en-GB" smtClean="0"/>
-              <a:t>09/10/2013</a:t>
+              <a:t>11/10/2013</a:t>
             </a:fld>
             <a:endParaRPr lang="en-GB"/>
           </a:p>
@@ -1766,7 +1767,7 @@
           <a:p>
             <a:fld id="{E5F807B2-FCF9-4B27-9118-3A3AB985CB6A}" type="datetimeFigureOut">
               <a:rPr lang="en-GB" smtClean="0"/>
-              <a:t>09/10/2013</a:t>
+              <a:t>11/10/2013</a:t>
             </a:fld>
             <a:endParaRPr lang="en-GB"/>
           </a:p>
@@ -1884,7 +1885,7 @@
           <a:p>
             <a:fld id="{E5F807B2-FCF9-4B27-9118-3A3AB985CB6A}" type="datetimeFigureOut">
               <a:rPr lang="en-GB" smtClean="0"/>
-              <a:t>09/10/2013</a:t>
+              <a:t>11/10/2013</a:t>
             </a:fld>
             <a:endParaRPr lang="en-GB"/>
           </a:p>
@@ -1979,7 +1980,7 @@
           <a:p>
             <a:fld id="{E5F807B2-FCF9-4B27-9118-3A3AB985CB6A}" type="datetimeFigureOut">
               <a:rPr lang="en-GB" smtClean="0"/>
-              <a:t>09/10/2013</a:t>
+              <a:t>11/10/2013</a:t>
             </a:fld>
             <a:endParaRPr lang="en-GB"/>
           </a:p>
@@ -2256,7 +2257,7 @@
           <a:p>
             <a:fld id="{E5F807B2-FCF9-4B27-9118-3A3AB985CB6A}" type="datetimeFigureOut">
               <a:rPr lang="en-GB" smtClean="0"/>
-              <a:t>09/10/2013</a:t>
+              <a:t>11/10/2013</a:t>
             </a:fld>
             <a:endParaRPr lang="en-GB"/>
           </a:p>
@@ -2509,7 +2510,7 @@
           <a:p>
             <a:fld id="{E5F807B2-FCF9-4B27-9118-3A3AB985CB6A}" type="datetimeFigureOut">
               <a:rPr lang="en-GB" smtClean="0"/>
-              <a:t>09/10/2013</a:t>
+              <a:t>11/10/2013</a:t>
             </a:fld>
             <a:endParaRPr lang="en-GB"/>
           </a:p>
@@ -2722,7 +2723,7 @@
           <a:p>
             <a:fld id="{E5F807B2-FCF9-4B27-9118-3A3AB985CB6A}" type="datetimeFigureOut">
               <a:rPr lang="en-GB" smtClean="0"/>
-              <a:t>09/10/2013</a:t>
+              <a:t>11/10/2013</a:t>
             </a:fld>
             <a:endParaRPr lang="en-GB"/>
           </a:p>
@@ -3106,7 +3107,7 @@
         <p:spPr>
           <a:xfrm>
             <a:off x="467544" y="332656"/>
-            <a:ext cx="5256584" cy="830997"/>
+            <a:ext cx="4104456" cy="646331"/>
           </a:xfrm>
           <a:prstGeom prst="rect">
             <a:avLst/>
@@ -3134,15 +3135,15 @@
           <a:p>
             <a:pPr algn="ctr"/>
             <a:r>
-              <a:rPr lang="en-GB" sz="2400" dirty="0" smtClean="0"/>
+              <a:rPr lang="en-GB" dirty="0" smtClean="0"/>
               <a:t>Apache Isis integrates with Apache </a:t>
             </a:r>
             <a:r>
-              <a:rPr lang="en-GB" sz="2400" dirty="0" err="1" smtClean="0"/>
+              <a:rPr lang="en-GB" dirty="0" err="1" smtClean="0"/>
               <a:t>Shiro</a:t>
             </a:r>
             <a:r>
-              <a:rPr lang="en-GB" sz="2400" dirty="0" smtClean="0"/>
+              <a:rPr lang="en-GB" dirty="0" smtClean="0"/>
               <a:t> for authentication and authorization</a:t>
             </a:r>
           </a:p>
@@ -3157,7 +3158,7 @@
         <p:spPr>
           <a:xfrm>
             <a:off x="467544" y="1484784"/>
-            <a:ext cx="5256584" cy="830997"/>
+            <a:ext cx="3528392" cy="646331"/>
           </a:xfrm>
           <a:prstGeom prst="rect">
             <a:avLst/>
@@ -3185,30 +3186,31 @@
           <a:p>
             <a:pPr algn="ctr"/>
             <a:r>
-              <a:rPr lang="en-GB" sz="2400" dirty="0" smtClean="0"/>
+              <a:rPr lang="en-GB" dirty="0" smtClean="0"/>
               <a:t>Isis’ </a:t>
             </a:r>
             <a:r>
-              <a:rPr lang="en-GB" sz="2400" dirty="0" err="1" smtClean="0"/>
+              <a:rPr lang="en-GB" dirty="0" err="1" smtClean="0"/>
               <a:t>quickstart</a:t>
             </a:r>
             <a:r>
-              <a:rPr lang="en-GB" sz="2400" dirty="0" smtClean="0"/>
-              <a:t> archetype generates a</a:t>
-            </a:r>
-          </a:p>
-          <a:p>
-            <a:pPr algn="ctr"/>
-            <a:r>
-              <a:rPr lang="en-GB" sz="2400" dirty="0" smtClean="0"/>
-              <a:t>simple “</a:t>
-            </a:r>
-            <a:r>
-              <a:rPr lang="en-GB" sz="2400" dirty="0" err="1" smtClean="0"/>
+              <a:rPr lang="en-GB" dirty="0" smtClean="0"/>
+              <a:t> archetype generates </a:t>
+            </a:r>
+            <a:r>
+              <a:rPr lang="en-GB" dirty="0" smtClean="0"/>
+              <a:t>a simple </a:t>
+            </a:r>
+            <a:r>
+              <a:rPr lang="en-GB" dirty="0" smtClean="0"/>
+              <a:t>“</a:t>
+            </a:r>
+            <a:r>
+              <a:rPr lang="en-GB" dirty="0" err="1" smtClean="0"/>
               <a:t>ToDo</a:t>
             </a:r>
             <a:r>
-              <a:rPr lang="en-GB" sz="2400" dirty="0" smtClean="0"/>
+              <a:rPr lang="en-GB" dirty="0" smtClean="0"/>
               <a:t>” application</a:t>
             </a:r>
           </a:p>
@@ -3223,7 +3225,7 @@
         <p:spPr>
           <a:xfrm>
             <a:off x="467544" y="2636912"/>
-            <a:ext cx="5256584" cy="830997"/>
+            <a:ext cx="3672408" cy="646331"/>
           </a:xfrm>
           <a:prstGeom prst="rect">
             <a:avLst/>
@@ -3251,14 +3253,14 @@
           <a:p>
             <a:pPr algn="ctr"/>
             <a:r>
-              <a:rPr lang="en-GB" sz="2400" dirty="0" smtClean="0"/>
+              <a:rPr lang="en-GB" dirty="0" smtClean="0"/>
               <a:t>Application menu items correspond</a:t>
             </a:r>
             <a:br>
-              <a:rPr lang="en-GB" sz="2400" dirty="0" smtClean="0"/>
+              <a:rPr lang="en-GB" dirty="0" smtClean="0"/>
             </a:br>
             <a:r>
-              <a:rPr lang="en-GB" sz="2400" dirty="0" smtClean="0"/>
+              <a:rPr lang="en-GB" dirty="0" smtClean="0"/>
               <a:t>to registered domain services</a:t>
             </a:r>
           </a:p>
@@ -3272,22 +3274,27 @@
         </p:nvSpPr>
         <p:spPr>
           <a:xfrm>
-            <a:off x="3491880" y="3645024"/>
-            <a:ext cx="5109091" cy="1785104"/>
+            <a:off x="3203848" y="3645024"/>
+            <a:ext cx="5622052" cy="1938992"/>
           </a:xfrm>
           <a:prstGeom prst="rect">
             <a:avLst/>
           </a:prstGeom>
+          <a:solidFill>
+            <a:schemeClr val="bg1">
+              <a:lumMod val="95000"/>
+            </a:schemeClr>
+          </a:solidFill>
         </p:spPr>
         <p:style>
           <a:lnRef idx="1">
-            <a:schemeClr val="accent3"/>
+            <a:schemeClr val="dk1"/>
           </a:lnRef>
           <a:fillRef idx="2">
-            <a:schemeClr val="accent3"/>
+            <a:schemeClr val="dk1"/>
           </a:fillRef>
           <a:effectRef idx="1">
-            <a:schemeClr val="accent3"/>
+            <a:schemeClr val="dk1"/>
           </a:effectRef>
           <a:fontRef idx="minor">
             <a:schemeClr val="dk1"/>
@@ -3300,7 +3307,7 @@
           <a:lstStyle/>
           <a:p>
             <a:r>
-              <a:rPr lang="en-GB" sz="1100" dirty="0" err="1" smtClean="0">
+              <a:rPr lang="en-GB" sz="1200" dirty="0" err="1" smtClean="0">
                 <a:solidFill>
                   <a:srgbClr val="000000"/>
                 </a:solidFill>
@@ -3309,7 +3316,7 @@
               <a:t>isis.services</a:t>
             </a:r>
             <a:r>
-              <a:rPr lang="en-GB" sz="1100" dirty="0" smtClean="0">
+              <a:rPr lang="en-GB" sz="1200" dirty="0" smtClean="0">
                 <a:solidFill>
                   <a:srgbClr val="000000"/>
                 </a:solidFill>
@@ -3318,7 +3325,7 @@
               <a:t> = </a:t>
             </a:r>
             <a:r>
-              <a:rPr lang="en-GB" sz="1100" dirty="0" smtClean="0">
+              <a:rPr lang="en-GB" sz="1200" dirty="0" smtClean="0">
                 <a:solidFill>
                   <a:srgbClr val="2A00FF"/>
                 </a:solidFill>
@@ -3329,7 +3336,7 @@
           </a:p>
           <a:p>
             <a:r>
-              <a:rPr lang="en-GB" sz="1100" dirty="0" smtClean="0">
+              <a:rPr lang="en-GB" sz="1200" dirty="0" smtClean="0">
                 <a:solidFill>
                   <a:srgbClr val="000000"/>
                 </a:solidFill>
@@ -3338,7 +3345,7 @@
               <a:t>                </a:t>
             </a:r>
             <a:r>
-              <a:rPr lang="en-GB" sz="1100" dirty="0" smtClean="0">
+              <a:rPr lang="en-GB" sz="1200" dirty="0" smtClean="0">
                 <a:solidFill>
                   <a:srgbClr val="2A00FF"/>
                 </a:solidFill>
@@ -3349,7 +3356,7 @@
           </a:p>
           <a:p>
             <a:r>
-              <a:rPr lang="en-GB" sz="1100" dirty="0" smtClean="0">
+              <a:rPr lang="en-GB" sz="1200" dirty="0" smtClean="0">
                 <a:solidFill>
                   <a:srgbClr val="000000"/>
                 </a:solidFill>
@@ -3358,7 +3365,7 @@
               <a:t>                </a:t>
             </a:r>
             <a:r>
-              <a:rPr lang="en-GB" sz="1100" dirty="0" smtClean="0">
+              <a:rPr lang="en-GB" sz="1200" dirty="0" smtClean="0">
                 <a:solidFill>
                   <a:srgbClr val="2A00FF"/>
                 </a:solidFill>
@@ -3369,7 +3376,7 @@
           </a:p>
           <a:p>
             <a:r>
-              <a:rPr lang="en-GB" sz="1100" dirty="0" smtClean="0">
+              <a:rPr lang="en-GB" sz="1200" dirty="0" smtClean="0">
                 <a:solidFill>
                   <a:srgbClr val="000000"/>
                 </a:solidFill>
@@ -3378,7 +3385,7 @@
               <a:t>                </a:t>
             </a:r>
             <a:r>
-              <a:rPr lang="en-GB" sz="1100" dirty="0" err="1" smtClean="0">
+              <a:rPr lang="en-GB" sz="1200" dirty="0" err="1" smtClean="0">
                 <a:solidFill>
                   <a:srgbClr val="2A00FF"/>
                 </a:solidFill>
@@ -3387,7 +3394,7 @@
               <a:t>dom.todo.ToDoItemContributions</a:t>
             </a:r>
             <a:r>
-              <a:rPr lang="en-GB" sz="1100" dirty="0" smtClean="0">
+              <a:rPr lang="en-GB" sz="1200" dirty="0" smtClean="0">
                 <a:solidFill>
                   <a:srgbClr val="2A00FF"/>
                 </a:solidFill>
@@ -3398,7 +3405,7 @@
           </a:p>
           <a:p>
             <a:r>
-              <a:rPr lang="en-GB" sz="1100" dirty="0" smtClean="0">
+              <a:rPr lang="en-GB" sz="1200" dirty="0" smtClean="0">
                 <a:solidFill>
                   <a:srgbClr val="000000"/>
                 </a:solidFill>
@@ -3407,7 +3414,7 @@
               <a:t>                </a:t>
             </a:r>
             <a:r>
-              <a:rPr lang="en-GB" sz="1100" dirty="0" err="1" smtClean="0">
+              <a:rPr lang="en-GB" sz="1200" dirty="0" err="1" smtClean="0">
                 <a:solidFill>
                   <a:srgbClr val="2A00FF"/>
                 </a:solidFill>
@@ -3416,7 +3423,7 @@
               <a:t>app.ToDoItemAnalysisContributions</a:t>
             </a:r>
             <a:r>
-              <a:rPr lang="en-GB" sz="1100" dirty="0" smtClean="0">
+              <a:rPr lang="en-GB" sz="1200" dirty="0" smtClean="0">
                 <a:solidFill>
                   <a:srgbClr val="2A00FF"/>
                 </a:solidFill>
@@ -3427,7 +3434,7 @@
           </a:p>
           <a:p>
             <a:r>
-              <a:rPr lang="en-GB" sz="1100" dirty="0" smtClean="0">
+              <a:rPr lang="en-GB" sz="1200" dirty="0" smtClean="0">
                 <a:solidFill>
                   <a:srgbClr val="000000"/>
                 </a:solidFill>
@@ -3436,7 +3443,7 @@
               <a:t>                </a:t>
             </a:r>
             <a:r>
-              <a:rPr lang="en-GB" sz="1100" dirty="0" err="1" smtClean="0">
+              <a:rPr lang="en-GB" sz="1200" dirty="0" err="1" smtClean="0">
                 <a:solidFill>
                   <a:srgbClr val="2A00FF"/>
                 </a:solidFill>
@@ -3445,7 +3452,7 @@
               <a:t>app.ToDoAppDashboard</a:t>
             </a:r>
             <a:r>
-              <a:rPr lang="en-GB" sz="1100" dirty="0" smtClean="0">
+              <a:rPr lang="en-GB" sz="1200" dirty="0" smtClean="0">
                 <a:solidFill>
                   <a:srgbClr val="2A00FF"/>
                 </a:solidFill>
@@ -3456,7 +3463,7 @@
           </a:p>
           <a:p>
             <a:r>
-              <a:rPr lang="en-GB" sz="1100" dirty="0" smtClean="0">
+              <a:rPr lang="en-GB" sz="1200" dirty="0" smtClean="0">
                 <a:solidFill>
                   <a:srgbClr val="000000"/>
                 </a:solidFill>
@@ -3465,7 +3472,7 @@
               <a:t>                </a:t>
             </a:r>
             <a:r>
-              <a:rPr lang="en-GB" sz="1100" dirty="0" err="1" smtClean="0">
+              <a:rPr lang="en-GB" sz="1200" dirty="0" err="1" smtClean="0">
                 <a:solidFill>
                   <a:srgbClr val="2A00FF"/>
                 </a:solidFill>
@@ -3474,7 +3481,7 @@
               <a:t>services.ClockService</a:t>
             </a:r>
             <a:r>
-              <a:rPr lang="en-GB" sz="1100" dirty="0" smtClean="0">
+              <a:rPr lang="en-GB" sz="1200" dirty="0" smtClean="0">
                 <a:solidFill>
                   <a:srgbClr val="2A00FF"/>
                 </a:solidFill>
@@ -3485,7 +3492,7 @@
           </a:p>
           <a:p>
             <a:r>
-              <a:rPr lang="en-GB" sz="1100" dirty="0" smtClean="0">
+              <a:rPr lang="en-GB" sz="1200" dirty="0" smtClean="0">
                 <a:solidFill>
                   <a:srgbClr val="000000"/>
                 </a:solidFill>
@@ -3494,7 +3501,7 @@
               <a:t>                </a:t>
             </a:r>
             <a:r>
-              <a:rPr lang="en-GB" sz="1100" dirty="0" smtClean="0">
+              <a:rPr lang="en-GB" sz="1200" dirty="0" smtClean="0">
                 <a:solidFill>
                   <a:srgbClr val="2A00FF"/>
                 </a:solidFill>
@@ -3505,7 +3512,7 @@
           </a:p>
           <a:p>
             <a:r>
-              <a:rPr lang="en-GB" sz="1100" dirty="0" smtClean="0">
+              <a:rPr lang="en-GB" sz="1200" dirty="0" smtClean="0">
                 <a:solidFill>
                   <a:srgbClr val="000000"/>
                 </a:solidFill>
@@ -3514,7 +3521,7 @@
               <a:t>                </a:t>
             </a:r>
             <a:r>
-              <a:rPr lang="en-GB" sz="1100" dirty="0" smtClean="0">
+              <a:rPr lang="en-GB" sz="1200" dirty="0" smtClean="0">
                 <a:solidFill>
                   <a:srgbClr val="2A00FF"/>
                 </a:solidFill>
@@ -3525,7 +3532,7 @@
           </a:p>
           <a:p>
             <a:r>
-              <a:rPr lang="en-GB" sz="1100" dirty="0" smtClean="0">
+              <a:rPr lang="en-GB" sz="1200" dirty="0" smtClean="0">
                 <a:solidFill>
                   <a:srgbClr val="000000"/>
                 </a:solidFill>
@@ -3534,7 +3541,7 @@
               <a:t>                </a:t>
             </a:r>
             <a:r>
-              <a:rPr lang="en-GB" sz="1100" dirty="0" smtClean="0">
+              <a:rPr lang="en-GB" sz="1200" dirty="0" smtClean="0">
                 <a:solidFill>
                   <a:srgbClr val="2A00FF"/>
                 </a:solidFill>
@@ -3584,7 +3591,7 @@
         <p:spPr>
           <a:xfrm>
             <a:off x="467544" y="260648"/>
-            <a:ext cx="5256584" cy="830997"/>
+            <a:ext cx="4539777" cy="646331"/>
           </a:xfrm>
           <a:prstGeom prst="rect">
             <a:avLst/>
@@ -3612,22 +3619,22 @@
           <a:p>
             <a:pPr algn="ctr"/>
             <a:r>
-              <a:rPr lang="en-GB" sz="2400" dirty="0" smtClean="0"/>
+              <a:rPr lang="en-GB" dirty="0" smtClean="0"/>
               <a:t>Menu items are derived from the</a:t>
             </a:r>
           </a:p>
           <a:p>
             <a:pPr algn="ctr"/>
             <a:r>
-              <a:rPr lang="en-GB" sz="2400" dirty="0" smtClean="0"/>
+              <a:rPr lang="en-GB" dirty="0" smtClean="0"/>
               <a:t>domain service’s public </a:t>
             </a:r>
             <a:r>
-              <a:rPr lang="en-GB" sz="2400" i="1" dirty="0" smtClean="0"/>
+              <a:rPr lang="en-GB" i="1" dirty="0" smtClean="0"/>
               <a:t>action </a:t>
             </a:r>
             <a:r>
-              <a:rPr lang="en-GB" sz="2400" dirty="0" smtClean="0"/>
+              <a:rPr lang="en-GB" dirty="0" smtClean="0"/>
               <a:t>methods</a:t>
             </a:r>
           </a:p>
@@ -3641,8 +3648,8 @@
         </p:nvSpPr>
         <p:spPr>
           <a:xfrm>
-            <a:off x="323528" y="3861048"/>
-            <a:ext cx="4752528" cy="830997"/>
+            <a:off x="323528" y="3934797"/>
+            <a:ext cx="4104456" cy="646331"/>
           </a:xfrm>
           <a:prstGeom prst="rect">
             <a:avLst/>
@@ -3670,7 +3677,7 @@
           <a:p>
             <a:pPr algn="ctr"/>
             <a:r>
-              <a:rPr lang="en-GB" sz="2400" dirty="0" smtClean="0"/>
+              <a:rPr lang="en-GB" dirty="0" smtClean="0"/>
               <a:t>Prompt form derived from domain service action’s method parameters</a:t>
             </a:r>
           </a:p>
@@ -3684,12 +3691,17 @@
         </p:nvSpPr>
         <p:spPr>
           <a:xfrm>
-            <a:off x="4788599" y="980728"/>
-            <a:ext cx="4031873" cy="2631490"/>
+            <a:off x="3996511" y="980728"/>
+            <a:ext cx="4432624" cy="2862322"/>
           </a:xfrm>
           <a:prstGeom prst="rect">
             <a:avLst/>
           </a:prstGeom>
+          <a:solidFill>
+            <a:schemeClr val="bg1">
+              <a:lumMod val="95000"/>
+            </a:schemeClr>
+          </a:solidFill>
         </p:spPr>
         <p:style>
           <a:lnRef idx="1">
@@ -3712,7 +3724,7 @@
           <a:lstStyle/>
           <a:p>
             <a:r>
-              <a:rPr lang="en-GB" sz="1100" dirty="0" smtClean="0">
+              <a:rPr lang="en-GB" sz="1200" dirty="0" smtClean="0">
                 <a:solidFill>
                   <a:srgbClr val="646464"/>
                 </a:solidFill>
@@ -3721,7 +3733,7 @@
               <a:t>@Named</a:t>
             </a:r>
             <a:r>
-              <a:rPr lang="en-GB" sz="1100" dirty="0" smtClean="0">
+              <a:rPr lang="en-GB" sz="1200" dirty="0" smtClean="0">
                 <a:solidFill>
                   <a:srgbClr val="000000"/>
                 </a:solidFill>
@@ -3730,7 +3742,7 @@
               <a:t>(</a:t>
             </a:r>
             <a:r>
-              <a:rPr lang="en-GB" sz="1100" dirty="0" smtClean="0">
+              <a:rPr lang="en-GB" sz="1200" dirty="0" smtClean="0">
                 <a:solidFill>
                   <a:srgbClr val="2A00FF"/>
                 </a:solidFill>
@@ -3739,7 +3751,7 @@
               <a:t>"</a:t>
             </a:r>
             <a:r>
-              <a:rPr lang="en-GB" sz="1100" dirty="0" err="1" smtClean="0">
+              <a:rPr lang="en-GB" sz="1200" dirty="0" err="1" smtClean="0">
                 <a:solidFill>
                   <a:srgbClr val="2A00FF"/>
                 </a:solidFill>
@@ -3748,7 +3760,7 @@
               <a:t>ToDos</a:t>
             </a:r>
             <a:r>
-              <a:rPr lang="en-GB" sz="1100" dirty="0" smtClean="0">
+              <a:rPr lang="en-GB" sz="1200" dirty="0" smtClean="0">
                 <a:solidFill>
                   <a:srgbClr val="2A00FF"/>
                 </a:solidFill>
@@ -3757,7 +3769,7 @@
               <a:t>"</a:t>
             </a:r>
             <a:r>
-              <a:rPr lang="en-GB" sz="1100" dirty="0" smtClean="0">
+              <a:rPr lang="en-GB" sz="1200" dirty="0" smtClean="0">
                 <a:solidFill>
                   <a:srgbClr val="000000"/>
                 </a:solidFill>
@@ -3768,7 +3780,7 @@
           </a:p>
           <a:p>
             <a:r>
-              <a:rPr lang="en-US" sz="1100" b="1" dirty="0" smtClean="0">
+              <a:rPr lang="en-US" sz="1200" b="1" dirty="0" smtClean="0">
                 <a:solidFill>
                   <a:srgbClr val="7F0055"/>
                 </a:solidFill>
@@ -3777,7 +3789,7 @@
               <a:t>public</a:t>
             </a:r>
             <a:r>
-              <a:rPr lang="en-US" sz="1100" b="1" dirty="0" smtClean="0">
+              <a:rPr lang="en-US" sz="1200" b="1" dirty="0" smtClean="0">
                 <a:solidFill>
                   <a:srgbClr val="000000"/>
                 </a:solidFill>
@@ -3786,7 +3798,7 @@
               <a:t> </a:t>
             </a:r>
             <a:r>
-              <a:rPr lang="en-US" sz="1100" b="1" dirty="0" smtClean="0">
+              <a:rPr lang="en-US" sz="1200" b="1" dirty="0" smtClean="0">
                 <a:solidFill>
                   <a:srgbClr val="7F0055"/>
                 </a:solidFill>
@@ -3795,7 +3807,7 @@
               <a:t>class</a:t>
             </a:r>
             <a:r>
-              <a:rPr lang="en-US" sz="1100" b="1" dirty="0" smtClean="0">
+              <a:rPr lang="en-US" sz="1200" b="1" dirty="0" smtClean="0">
                 <a:solidFill>
                   <a:srgbClr val="000000"/>
                 </a:solidFill>
@@ -3804,7 +3816,7 @@
               <a:t> </a:t>
             </a:r>
             <a:r>
-              <a:rPr lang="en-US" sz="1100" b="1" dirty="0" err="1" smtClean="0">
+              <a:rPr lang="en-US" sz="1200" b="1" dirty="0" err="1" smtClean="0">
                 <a:solidFill>
                   <a:srgbClr val="000000"/>
                 </a:solidFill>
@@ -3813,7 +3825,7 @@
               <a:t>ToDoItems</a:t>
             </a:r>
             <a:r>
-              <a:rPr lang="en-US" sz="1100" b="1" dirty="0" smtClean="0">
+              <a:rPr lang="en-US" sz="1200" b="1" dirty="0" smtClean="0">
                 <a:solidFill>
                   <a:srgbClr val="000000"/>
                 </a:solidFill>
@@ -3822,7 +3834,7 @@
               <a:t> </a:t>
             </a:r>
             <a:r>
-              <a:rPr lang="en-US" sz="1100" b="1" dirty="0" smtClean="0">
+              <a:rPr lang="en-US" sz="1200" b="1" dirty="0" smtClean="0">
                 <a:solidFill>
                   <a:srgbClr val="7F0055"/>
                 </a:solidFill>
@@ -3831,7 +3843,7 @@
               <a:t>...</a:t>
             </a:r>
             <a:r>
-              <a:rPr lang="en-US" sz="1100" b="1" dirty="0" smtClean="0">
+              <a:rPr lang="en-US" sz="1200" b="1" dirty="0" smtClean="0">
                 <a:solidFill>
                   <a:srgbClr val="000000"/>
                 </a:solidFill>
@@ -3841,7 +3853,7 @@
             </a:r>
           </a:p>
           <a:p>
-            <a:endParaRPr lang="en-US" sz="1100" b="1" dirty="0" smtClean="0">
+            <a:endParaRPr lang="en-US" sz="1200" b="1" dirty="0" smtClean="0">
               <a:solidFill>
                 <a:srgbClr val="000000"/>
               </a:solidFill>
@@ -3850,7 +3862,7 @@
           </a:p>
           <a:p>
             <a:r>
-              <a:rPr lang="en-GB" sz="1100" dirty="0" smtClean="0">
+              <a:rPr lang="en-GB" sz="1200" dirty="0" smtClean="0">
                 <a:solidFill>
                   <a:srgbClr val="646464"/>
                 </a:solidFill>
@@ -3859,7 +3871,7 @@
               <a:t>    @</a:t>
             </a:r>
             <a:r>
-              <a:rPr lang="en-GB" sz="1100" dirty="0" err="1" smtClean="0">
+              <a:rPr lang="en-GB" sz="1200" dirty="0" err="1" smtClean="0">
                 <a:solidFill>
                   <a:srgbClr val="646464"/>
                 </a:solidFill>
@@ -3868,7 +3880,7 @@
               <a:t>MemberOrder</a:t>
             </a:r>
             <a:r>
-              <a:rPr lang="en-GB" sz="1100" dirty="0" smtClean="0">
+              <a:rPr lang="en-GB" sz="1200" dirty="0" smtClean="0">
                 <a:solidFill>
                   <a:srgbClr val="000000"/>
                 </a:solidFill>
@@ -3877,7 +3889,7 @@
               <a:t>(sequence = </a:t>
             </a:r>
             <a:r>
-              <a:rPr lang="en-GB" sz="1100" dirty="0" smtClean="0">
+              <a:rPr lang="en-GB" sz="1200" dirty="0" smtClean="0">
                 <a:solidFill>
                   <a:srgbClr val="2A00FF"/>
                 </a:solidFill>
@@ -3886,7 +3898,7 @@
               <a:t>"1"</a:t>
             </a:r>
             <a:r>
-              <a:rPr lang="en-GB" sz="1100" dirty="0" smtClean="0">
+              <a:rPr lang="en-GB" sz="1200" dirty="0" smtClean="0">
                 <a:solidFill>
                   <a:srgbClr val="000000"/>
                 </a:solidFill>
@@ -3897,7 +3909,7 @@
           </a:p>
           <a:p>
             <a:r>
-              <a:rPr lang="en-GB" sz="1100" dirty="0" smtClean="0">
+              <a:rPr lang="en-GB" sz="1200" dirty="0" smtClean="0">
                 <a:solidFill>
                   <a:srgbClr val="000000"/>
                 </a:solidFill>
@@ -3906,7 +3918,7 @@
               <a:t>    </a:t>
             </a:r>
             <a:r>
-              <a:rPr lang="en-GB" sz="1100" b="1" dirty="0" smtClean="0">
+              <a:rPr lang="en-GB" sz="1200" b="1" dirty="0" smtClean="0">
                 <a:solidFill>
                   <a:srgbClr val="7F0055"/>
                 </a:solidFill>
@@ -3915,7 +3927,7 @@
               <a:t>public</a:t>
             </a:r>
             <a:r>
-              <a:rPr lang="en-GB" sz="1100" b="1" dirty="0" smtClean="0">
+              <a:rPr lang="en-GB" sz="1200" b="1" dirty="0" smtClean="0">
                 <a:solidFill>
                   <a:srgbClr val="000000"/>
                 </a:solidFill>
@@ -3924,7 +3936,7 @@
               <a:t> List&lt;</a:t>
             </a:r>
             <a:r>
-              <a:rPr lang="en-GB" sz="1100" b="1" dirty="0" err="1" smtClean="0">
+              <a:rPr lang="en-GB" sz="1200" b="1" dirty="0" err="1" smtClean="0">
                 <a:solidFill>
                   <a:srgbClr val="000000"/>
                 </a:solidFill>
@@ -3933,7 +3945,7 @@
               <a:t>ToDoItem</a:t>
             </a:r>
             <a:r>
-              <a:rPr lang="en-GB" sz="1100" b="1" dirty="0" smtClean="0">
+              <a:rPr lang="en-GB" sz="1200" b="1" dirty="0" smtClean="0">
                 <a:solidFill>
                   <a:srgbClr val="000000"/>
                 </a:solidFill>
@@ -3942,7 +3954,7 @@
               <a:t>&gt; </a:t>
             </a:r>
             <a:r>
-              <a:rPr lang="en-GB" sz="1100" b="1" dirty="0" err="1" smtClean="0">
+              <a:rPr lang="en-GB" sz="1200" b="1" dirty="0" err="1" smtClean="0">
                 <a:solidFill>
                   <a:srgbClr val="000000"/>
                 </a:solidFill>
@@ -3951,7 +3963,7 @@
               <a:t>notYetComplete</a:t>
             </a:r>
             <a:r>
-              <a:rPr lang="en-GB" sz="1100" b="1" dirty="0" smtClean="0">
+              <a:rPr lang="en-GB" sz="1200" b="1" dirty="0" smtClean="0">
                 <a:solidFill>
                   <a:srgbClr val="000000"/>
                 </a:solidFill>
@@ -3961,7 +3973,7 @@
             </a:r>
           </a:p>
           <a:p>
-            <a:endParaRPr lang="en-GB" sz="1100" b="1" dirty="0">
+            <a:endParaRPr lang="en-GB" sz="1200" b="1" dirty="0">
               <a:solidFill>
                 <a:srgbClr val="000000"/>
               </a:solidFill>
@@ -3970,7 +3982,7 @@
           </a:p>
           <a:p>
             <a:r>
-              <a:rPr lang="en-GB" sz="1100" dirty="0" smtClean="0">
+              <a:rPr lang="en-GB" sz="1200" dirty="0" smtClean="0">
                 <a:solidFill>
                   <a:srgbClr val="646464"/>
                 </a:solidFill>
@@ -3979,7 +3991,7 @@
               <a:t>    @</a:t>
             </a:r>
             <a:r>
-              <a:rPr lang="en-GB" sz="1100" dirty="0" err="1" smtClean="0">
+              <a:rPr lang="en-GB" sz="1200" dirty="0" err="1" smtClean="0">
                 <a:solidFill>
                   <a:srgbClr val="646464"/>
                 </a:solidFill>
@@ -3988,7 +4000,7 @@
               <a:t>MemberOrder</a:t>
             </a:r>
             <a:r>
-              <a:rPr lang="en-GB" sz="1100" dirty="0" smtClean="0">
+              <a:rPr lang="en-GB" sz="1200" dirty="0" smtClean="0">
                 <a:solidFill>
                   <a:srgbClr val="000000"/>
                 </a:solidFill>
@@ -3997,7 +4009,7 @@
               <a:t>(sequence = </a:t>
             </a:r>
             <a:r>
-              <a:rPr lang="en-GB" sz="1100" dirty="0" smtClean="0">
+              <a:rPr lang="en-GB" sz="1200" dirty="0" smtClean="0">
                 <a:solidFill>
                   <a:srgbClr val="2A00FF"/>
                 </a:solidFill>
@@ -4006,7 +4018,7 @@
               <a:t>"2"</a:t>
             </a:r>
             <a:r>
-              <a:rPr lang="en-GB" sz="1100" dirty="0" smtClean="0">
+              <a:rPr lang="en-GB" sz="1200" dirty="0" smtClean="0">
                 <a:solidFill>
                   <a:srgbClr val="000000"/>
                 </a:solidFill>
@@ -4017,7 +4029,7 @@
           </a:p>
           <a:p>
             <a:r>
-              <a:rPr lang="en-GB" sz="1100" dirty="0" smtClean="0">
+              <a:rPr lang="en-GB" sz="1200" dirty="0" smtClean="0">
                 <a:solidFill>
                   <a:srgbClr val="000000"/>
                 </a:solidFill>
@@ -4026,7 +4038,7 @@
               <a:t>    </a:t>
             </a:r>
             <a:r>
-              <a:rPr lang="en-GB" sz="1100" b="1" dirty="0" smtClean="0">
+              <a:rPr lang="en-GB" sz="1200" b="1" dirty="0" smtClean="0">
                 <a:solidFill>
                   <a:srgbClr val="7F0055"/>
                 </a:solidFill>
@@ -4035,7 +4047,7 @@
               <a:t>public</a:t>
             </a:r>
             <a:r>
-              <a:rPr lang="en-GB" sz="1100" b="1" dirty="0" smtClean="0">
+              <a:rPr lang="en-GB" sz="1200" b="1" dirty="0" smtClean="0">
                 <a:solidFill>
                   <a:srgbClr val="000000"/>
                 </a:solidFill>
@@ -4044,7 +4056,7 @@
               <a:t> List&lt;</a:t>
             </a:r>
             <a:r>
-              <a:rPr lang="en-GB" sz="1100" b="1" dirty="0" err="1" smtClean="0">
+              <a:rPr lang="en-GB" sz="1200" b="1" dirty="0" err="1" smtClean="0">
                 <a:solidFill>
                   <a:srgbClr val="000000"/>
                 </a:solidFill>
@@ -4053,7 +4065,7 @@
               <a:t>ToDoItem</a:t>
             </a:r>
             <a:r>
-              <a:rPr lang="en-GB" sz="1100" b="1" dirty="0" smtClean="0">
+              <a:rPr lang="en-GB" sz="1200" b="1" dirty="0" smtClean="0">
                 <a:solidFill>
                   <a:srgbClr val="000000"/>
                 </a:solidFill>
@@ -4062,7 +4074,7 @@
               <a:t>&gt; </a:t>
             </a:r>
             <a:r>
-              <a:rPr lang="en-GB" sz="1100" b="1" dirty="0" smtClean="0">
+              <a:rPr lang="en-GB" sz="1200" b="1" dirty="0" smtClean="0">
                 <a:solidFill>
                   <a:srgbClr val="000000"/>
                 </a:solidFill>
@@ -4075,7 +4087,7 @@
             </a:r>
           </a:p>
           <a:p>
-            <a:endParaRPr lang="en-GB" sz="1100" b="1" dirty="0">
+            <a:endParaRPr lang="en-GB" sz="1200" b="1" dirty="0">
               <a:solidFill>
                 <a:srgbClr val="000000"/>
               </a:solidFill>
@@ -4087,7 +4099,7 @@
           </a:p>
           <a:p>
             <a:r>
-              <a:rPr lang="en-GB" sz="1100" dirty="0" smtClean="0">
+              <a:rPr lang="en-GB" sz="1200" dirty="0" smtClean="0">
                 <a:solidFill>
                   <a:srgbClr val="000000"/>
                 </a:solidFill>
@@ -4096,7 +4108,7 @@
               <a:t>    </a:t>
             </a:r>
             <a:r>
-              <a:rPr lang="en-GB" sz="1100" dirty="0" smtClean="0">
+              <a:rPr lang="en-GB" sz="1200" dirty="0" smtClean="0">
                 <a:solidFill>
                   <a:srgbClr val="646464"/>
                 </a:solidFill>
@@ -4105,7 +4117,7 @@
               <a:t>@</a:t>
             </a:r>
             <a:r>
-              <a:rPr lang="en-GB" sz="1100" dirty="0" err="1" smtClean="0">
+              <a:rPr lang="en-GB" sz="1200" dirty="0" err="1" smtClean="0">
                 <a:solidFill>
                   <a:srgbClr val="646464"/>
                 </a:solidFill>
@@ -4114,7 +4126,7 @@
               <a:t>MemberOrder</a:t>
             </a:r>
             <a:r>
-              <a:rPr lang="en-GB" sz="1100" dirty="0" smtClean="0">
+              <a:rPr lang="en-GB" sz="1200" dirty="0" smtClean="0">
                 <a:solidFill>
                   <a:srgbClr val="000000"/>
                 </a:solidFill>
@@ -4123,7 +4135,7 @@
               <a:t>(sequence = </a:t>
             </a:r>
             <a:r>
-              <a:rPr lang="en-GB" sz="1100" dirty="0" smtClean="0">
+              <a:rPr lang="en-GB" sz="1200" dirty="0" smtClean="0">
                 <a:solidFill>
                   <a:srgbClr val="2A00FF"/>
                 </a:solidFill>
@@ -4132,7 +4144,7 @@
               <a:t>"3"</a:t>
             </a:r>
             <a:r>
-              <a:rPr lang="en-GB" sz="1100" dirty="0" smtClean="0">
+              <a:rPr lang="en-GB" sz="1200" dirty="0" smtClean="0">
                 <a:solidFill>
                   <a:srgbClr val="000000"/>
                 </a:solidFill>
@@ -4143,7 +4155,7 @@
           </a:p>
           <a:p>
             <a:r>
-              <a:rPr lang="en-GB" sz="1100" dirty="0" smtClean="0">
+              <a:rPr lang="en-GB" sz="1200" dirty="0" smtClean="0">
                 <a:solidFill>
                   <a:srgbClr val="000000"/>
                 </a:solidFill>
@@ -4152,7 +4164,7 @@
               <a:t>    </a:t>
             </a:r>
             <a:r>
-              <a:rPr lang="en-GB" sz="1100" b="1" dirty="0" smtClean="0">
+              <a:rPr lang="en-GB" sz="1200" b="1" dirty="0" smtClean="0">
                 <a:solidFill>
                   <a:srgbClr val="7F0055"/>
                 </a:solidFill>
@@ -4161,7 +4173,7 @@
               <a:t>public</a:t>
             </a:r>
             <a:r>
-              <a:rPr lang="en-GB" sz="1100" b="1" dirty="0" smtClean="0">
+              <a:rPr lang="en-GB" sz="1200" b="1" dirty="0" smtClean="0">
                 <a:solidFill>
                   <a:srgbClr val="000000"/>
                 </a:solidFill>
@@ -4170,7 +4182,7 @@
               <a:t> </a:t>
             </a:r>
             <a:r>
-              <a:rPr lang="en-GB" sz="1100" b="1" dirty="0" err="1" smtClean="0">
+              <a:rPr lang="en-GB" sz="1200" b="1" dirty="0" err="1" smtClean="0">
                 <a:solidFill>
                   <a:srgbClr val="000000"/>
                 </a:solidFill>
@@ -4179,7 +4191,7 @@
               <a:t>ToDoItem</a:t>
             </a:r>
             <a:r>
-              <a:rPr lang="en-GB" sz="1100" b="1" dirty="0" smtClean="0">
+              <a:rPr lang="en-GB" sz="1200" b="1" dirty="0" smtClean="0">
                 <a:solidFill>
                   <a:srgbClr val="000000"/>
                 </a:solidFill>
@@ -4188,7 +4200,7 @@
               <a:t> </a:t>
             </a:r>
             <a:r>
-              <a:rPr lang="en-GB" sz="1100" b="1" dirty="0" err="1" smtClean="0">
+              <a:rPr lang="en-GB" sz="1200" b="1" dirty="0" err="1" smtClean="0">
                 <a:solidFill>
                   <a:srgbClr val="000000"/>
                 </a:solidFill>
@@ -4200,7 +4212,7 @@
               <a:t>newToDo</a:t>
             </a:r>
             <a:r>
-              <a:rPr lang="en-GB" sz="1100" b="1" dirty="0" smtClean="0">
+              <a:rPr lang="en-GB" sz="1200" b="1" dirty="0" smtClean="0">
                 <a:solidFill>
                   <a:srgbClr val="000000"/>
                 </a:solidFill>
@@ -4213,7 +4225,7 @@
             </a:r>
           </a:p>
           <a:p>
-            <a:endParaRPr lang="en-GB" sz="1100" b="1" dirty="0">
+            <a:endParaRPr lang="en-GB" sz="1200" b="1" dirty="0">
               <a:solidFill>
                 <a:srgbClr val="000000"/>
               </a:solidFill>
@@ -4225,7 +4237,7 @@
           </a:p>
           <a:p>
             <a:r>
-              <a:rPr lang="en-GB" sz="1100" dirty="0" smtClean="0">
+              <a:rPr lang="en-GB" sz="1200" dirty="0" smtClean="0">
                 <a:solidFill>
                   <a:srgbClr val="000000"/>
                 </a:solidFill>
@@ -4234,7 +4246,7 @@
               <a:t>    </a:t>
             </a:r>
             <a:r>
-              <a:rPr lang="en-GB" sz="1100" dirty="0" smtClean="0">
+              <a:rPr lang="en-GB" sz="1200" dirty="0" smtClean="0">
                 <a:solidFill>
                   <a:srgbClr val="646464"/>
                 </a:solidFill>
@@ -4243,7 +4255,7 @@
               <a:t>@</a:t>
             </a:r>
             <a:r>
-              <a:rPr lang="en-GB" sz="1100" dirty="0" err="1" smtClean="0">
+              <a:rPr lang="en-GB" sz="1200" dirty="0" err="1" smtClean="0">
                 <a:solidFill>
                   <a:srgbClr val="646464"/>
                 </a:solidFill>
@@ -4252,7 +4264,7 @@
               <a:t>MemberOrder</a:t>
             </a:r>
             <a:r>
-              <a:rPr lang="en-GB" sz="1100" dirty="0" smtClean="0">
+              <a:rPr lang="en-GB" sz="1200" dirty="0" smtClean="0">
                 <a:solidFill>
                   <a:srgbClr val="000000"/>
                 </a:solidFill>
@@ -4261,7 +4273,7 @@
               <a:t>(sequence = </a:t>
             </a:r>
             <a:r>
-              <a:rPr lang="en-GB" sz="1100" dirty="0" smtClean="0">
+              <a:rPr lang="en-GB" sz="1200" dirty="0" smtClean="0">
                 <a:solidFill>
                   <a:srgbClr val="2A00FF"/>
                 </a:solidFill>
@@ -4270,7 +4282,7 @@
               <a:t>"4"</a:t>
             </a:r>
             <a:r>
-              <a:rPr lang="en-GB" sz="1100" dirty="0" smtClean="0">
+              <a:rPr lang="en-GB" sz="1200" dirty="0" smtClean="0">
                 <a:solidFill>
                   <a:srgbClr val="000000"/>
                 </a:solidFill>
@@ -4281,7 +4293,7 @@
           </a:p>
           <a:p>
             <a:r>
-              <a:rPr lang="en-GB" sz="1100" dirty="0" smtClean="0">
+              <a:rPr lang="en-GB" sz="1200" dirty="0" smtClean="0">
                 <a:solidFill>
                   <a:srgbClr val="000000"/>
                 </a:solidFill>
@@ -4290,7 +4302,7 @@
               <a:t>    </a:t>
             </a:r>
             <a:r>
-              <a:rPr lang="en-GB" sz="1100" b="1" dirty="0" smtClean="0">
+              <a:rPr lang="en-GB" sz="1200" b="1" dirty="0" smtClean="0">
                 <a:solidFill>
                   <a:srgbClr val="7F0055"/>
                 </a:solidFill>
@@ -4299,7 +4311,7 @@
               <a:t>public</a:t>
             </a:r>
             <a:r>
-              <a:rPr lang="en-GB" sz="1100" b="1" dirty="0" smtClean="0">
+              <a:rPr lang="en-GB" sz="1200" b="1" dirty="0" smtClean="0">
                 <a:solidFill>
                   <a:srgbClr val="000000"/>
                 </a:solidFill>
@@ -4308,7 +4320,7 @@
               <a:t> List&lt;</a:t>
             </a:r>
             <a:r>
-              <a:rPr lang="en-GB" sz="1100" b="1" dirty="0" err="1" smtClean="0">
+              <a:rPr lang="en-GB" sz="1200" b="1" dirty="0" err="1" smtClean="0">
                 <a:solidFill>
                   <a:srgbClr val="000000"/>
                 </a:solidFill>
@@ -4317,7 +4329,7 @@
               <a:t>ToDoItem</a:t>
             </a:r>
             <a:r>
-              <a:rPr lang="en-GB" sz="1100" b="1" dirty="0" smtClean="0">
+              <a:rPr lang="en-GB" sz="1200" b="1" dirty="0" smtClean="0">
                 <a:solidFill>
                   <a:srgbClr val="000000"/>
                 </a:solidFill>
@@ -4326,7 +4338,7 @@
               <a:t>&gt; </a:t>
             </a:r>
             <a:r>
-              <a:rPr lang="en-GB" sz="1100" b="1" dirty="0" err="1" smtClean="0">
+              <a:rPr lang="en-GB" sz="1200" b="1" dirty="0" err="1" smtClean="0">
                 <a:solidFill>
                   <a:srgbClr val="000000"/>
                 </a:solidFill>
@@ -4338,7 +4350,7 @@
               <a:t>allToDos</a:t>
             </a:r>
             <a:r>
-              <a:rPr lang="en-GB" sz="1100" b="1" dirty="0" smtClean="0">
+              <a:rPr lang="en-GB" sz="1200" b="1" dirty="0" smtClean="0">
                 <a:solidFill>
                   <a:srgbClr val="000000"/>
                 </a:solidFill>
@@ -4349,7 +4361,7 @@
               </a:rPr>
               <a:t>() { ... }</a:t>
             </a:r>
-            <a:endParaRPr lang="en-US" sz="1100" b="1" dirty="0" smtClean="0">
+            <a:endParaRPr lang="en-US" sz="1200" b="1" dirty="0" smtClean="0">
               <a:solidFill>
                 <a:srgbClr val="000000"/>
               </a:solidFill>
@@ -4358,7 +4370,7 @@
           </a:p>
           <a:p>
             <a:r>
-              <a:rPr lang="en-US" sz="1100" b="1" dirty="0" smtClean="0">
+              <a:rPr lang="en-US" sz="1200" b="1" dirty="0" smtClean="0">
                 <a:solidFill>
                   <a:srgbClr val="000000"/>
                 </a:solidFill>
@@ -4366,12 +4378,6 @@
               </a:rPr>
               <a:t>}</a:t>
             </a:r>
-            <a:endParaRPr lang="en-US" sz="1100" b="1" dirty="0" smtClean="0">
-              <a:solidFill>
-                <a:srgbClr val="000000"/>
-              </a:solidFill>
-              <a:latin typeface="Consolas"/>
-            </a:endParaRPr>
           </a:p>
         </p:txBody>
       </p:sp>
@@ -4383,12 +4389,17 @@
         </p:nvSpPr>
         <p:spPr>
           <a:xfrm>
-            <a:off x="755576" y="4725144"/>
-            <a:ext cx="8263801" cy="1785104"/>
+            <a:off x="107504" y="4730368"/>
+            <a:ext cx="8640960" cy="1938992"/>
           </a:xfrm>
           <a:prstGeom prst="rect">
             <a:avLst/>
           </a:prstGeom>
+          <a:solidFill>
+            <a:schemeClr val="bg1">
+              <a:lumMod val="95000"/>
+            </a:schemeClr>
+          </a:solidFill>
         </p:spPr>
         <p:style>
           <a:lnRef idx="1">
@@ -4405,13 +4416,13 @@
           </a:fontRef>
         </p:style>
         <p:txBody>
-          <a:bodyPr wrap="none" rtlCol="0">
+          <a:bodyPr wrap="square" rtlCol="0">
             <a:spAutoFit/>
           </a:bodyPr>
           <a:lstStyle/>
           <a:p>
             <a:r>
-              <a:rPr lang="en-US" sz="1100" b="1" dirty="0" smtClean="0">
+              <a:rPr lang="en-US" sz="1200" b="1" dirty="0" smtClean="0">
                 <a:solidFill>
                   <a:srgbClr val="7F0055"/>
                 </a:solidFill>
@@ -4420,7 +4431,7 @@
               <a:t>public</a:t>
             </a:r>
             <a:r>
-              <a:rPr lang="en-US" sz="1100" b="1" dirty="0" smtClean="0">
+              <a:rPr lang="en-US" sz="1200" b="1" dirty="0" smtClean="0">
                 <a:solidFill>
                   <a:srgbClr val="000000"/>
                 </a:solidFill>
@@ -4429,7 +4440,7 @@
               <a:t> </a:t>
             </a:r>
             <a:r>
-              <a:rPr lang="en-US" sz="1100" b="1" dirty="0" smtClean="0">
+              <a:rPr lang="en-US" sz="1200" b="1" dirty="0" smtClean="0">
                 <a:solidFill>
                   <a:srgbClr val="7F0055"/>
                 </a:solidFill>
@@ -4438,7 +4449,7 @@
               <a:t>class</a:t>
             </a:r>
             <a:r>
-              <a:rPr lang="en-US" sz="1100" b="1" dirty="0" smtClean="0">
+              <a:rPr lang="en-US" sz="1200" b="1" dirty="0" smtClean="0">
                 <a:solidFill>
                   <a:srgbClr val="000000"/>
                 </a:solidFill>
@@ -4447,7 +4458,7 @@
               <a:t> </a:t>
             </a:r>
             <a:r>
-              <a:rPr lang="en-US" sz="1100" b="1" dirty="0" err="1" smtClean="0">
+              <a:rPr lang="en-US" sz="1200" b="1" dirty="0" err="1" smtClean="0">
                 <a:solidFill>
                   <a:srgbClr val="000000"/>
                 </a:solidFill>
@@ -4456,7 +4467,7 @@
               <a:t>ToDoItems</a:t>
             </a:r>
             <a:r>
-              <a:rPr lang="en-US" sz="1100" b="1" dirty="0" smtClean="0">
+              <a:rPr lang="en-US" sz="1200" b="1" dirty="0" smtClean="0">
                 <a:solidFill>
                   <a:srgbClr val="000000"/>
                 </a:solidFill>
@@ -4465,7 +4476,7 @@
               <a:t> </a:t>
             </a:r>
             <a:r>
-              <a:rPr lang="en-US" sz="1100" b="1" dirty="0" smtClean="0">
+              <a:rPr lang="en-US" sz="1200" b="1" dirty="0" smtClean="0">
                 <a:solidFill>
                   <a:srgbClr val="7F0055"/>
                 </a:solidFill>
@@ -4474,7 +4485,7 @@
               <a:t>...</a:t>
             </a:r>
             <a:r>
-              <a:rPr lang="en-US" sz="1100" b="1" dirty="0" smtClean="0">
+              <a:rPr lang="en-US" sz="1200" b="1" dirty="0" smtClean="0">
                 <a:solidFill>
                   <a:srgbClr val="000000"/>
                 </a:solidFill>
@@ -4485,27 +4496,27 @@
           </a:p>
           <a:p>
             <a:r>
-              <a:rPr lang="en-GB" sz="1100" b="1" dirty="0" smtClean="0">
+              <a:rPr lang="en-GB" sz="1200" dirty="0" smtClean="0">
                 <a:solidFill>
                   <a:srgbClr val="7F0055"/>
                 </a:solidFill>
                 <a:latin typeface="Consolas"/>
               </a:rPr>
-              <a:t>    ...</a:t>
-            </a:r>
-          </a:p>
-          <a:p>
-            <a:r>
-              <a:rPr lang="en-GB" sz="1100" b="1" dirty="0" smtClean="0">
+              <a:t>  </a:t>
+            </a:r>
+          </a:p>
+          <a:p>
+            <a:r>
+              <a:rPr lang="en-GB" sz="1200" b="1" dirty="0" smtClean="0">
                 <a:solidFill>
                   <a:srgbClr val="7F0055"/>
                 </a:solidFill>
                 <a:latin typeface="Consolas"/>
               </a:rPr>
-              <a:t>    public</a:t>
-            </a:r>
-            <a:r>
-              <a:rPr lang="en-GB" sz="1100" b="1" dirty="0" smtClean="0">
+              <a:t>  public</a:t>
+            </a:r>
+            <a:r>
+              <a:rPr lang="en-GB" sz="1200" b="1" dirty="0" smtClean="0">
                 <a:solidFill>
                   <a:srgbClr val="000000"/>
                 </a:solidFill>
@@ -4514,7 +4525,7 @@
               <a:t> </a:t>
             </a:r>
             <a:r>
-              <a:rPr lang="en-GB" sz="1100" b="1" dirty="0" err="1" smtClean="0">
+              <a:rPr lang="en-GB" sz="1200" b="1" dirty="0" err="1" smtClean="0">
                 <a:solidFill>
                   <a:srgbClr val="000000"/>
                 </a:solidFill>
@@ -4523,7 +4534,7 @@
               <a:t>ToDoItem</a:t>
             </a:r>
             <a:r>
-              <a:rPr lang="en-GB" sz="1100" b="1" dirty="0" smtClean="0">
+              <a:rPr lang="en-GB" sz="1200" b="1" dirty="0" smtClean="0">
                 <a:solidFill>
                   <a:srgbClr val="000000"/>
                 </a:solidFill>
@@ -4532,7 +4543,7 @@
               <a:t> </a:t>
             </a:r>
             <a:r>
-              <a:rPr lang="en-GB" sz="1100" b="1" dirty="0" err="1" smtClean="0">
+              <a:rPr lang="en-GB" sz="1200" b="1" dirty="0" err="1" smtClean="0">
                 <a:solidFill>
                   <a:srgbClr val="000000"/>
                 </a:solidFill>
@@ -4541,7 +4552,7 @@
               <a:t>newToDo</a:t>
             </a:r>
             <a:r>
-              <a:rPr lang="en-GB" sz="1100" b="1" dirty="0" smtClean="0">
+              <a:rPr lang="en-GB" sz="1200" b="1" dirty="0" smtClean="0">
                 <a:solidFill>
                   <a:srgbClr val="000000"/>
                 </a:solidFill>
@@ -4552,16 +4563,16 @@
           </a:p>
           <a:p>
             <a:r>
-              <a:rPr lang="en-US" sz="1100" dirty="0" smtClean="0">
-                <a:solidFill>
-                  <a:srgbClr val="000000"/>
-                </a:solidFill>
-                <a:latin typeface="Consolas"/>
-              </a:rPr>
-              <a:t>        </a:t>
-            </a:r>
-            <a:r>
-              <a:rPr lang="en-US" sz="1100" b="1" dirty="0" smtClean="0">
+              <a:rPr lang="en-US" sz="1200" b="1" dirty="0" smtClean="0">
+                <a:solidFill>
+                  <a:srgbClr val="000000"/>
+                </a:solidFill>
+                <a:latin typeface="Consolas"/>
+              </a:rPr>
+              <a:t>    </a:t>
+            </a:r>
+            <a:r>
+              <a:rPr lang="en-US" sz="1200" b="1" dirty="0" smtClean="0">
                 <a:solidFill>
                   <a:srgbClr val="7F0055"/>
                 </a:solidFill>
@@ -4570,7 +4581,7 @@
               <a:t>final</a:t>
             </a:r>
             <a:r>
-              <a:rPr lang="en-US" sz="1100" b="1" dirty="0" smtClean="0">
+              <a:rPr lang="en-US" sz="1200" b="1" dirty="0" smtClean="0">
                 <a:solidFill>
                   <a:srgbClr val="000000"/>
                 </a:solidFill>
@@ -4579,7 +4590,7 @@
               <a:t> </a:t>
             </a:r>
             <a:r>
-              <a:rPr lang="en-US" sz="1100" b="1" dirty="0" smtClean="0">
+              <a:rPr lang="en-US" sz="1200" b="1" dirty="0" smtClean="0">
                 <a:solidFill>
                   <a:srgbClr val="646464"/>
                 </a:solidFill>
@@ -4588,7 +4599,7 @@
               <a:t>@</a:t>
             </a:r>
             <a:r>
-              <a:rPr lang="en-US" sz="1100" b="1" dirty="0" err="1" smtClean="0">
+              <a:rPr lang="en-US" sz="1200" b="1" dirty="0" err="1" smtClean="0">
                 <a:solidFill>
                   <a:srgbClr val="646464"/>
                 </a:solidFill>
@@ -4597,7 +4608,7 @@
               <a:t>RegEx</a:t>
             </a:r>
             <a:r>
-              <a:rPr lang="en-US" sz="1100" b="1" dirty="0" smtClean="0">
+              <a:rPr lang="en-US" sz="1200" b="1" dirty="0" smtClean="0">
                 <a:solidFill>
                   <a:srgbClr val="000000"/>
                 </a:solidFill>
@@ -4606,7 +4617,7 @@
               <a:t>(validation = </a:t>
             </a:r>
             <a:r>
-              <a:rPr lang="en-US" sz="1100" b="1" dirty="0" smtClean="0">
+              <a:rPr lang="en-US" sz="1200" b="1" dirty="0" smtClean="0">
                 <a:solidFill>
                   <a:srgbClr val="2A00FF"/>
                 </a:solidFill>
@@ -4615,7 +4626,7 @@
               <a:t>"\\w[@&amp;:\\-\\,\\.\\+ \\w]*"</a:t>
             </a:r>
             <a:r>
-              <a:rPr lang="en-US" sz="1100" b="1" dirty="0" smtClean="0">
+              <a:rPr lang="en-US" sz="1200" b="1" dirty="0" smtClean="0">
                 <a:solidFill>
                   <a:srgbClr val="000000"/>
                 </a:solidFill>
@@ -4624,7 +4635,7 @@
               <a:t>) </a:t>
             </a:r>
             <a:r>
-              <a:rPr lang="en-US" sz="1100" b="1" dirty="0" smtClean="0">
+              <a:rPr lang="en-US" sz="1200" b="1" dirty="0" smtClean="0">
                 <a:solidFill>
                   <a:srgbClr val="646464"/>
                 </a:solidFill>
@@ -4633,7 +4644,7 @@
               <a:t>@Named</a:t>
             </a:r>
             <a:r>
-              <a:rPr lang="en-US" sz="1100" b="1" dirty="0" smtClean="0">
+              <a:rPr lang="en-US" sz="1200" b="1" dirty="0" smtClean="0">
                 <a:solidFill>
                   <a:srgbClr val="000000"/>
                 </a:solidFill>
@@ -4642,7 +4653,7 @@
               <a:t>(</a:t>
             </a:r>
             <a:r>
-              <a:rPr lang="en-US" sz="1100" b="1" dirty="0" smtClean="0">
+              <a:rPr lang="en-US" sz="1200" b="1" dirty="0" smtClean="0">
                 <a:solidFill>
                   <a:srgbClr val="2A00FF"/>
                 </a:solidFill>
@@ -4651,90 +4662,16 @@
               <a:t>"Description"</a:t>
             </a:r>
             <a:r>
-              <a:rPr lang="en-US" sz="1100" b="1" dirty="0" smtClean="0">
-                <a:solidFill>
-                  <a:srgbClr val="000000"/>
-                </a:solidFill>
-                <a:latin typeface="Consolas"/>
-              </a:rPr>
-              <a:t>) String description, </a:t>
-            </a:r>
-          </a:p>
-          <a:p>
-            <a:r>
-              <a:rPr lang="en-US" sz="1100" dirty="0" smtClean="0">
-                <a:solidFill>
-                  <a:srgbClr val="000000"/>
-                </a:solidFill>
-                <a:latin typeface="Consolas"/>
-              </a:rPr>
-              <a:t>        </a:t>
-            </a:r>
-            <a:r>
-              <a:rPr lang="en-US" sz="1100" b="1" dirty="0" smtClean="0">
-                <a:solidFill>
-                  <a:srgbClr val="7F0055"/>
-                </a:solidFill>
-                <a:latin typeface="Consolas"/>
-              </a:rPr>
-              <a:t>final</a:t>
-            </a:r>
-            <a:r>
-              <a:rPr lang="en-US" sz="1100" b="1" dirty="0" smtClean="0">
-                <a:solidFill>
-                  <a:srgbClr val="000000"/>
-                </a:solidFill>
-                <a:latin typeface="Consolas"/>
-              </a:rPr>
-              <a:t> </a:t>
-            </a:r>
-            <a:r>
-              <a:rPr lang="en-US" sz="1100" b="1" dirty="0" smtClean="0">
-                <a:solidFill>
-                  <a:srgbClr val="646464"/>
-                </a:solidFill>
-                <a:latin typeface="Consolas"/>
-              </a:rPr>
-              <a:t>@Named</a:t>
-            </a:r>
-            <a:r>
-              <a:rPr lang="en-US" sz="1100" b="1" dirty="0" smtClean="0">
-                <a:solidFill>
-                  <a:srgbClr val="000000"/>
-                </a:solidFill>
-                <a:latin typeface="Consolas"/>
-              </a:rPr>
-              <a:t>(</a:t>
-            </a:r>
-            <a:r>
-              <a:rPr lang="en-US" sz="1100" b="1" dirty="0" smtClean="0">
-                <a:solidFill>
-                  <a:srgbClr val="2A00FF"/>
-                </a:solidFill>
-                <a:latin typeface="Consolas"/>
-              </a:rPr>
-              <a:t>"Category"</a:t>
-            </a:r>
-            <a:r>
-              <a:rPr lang="en-US" sz="1100" b="1" dirty="0" smtClean="0">
-                <a:solidFill>
-                  <a:srgbClr val="000000"/>
-                </a:solidFill>
-                <a:latin typeface="Consolas"/>
-              </a:rPr>
-              <a:t>) Category </a:t>
-            </a:r>
-            <a:r>
-              <a:rPr lang="en-US" sz="1100" b="1" dirty="0" err="1" smtClean="0">
-                <a:solidFill>
-                  <a:srgbClr val="000000"/>
-                </a:solidFill>
-                <a:latin typeface="Consolas"/>
-              </a:rPr>
-              <a:t>category</a:t>
-            </a:r>
-            <a:r>
-              <a:rPr lang="en-US" sz="1100" b="1" dirty="0" smtClean="0">
+              <a:rPr lang="en-US" sz="1200" b="1" dirty="0" smtClean="0">
+                <a:solidFill>
+                  <a:srgbClr val="000000"/>
+                </a:solidFill>
+                <a:latin typeface="Consolas"/>
+              </a:rPr>
+              <a:t>) String description</a:t>
+            </a:r>
+            <a:r>
+              <a:rPr lang="en-US" sz="1200" b="1" dirty="0" smtClean="0">
                 <a:solidFill>
                   <a:srgbClr val="000000"/>
                 </a:solidFill>
@@ -4742,330 +4679,7 @@
               </a:rPr>
               <a:t>,</a:t>
             </a:r>
-          </a:p>
-          <a:p>
-            <a:r>
-              <a:rPr lang="en-US" sz="1100" dirty="0" smtClean="0">
-                <a:solidFill>
-                  <a:srgbClr val="000000"/>
-                </a:solidFill>
-                <a:latin typeface="Consolas"/>
-              </a:rPr>
-              <a:t>        </a:t>
-            </a:r>
-            <a:r>
-              <a:rPr lang="en-US" sz="1100" b="1" dirty="0" smtClean="0">
-                <a:solidFill>
-                  <a:srgbClr val="7F0055"/>
-                </a:solidFill>
-                <a:latin typeface="Consolas"/>
-              </a:rPr>
-              <a:t>final</a:t>
-            </a:r>
-            <a:r>
-              <a:rPr lang="en-US" sz="1100" b="1" dirty="0" smtClean="0">
-                <a:solidFill>
-                  <a:srgbClr val="000000"/>
-                </a:solidFill>
-                <a:latin typeface="Consolas"/>
-              </a:rPr>
-              <a:t> </a:t>
-            </a:r>
-            <a:r>
-              <a:rPr lang="en-US" sz="1100" b="1" dirty="0" smtClean="0">
-                <a:solidFill>
-                  <a:srgbClr val="646464"/>
-                </a:solidFill>
-                <a:latin typeface="Consolas"/>
-              </a:rPr>
-              <a:t>@Named</a:t>
-            </a:r>
-            <a:r>
-              <a:rPr lang="en-US" sz="1100" b="1" dirty="0" smtClean="0">
-                <a:solidFill>
-                  <a:srgbClr val="000000"/>
-                </a:solidFill>
-                <a:latin typeface="Consolas"/>
-              </a:rPr>
-              <a:t>(</a:t>
-            </a:r>
-            <a:r>
-              <a:rPr lang="en-US" sz="1100" b="1" dirty="0" smtClean="0">
-                <a:solidFill>
-                  <a:srgbClr val="2A00FF"/>
-                </a:solidFill>
-                <a:latin typeface="Consolas"/>
-              </a:rPr>
-              <a:t>"Subcategory"</a:t>
-            </a:r>
-            <a:r>
-              <a:rPr lang="en-US" sz="1100" b="1" dirty="0" smtClean="0">
-                <a:solidFill>
-                  <a:srgbClr val="000000"/>
-                </a:solidFill>
-                <a:latin typeface="Consolas"/>
-              </a:rPr>
-              <a:t>) Subcategory </a:t>
-            </a:r>
-            <a:r>
-              <a:rPr lang="en-US" sz="1100" b="1" dirty="0" err="1" smtClean="0">
-                <a:solidFill>
-                  <a:srgbClr val="000000"/>
-                </a:solidFill>
-                <a:latin typeface="Consolas"/>
-              </a:rPr>
-              <a:t>subcategory</a:t>
-            </a:r>
-            <a:r>
-              <a:rPr lang="en-US" sz="1100" b="1" dirty="0" smtClean="0">
-                <a:solidFill>
-                  <a:srgbClr val="000000"/>
-                </a:solidFill>
-                <a:latin typeface="Consolas"/>
-              </a:rPr>
-              <a:t>,</a:t>
-            </a:r>
-          </a:p>
-          <a:p>
-            <a:r>
-              <a:rPr lang="en-US" sz="1100" dirty="0" smtClean="0">
-                <a:solidFill>
-                  <a:srgbClr val="000000"/>
-                </a:solidFill>
-                <a:latin typeface="Consolas"/>
-              </a:rPr>
-              <a:t>        </a:t>
-            </a:r>
-            <a:r>
-              <a:rPr lang="en-US" sz="1100" b="1" dirty="0" smtClean="0">
-                <a:solidFill>
-                  <a:srgbClr val="7F0055"/>
-                </a:solidFill>
-                <a:latin typeface="Consolas"/>
-              </a:rPr>
-              <a:t>final</a:t>
-            </a:r>
-            <a:r>
-              <a:rPr lang="en-US" sz="1100" b="1" dirty="0" smtClean="0">
-                <a:solidFill>
-                  <a:srgbClr val="000000"/>
-                </a:solidFill>
-                <a:latin typeface="Consolas"/>
-              </a:rPr>
-              <a:t> </a:t>
-            </a:r>
-            <a:r>
-              <a:rPr lang="en-US" sz="1100" b="1" dirty="0" smtClean="0">
-                <a:solidFill>
-                  <a:srgbClr val="646464"/>
-                </a:solidFill>
-                <a:latin typeface="Consolas"/>
-              </a:rPr>
-              <a:t>@Optional</a:t>
-            </a:r>
-            <a:r>
-              <a:rPr lang="en-US" sz="1100" b="1" dirty="0" smtClean="0">
-                <a:solidFill>
-                  <a:srgbClr val="000000"/>
-                </a:solidFill>
-                <a:latin typeface="Consolas"/>
-              </a:rPr>
-              <a:t> </a:t>
-            </a:r>
-            <a:r>
-              <a:rPr lang="en-US" sz="1100" b="1" dirty="0" smtClean="0">
-                <a:solidFill>
-                  <a:srgbClr val="646464"/>
-                </a:solidFill>
-                <a:latin typeface="Consolas"/>
-              </a:rPr>
-              <a:t>@Named</a:t>
-            </a:r>
-            <a:r>
-              <a:rPr lang="en-US" sz="1100" b="1" dirty="0" smtClean="0">
-                <a:solidFill>
-                  <a:srgbClr val="000000"/>
-                </a:solidFill>
-                <a:latin typeface="Consolas"/>
-              </a:rPr>
-              <a:t>(</a:t>
-            </a:r>
-            <a:r>
-              <a:rPr lang="en-US" sz="1100" b="1" dirty="0" smtClean="0">
-                <a:solidFill>
-                  <a:srgbClr val="2A00FF"/>
-                </a:solidFill>
-                <a:latin typeface="Consolas"/>
-              </a:rPr>
-              <a:t>"Due by"</a:t>
-            </a:r>
-            <a:r>
-              <a:rPr lang="en-US" sz="1100" b="1" dirty="0" smtClean="0">
-                <a:solidFill>
-                  <a:srgbClr val="000000"/>
-                </a:solidFill>
-                <a:latin typeface="Consolas"/>
-              </a:rPr>
-              <a:t>) </a:t>
-            </a:r>
-            <a:r>
-              <a:rPr lang="en-US" sz="1100" b="1" dirty="0" err="1" smtClean="0">
-                <a:solidFill>
-                  <a:srgbClr val="000000"/>
-                </a:solidFill>
-                <a:latin typeface="Consolas"/>
-              </a:rPr>
-              <a:t>LocalDate</a:t>
-            </a:r>
-            <a:r>
-              <a:rPr lang="en-US" sz="1100" b="1" dirty="0" smtClean="0">
-                <a:solidFill>
-                  <a:srgbClr val="000000"/>
-                </a:solidFill>
-                <a:latin typeface="Consolas"/>
-              </a:rPr>
-              <a:t> </a:t>
-            </a:r>
-            <a:r>
-              <a:rPr lang="en-US" sz="1100" b="1" dirty="0" err="1" smtClean="0">
-                <a:solidFill>
-                  <a:srgbClr val="000000"/>
-                </a:solidFill>
-                <a:latin typeface="Consolas"/>
-              </a:rPr>
-              <a:t>dueBy</a:t>
-            </a:r>
-            <a:r>
-              <a:rPr lang="en-US" sz="1100" b="1" dirty="0" smtClean="0">
-                <a:solidFill>
-                  <a:srgbClr val="000000"/>
-                </a:solidFill>
-                <a:latin typeface="Consolas"/>
-              </a:rPr>
-              <a:t>,</a:t>
-            </a:r>
-          </a:p>
-          <a:p>
-            <a:r>
-              <a:rPr lang="en-GB" sz="1100" dirty="0" smtClean="0">
-                <a:solidFill>
-                  <a:srgbClr val="000000"/>
-                </a:solidFill>
-                <a:latin typeface="Consolas"/>
-              </a:rPr>
-              <a:t>        </a:t>
-            </a:r>
-            <a:r>
-              <a:rPr lang="en-GB" sz="1100" b="1" dirty="0" smtClean="0">
-                <a:solidFill>
-                  <a:srgbClr val="7F0055"/>
-                </a:solidFill>
-                <a:latin typeface="Consolas"/>
-              </a:rPr>
-              <a:t>final</a:t>
-            </a:r>
-            <a:r>
-              <a:rPr lang="en-GB" sz="1100" b="1" dirty="0" smtClean="0">
-                <a:solidFill>
-                  <a:srgbClr val="000000"/>
-                </a:solidFill>
-                <a:latin typeface="Consolas"/>
-              </a:rPr>
-              <a:t> </a:t>
-            </a:r>
-            <a:r>
-              <a:rPr lang="en-GB" sz="1100" b="1" dirty="0" smtClean="0">
-                <a:solidFill>
-                  <a:srgbClr val="646464"/>
-                </a:solidFill>
-                <a:latin typeface="Consolas"/>
-              </a:rPr>
-              <a:t>@Optional</a:t>
-            </a:r>
-            <a:r>
-              <a:rPr lang="en-GB" sz="1100" b="1" dirty="0" smtClean="0">
-                <a:solidFill>
-                  <a:srgbClr val="000000"/>
-                </a:solidFill>
-                <a:latin typeface="Consolas"/>
-              </a:rPr>
-              <a:t> </a:t>
-            </a:r>
-            <a:r>
-              <a:rPr lang="en-GB" sz="1100" b="1" dirty="0" smtClean="0">
-                <a:solidFill>
-                  <a:srgbClr val="646464"/>
-                </a:solidFill>
-                <a:latin typeface="Consolas"/>
-              </a:rPr>
-              <a:t>@Named</a:t>
-            </a:r>
-            <a:r>
-              <a:rPr lang="en-GB" sz="1100" b="1" dirty="0" smtClean="0">
-                <a:solidFill>
-                  <a:srgbClr val="000000"/>
-                </a:solidFill>
-                <a:latin typeface="Consolas"/>
-              </a:rPr>
-              <a:t>(</a:t>
-            </a:r>
-            <a:r>
-              <a:rPr lang="en-GB" sz="1100" b="1" dirty="0" smtClean="0">
-                <a:solidFill>
-                  <a:srgbClr val="2A00FF"/>
-                </a:solidFill>
-                <a:latin typeface="Consolas"/>
-              </a:rPr>
-              <a:t>"Cost"</a:t>
-            </a:r>
-            <a:r>
-              <a:rPr lang="en-GB" sz="1100" b="1" dirty="0" smtClean="0">
-                <a:solidFill>
-                  <a:srgbClr val="000000"/>
-                </a:solidFill>
-                <a:latin typeface="Consolas"/>
-              </a:rPr>
-              <a:t>) </a:t>
-            </a:r>
-            <a:r>
-              <a:rPr lang="en-GB" sz="1100" b="1" dirty="0" err="1" smtClean="0">
-                <a:solidFill>
-                  <a:srgbClr val="000000"/>
-                </a:solidFill>
-                <a:latin typeface="Consolas"/>
-              </a:rPr>
-              <a:t>BigDecimal</a:t>
-            </a:r>
-            <a:r>
-              <a:rPr lang="en-GB" sz="1100" b="1" dirty="0" smtClean="0">
-                <a:solidFill>
-                  <a:srgbClr val="000000"/>
-                </a:solidFill>
-                <a:latin typeface="Consolas"/>
-              </a:rPr>
-              <a:t> cost) {</a:t>
-            </a:r>
-          </a:p>
-          <a:p>
-            <a:r>
-              <a:rPr lang="en-GB" sz="1100" dirty="0" smtClean="0">
-                <a:solidFill>
-                  <a:srgbClr val="000000"/>
-                </a:solidFill>
-                <a:latin typeface="Consolas"/>
-              </a:rPr>
-              <a:t>    </a:t>
-            </a:r>
-            <a:r>
-              <a:rPr lang="en-GB" sz="1100" b="1" dirty="0" smtClean="0">
-                <a:solidFill>
-                  <a:srgbClr val="7F0055"/>
-                </a:solidFill>
-                <a:latin typeface="Consolas"/>
-              </a:rPr>
-              <a:t>...</a:t>
-            </a:r>
-            <a:endParaRPr lang="en-US" sz="1100" b="1" dirty="0" smtClean="0">
+            <a:endParaRPr lang="en-US" sz="1200" b="1" dirty="0" smtClean="0">
               <a:solidFill>
                 <a:srgbClr val="000000"/>
               </a:solidFill>
@@ -5074,7 +4688,409 @@
           </a:p>
           <a:p>
             <a:r>
-              <a:rPr lang="en-GB" sz="1100" dirty="0" smtClean="0">
+              <a:rPr lang="en-US" sz="1200" b="1" dirty="0" smtClean="0">
+                <a:solidFill>
+                  <a:srgbClr val="000000"/>
+                </a:solidFill>
+                <a:latin typeface="Consolas"/>
+              </a:rPr>
+              <a:t>    </a:t>
+            </a:r>
+            <a:r>
+              <a:rPr lang="en-US" sz="1200" b="1" dirty="0" smtClean="0">
+                <a:solidFill>
+                  <a:srgbClr val="7F0055"/>
+                </a:solidFill>
+                <a:latin typeface="Consolas"/>
+              </a:rPr>
+              <a:t>final</a:t>
+            </a:r>
+            <a:r>
+              <a:rPr lang="en-US" sz="1200" b="1" dirty="0" smtClean="0">
+                <a:solidFill>
+                  <a:srgbClr val="000000"/>
+                </a:solidFill>
+                <a:latin typeface="Consolas"/>
+              </a:rPr>
+              <a:t> </a:t>
+            </a:r>
+            <a:r>
+              <a:rPr lang="en-US" sz="1200" b="1" dirty="0" smtClean="0">
+                <a:solidFill>
+                  <a:srgbClr val="646464"/>
+                </a:solidFill>
+                <a:latin typeface="Consolas"/>
+              </a:rPr>
+              <a:t>@Named</a:t>
+            </a:r>
+            <a:r>
+              <a:rPr lang="en-US" sz="1200" b="1" dirty="0" smtClean="0">
+                <a:solidFill>
+                  <a:srgbClr val="000000"/>
+                </a:solidFill>
+                <a:latin typeface="Consolas"/>
+              </a:rPr>
+              <a:t>(</a:t>
+            </a:r>
+            <a:r>
+              <a:rPr lang="en-US" sz="1200" b="1" dirty="0" smtClean="0">
+                <a:solidFill>
+                  <a:srgbClr val="2A00FF"/>
+                </a:solidFill>
+                <a:latin typeface="Consolas"/>
+              </a:rPr>
+              <a:t>"Category"</a:t>
+            </a:r>
+            <a:r>
+              <a:rPr lang="en-US" sz="1200" b="1" dirty="0" smtClean="0">
+                <a:solidFill>
+                  <a:srgbClr val="000000"/>
+                </a:solidFill>
+                <a:latin typeface="Consolas"/>
+              </a:rPr>
+              <a:t>) Category </a:t>
+            </a:r>
+            <a:r>
+              <a:rPr lang="en-US" sz="1200" b="1" dirty="0" err="1" smtClean="0">
+                <a:solidFill>
+                  <a:srgbClr val="000000"/>
+                </a:solidFill>
+                <a:latin typeface="Consolas"/>
+              </a:rPr>
+              <a:t>category</a:t>
+            </a:r>
+            <a:r>
+              <a:rPr lang="en-US" sz="1200" b="1" dirty="0" smtClean="0">
+                <a:solidFill>
+                  <a:srgbClr val="000000"/>
+                </a:solidFill>
+                <a:latin typeface="Consolas"/>
+              </a:rPr>
+              <a:t>,</a:t>
+            </a:r>
+          </a:p>
+          <a:p>
+            <a:r>
+              <a:rPr lang="en-US" sz="1200" b="1" dirty="0" smtClean="0">
+                <a:solidFill>
+                  <a:srgbClr val="000000"/>
+                </a:solidFill>
+                <a:latin typeface="Consolas"/>
+              </a:rPr>
+              <a:t>    </a:t>
+            </a:r>
+            <a:r>
+              <a:rPr lang="en-US" sz="1200" b="1" dirty="0" smtClean="0">
+                <a:solidFill>
+                  <a:srgbClr val="7F0055"/>
+                </a:solidFill>
+                <a:latin typeface="Consolas"/>
+              </a:rPr>
+              <a:t>final</a:t>
+            </a:r>
+            <a:r>
+              <a:rPr lang="en-US" sz="1200" b="1" dirty="0" smtClean="0">
+                <a:solidFill>
+                  <a:srgbClr val="000000"/>
+                </a:solidFill>
+                <a:latin typeface="Consolas"/>
+              </a:rPr>
+              <a:t> </a:t>
+            </a:r>
+            <a:r>
+              <a:rPr lang="en-US" sz="1200" b="1" dirty="0" smtClean="0">
+                <a:solidFill>
+                  <a:srgbClr val="646464"/>
+                </a:solidFill>
+                <a:latin typeface="Consolas"/>
+              </a:rPr>
+              <a:t>@Named</a:t>
+            </a:r>
+            <a:r>
+              <a:rPr lang="en-US" sz="1200" b="1" dirty="0" smtClean="0">
+                <a:solidFill>
+                  <a:srgbClr val="000000"/>
+                </a:solidFill>
+                <a:latin typeface="Consolas"/>
+              </a:rPr>
+              <a:t>(</a:t>
+            </a:r>
+            <a:r>
+              <a:rPr lang="en-US" sz="1200" b="1" dirty="0" smtClean="0">
+                <a:solidFill>
+                  <a:srgbClr val="2A00FF"/>
+                </a:solidFill>
+                <a:latin typeface="Consolas"/>
+              </a:rPr>
+              <a:t>"Subcategory"</a:t>
+            </a:r>
+            <a:r>
+              <a:rPr lang="en-US" sz="1200" b="1" dirty="0" smtClean="0">
+                <a:solidFill>
+                  <a:srgbClr val="000000"/>
+                </a:solidFill>
+                <a:latin typeface="Consolas"/>
+              </a:rPr>
+              <a:t>) Subcategory </a:t>
+            </a:r>
+            <a:r>
+              <a:rPr lang="en-US" sz="1200" b="1" dirty="0" err="1" smtClean="0">
+                <a:solidFill>
+                  <a:srgbClr val="000000"/>
+                </a:solidFill>
+                <a:latin typeface="Consolas"/>
+              </a:rPr>
+              <a:t>subcategory</a:t>
+            </a:r>
+            <a:r>
+              <a:rPr lang="en-US" sz="1200" b="1" dirty="0" smtClean="0">
+                <a:solidFill>
+                  <a:srgbClr val="000000"/>
+                </a:solidFill>
+                <a:latin typeface="Consolas"/>
+              </a:rPr>
+              <a:t>,</a:t>
+            </a:r>
+          </a:p>
+          <a:p>
+            <a:r>
+              <a:rPr lang="en-US" sz="1200" b="1" dirty="0" smtClean="0">
+                <a:solidFill>
+                  <a:srgbClr val="000000"/>
+                </a:solidFill>
+                <a:latin typeface="Consolas"/>
+              </a:rPr>
+              <a:t>    </a:t>
+            </a:r>
+            <a:r>
+              <a:rPr lang="en-US" sz="1200" b="1" dirty="0" smtClean="0">
+                <a:solidFill>
+                  <a:srgbClr val="7F0055"/>
+                </a:solidFill>
+                <a:latin typeface="Consolas"/>
+              </a:rPr>
+              <a:t>final</a:t>
+            </a:r>
+            <a:r>
+              <a:rPr lang="en-US" sz="1200" b="1" dirty="0" smtClean="0">
+                <a:solidFill>
+                  <a:srgbClr val="000000"/>
+                </a:solidFill>
+                <a:latin typeface="Consolas"/>
+              </a:rPr>
+              <a:t> </a:t>
+            </a:r>
+            <a:r>
+              <a:rPr lang="en-US" sz="1200" b="1" dirty="0" smtClean="0">
+                <a:solidFill>
+                  <a:srgbClr val="646464"/>
+                </a:solidFill>
+                <a:latin typeface="Consolas"/>
+              </a:rPr>
+              <a:t>@Optional</a:t>
+            </a:r>
+            <a:r>
+              <a:rPr lang="en-US" sz="1200" b="1" dirty="0" smtClean="0">
+                <a:solidFill>
+                  <a:srgbClr val="000000"/>
+                </a:solidFill>
+                <a:latin typeface="Consolas"/>
+              </a:rPr>
+              <a:t> </a:t>
+            </a:r>
+            <a:r>
+              <a:rPr lang="en-US" sz="1200" b="1" dirty="0" smtClean="0">
+                <a:solidFill>
+                  <a:srgbClr val="646464"/>
+                </a:solidFill>
+                <a:latin typeface="Consolas"/>
+              </a:rPr>
+              <a:t>@Named</a:t>
+            </a:r>
+            <a:r>
+              <a:rPr lang="en-US" sz="1200" b="1" dirty="0" smtClean="0">
+                <a:solidFill>
+                  <a:srgbClr val="000000"/>
+                </a:solidFill>
+                <a:latin typeface="Consolas"/>
+              </a:rPr>
+              <a:t>(</a:t>
+            </a:r>
+            <a:r>
+              <a:rPr lang="en-US" sz="1200" b="1" dirty="0" smtClean="0">
+                <a:solidFill>
+                  <a:srgbClr val="2A00FF"/>
+                </a:solidFill>
+                <a:latin typeface="Consolas"/>
+              </a:rPr>
+              <a:t>"Due by"</a:t>
+            </a:r>
+            <a:r>
+              <a:rPr lang="en-US" sz="1200" b="1" dirty="0" smtClean="0">
+                <a:solidFill>
+                  <a:srgbClr val="000000"/>
+                </a:solidFill>
+                <a:latin typeface="Consolas"/>
+              </a:rPr>
+              <a:t>) </a:t>
+            </a:r>
+            <a:r>
+              <a:rPr lang="en-US" sz="1200" b="1" dirty="0" err="1" smtClean="0">
+                <a:solidFill>
+                  <a:srgbClr val="000000"/>
+                </a:solidFill>
+                <a:latin typeface="Consolas"/>
+              </a:rPr>
+              <a:t>LocalDate</a:t>
+            </a:r>
+            <a:r>
+              <a:rPr lang="en-US" sz="1200" b="1" dirty="0" smtClean="0">
+                <a:solidFill>
+                  <a:srgbClr val="000000"/>
+                </a:solidFill>
+                <a:latin typeface="Consolas"/>
+              </a:rPr>
+              <a:t> </a:t>
+            </a:r>
+            <a:r>
+              <a:rPr lang="en-US" sz="1200" b="1" dirty="0" err="1" smtClean="0">
+                <a:solidFill>
+                  <a:srgbClr val="000000"/>
+                </a:solidFill>
+                <a:latin typeface="Consolas"/>
+              </a:rPr>
+              <a:t>dueBy</a:t>
+            </a:r>
+            <a:r>
+              <a:rPr lang="en-US" sz="1200" b="1" dirty="0" smtClean="0">
+                <a:solidFill>
+                  <a:srgbClr val="000000"/>
+                </a:solidFill>
+                <a:latin typeface="Consolas"/>
+              </a:rPr>
+              <a:t>,</a:t>
+            </a:r>
+          </a:p>
+          <a:p>
+            <a:r>
+              <a:rPr lang="en-GB" sz="1200" b="1" dirty="0" smtClean="0">
+                <a:solidFill>
+                  <a:srgbClr val="000000"/>
+                </a:solidFill>
+                <a:latin typeface="Consolas"/>
+              </a:rPr>
+              <a:t>    </a:t>
+            </a:r>
+            <a:r>
+              <a:rPr lang="en-GB" sz="1200" b="1" dirty="0" smtClean="0">
+                <a:solidFill>
+                  <a:srgbClr val="7F0055"/>
+                </a:solidFill>
+                <a:latin typeface="Consolas"/>
+              </a:rPr>
+              <a:t>final</a:t>
+            </a:r>
+            <a:r>
+              <a:rPr lang="en-GB" sz="1200" b="1" dirty="0" smtClean="0">
+                <a:solidFill>
+                  <a:srgbClr val="000000"/>
+                </a:solidFill>
+                <a:latin typeface="Consolas"/>
+              </a:rPr>
+              <a:t> </a:t>
+            </a:r>
+            <a:r>
+              <a:rPr lang="en-GB" sz="1200" b="1" dirty="0" smtClean="0">
+                <a:solidFill>
+                  <a:srgbClr val="646464"/>
+                </a:solidFill>
+                <a:latin typeface="Consolas"/>
+              </a:rPr>
+              <a:t>@Optional</a:t>
+            </a:r>
+            <a:r>
+              <a:rPr lang="en-GB" sz="1200" b="1" dirty="0" smtClean="0">
+                <a:solidFill>
+                  <a:srgbClr val="000000"/>
+                </a:solidFill>
+                <a:latin typeface="Consolas"/>
+              </a:rPr>
+              <a:t> </a:t>
+            </a:r>
+            <a:r>
+              <a:rPr lang="en-GB" sz="1200" b="1" dirty="0" smtClean="0">
+                <a:solidFill>
+                  <a:srgbClr val="646464"/>
+                </a:solidFill>
+                <a:latin typeface="Consolas"/>
+              </a:rPr>
+              <a:t>@Named</a:t>
+            </a:r>
+            <a:r>
+              <a:rPr lang="en-GB" sz="1200" b="1" dirty="0" smtClean="0">
+                <a:solidFill>
+                  <a:srgbClr val="000000"/>
+                </a:solidFill>
+                <a:latin typeface="Consolas"/>
+              </a:rPr>
+              <a:t>(</a:t>
+            </a:r>
+            <a:r>
+              <a:rPr lang="en-GB" sz="1200" b="1" dirty="0" smtClean="0">
+                <a:solidFill>
+                  <a:srgbClr val="2A00FF"/>
+                </a:solidFill>
+                <a:latin typeface="Consolas"/>
+              </a:rPr>
+              <a:t>"Cost"</a:t>
+            </a:r>
+            <a:r>
+              <a:rPr lang="en-GB" sz="1200" b="1" dirty="0" smtClean="0">
+                <a:solidFill>
+                  <a:srgbClr val="000000"/>
+                </a:solidFill>
+                <a:latin typeface="Consolas"/>
+              </a:rPr>
+              <a:t>) </a:t>
+            </a:r>
+            <a:r>
+              <a:rPr lang="en-GB" sz="1200" b="1" dirty="0" err="1" smtClean="0">
+                <a:solidFill>
+                  <a:srgbClr val="000000"/>
+                </a:solidFill>
+                <a:latin typeface="Consolas"/>
+              </a:rPr>
+              <a:t>BigDecimal</a:t>
+            </a:r>
+            <a:r>
+              <a:rPr lang="en-GB" sz="1200" b="1" dirty="0" smtClean="0">
+                <a:solidFill>
+                  <a:srgbClr val="000000"/>
+                </a:solidFill>
+                <a:latin typeface="Consolas"/>
+              </a:rPr>
+              <a:t> cost) </a:t>
+            </a:r>
+            <a:r>
+              <a:rPr lang="en-GB" sz="1200" b="1" dirty="0" smtClean="0">
+                <a:solidFill>
+                  <a:srgbClr val="000000"/>
+                </a:solidFill>
+                <a:latin typeface="Consolas"/>
+              </a:rPr>
+              <a:t>{ </a:t>
+            </a:r>
+            <a:r>
+              <a:rPr lang="en-GB" sz="1200" b="1" dirty="0" smtClean="0">
+                <a:solidFill>
+                  <a:srgbClr val="7F0055"/>
+                </a:solidFill>
+                <a:latin typeface="Consolas"/>
+              </a:rPr>
+              <a:t>... </a:t>
+            </a:r>
+            <a:r>
+              <a:rPr lang="en-GB" sz="1200" b="1" dirty="0" smtClean="0">
                 <a:solidFill>
                   <a:srgbClr val="000000"/>
                 </a:solidFill>
@@ -5082,6 +5098,49 @@
               </a:rPr>
               <a:t>}</a:t>
             </a:r>
+          </a:p>
+          <a:p>
+            <a:r>
+              <a:rPr lang="en-GB" sz="1200" b="1" dirty="0">
+                <a:solidFill>
+                  <a:srgbClr val="000000"/>
+                </a:solidFill>
+                <a:latin typeface="Consolas"/>
+              </a:rPr>
+              <a:t> </a:t>
+            </a:r>
+            <a:r>
+              <a:rPr lang="en-GB" sz="1200" b="1" dirty="0" smtClean="0">
+                <a:solidFill>
+                  <a:srgbClr val="000000"/>
+                </a:solidFill>
+                <a:latin typeface="Consolas"/>
+              </a:rPr>
+              <a:t> </a:t>
+            </a:r>
+            <a:endParaRPr lang="en-GB" sz="1200" b="1" dirty="0" smtClean="0">
+              <a:solidFill>
+                <a:srgbClr val="000000"/>
+              </a:solidFill>
+              <a:latin typeface="Consolas"/>
+            </a:endParaRPr>
+          </a:p>
+          <a:p>
+            <a:r>
+              <a:rPr lang="en-GB" sz="1200" b="1" dirty="0" smtClean="0">
+                <a:solidFill>
+                  <a:srgbClr val="000000"/>
+                </a:solidFill>
+                <a:latin typeface="Consolas"/>
+              </a:rPr>
+              <a:t>}</a:t>
+            </a:r>
+            <a:endParaRPr lang="en-GB" sz="1200" b="1" dirty="0" smtClean="0">
+              <a:solidFill>
+                <a:srgbClr val="000000"/>
+              </a:solidFill>
+              <a:latin typeface="Consolas"/>
+            </a:endParaRPr>
           </a:p>
         </p:txBody>
       </p:sp>
@@ -5124,11 +5183,16 @@
         <p:spPr>
           <a:xfrm>
             <a:off x="1480869" y="1052736"/>
-            <a:ext cx="4339650" cy="1107996"/>
+            <a:ext cx="4603299" cy="1200329"/>
           </a:xfrm>
           <a:prstGeom prst="rect">
             <a:avLst/>
           </a:prstGeom>
+          <a:solidFill>
+            <a:schemeClr val="bg1">
+              <a:lumMod val="95000"/>
+            </a:schemeClr>
+          </a:solidFill>
         </p:spPr>
         <p:style>
           <a:lnRef idx="1">
@@ -5145,13 +5209,13 @@
           </a:fontRef>
         </p:style>
         <p:txBody>
-          <a:bodyPr wrap="none" rtlCol="0">
+          <a:bodyPr wrap="square" rtlCol="0">
             <a:spAutoFit/>
           </a:bodyPr>
           <a:lstStyle/>
           <a:p>
             <a:r>
-              <a:rPr lang="en-GB" sz="1100" b="1" dirty="0" smtClean="0">
+              <a:rPr lang="en-GB" sz="1200" b="1" dirty="0" smtClean="0">
                 <a:solidFill>
                   <a:srgbClr val="7F0055"/>
                 </a:solidFill>
@@ -5160,7 +5224,7 @@
               <a:t>public</a:t>
             </a:r>
             <a:r>
-              <a:rPr lang="en-GB" sz="1100" b="1" dirty="0" smtClean="0">
+              <a:rPr lang="en-GB" sz="1200" b="1" dirty="0" smtClean="0">
                 <a:solidFill>
                   <a:srgbClr val="000000"/>
                 </a:solidFill>
@@ -5169,7 +5233,7 @@
               <a:t> </a:t>
             </a:r>
             <a:r>
-              <a:rPr lang="en-GB" sz="1100" b="1" dirty="0" smtClean="0">
+              <a:rPr lang="en-GB" sz="1200" b="1" dirty="0" smtClean="0">
                 <a:solidFill>
                   <a:srgbClr val="7F0055"/>
                 </a:solidFill>
@@ -5178,7 +5242,7 @@
               <a:t>static</a:t>
             </a:r>
             <a:r>
-              <a:rPr lang="en-GB" sz="1100" b="1" dirty="0" smtClean="0">
+              <a:rPr lang="en-GB" sz="1200" b="1" dirty="0" smtClean="0">
                 <a:solidFill>
                   <a:srgbClr val="000000"/>
                 </a:solidFill>
@@ -5187,7 +5251,7 @@
               <a:t> </a:t>
             </a:r>
             <a:r>
-              <a:rPr lang="en-GB" sz="1100" b="1" dirty="0" err="1" smtClean="0">
+              <a:rPr lang="en-GB" sz="1200" b="1" dirty="0" err="1" smtClean="0">
                 <a:solidFill>
                   <a:srgbClr val="7F0055"/>
                 </a:solidFill>
@@ -5196,7 +5260,7 @@
               <a:t>enum</a:t>
             </a:r>
             <a:r>
-              <a:rPr lang="en-GB" sz="1100" b="1" dirty="0" smtClean="0">
+              <a:rPr lang="en-GB" sz="1200" b="1" dirty="0" smtClean="0">
                 <a:solidFill>
                   <a:srgbClr val="000000"/>
                 </a:solidFill>
@@ -5207,16 +5271,16 @@
           </a:p>
           <a:p>
             <a:r>
-              <a:rPr lang="en-GB" sz="1100" dirty="0" smtClean="0">
-                <a:solidFill>
-                  <a:srgbClr val="000000"/>
-                </a:solidFill>
-                <a:latin typeface="Consolas"/>
-              </a:rPr>
-              <a:t>    </a:t>
-            </a:r>
-            <a:r>
-              <a:rPr lang="en-GB" sz="1100" i="1" dirty="0" smtClean="0">
+              <a:rPr lang="en-GB" sz="1200" dirty="0" smtClean="0">
+                <a:solidFill>
+                  <a:srgbClr val="000000"/>
+                </a:solidFill>
+                <a:latin typeface="Consolas"/>
+              </a:rPr>
+              <a:t>  </a:t>
+            </a:r>
+            <a:r>
+              <a:rPr lang="en-GB" sz="1200" i="1" dirty="0" smtClean="0">
                 <a:solidFill>
                   <a:srgbClr val="0000C0"/>
                 </a:solidFill>
@@ -5225,7 +5289,7 @@
               <a:t>Professional</a:t>
             </a:r>
             <a:r>
-              <a:rPr lang="en-GB" sz="1100" i="1" dirty="0" smtClean="0">
+              <a:rPr lang="en-GB" sz="1200" i="1" dirty="0" smtClean="0">
                 <a:solidFill>
                   <a:srgbClr val="000000"/>
                 </a:solidFill>
@@ -5234,7 +5298,7 @@
               <a:t> </a:t>
             </a:r>
             <a:r>
-              <a:rPr lang="en-GB" sz="1100" dirty="0" smtClean="0">
+              <a:rPr lang="en-GB" sz="1200" dirty="0" smtClean="0">
                 <a:solidFill>
                   <a:srgbClr val="000000"/>
                 </a:solidFill>
@@ -5245,16 +5309,16 @@
           </a:p>
           <a:p>
             <a:r>
-              <a:rPr lang="en-GB" sz="1100" dirty="0" smtClean="0">
-                <a:solidFill>
-                  <a:srgbClr val="000000"/>
-                </a:solidFill>
-                <a:latin typeface="Consolas"/>
-              </a:rPr>
-              <a:t>    </a:t>
-            </a:r>
-            <a:r>
-              <a:rPr lang="en-GB" sz="1100" i="1" dirty="0" smtClean="0">
+              <a:rPr lang="en-GB" sz="1200" dirty="0" smtClean="0">
+                <a:solidFill>
+                  <a:srgbClr val="000000"/>
+                </a:solidFill>
+                <a:latin typeface="Consolas"/>
+              </a:rPr>
+              <a:t>  </a:t>
+            </a:r>
+            <a:r>
+              <a:rPr lang="en-GB" sz="1200" i="1" dirty="0" smtClean="0">
                 <a:solidFill>
                   <a:srgbClr val="0000C0"/>
                 </a:solidFill>
@@ -5263,7 +5327,7 @@
               <a:t>Domestic</a:t>
             </a:r>
             <a:r>
-              <a:rPr lang="en-GB" sz="1100" i="1" dirty="0" smtClean="0">
+              <a:rPr lang="en-GB" sz="1200" i="1" dirty="0" smtClean="0">
                 <a:solidFill>
                   <a:srgbClr val="000000"/>
                 </a:solidFill>
@@ -5272,7 +5336,7 @@
               <a:t> </a:t>
             </a:r>
             <a:r>
-              <a:rPr lang="en-GB" sz="1100" dirty="0" smtClean="0">
+              <a:rPr lang="en-GB" sz="1200" dirty="0" smtClean="0">
                 <a:solidFill>
                   <a:srgbClr val="000000"/>
                 </a:solidFill>
@@ -5283,16 +5347,25 @@
           </a:p>
           <a:p>
             <a:r>
-              <a:rPr lang="en-GB" sz="1100" dirty="0" smtClean="0">
-                <a:solidFill>
-                  <a:srgbClr val="000000"/>
-                </a:solidFill>
-                <a:latin typeface="Consolas"/>
-              </a:rPr>
-              <a:t>    </a:t>
-            </a:r>
-            <a:r>
-              <a:rPr lang="en-GB" sz="1100" i="1" dirty="0" smtClean="0">
+              <a:rPr lang="en-GB" sz="1200" dirty="0" smtClean="0">
+                <a:solidFill>
+                  <a:srgbClr val="000000"/>
+                </a:solidFill>
+                <a:latin typeface="Consolas"/>
+              </a:rPr>
+              <a:t> </a:t>
+            </a:r>
+            <a:r>
+              <a:rPr lang="en-GB" sz="1200" dirty="0" smtClean="0">
+                <a:solidFill>
+                  <a:srgbClr val="000000"/>
+                </a:solidFill>
+                <a:latin typeface="Consolas"/>
+              </a:rPr>
+              <a:t> </a:t>
+            </a:r>
+            <a:r>
+              <a:rPr lang="en-GB" sz="1200" i="1" dirty="0" smtClean="0">
                 <a:solidFill>
                   <a:srgbClr val="0000C0"/>
                 </a:solidFill>
@@ -5301,7 +5374,7 @@
               <a:t>Other</a:t>
             </a:r>
             <a:r>
-              <a:rPr lang="en-GB" sz="1100" i="1" dirty="0" smtClean="0">
+              <a:rPr lang="en-GB" sz="1200" i="1" dirty="0" smtClean="0">
                 <a:solidFill>
                   <a:srgbClr val="000000"/>
                 </a:solidFill>
@@ -5310,7 +5383,7 @@
               <a:t> </a:t>
             </a:r>
             <a:r>
-              <a:rPr lang="en-GB" sz="1100" dirty="0" smtClean="0">
+              <a:rPr lang="en-GB" sz="1200" dirty="0" smtClean="0">
                 <a:solidFill>
                   <a:srgbClr val="000000"/>
                 </a:solidFill>
@@ -5321,34 +5394,52 @@
           </a:p>
           <a:p>
             <a:r>
-              <a:rPr lang="en-GB" sz="1100" b="1" dirty="0" smtClean="0">
+              <a:rPr lang="en-GB" sz="1200" b="1" dirty="0" smtClean="0">
                 <a:solidFill>
                   <a:srgbClr val="7F0055"/>
                 </a:solidFill>
                 <a:latin typeface="Consolas"/>
               </a:rPr>
-              <a:t>    public</a:t>
-            </a:r>
-            <a:r>
-              <a:rPr lang="en-GB" sz="1100" b="1" dirty="0" smtClean="0">
-                <a:solidFill>
-                  <a:srgbClr val="000000"/>
-                </a:solidFill>
-                <a:latin typeface="Consolas"/>
-              </a:rPr>
               <a:t> </a:t>
             </a:r>
             <a:r>
-              <a:rPr lang="en-GB" sz="1100" b="1" dirty="0" smtClean="0">
+              <a:rPr lang="en-GB" sz="1200" b="1" dirty="0" smtClean="0">
                 <a:solidFill>
                   <a:srgbClr val="7F0055"/>
                 </a:solidFill>
                 <a:latin typeface="Consolas"/>
               </a:rPr>
+              <a:t> </a:t>
+            </a:r>
+            <a:r>
+              <a:rPr lang="en-GB" sz="1200" b="1" dirty="0" smtClean="0">
+                <a:solidFill>
+                  <a:srgbClr val="7F0055"/>
+                </a:solidFill>
+                <a:latin typeface="Consolas"/>
+              </a:rPr>
+              <a:t>public</a:t>
+            </a:r>
+            <a:r>
+              <a:rPr lang="en-GB" sz="1200" b="1" dirty="0" smtClean="0">
+                <a:solidFill>
+                  <a:srgbClr val="000000"/>
+                </a:solidFill>
+                <a:latin typeface="Consolas"/>
+              </a:rPr>
+              <a:t> </a:t>
+            </a:r>
+            <a:r>
+              <a:rPr lang="en-GB" sz="1200" b="1" dirty="0" smtClean="0">
+                <a:solidFill>
+                  <a:srgbClr val="7F0055"/>
+                </a:solidFill>
+                <a:latin typeface="Consolas"/>
+              </a:rPr>
               <a:t>abstract</a:t>
             </a:r>
             <a:r>
-              <a:rPr lang="en-GB" sz="1100" b="1" dirty="0" smtClean="0">
+              <a:rPr lang="en-GB" sz="1200" b="1" dirty="0" smtClean="0">
                 <a:solidFill>
                   <a:srgbClr val="000000"/>
                 </a:solidFill>
@@ -5359,7 +5450,7 @@
           </a:p>
           <a:p>
             <a:r>
-              <a:rPr lang="en-GB" sz="1100" dirty="0" smtClean="0">
+              <a:rPr lang="en-GB" sz="1200" dirty="0" smtClean="0">
                 <a:solidFill>
                   <a:srgbClr val="000000"/>
                 </a:solidFill>
@@ -5367,7 +5458,7 @@
               </a:rPr>
               <a:t>}</a:t>
             </a:r>
-            <a:endParaRPr lang="en-US" sz="1100" b="1" dirty="0" smtClean="0">
+            <a:endParaRPr lang="en-US" sz="1200" b="1" dirty="0" smtClean="0">
               <a:solidFill>
                 <a:srgbClr val="000000"/>
               </a:solidFill>
@@ -5384,12 +5475,17 @@
         </p:nvSpPr>
         <p:spPr>
           <a:xfrm>
-            <a:off x="2987824" y="3429000"/>
-            <a:ext cx="5109091" cy="769441"/>
+            <a:off x="2987824" y="3212976"/>
+            <a:ext cx="3667992" cy="1015663"/>
           </a:xfrm>
           <a:prstGeom prst="rect">
             <a:avLst/>
           </a:prstGeom>
+          <a:solidFill>
+            <a:schemeClr val="bg1">
+              <a:lumMod val="95000"/>
+            </a:schemeClr>
+          </a:solidFill>
         </p:spPr>
         <p:style>
           <a:lnRef idx="1">
@@ -5412,7 +5508,7 @@
           <a:lstStyle/>
           <a:p>
             <a:r>
-              <a:rPr lang="en-GB" sz="1100" b="1" dirty="0" smtClean="0">
+              <a:rPr lang="en-GB" sz="1200" b="1" dirty="0" smtClean="0">
                 <a:solidFill>
                   <a:srgbClr val="7F0055"/>
                 </a:solidFill>
@@ -5421,7 +5517,7 @@
               <a:t>public</a:t>
             </a:r>
             <a:r>
-              <a:rPr lang="en-GB" sz="1100" b="1" dirty="0" smtClean="0">
+              <a:rPr lang="en-GB" sz="1200" b="1" dirty="0" smtClean="0">
                 <a:solidFill>
                   <a:srgbClr val="000000"/>
                 </a:solidFill>
@@ -5432,16 +5528,16 @@
           </a:p>
           <a:p>
             <a:r>
-              <a:rPr lang="en-US" sz="1100" dirty="0" smtClean="0">
-                <a:solidFill>
-                  <a:srgbClr val="000000"/>
-                </a:solidFill>
-                <a:latin typeface="Consolas"/>
-              </a:rPr>
-              <a:t>            </a:t>
-            </a:r>
-            <a:r>
-              <a:rPr lang="en-US" sz="1100" b="1" dirty="0" smtClean="0">
+              <a:rPr lang="en-US" sz="1200" dirty="0" smtClean="0">
+                <a:solidFill>
+                  <a:srgbClr val="000000"/>
+                </a:solidFill>
+                <a:latin typeface="Consolas"/>
+              </a:rPr>
+              <a:t>        </a:t>
+            </a:r>
+            <a:r>
+              <a:rPr lang="en-US" sz="1200" b="1" dirty="0" smtClean="0">
                 <a:solidFill>
                   <a:srgbClr val="7F0055"/>
                 </a:solidFill>
@@ -5450,16 +5546,54 @@
               <a:t>final</a:t>
             </a:r>
             <a:r>
-              <a:rPr lang="en-US" sz="1100" b="1" dirty="0" smtClean="0">
-                <a:solidFill>
-                  <a:srgbClr val="000000"/>
-                </a:solidFill>
-                <a:latin typeface="Consolas"/>
-              </a:rPr>
-              <a:t> String description, </a:t>
-            </a:r>
-            <a:r>
-              <a:rPr lang="en-US" sz="1100" b="1" dirty="0" smtClean="0">
+              <a:rPr lang="en-US" sz="1200" b="1" dirty="0" smtClean="0">
+                <a:solidFill>
+                  <a:srgbClr val="000000"/>
+                </a:solidFill>
+                <a:latin typeface="Consolas"/>
+              </a:rPr>
+              <a:t> </a:t>
+            </a:r>
+            <a:r>
+              <a:rPr lang="en-US" sz="1200" b="1" dirty="0" smtClean="0">
+                <a:solidFill>
+                  <a:srgbClr val="000000"/>
+                </a:solidFill>
+                <a:latin typeface="Consolas"/>
+              </a:rPr>
+              <a:t>String </a:t>
+            </a:r>
+            <a:r>
+              <a:rPr lang="en-US" sz="1200" b="1" dirty="0" smtClean="0">
+                <a:solidFill>
+                  <a:srgbClr val="000000"/>
+                </a:solidFill>
+                <a:latin typeface="Consolas"/>
+              </a:rPr>
+              <a:t>description,</a:t>
+            </a:r>
+          </a:p>
+          <a:p>
+            <a:r>
+              <a:rPr lang="en-US" sz="1200" b="1" dirty="0">
+                <a:solidFill>
+                  <a:srgbClr val="000000"/>
+                </a:solidFill>
+                <a:latin typeface="Consolas"/>
+              </a:rPr>
+              <a:t> </a:t>
+            </a:r>
+            <a:r>
+              <a:rPr lang="en-US" sz="1200" b="1" dirty="0" smtClean="0">
+                <a:solidFill>
+                  <a:srgbClr val="000000"/>
+                </a:solidFill>
+                <a:latin typeface="Consolas"/>
+              </a:rPr>
+              <a:t>       </a:t>
+            </a:r>
+            <a:r>
+              <a:rPr lang="en-US" sz="1200" b="1" dirty="0" smtClean="0">
                 <a:solidFill>
                   <a:srgbClr val="7F0055"/>
                 </a:solidFill>
@@ -5468,27 +5602,36 @@
               <a:t>final</a:t>
             </a:r>
             <a:r>
-              <a:rPr lang="en-US" sz="1100" b="1" dirty="0" smtClean="0">
-                <a:solidFill>
-                  <a:srgbClr val="000000"/>
-                </a:solidFill>
-                <a:latin typeface="Consolas"/>
-              </a:rPr>
-              <a:t> Category category) {</a:t>
-            </a:r>
-          </a:p>
-          <a:p>
-            <a:r>
-              <a:rPr lang="en-GB" sz="1100" dirty="0" smtClean="0">
-                <a:solidFill>
-                  <a:srgbClr val="000000"/>
-                </a:solidFill>
-                <a:latin typeface="Consolas"/>
-              </a:rPr>
-              <a:t>    </a:t>
-            </a:r>
-            <a:r>
-              <a:rPr lang="en-GB" sz="1100" b="1" dirty="0" smtClean="0">
+              <a:rPr lang="en-US" sz="1200" b="1" dirty="0" smtClean="0">
+                <a:solidFill>
+                  <a:srgbClr val="000000"/>
+                </a:solidFill>
+                <a:latin typeface="Consolas"/>
+              </a:rPr>
+              <a:t> </a:t>
+            </a:r>
+            <a:r>
+              <a:rPr lang="en-US" sz="1200" b="1" dirty="0" smtClean="0">
+                <a:solidFill>
+                  <a:srgbClr val="000000"/>
+                </a:solidFill>
+                <a:latin typeface="Consolas"/>
+              </a:rPr>
+              <a:t>Category category) {</a:t>
+            </a:r>
+          </a:p>
+          <a:p>
+            <a:r>
+              <a:rPr lang="en-GB" sz="1200" dirty="0" smtClean="0">
+                <a:solidFill>
+                  <a:srgbClr val="000000"/>
+                </a:solidFill>
+                <a:latin typeface="Consolas"/>
+              </a:rPr>
+              <a:t>  </a:t>
+            </a:r>
+            <a:r>
+              <a:rPr lang="en-GB" sz="1200" b="1" dirty="0" smtClean="0">
                 <a:solidFill>
                   <a:srgbClr val="7F0055"/>
                 </a:solidFill>
@@ -5497,7 +5640,7 @@
               <a:t>return</a:t>
             </a:r>
             <a:r>
-              <a:rPr lang="en-GB" sz="1100" b="1" dirty="0" smtClean="0">
+              <a:rPr lang="en-GB" sz="1200" b="1" dirty="0" smtClean="0">
                 <a:solidFill>
                   <a:srgbClr val="000000"/>
                 </a:solidFill>
@@ -5506,7 +5649,7 @@
               <a:t> </a:t>
             </a:r>
             <a:r>
-              <a:rPr lang="en-GB" sz="1100" b="1" dirty="0" err="1" smtClean="0">
+              <a:rPr lang="en-GB" sz="1200" b="1" dirty="0" err="1" smtClean="0">
                 <a:solidFill>
                   <a:srgbClr val="000000"/>
                 </a:solidFill>
@@ -5515,7 +5658,7 @@
               <a:t>Subcategory.</a:t>
             </a:r>
             <a:r>
-              <a:rPr lang="en-GB" sz="1100" b="1" i="1" dirty="0" err="1" smtClean="0">
+              <a:rPr lang="en-GB" sz="1200" b="1" i="1" dirty="0" err="1" smtClean="0">
                 <a:solidFill>
                   <a:srgbClr val="000000"/>
                 </a:solidFill>
@@ -5524,7 +5667,7 @@
               <a:t>listFor</a:t>
             </a:r>
             <a:r>
-              <a:rPr lang="en-GB" sz="1100" b="1" dirty="0" smtClean="0">
+              <a:rPr lang="en-GB" sz="1200" b="1" dirty="0" smtClean="0">
                 <a:solidFill>
                   <a:srgbClr val="000000"/>
                 </a:solidFill>
@@ -5533,7 +5676,7 @@
               <a:t>(category)</a:t>
             </a:r>
             <a:r>
-              <a:rPr lang="en-GB" sz="1100" b="1" i="1" dirty="0" smtClean="0">
+              <a:rPr lang="en-GB" sz="1200" b="1" i="1" dirty="0" smtClean="0">
                 <a:solidFill>
                   <a:srgbClr val="000000"/>
                 </a:solidFill>
@@ -5544,7 +5687,7 @@
           </a:p>
           <a:p>
             <a:r>
-              <a:rPr lang="en-GB" sz="1100" dirty="0" smtClean="0">
+              <a:rPr lang="en-GB" sz="1200" dirty="0" smtClean="0">
                 <a:solidFill>
                   <a:srgbClr val="000000"/>
                 </a:solidFill>
@@ -5552,7 +5695,7 @@
               </a:rPr>
               <a:t>}</a:t>
             </a:r>
-            <a:endParaRPr lang="en-US" sz="1100" b="1" dirty="0" smtClean="0">
+            <a:endParaRPr lang="en-US" sz="1200" b="1" dirty="0" smtClean="0">
               <a:solidFill>
                 <a:srgbClr val="000000"/>
               </a:solidFill>
@@ -5569,12 +5712,17 @@
         </p:nvSpPr>
         <p:spPr>
           <a:xfrm>
-            <a:off x="2343229" y="4293096"/>
-            <a:ext cx="5570756" cy="1785104"/>
+            <a:off x="2343229" y="4370328"/>
+            <a:ext cx="5541139" cy="1754326"/>
           </a:xfrm>
           <a:prstGeom prst="rect">
             <a:avLst/>
           </a:prstGeom>
+          <a:solidFill>
+            <a:schemeClr val="bg1">
+              <a:lumMod val="95000"/>
+            </a:schemeClr>
+          </a:solidFill>
         </p:spPr>
         <p:style>
           <a:lnRef idx="1">
@@ -5591,13 +5739,13 @@
           </a:fontRef>
         </p:style>
         <p:txBody>
-          <a:bodyPr wrap="none" rtlCol="0">
+          <a:bodyPr wrap="square" rtlCol="0">
             <a:spAutoFit/>
           </a:bodyPr>
           <a:lstStyle/>
           <a:p>
             <a:r>
-              <a:rPr lang="en-GB" sz="1100" b="1" dirty="0" smtClean="0">
+              <a:rPr lang="en-GB" sz="1200" b="1" dirty="0" smtClean="0">
                 <a:solidFill>
                   <a:srgbClr val="7F0055"/>
                 </a:solidFill>
@@ -5606,7 +5754,7 @@
               <a:t>public</a:t>
             </a:r>
             <a:r>
-              <a:rPr lang="en-GB" sz="1100" b="1" dirty="0" smtClean="0">
+              <a:rPr lang="en-GB" sz="1200" b="1" dirty="0" smtClean="0">
                 <a:solidFill>
                   <a:srgbClr val="000000"/>
                 </a:solidFill>
@@ -5615,7 +5763,7 @@
               <a:t> </a:t>
             </a:r>
             <a:r>
-              <a:rPr lang="en-GB" sz="1100" b="1" dirty="0" smtClean="0">
+              <a:rPr lang="en-GB" sz="1200" b="1" dirty="0" smtClean="0">
                 <a:solidFill>
                   <a:srgbClr val="7F0055"/>
                 </a:solidFill>
@@ -5624,7 +5772,7 @@
               <a:t>static</a:t>
             </a:r>
             <a:r>
-              <a:rPr lang="en-GB" sz="1100" b="1" dirty="0" smtClean="0">
+              <a:rPr lang="en-GB" sz="1200" b="1" dirty="0" smtClean="0">
                 <a:solidFill>
                   <a:srgbClr val="000000"/>
                 </a:solidFill>
@@ -5633,7 +5781,7 @@
               <a:t> </a:t>
             </a:r>
             <a:r>
-              <a:rPr lang="en-GB" sz="1100" b="1" dirty="0" err="1" smtClean="0">
+              <a:rPr lang="en-GB" sz="1200" b="1" dirty="0" err="1" smtClean="0">
                 <a:solidFill>
                   <a:srgbClr val="7F0055"/>
                 </a:solidFill>
@@ -5642,7 +5790,7 @@
               <a:t>enum</a:t>
             </a:r>
             <a:r>
-              <a:rPr lang="en-GB" sz="1100" b="1" dirty="0" smtClean="0">
+              <a:rPr lang="en-GB" sz="1200" b="1" dirty="0" smtClean="0">
                 <a:solidFill>
                   <a:srgbClr val="000000"/>
                 </a:solidFill>
@@ -5653,16 +5801,16 @@
           </a:p>
           <a:p>
             <a:r>
-              <a:rPr lang="en-GB" sz="1100" dirty="0" smtClean="0">
-                <a:solidFill>
-                  <a:srgbClr val="000000"/>
-                </a:solidFill>
-                <a:latin typeface="Consolas"/>
-              </a:rPr>
-              <a:t>    </a:t>
-            </a:r>
-            <a:r>
-              <a:rPr lang="en-GB" sz="1100" dirty="0" smtClean="0">
+              <a:rPr lang="en-GB" sz="1200" dirty="0" smtClean="0">
+                <a:solidFill>
+                  <a:srgbClr val="000000"/>
+                </a:solidFill>
+                <a:latin typeface="Consolas"/>
+              </a:rPr>
+              <a:t>  </a:t>
+            </a:r>
+            <a:r>
+              <a:rPr lang="en-GB" sz="1200" dirty="0" smtClean="0">
                 <a:solidFill>
                   <a:srgbClr val="3F7F5F"/>
                 </a:solidFill>
@@ -5673,16 +5821,16 @@
           </a:p>
           <a:p>
             <a:r>
-              <a:rPr lang="en-GB" sz="1100" dirty="0" smtClean="0">
-                <a:solidFill>
-                  <a:srgbClr val="000000"/>
-                </a:solidFill>
-                <a:latin typeface="Consolas"/>
-              </a:rPr>
-              <a:t>    </a:t>
-            </a:r>
-            <a:r>
-              <a:rPr lang="en-GB" sz="1100" i="1" dirty="0" err="1" smtClean="0">
+              <a:rPr lang="en-GB" sz="1200" dirty="0" smtClean="0">
+                <a:solidFill>
+                  <a:srgbClr val="000000"/>
+                </a:solidFill>
+                <a:latin typeface="Consolas"/>
+              </a:rPr>
+              <a:t>  </a:t>
+            </a:r>
+            <a:r>
+              <a:rPr lang="en-GB" sz="1200" i="1" dirty="0" err="1" smtClean="0">
                 <a:solidFill>
                   <a:srgbClr val="0000C0"/>
                 </a:solidFill>
@@ -5691,7 +5839,7 @@
               <a:t>OpenSource</a:t>
             </a:r>
             <a:r>
-              <a:rPr lang="en-GB" sz="1100" i="1" dirty="0" smtClean="0">
+              <a:rPr lang="en-GB" sz="1200" i="1" dirty="0" smtClean="0">
                 <a:solidFill>
                   <a:srgbClr val="000000"/>
                 </a:solidFill>
@@ -5700,7 +5848,7 @@
               <a:t>, </a:t>
             </a:r>
             <a:r>
-              <a:rPr lang="en-GB" sz="1100" i="1" dirty="0" smtClean="0">
+              <a:rPr lang="en-GB" sz="1200" i="1" dirty="0" smtClean="0">
                 <a:solidFill>
                   <a:srgbClr val="0000C0"/>
                 </a:solidFill>
@@ -5709,7 +5857,7 @@
               <a:t>Consulting</a:t>
             </a:r>
             <a:r>
-              <a:rPr lang="en-GB" sz="1100" i="1" dirty="0" smtClean="0">
+              <a:rPr lang="en-GB" sz="1200" i="1" dirty="0" smtClean="0">
                 <a:solidFill>
                   <a:srgbClr val="000000"/>
                 </a:solidFill>
@@ -5718,7 +5866,7 @@
               <a:t>, </a:t>
             </a:r>
             <a:r>
-              <a:rPr lang="en-GB" sz="1100" i="1" dirty="0" smtClean="0">
+              <a:rPr lang="en-GB" sz="1200" i="1" dirty="0" smtClean="0">
                 <a:solidFill>
                   <a:srgbClr val="0000C0"/>
                 </a:solidFill>
@@ -5727,7 +5875,7 @@
               <a:t>Education</a:t>
             </a:r>
             <a:r>
-              <a:rPr lang="en-GB" sz="1100" i="1" dirty="0" smtClean="0">
+              <a:rPr lang="en-GB" sz="1200" i="1" dirty="0" smtClean="0">
                 <a:solidFill>
                   <a:srgbClr val="000000"/>
                 </a:solidFill>
@@ -5736,7 +5884,7 @@
               <a:t>, </a:t>
             </a:r>
             <a:r>
-              <a:rPr lang="en-GB" sz="1100" i="1" dirty="0" smtClean="0">
+              <a:rPr lang="en-GB" sz="1200" i="1" dirty="0" smtClean="0">
                 <a:solidFill>
                   <a:srgbClr val="0000C0"/>
                 </a:solidFill>
@@ -5745,7 +5893,7 @@
               <a:t>Marketing</a:t>
             </a:r>
             <a:r>
-              <a:rPr lang="en-GB" sz="1100" i="1" dirty="0" smtClean="0">
+              <a:rPr lang="en-GB" sz="1200" i="1" dirty="0" smtClean="0">
                 <a:solidFill>
                   <a:srgbClr val="000000"/>
                 </a:solidFill>
@@ -5756,16 +5904,16 @@
           </a:p>
           <a:p>
             <a:r>
-              <a:rPr lang="en-GB" sz="1100" dirty="0" smtClean="0">
-                <a:solidFill>
-                  <a:srgbClr val="000000"/>
-                </a:solidFill>
-                <a:latin typeface="Consolas"/>
-              </a:rPr>
-              <a:t>    </a:t>
-            </a:r>
-            <a:r>
-              <a:rPr lang="en-GB" sz="1100" dirty="0" smtClean="0">
+              <a:rPr lang="en-GB" sz="1200" dirty="0" smtClean="0">
+                <a:solidFill>
+                  <a:srgbClr val="000000"/>
+                </a:solidFill>
+                <a:latin typeface="Consolas"/>
+              </a:rPr>
+              <a:t>  </a:t>
+            </a:r>
+            <a:r>
+              <a:rPr lang="en-GB" sz="1200" dirty="0" smtClean="0">
                 <a:solidFill>
                   <a:srgbClr val="3F7F5F"/>
                 </a:solidFill>
@@ -5776,16 +5924,16 @@
           </a:p>
           <a:p>
             <a:r>
-              <a:rPr lang="en-GB" sz="1100" dirty="0" smtClean="0">
-                <a:solidFill>
-                  <a:srgbClr val="000000"/>
-                </a:solidFill>
-                <a:latin typeface="Consolas"/>
-              </a:rPr>
-              <a:t>    </a:t>
-            </a:r>
-            <a:r>
-              <a:rPr lang="en-GB" sz="1100" i="1" dirty="0" smtClean="0">
+              <a:rPr lang="en-GB" sz="1200" dirty="0" smtClean="0">
+                <a:solidFill>
+                  <a:srgbClr val="000000"/>
+                </a:solidFill>
+                <a:latin typeface="Consolas"/>
+              </a:rPr>
+              <a:t>  </a:t>
+            </a:r>
+            <a:r>
+              <a:rPr lang="en-GB" sz="1200" i="1" dirty="0" smtClean="0">
                 <a:solidFill>
                   <a:srgbClr val="0000C0"/>
                 </a:solidFill>
@@ -5794,7 +5942,7 @@
               <a:t>Shopping</a:t>
             </a:r>
             <a:r>
-              <a:rPr lang="en-GB" sz="1100" i="1" dirty="0" smtClean="0">
+              <a:rPr lang="en-GB" sz="1200" i="1" dirty="0" smtClean="0">
                 <a:solidFill>
                   <a:srgbClr val="000000"/>
                 </a:solidFill>
@@ -5803,7 +5951,7 @@
               <a:t>, </a:t>
             </a:r>
             <a:r>
-              <a:rPr lang="en-GB" sz="1100" i="1" dirty="0" smtClean="0">
+              <a:rPr lang="en-GB" sz="1200" i="1" dirty="0" smtClean="0">
                 <a:solidFill>
                   <a:srgbClr val="0000C0"/>
                 </a:solidFill>
@@ -5812,7 +5960,7 @@
               <a:t>Housework</a:t>
             </a:r>
             <a:r>
-              <a:rPr lang="en-GB" sz="1100" i="1" dirty="0" smtClean="0">
+              <a:rPr lang="en-GB" sz="1200" i="1" dirty="0" smtClean="0">
                 <a:solidFill>
                   <a:srgbClr val="000000"/>
                 </a:solidFill>
@@ -5821,7 +5969,7 @@
               <a:t>, </a:t>
             </a:r>
             <a:r>
-              <a:rPr lang="en-GB" sz="1100" i="1" dirty="0" smtClean="0">
+              <a:rPr lang="en-GB" sz="1200" i="1" dirty="0" smtClean="0">
                 <a:solidFill>
                   <a:srgbClr val="0000C0"/>
                 </a:solidFill>
@@ -5830,7 +5978,7 @@
               <a:t>Garden</a:t>
             </a:r>
             <a:r>
-              <a:rPr lang="en-GB" sz="1100" i="1" dirty="0" smtClean="0">
+              <a:rPr lang="en-GB" sz="1200" i="1" dirty="0" smtClean="0">
                 <a:solidFill>
                   <a:srgbClr val="000000"/>
                 </a:solidFill>
@@ -5839,7 +5987,7 @@
               <a:t>, </a:t>
             </a:r>
             <a:r>
-              <a:rPr lang="en-GB" sz="1100" i="1" dirty="0" smtClean="0">
+              <a:rPr lang="en-GB" sz="1200" i="1" dirty="0" smtClean="0">
                 <a:solidFill>
                   <a:srgbClr val="0000C0"/>
                 </a:solidFill>
@@ -5848,7 +5996,7 @@
               <a:t>Chores</a:t>
             </a:r>
             <a:r>
-              <a:rPr lang="en-GB" sz="1100" i="1" dirty="0" smtClean="0">
+              <a:rPr lang="en-GB" sz="1200" i="1" dirty="0" smtClean="0">
                 <a:solidFill>
                   <a:srgbClr val="000000"/>
                 </a:solidFill>
@@ -5859,16 +6007,16 @@
           </a:p>
           <a:p>
             <a:r>
-              <a:rPr lang="en-GB" sz="1100" dirty="0" smtClean="0">
-                <a:solidFill>
-                  <a:srgbClr val="000000"/>
-                </a:solidFill>
-                <a:latin typeface="Consolas"/>
-              </a:rPr>
-              <a:t>    </a:t>
-            </a:r>
-            <a:r>
-              <a:rPr lang="en-GB" sz="1100" dirty="0" smtClean="0">
+              <a:rPr lang="en-GB" sz="1200" dirty="0" smtClean="0">
+                <a:solidFill>
+                  <a:srgbClr val="000000"/>
+                </a:solidFill>
+                <a:latin typeface="Consolas"/>
+              </a:rPr>
+              <a:t>  </a:t>
+            </a:r>
+            <a:r>
+              <a:rPr lang="en-GB" sz="1200" dirty="0" smtClean="0">
                 <a:solidFill>
                   <a:srgbClr val="3F7F5F"/>
                 </a:solidFill>
@@ -5879,16 +6027,16 @@
           </a:p>
           <a:p>
             <a:r>
-              <a:rPr lang="en-GB" sz="1100" dirty="0" smtClean="0">
-                <a:solidFill>
-                  <a:srgbClr val="000000"/>
-                </a:solidFill>
-                <a:latin typeface="Consolas"/>
-              </a:rPr>
-              <a:t>    </a:t>
-            </a:r>
-            <a:r>
-              <a:rPr lang="en-GB" sz="1100" i="1" dirty="0" smtClean="0">
+              <a:rPr lang="en-GB" sz="1200" dirty="0" smtClean="0">
+                <a:solidFill>
+                  <a:srgbClr val="000000"/>
+                </a:solidFill>
+                <a:latin typeface="Consolas"/>
+              </a:rPr>
+              <a:t>  </a:t>
+            </a:r>
+            <a:r>
+              <a:rPr lang="en-GB" sz="1200" i="1" dirty="0" smtClean="0">
                 <a:solidFill>
                   <a:srgbClr val="0000C0"/>
                 </a:solidFill>
@@ -5897,7 +6045,7 @@
               <a:t>Other</a:t>
             </a:r>
             <a:r>
-              <a:rPr lang="en-GB" sz="1100" i="1" dirty="0" smtClean="0">
+              <a:rPr lang="en-GB" sz="1200" i="1" dirty="0" smtClean="0">
                 <a:solidFill>
                   <a:srgbClr val="000000"/>
                 </a:solidFill>
@@ -5908,16 +6056,16 @@
           </a:p>
           <a:p>
             <a:r>
-              <a:rPr lang="en-US" sz="1100" dirty="0" smtClean="0">
-                <a:solidFill>
-                  <a:srgbClr val="000000"/>
-                </a:solidFill>
-                <a:latin typeface="Consolas"/>
-              </a:rPr>
-              <a:t>    </a:t>
-            </a:r>
-            <a:r>
-              <a:rPr lang="en-US" sz="1100" b="1" dirty="0" smtClean="0">
+              <a:rPr lang="en-US" sz="1200" dirty="0" smtClean="0">
+                <a:solidFill>
+                  <a:srgbClr val="000000"/>
+                </a:solidFill>
+                <a:latin typeface="Consolas"/>
+              </a:rPr>
+              <a:t>  </a:t>
+            </a:r>
+            <a:r>
+              <a:rPr lang="en-US" sz="1200" b="1" dirty="0" smtClean="0">
                 <a:solidFill>
                   <a:srgbClr val="7F0055"/>
                 </a:solidFill>
@@ -5926,7 +6074,7 @@
               <a:t>public</a:t>
             </a:r>
             <a:r>
-              <a:rPr lang="en-US" sz="1100" b="1" dirty="0" smtClean="0">
+              <a:rPr lang="en-US" sz="1200" b="1" dirty="0" smtClean="0">
                 <a:solidFill>
                   <a:srgbClr val="000000"/>
                 </a:solidFill>
@@ -5935,7 +6083,7 @@
               <a:t> </a:t>
             </a:r>
             <a:r>
-              <a:rPr lang="en-US" sz="1100" b="1" dirty="0" smtClean="0">
+              <a:rPr lang="en-US" sz="1200" b="1" dirty="0" smtClean="0">
                 <a:solidFill>
                   <a:srgbClr val="7F0055"/>
                 </a:solidFill>
@@ -5944,7 +6092,7 @@
               <a:t>static</a:t>
             </a:r>
             <a:r>
-              <a:rPr lang="en-US" sz="1100" b="1" dirty="0" smtClean="0">
+              <a:rPr lang="en-US" sz="1200" b="1" dirty="0" smtClean="0">
                 <a:solidFill>
                   <a:srgbClr val="000000"/>
                 </a:solidFill>
@@ -5953,7 +6101,7 @@
               <a:t> List&lt;Subcategory&gt; </a:t>
             </a:r>
             <a:r>
-              <a:rPr lang="en-US" sz="1100" b="1" dirty="0" err="1" smtClean="0">
+              <a:rPr lang="en-US" sz="1200" b="1" dirty="0" err="1" smtClean="0">
                 <a:solidFill>
                   <a:srgbClr val="000000"/>
                 </a:solidFill>
@@ -5962,29 +6110,27 @@
               <a:t>listFor</a:t>
             </a:r>
             <a:r>
-              <a:rPr lang="en-US" sz="1100" b="1" dirty="0" smtClean="0">
-                <a:solidFill>
-                  <a:srgbClr val="000000"/>
-                </a:solidFill>
-                <a:latin typeface="Consolas"/>
-              </a:rPr>
-              <a:t>(Category category) { ... }</a:t>
-            </a:r>
-          </a:p>
-          <a:p>
-            <a:r>
-              <a:rPr lang="en-GB" sz="1100" b="1" dirty="0" smtClean="0">
-                <a:solidFill>
-                  <a:srgbClr val="000000"/>
-                </a:solidFill>
-                <a:latin typeface="Consolas"/>
-              </a:rPr>
-              <a:t>    ...</a:t>
-            </a:r>
-          </a:p>
-          <a:p>
-            <a:r>
-              <a:rPr lang="en-GB" sz="1100" b="1" dirty="0">
+              <a:rPr lang="en-US" sz="1200" b="1" dirty="0" smtClean="0">
+                <a:solidFill>
+                  <a:srgbClr val="000000"/>
+                </a:solidFill>
+                <a:latin typeface="Consolas"/>
+              </a:rPr>
+              <a:t>(Category category) </a:t>
+            </a:r>
+            <a:r>
+              <a:rPr lang="en-US" sz="1200" b="1" dirty="0" smtClean="0">
+                <a:solidFill>
+                  <a:srgbClr val="000000"/>
+                </a:solidFill>
+                <a:latin typeface="Consolas"/>
+              </a:rPr>
+              <a:t>{}</a:t>
+            </a:r>
+          </a:p>
+          <a:p>
+            <a:r>
+              <a:rPr lang="en-GB" sz="1200" b="1" dirty="0" smtClean="0">
                 <a:solidFill>
                   <a:srgbClr val="000000"/>
                 </a:solidFill>
@@ -5992,7 +6138,7 @@
               </a:rPr>
               <a:t>}</a:t>
             </a:r>
-            <a:endParaRPr lang="en-US" sz="1100" b="1" dirty="0" smtClean="0">
+            <a:endParaRPr lang="en-US" sz="1200" b="1" dirty="0" smtClean="0">
               <a:solidFill>
                 <a:srgbClr val="000000"/>
               </a:solidFill>
@@ -6003,50 +6149,6 @@
       </p:sp>
       <p:sp>
         <p:nvSpPr>
-          <p:cNvPr id="5" name="TextBox 4"/>
-          <p:cNvSpPr txBox="1"/>
-          <p:nvPr/>
-        </p:nvSpPr>
-        <p:spPr>
-          <a:xfrm>
-            <a:off x="683568" y="4031486"/>
-            <a:ext cx="184731" cy="261610"/>
-          </a:xfrm>
-          <a:prstGeom prst="rect">
-            <a:avLst/>
-          </a:prstGeom>
-        </p:spPr>
-        <p:style>
-          <a:lnRef idx="1">
-            <a:schemeClr val="accent3"/>
-          </a:lnRef>
-          <a:fillRef idx="2">
-            <a:schemeClr val="accent3"/>
-          </a:fillRef>
-          <a:effectRef idx="1">
-            <a:schemeClr val="accent3"/>
-          </a:effectRef>
-          <a:fontRef idx="minor">
-            <a:schemeClr val="dk1"/>
-          </a:fontRef>
-        </p:style>
-        <p:txBody>
-          <a:bodyPr wrap="none" rtlCol="0">
-            <a:spAutoFit/>
-          </a:bodyPr>
-          <a:lstStyle/>
-          <a:p>
-            <a:endParaRPr lang="en-US" sz="1100" b="1" dirty="0" smtClean="0">
-              <a:solidFill>
-                <a:srgbClr val="000000"/>
-              </a:solidFill>
-              <a:latin typeface="Consolas"/>
-            </a:endParaRPr>
-          </a:p>
-        </p:txBody>
-      </p:sp>
-      <p:sp>
-        <p:nvSpPr>
           <p:cNvPr id="6" name="TextBox 5"/>
           <p:cNvSpPr txBox="1"/>
           <p:nvPr/>
@@ -6054,7 +6156,7 @@
         <p:spPr>
           <a:xfrm>
             <a:off x="467544" y="404664"/>
-            <a:ext cx="4752528" cy="461665"/>
+            <a:ext cx="3622580" cy="369332"/>
           </a:xfrm>
           <a:prstGeom prst="rect">
             <a:avLst/>
@@ -6082,11 +6184,11 @@
           <a:p>
             <a:pPr algn="ctr"/>
             <a:r>
-              <a:rPr lang="en-GB" sz="2400" dirty="0" err="1" smtClean="0"/>
+              <a:rPr lang="en-GB" dirty="0" err="1" smtClean="0"/>
               <a:t>Enums</a:t>
             </a:r>
             <a:r>
-              <a:rPr lang="en-GB" sz="2400" dirty="0" smtClean="0"/>
+              <a:rPr lang="en-GB" dirty="0" smtClean="0"/>
               <a:t> are rendered as drop downs</a:t>
             </a:r>
           </a:p>
@@ -6101,7 +6203,7 @@
         <p:spPr>
           <a:xfrm>
             <a:off x="619944" y="2381979"/>
-            <a:ext cx="4240088" cy="830997"/>
+            <a:ext cx="3231976" cy="646331"/>
           </a:xfrm>
           <a:prstGeom prst="rect">
             <a:avLst/>
@@ -6129,26 +6231,26 @@
           <a:p>
             <a:pPr algn="ctr"/>
             <a:r>
-              <a:rPr lang="en-GB" sz="2400" dirty="0" smtClean="0"/>
+              <a:rPr lang="en-GB" dirty="0" smtClean="0"/>
               <a:t>Supporting </a:t>
             </a:r>
             <a:r>
-              <a:rPr lang="en-GB" sz="2400" i="1" dirty="0" err="1" smtClean="0"/>
+              <a:rPr lang="en-GB" i="1" dirty="0" err="1" smtClean="0"/>
               <a:t>choicesXxx</a:t>
             </a:r>
             <a:r>
-              <a:rPr lang="en-GB" sz="2400" i="1" dirty="0" smtClean="0"/>
+              <a:rPr lang="en-GB" i="1" dirty="0" smtClean="0"/>
               <a:t>()</a:t>
             </a:r>
             <a:r>
-              <a:rPr lang="en-GB" sz="2400" dirty="0" smtClean="0"/>
+              <a:rPr lang="en-GB" dirty="0" smtClean="0"/>
               <a:t> method</a:t>
             </a:r>
             <a:br>
-              <a:rPr lang="en-GB" sz="2400" dirty="0" smtClean="0"/>
+              <a:rPr lang="en-GB" dirty="0" smtClean="0"/>
             </a:br>
             <a:r>
-              <a:rPr lang="en-GB" sz="2400" dirty="0" smtClean="0"/>
+              <a:rPr lang="en-GB" dirty="0" smtClean="0"/>
               <a:t>refines the available choices</a:t>
             </a:r>
           </a:p>
@@ -6158,6 +6260,36 @@
     <p:extLst>
       <p:ext uri="{BB962C8B-B14F-4D97-AF65-F5344CB8AC3E}">
         <p14:creationId xmlns:p14="http://schemas.microsoft.com/office/powerpoint/2010/main" val="2340972971"/>
+      </p:ext>
+    </p:extLst>
+  </p:cSld>
+  <p:clrMapOvr>
+    <a:masterClrMapping/>
+  </p:clrMapOvr>
+</p:sld>
+</file>
+
+<file path=ppt/slides/slide4.xml><?xml version="1.0" encoding="utf-8"?>
+<p:sld xmlns:a="http://schemas.openxmlformats.org/drawingml/2006/main" xmlns:r="http://schemas.openxmlformats.org/officeDocument/2006/relationships" xmlns:p="http://schemas.openxmlformats.org/presentationml/2006/main">
+  <p:cSld>
+    <p:spTree>
+      <p:nvGrpSpPr>
+        <p:cNvPr id="1" name=""/>
+        <p:cNvGrpSpPr/>
+        <p:nvPr/>
+      </p:nvGrpSpPr>
+      <p:grpSpPr>
+        <a:xfrm>
+          <a:off x="0" y="0"/>
+          <a:ext cx="0" cy="0"/>
+          <a:chOff x="0" y="0"/>
+          <a:chExt cx="0" cy="0"/>
+        </a:xfrm>
+      </p:grpSpPr>
+    </p:spTree>
+    <p:extLst>
+      <p:ext uri="{BB962C8B-B14F-4D97-AF65-F5344CB8AC3E}">
+        <p14:creationId xmlns:p14="http://schemas.microsoft.com/office/powerpoint/2010/main" val="2113116043"/>
       </p:ext>
     </p:extLst>
   </p:cSld>

--- a/content/images/screenshots2/screenshot-captions.pptx
+++ b/content/images/screenshots2/screenshot-captions.pptx
@@ -9,6 +9,10 @@
     <p:sldId id="257" r:id="rId3"/>
     <p:sldId id="258" r:id="rId4"/>
     <p:sldId id="259" r:id="rId5"/>
+    <p:sldId id="260" r:id="rId6"/>
+    <p:sldId id="261" r:id="rId7"/>
+    <p:sldId id="263" r:id="rId8"/>
+    <p:sldId id="262" r:id="rId9"/>
   </p:sldIdLst>
   <p:sldSz cx="9144000" cy="6858000" type="screen4x3"/>
   <p:notesSz cx="6858000" cy="9144000"/>
@@ -3275,7 +3279,7 @@
         <p:spPr>
           <a:xfrm>
             <a:off x="3203848" y="3645024"/>
-            <a:ext cx="5622052" cy="1938992"/>
+            <a:ext cx="4536504" cy="1615827"/>
           </a:xfrm>
           <a:prstGeom prst="rect">
             <a:avLst/>
@@ -3301,13 +3305,13 @@
           </a:fontRef>
         </p:style>
         <p:txBody>
-          <a:bodyPr wrap="none" rtlCol="0">
+          <a:bodyPr wrap="square" rtlCol="0">
             <a:spAutoFit/>
           </a:bodyPr>
           <a:lstStyle/>
           <a:p>
             <a:r>
-              <a:rPr lang="en-GB" sz="1200" dirty="0" err="1" smtClean="0">
+              <a:rPr lang="en-GB" sz="1100" dirty="0" err="1" smtClean="0">
                 <a:solidFill>
                   <a:srgbClr val="000000"/>
                 </a:solidFill>
@@ -3316,7 +3320,7 @@
               <a:t>isis.services</a:t>
             </a:r>
             <a:r>
-              <a:rPr lang="en-GB" sz="1200" dirty="0" smtClean="0">
+              <a:rPr lang="en-GB" sz="1100" dirty="0" smtClean="0">
                 <a:solidFill>
                   <a:srgbClr val="000000"/>
                 </a:solidFill>
@@ -3325,7 +3329,7 @@
               <a:t> = </a:t>
             </a:r>
             <a:r>
-              <a:rPr lang="en-GB" sz="1200" dirty="0" smtClean="0">
+              <a:rPr lang="en-GB" sz="1100" dirty="0" smtClean="0">
                 <a:solidFill>
                   <a:srgbClr val="2A00FF"/>
                 </a:solidFill>
@@ -3336,65 +3340,74 @@
           </a:p>
           <a:p>
             <a:r>
-              <a:rPr lang="en-GB" sz="1200" dirty="0" smtClean="0">
-                <a:solidFill>
-                  <a:srgbClr val="000000"/>
-                </a:solidFill>
-                <a:latin typeface="Consolas"/>
-              </a:rPr>
-              <a:t>                </a:t>
-            </a:r>
-            <a:r>
-              <a:rPr lang="en-GB" sz="1200" dirty="0" smtClean="0">
+              <a:rPr lang="en-GB" sz="1100" dirty="0" smtClean="0">
+                <a:solidFill>
+                  <a:srgbClr val="000000"/>
+                </a:solidFill>
+                <a:latin typeface="Consolas"/>
+              </a:rPr>
+              <a:t>        </a:t>
+            </a:r>
+            <a:r>
+              <a:rPr lang="en-GB" sz="1100" dirty="0" smtClean="0">
                 <a:solidFill>
                   <a:srgbClr val="2A00FF"/>
                 </a:solidFill>
                 <a:latin typeface="Consolas"/>
               </a:rPr>
-              <a:t>10:dom.todo.ToDoItems,\</a:t>
-            </a:r>
-          </a:p>
-          <a:p>
-            <a:r>
-              <a:rPr lang="en-GB" sz="1200" dirty="0" smtClean="0">
-                <a:solidFill>
-                  <a:srgbClr val="000000"/>
-                </a:solidFill>
-                <a:latin typeface="Consolas"/>
-              </a:rPr>
-              <a:t>                </a:t>
-            </a:r>
-            <a:r>
-              <a:rPr lang="en-GB" sz="1200" dirty="0" smtClean="0">
+              <a:t>10:dom.todo.ToDoItems</a:t>
+            </a:r>
+            <a:r>
+              <a:rPr lang="en-GB" sz="1100" dirty="0" smtClean="0">
                 <a:solidFill>
                   <a:srgbClr val="2A00FF"/>
                 </a:solidFill>
                 <a:latin typeface="Consolas"/>
               </a:rPr>
-              <a:t>20:app.ToDoItemAnalysis,\</a:t>
-            </a:r>
-          </a:p>
-          <a:p>
-            <a:r>
-              <a:rPr lang="en-GB" sz="1200" dirty="0" smtClean="0">
-                <a:solidFill>
-                  <a:srgbClr val="000000"/>
-                </a:solidFill>
-                <a:latin typeface="Consolas"/>
-              </a:rPr>
-              <a:t>                </a:t>
-            </a:r>
-            <a:r>
-              <a:rPr lang="en-GB" sz="1200" dirty="0" err="1" smtClean="0">
+              <a:t>,\</a:t>
+            </a:r>
+          </a:p>
+          <a:p>
+            <a:r>
+              <a:rPr lang="en-GB" sz="1100" dirty="0" smtClean="0">
                 <a:solidFill>
                   <a:srgbClr val="2A00FF"/>
                 </a:solidFill>
                 <a:latin typeface="Consolas"/>
               </a:rPr>
+              <a:t>        20:app.ToDoItemAnalysis</a:t>
+            </a:r>
+            <a:r>
+              <a:rPr lang="en-GB" sz="1100" dirty="0" smtClean="0">
+                <a:solidFill>
+                  <a:srgbClr val="2A00FF"/>
+                </a:solidFill>
+                <a:latin typeface="Consolas"/>
+              </a:rPr>
+              <a:t>,\</a:t>
+            </a:r>
+          </a:p>
+          <a:p>
+            <a:r>
+              <a:rPr lang="en-GB" sz="1100" dirty="0" smtClean="0">
+                <a:solidFill>
+                  <a:srgbClr val="000000"/>
+                </a:solidFill>
+                <a:latin typeface="Consolas"/>
+              </a:rPr>
+              <a:t>        </a:t>
+            </a:r>
+            <a:r>
+              <a:rPr lang="en-GB" sz="1100" dirty="0" err="1" smtClean="0">
+                <a:solidFill>
+                  <a:srgbClr val="2A00FF"/>
+                </a:solidFill>
+                <a:latin typeface="Consolas"/>
+              </a:rPr>
               <a:t>dom.todo.ToDoItemContributions</a:t>
             </a:r>
             <a:r>
-              <a:rPr lang="en-GB" sz="1200" dirty="0" smtClean="0">
+              <a:rPr lang="en-GB" sz="1100" dirty="0" smtClean="0">
                 <a:solidFill>
                   <a:srgbClr val="2A00FF"/>
                 </a:solidFill>
@@ -3405,16 +3418,16 @@
           </a:p>
           <a:p>
             <a:r>
-              <a:rPr lang="en-GB" sz="1200" dirty="0" smtClean="0">
-                <a:solidFill>
-                  <a:srgbClr val="000000"/>
-                </a:solidFill>
-                <a:latin typeface="Consolas"/>
-              </a:rPr>
-              <a:t>                </a:t>
-            </a:r>
-            <a:r>
-              <a:rPr lang="en-GB" sz="1200" dirty="0" err="1" smtClean="0">
+              <a:rPr lang="en-GB" sz="1100" dirty="0" smtClean="0">
+                <a:solidFill>
+                  <a:srgbClr val="000000"/>
+                </a:solidFill>
+                <a:latin typeface="Consolas"/>
+              </a:rPr>
+              <a:t>        </a:t>
+            </a:r>
+            <a:r>
+              <a:rPr lang="en-GB" sz="1100" dirty="0" err="1" smtClean="0">
                 <a:solidFill>
                   <a:srgbClr val="2A00FF"/>
                 </a:solidFill>
@@ -3423,7 +3436,7 @@
               <a:t>app.ToDoItemAnalysisContributions</a:t>
             </a:r>
             <a:r>
-              <a:rPr lang="en-GB" sz="1200" dirty="0" smtClean="0">
+              <a:rPr lang="en-GB" sz="1100" dirty="0" smtClean="0">
                 <a:solidFill>
                   <a:srgbClr val="2A00FF"/>
                 </a:solidFill>
@@ -3434,16 +3447,16 @@
           </a:p>
           <a:p>
             <a:r>
-              <a:rPr lang="en-GB" sz="1200" dirty="0" smtClean="0">
-                <a:solidFill>
-                  <a:srgbClr val="000000"/>
-                </a:solidFill>
-                <a:latin typeface="Consolas"/>
-              </a:rPr>
-              <a:t>                </a:t>
-            </a:r>
-            <a:r>
-              <a:rPr lang="en-GB" sz="1200" dirty="0" err="1" smtClean="0">
+              <a:rPr lang="en-GB" sz="1100" dirty="0" smtClean="0">
+                <a:solidFill>
+                  <a:srgbClr val="000000"/>
+                </a:solidFill>
+                <a:latin typeface="Consolas"/>
+              </a:rPr>
+              <a:t>        </a:t>
+            </a:r>
+            <a:r>
+              <a:rPr lang="en-GB" sz="1100" dirty="0" err="1" smtClean="0">
                 <a:solidFill>
                   <a:srgbClr val="2A00FF"/>
                 </a:solidFill>
@@ -3452,7 +3465,7 @@
               <a:t>app.ToDoAppDashboard</a:t>
             </a:r>
             <a:r>
-              <a:rPr lang="en-GB" sz="1200" dirty="0" smtClean="0">
+              <a:rPr lang="en-GB" sz="1100" dirty="0" smtClean="0">
                 <a:solidFill>
                   <a:srgbClr val="2A00FF"/>
                 </a:solidFill>
@@ -3463,16 +3476,16 @@
           </a:p>
           <a:p>
             <a:r>
-              <a:rPr lang="en-GB" sz="1200" dirty="0" smtClean="0">
-                <a:solidFill>
-                  <a:srgbClr val="000000"/>
-                </a:solidFill>
-                <a:latin typeface="Consolas"/>
-              </a:rPr>
-              <a:t>                </a:t>
-            </a:r>
-            <a:r>
-              <a:rPr lang="en-GB" sz="1200" dirty="0" err="1" smtClean="0">
+              <a:rPr lang="en-GB" sz="1100" dirty="0" smtClean="0">
+                <a:solidFill>
+                  <a:srgbClr val="000000"/>
+                </a:solidFill>
+                <a:latin typeface="Consolas"/>
+              </a:rPr>
+              <a:t>        </a:t>
+            </a:r>
+            <a:r>
+              <a:rPr lang="en-GB" sz="1100" dirty="0" err="1" smtClean="0">
                 <a:solidFill>
                   <a:srgbClr val="2A00FF"/>
                 </a:solidFill>
@@ -3481,7 +3494,7 @@
               <a:t>services.ClockService</a:t>
             </a:r>
             <a:r>
-              <a:rPr lang="en-GB" sz="1200" dirty="0" smtClean="0">
+              <a:rPr lang="en-GB" sz="1100" dirty="0" smtClean="0">
                 <a:solidFill>
                   <a:srgbClr val="2A00FF"/>
                 </a:solidFill>
@@ -3492,62 +3505,42 @@
           </a:p>
           <a:p>
             <a:r>
-              <a:rPr lang="en-GB" sz="1200" dirty="0" smtClean="0">
-                <a:solidFill>
-                  <a:srgbClr val="000000"/>
-                </a:solidFill>
-                <a:latin typeface="Consolas"/>
-              </a:rPr>
-              <a:t>                </a:t>
-            </a:r>
-            <a:r>
-              <a:rPr lang="en-GB" sz="1200" dirty="0" smtClean="0">
+              <a:rPr lang="en-GB" sz="1100" dirty="0" smtClean="0">
                 <a:solidFill>
                   <a:srgbClr val="2A00FF"/>
                 </a:solidFill>
                 <a:latin typeface="Consolas"/>
               </a:rPr>
-              <a:t>\</a:t>
-            </a:r>
-          </a:p>
-          <a:p>
-            <a:r>
-              <a:rPr lang="en-GB" sz="1200" dirty="0" smtClean="0">
-                <a:solidFill>
-                  <a:srgbClr val="000000"/>
-                </a:solidFill>
-                <a:latin typeface="Consolas"/>
-              </a:rPr>
-              <a:t>                </a:t>
-            </a:r>
-            <a:r>
-              <a:rPr lang="en-GB" sz="1200" dirty="0" smtClean="0">
+              <a:t>        30:webapp.prototyping.ToDoItemsFixturesService</a:t>
+            </a:r>
+            <a:r>
+              <a:rPr lang="en-GB" sz="1100" dirty="0" smtClean="0">
                 <a:solidFill>
                   <a:srgbClr val="2A00FF"/>
                 </a:solidFill>
                 <a:latin typeface="Consolas"/>
               </a:rPr>
-              <a:t>30:webapp.prototyping.ToDoItemsFixturesService,\</a:t>
-            </a:r>
-          </a:p>
-          <a:p>
-            <a:r>
-              <a:rPr lang="en-GB" sz="1200" dirty="0" smtClean="0">
-                <a:solidFill>
-                  <a:srgbClr val="000000"/>
-                </a:solidFill>
-                <a:latin typeface="Consolas"/>
-              </a:rPr>
-              <a:t>                </a:t>
-            </a:r>
-            <a:r>
-              <a:rPr lang="en-GB" sz="1200" dirty="0" smtClean="0">
+              <a:t>,\</a:t>
+            </a:r>
+          </a:p>
+          <a:p>
+            <a:r>
+              <a:rPr lang="en-GB" sz="1100" dirty="0" smtClean="0">
                 <a:solidFill>
                   <a:srgbClr val="2A00FF"/>
                 </a:solidFill>
                 <a:latin typeface="Consolas"/>
               </a:rPr>
-              <a:t>30:webapp.prototyping.DeveloperUtilities,\</a:t>
+              <a:t>        30:webapp.prototyping.DeveloperUtilities</a:t>
+            </a:r>
+            <a:r>
+              <a:rPr lang="en-GB" sz="1100" dirty="0" smtClean="0">
+                <a:solidFill>
+                  <a:srgbClr val="2A00FF"/>
+                </a:solidFill>
+                <a:latin typeface="Consolas"/>
+              </a:rPr>
+              <a:t>,\</a:t>
             </a:r>
           </a:p>
         </p:txBody>
@@ -3678,7 +3671,23 @@
             <a:pPr algn="ctr"/>
             <a:r>
               <a:rPr lang="en-GB" dirty="0" smtClean="0"/>
-              <a:t>Prompt form derived from domain service action’s method parameters</a:t>
+              <a:t>Prompt form </a:t>
+            </a:r>
+            <a:r>
+              <a:rPr lang="en-GB" dirty="0" smtClean="0"/>
+              <a:t>is derived </a:t>
+            </a:r>
+            <a:r>
+              <a:rPr lang="en-GB" dirty="0" smtClean="0"/>
+              <a:t>from </a:t>
+            </a:r>
+            <a:r>
+              <a:rPr lang="en-GB" dirty="0" smtClean="0"/>
+              <a:t>the domain </a:t>
+            </a:r>
+            <a:r>
+              <a:rPr lang="en-GB" dirty="0" smtClean="0"/>
+              <a:t>service action’s method parameters</a:t>
             </a:r>
           </a:p>
         </p:txBody>
@@ -3692,7 +3701,7 @@
         <p:spPr>
           <a:xfrm>
             <a:off x="3996511" y="980728"/>
-            <a:ext cx="4432624" cy="2862322"/>
+            <a:ext cx="3877985" cy="2631490"/>
           </a:xfrm>
           <a:prstGeom prst="rect">
             <a:avLst/>
@@ -3724,7 +3733,7 @@
           <a:lstStyle/>
           <a:p>
             <a:r>
-              <a:rPr lang="en-GB" sz="1200" dirty="0" smtClean="0">
+              <a:rPr lang="en-GB" sz="1100" dirty="0" smtClean="0">
                 <a:solidFill>
                   <a:srgbClr val="646464"/>
                 </a:solidFill>
@@ -3733,7 +3742,7 @@
               <a:t>@Named</a:t>
             </a:r>
             <a:r>
-              <a:rPr lang="en-GB" sz="1200" dirty="0" smtClean="0">
+              <a:rPr lang="en-GB" sz="1100" dirty="0" smtClean="0">
                 <a:solidFill>
                   <a:srgbClr val="000000"/>
                 </a:solidFill>
@@ -3742,7 +3751,7 @@
               <a:t>(</a:t>
             </a:r>
             <a:r>
-              <a:rPr lang="en-GB" sz="1200" dirty="0" smtClean="0">
+              <a:rPr lang="en-GB" sz="1100" dirty="0" smtClean="0">
                 <a:solidFill>
                   <a:srgbClr val="2A00FF"/>
                 </a:solidFill>
@@ -3751,7 +3760,7 @@
               <a:t>"</a:t>
             </a:r>
             <a:r>
-              <a:rPr lang="en-GB" sz="1200" dirty="0" err="1" smtClean="0">
+              <a:rPr lang="en-GB" sz="1100" dirty="0" err="1" smtClean="0">
                 <a:solidFill>
                   <a:srgbClr val="2A00FF"/>
                 </a:solidFill>
@@ -3760,7 +3769,7 @@
               <a:t>ToDos</a:t>
             </a:r>
             <a:r>
-              <a:rPr lang="en-GB" sz="1200" dirty="0" smtClean="0">
+              <a:rPr lang="en-GB" sz="1100" dirty="0" smtClean="0">
                 <a:solidFill>
                   <a:srgbClr val="2A00FF"/>
                 </a:solidFill>
@@ -3769,7 +3778,7 @@
               <a:t>"</a:t>
             </a:r>
             <a:r>
-              <a:rPr lang="en-GB" sz="1200" dirty="0" smtClean="0">
+              <a:rPr lang="en-GB" sz="1100" dirty="0" smtClean="0">
                 <a:solidFill>
                   <a:srgbClr val="000000"/>
                 </a:solidFill>
@@ -3780,7 +3789,7 @@
           </a:p>
           <a:p>
             <a:r>
-              <a:rPr lang="en-US" sz="1200" b="1" dirty="0" smtClean="0">
+              <a:rPr lang="en-US" sz="1100" b="1" dirty="0" smtClean="0">
                 <a:solidFill>
                   <a:srgbClr val="7F0055"/>
                 </a:solidFill>
@@ -3789,7 +3798,7 @@
               <a:t>public</a:t>
             </a:r>
             <a:r>
-              <a:rPr lang="en-US" sz="1200" b="1" dirty="0" smtClean="0">
+              <a:rPr lang="en-US" sz="1100" b="1" dirty="0" smtClean="0">
                 <a:solidFill>
                   <a:srgbClr val="000000"/>
                 </a:solidFill>
@@ -3798,7 +3807,7 @@
               <a:t> </a:t>
             </a:r>
             <a:r>
-              <a:rPr lang="en-US" sz="1200" b="1" dirty="0" smtClean="0">
+              <a:rPr lang="en-US" sz="1100" b="1" dirty="0" smtClean="0">
                 <a:solidFill>
                   <a:srgbClr val="7F0055"/>
                 </a:solidFill>
@@ -3807,7 +3816,7 @@
               <a:t>class</a:t>
             </a:r>
             <a:r>
-              <a:rPr lang="en-US" sz="1200" b="1" dirty="0" smtClean="0">
+              <a:rPr lang="en-US" sz="1100" b="1" dirty="0" smtClean="0">
                 <a:solidFill>
                   <a:srgbClr val="000000"/>
                 </a:solidFill>
@@ -3816,7 +3825,7 @@
               <a:t> </a:t>
             </a:r>
             <a:r>
-              <a:rPr lang="en-US" sz="1200" b="1" dirty="0" err="1" smtClean="0">
+              <a:rPr lang="en-US" sz="1100" b="1" dirty="0" err="1" smtClean="0">
                 <a:solidFill>
                   <a:srgbClr val="000000"/>
                 </a:solidFill>
@@ -3825,7 +3834,7 @@
               <a:t>ToDoItems</a:t>
             </a:r>
             <a:r>
-              <a:rPr lang="en-US" sz="1200" b="1" dirty="0" smtClean="0">
+              <a:rPr lang="en-US" sz="1100" b="1" dirty="0" smtClean="0">
                 <a:solidFill>
                   <a:srgbClr val="000000"/>
                 </a:solidFill>
@@ -3834,7 +3843,7 @@
               <a:t> </a:t>
             </a:r>
             <a:r>
-              <a:rPr lang="en-US" sz="1200" b="1" dirty="0" smtClean="0">
+              <a:rPr lang="en-US" sz="1100" b="1" dirty="0" smtClean="0">
                 <a:solidFill>
                   <a:srgbClr val="7F0055"/>
                 </a:solidFill>
@@ -3843,7 +3852,7 @@
               <a:t>...</a:t>
             </a:r>
             <a:r>
-              <a:rPr lang="en-US" sz="1200" b="1" dirty="0" smtClean="0">
+              <a:rPr lang="en-US" sz="1100" b="1" dirty="0" smtClean="0">
                 <a:solidFill>
                   <a:srgbClr val="000000"/>
                 </a:solidFill>
@@ -3853,7 +3862,7 @@
             </a:r>
           </a:p>
           <a:p>
-            <a:endParaRPr lang="en-US" sz="1200" b="1" dirty="0" smtClean="0">
+            <a:endParaRPr lang="en-US" sz="1100" b="1" dirty="0" smtClean="0">
               <a:solidFill>
                 <a:srgbClr val="000000"/>
               </a:solidFill>
@@ -3862,25 +3871,34 @@
           </a:p>
           <a:p>
             <a:r>
-              <a:rPr lang="en-GB" sz="1200" dirty="0" smtClean="0">
+              <a:rPr lang="en-GB" sz="1100" dirty="0" smtClean="0">
                 <a:solidFill>
                   <a:srgbClr val="646464"/>
                 </a:solidFill>
                 <a:latin typeface="Consolas"/>
               </a:rPr>
-              <a:t>    @</a:t>
-            </a:r>
-            <a:r>
-              <a:rPr lang="en-GB" sz="1200" dirty="0" err="1" smtClean="0">
+              <a:t>  </a:t>
+            </a:r>
+            <a:r>
+              <a:rPr lang="en-GB" sz="1100" dirty="0" smtClean="0">
                 <a:solidFill>
                   <a:srgbClr val="646464"/>
                 </a:solidFill>
                 <a:latin typeface="Consolas"/>
               </a:rPr>
+              <a:t>@</a:t>
+            </a:r>
+            <a:r>
+              <a:rPr lang="en-GB" sz="1100" dirty="0" err="1" smtClean="0">
+                <a:solidFill>
+                  <a:srgbClr val="646464"/>
+                </a:solidFill>
+                <a:latin typeface="Consolas"/>
+              </a:rPr>
               <a:t>MemberOrder</a:t>
             </a:r>
             <a:r>
-              <a:rPr lang="en-GB" sz="1200" dirty="0" smtClean="0">
+              <a:rPr lang="en-GB" sz="1100" dirty="0" smtClean="0">
                 <a:solidFill>
                   <a:srgbClr val="000000"/>
                 </a:solidFill>
@@ -3889,7 +3907,7 @@
               <a:t>(sequence = </a:t>
             </a:r>
             <a:r>
-              <a:rPr lang="en-GB" sz="1200" dirty="0" smtClean="0">
+              <a:rPr lang="en-GB" sz="1100" dirty="0" smtClean="0">
                 <a:solidFill>
                   <a:srgbClr val="2A00FF"/>
                 </a:solidFill>
@@ -3898,7 +3916,7 @@
               <a:t>"1"</a:t>
             </a:r>
             <a:r>
-              <a:rPr lang="en-GB" sz="1200" dirty="0" smtClean="0">
+              <a:rPr lang="en-GB" sz="1100" dirty="0" smtClean="0">
                 <a:solidFill>
                   <a:srgbClr val="000000"/>
                 </a:solidFill>
@@ -3909,16 +3927,16 @@
           </a:p>
           <a:p>
             <a:r>
-              <a:rPr lang="en-GB" sz="1200" dirty="0" smtClean="0">
-                <a:solidFill>
-                  <a:srgbClr val="000000"/>
-                </a:solidFill>
-                <a:latin typeface="Consolas"/>
-              </a:rPr>
-              <a:t>    </a:t>
-            </a:r>
-            <a:r>
-              <a:rPr lang="en-GB" sz="1200" b="1" dirty="0" smtClean="0">
+              <a:rPr lang="en-GB" sz="1100" dirty="0" smtClean="0">
+                <a:solidFill>
+                  <a:srgbClr val="000000"/>
+                </a:solidFill>
+                <a:latin typeface="Consolas"/>
+              </a:rPr>
+              <a:t>  </a:t>
+            </a:r>
+            <a:r>
+              <a:rPr lang="en-GB" sz="1100" b="1" dirty="0" smtClean="0">
                 <a:solidFill>
                   <a:srgbClr val="7F0055"/>
                 </a:solidFill>
@@ -3927,7 +3945,7 @@
               <a:t>public</a:t>
             </a:r>
             <a:r>
-              <a:rPr lang="en-GB" sz="1200" b="1" dirty="0" smtClean="0">
+              <a:rPr lang="en-GB" sz="1100" b="1" dirty="0" smtClean="0">
                 <a:solidFill>
                   <a:srgbClr val="000000"/>
                 </a:solidFill>
@@ -3936,7 +3954,7 @@
               <a:t> List&lt;</a:t>
             </a:r>
             <a:r>
-              <a:rPr lang="en-GB" sz="1200" b="1" dirty="0" err="1" smtClean="0">
+              <a:rPr lang="en-GB" sz="1100" b="1" dirty="0" err="1" smtClean="0">
                 <a:solidFill>
                   <a:srgbClr val="000000"/>
                 </a:solidFill>
@@ -3945,7 +3963,7 @@
               <a:t>ToDoItem</a:t>
             </a:r>
             <a:r>
-              <a:rPr lang="en-GB" sz="1200" b="1" dirty="0" smtClean="0">
+              <a:rPr lang="en-GB" sz="1100" b="1" dirty="0" smtClean="0">
                 <a:solidFill>
                   <a:srgbClr val="000000"/>
                 </a:solidFill>
@@ -3954,7 +3972,7 @@
               <a:t>&gt; </a:t>
             </a:r>
             <a:r>
-              <a:rPr lang="en-GB" sz="1200" b="1" dirty="0" err="1" smtClean="0">
+              <a:rPr lang="en-GB" sz="1100" b="1" dirty="0" err="1" smtClean="0">
                 <a:solidFill>
                   <a:srgbClr val="000000"/>
                 </a:solidFill>
@@ -3963,17 +3981,35 @@
               <a:t>notYetComplete</a:t>
             </a:r>
             <a:r>
-              <a:rPr lang="en-GB" sz="1200" b="1" dirty="0" smtClean="0">
-                <a:solidFill>
-                  <a:srgbClr val="000000"/>
-                </a:solidFill>
-                <a:latin typeface="Consolas"/>
-              </a:rPr>
-              <a:t>() { ... }</a:t>
-            </a:r>
-          </a:p>
-          <a:p>
-            <a:endParaRPr lang="en-GB" sz="1200" b="1" dirty="0">
+              <a:rPr lang="en-GB" sz="1100" b="1" dirty="0" smtClean="0">
+                <a:solidFill>
+                  <a:srgbClr val="000000"/>
+                </a:solidFill>
+                <a:latin typeface="Consolas"/>
+              </a:rPr>
+              <a:t>() { </a:t>
+            </a:r>
+            <a:r>
+              <a:rPr lang="en-GB" sz="1100" dirty="0" smtClean="0">
+                <a:solidFill>
+                  <a:srgbClr val="000000"/>
+                </a:solidFill>
+                <a:latin typeface="Consolas"/>
+              </a:rPr>
+              <a:t>...</a:t>
+            </a:r>
+            <a:r>
+              <a:rPr lang="en-GB" sz="1100" b="1" dirty="0" smtClean="0">
+                <a:solidFill>
+                  <a:srgbClr val="000000"/>
+                </a:solidFill>
+                <a:latin typeface="Consolas"/>
+              </a:rPr>
+              <a:t> }</a:t>
+            </a:r>
+          </a:p>
+          <a:p>
+            <a:endParaRPr lang="en-GB" sz="1100" b="1" dirty="0">
               <a:solidFill>
                 <a:srgbClr val="000000"/>
               </a:solidFill>
@@ -3982,25 +4018,34 @@
           </a:p>
           <a:p>
             <a:r>
-              <a:rPr lang="en-GB" sz="1200" dirty="0" smtClean="0">
+              <a:rPr lang="en-GB" sz="1100" dirty="0" smtClean="0">
                 <a:solidFill>
                   <a:srgbClr val="646464"/>
                 </a:solidFill>
                 <a:latin typeface="Consolas"/>
               </a:rPr>
-              <a:t>    @</a:t>
-            </a:r>
-            <a:r>
-              <a:rPr lang="en-GB" sz="1200" dirty="0" err="1" smtClean="0">
+              <a:t>  </a:t>
+            </a:r>
+            <a:r>
+              <a:rPr lang="en-GB" sz="1100" dirty="0" smtClean="0">
                 <a:solidFill>
                   <a:srgbClr val="646464"/>
                 </a:solidFill>
                 <a:latin typeface="Consolas"/>
               </a:rPr>
+              <a:t>@</a:t>
+            </a:r>
+            <a:r>
+              <a:rPr lang="en-GB" sz="1100" dirty="0" err="1" smtClean="0">
+                <a:solidFill>
+                  <a:srgbClr val="646464"/>
+                </a:solidFill>
+                <a:latin typeface="Consolas"/>
+              </a:rPr>
               <a:t>MemberOrder</a:t>
             </a:r>
             <a:r>
-              <a:rPr lang="en-GB" sz="1200" dirty="0" smtClean="0">
+              <a:rPr lang="en-GB" sz="1100" dirty="0" smtClean="0">
                 <a:solidFill>
                   <a:srgbClr val="000000"/>
                 </a:solidFill>
@@ -4009,7 +4054,7 @@
               <a:t>(sequence = </a:t>
             </a:r>
             <a:r>
-              <a:rPr lang="en-GB" sz="1200" dirty="0" smtClean="0">
+              <a:rPr lang="en-GB" sz="1100" dirty="0" smtClean="0">
                 <a:solidFill>
                   <a:srgbClr val="2A00FF"/>
                 </a:solidFill>
@@ -4018,7 +4063,7 @@
               <a:t>"2"</a:t>
             </a:r>
             <a:r>
-              <a:rPr lang="en-GB" sz="1200" dirty="0" smtClean="0">
+              <a:rPr lang="en-GB" sz="1100" dirty="0" smtClean="0">
                 <a:solidFill>
                   <a:srgbClr val="000000"/>
                 </a:solidFill>
@@ -4029,16 +4074,16 @@
           </a:p>
           <a:p>
             <a:r>
-              <a:rPr lang="en-GB" sz="1200" dirty="0" smtClean="0">
-                <a:solidFill>
-                  <a:srgbClr val="000000"/>
-                </a:solidFill>
-                <a:latin typeface="Consolas"/>
-              </a:rPr>
-              <a:t>    </a:t>
-            </a:r>
-            <a:r>
-              <a:rPr lang="en-GB" sz="1200" b="1" dirty="0" smtClean="0">
+              <a:rPr lang="en-GB" sz="1100" dirty="0" smtClean="0">
+                <a:solidFill>
+                  <a:srgbClr val="000000"/>
+                </a:solidFill>
+                <a:latin typeface="Consolas"/>
+              </a:rPr>
+              <a:t>  </a:t>
+            </a:r>
+            <a:r>
+              <a:rPr lang="en-GB" sz="1100" b="1" dirty="0" smtClean="0">
                 <a:solidFill>
                   <a:srgbClr val="7F0055"/>
                 </a:solidFill>
@@ -4047,7 +4092,7 @@
               <a:t>public</a:t>
             </a:r>
             <a:r>
-              <a:rPr lang="en-GB" sz="1200" b="1" dirty="0" smtClean="0">
+              <a:rPr lang="en-GB" sz="1100" b="1" dirty="0" smtClean="0">
                 <a:solidFill>
                   <a:srgbClr val="000000"/>
                 </a:solidFill>
@@ -4056,7 +4101,7 @@
               <a:t> List&lt;</a:t>
             </a:r>
             <a:r>
-              <a:rPr lang="en-GB" sz="1200" b="1" dirty="0" err="1" smtClean="0">
+              <a:rPr lang="en-GB" sz="1100" b="1" dirty="0" err="1" smtClean="0">
                 <a:solidFill>
                   <a:srgbClr val="000000"/>
                 </a:solidFill>
@@ -4065,29 +4110,33 @@
               <a:t>ToDoItem</a:t>
             </a:r>
             <a:r>
-              <a:rPr lang="en-GB" sz="1200" b="1" dirty="0" smtClean="0">
-                <a:solidFill>
-                  <a:srgbClr val="000000"/>
-                </a:solidFill>
-                <a:latin typeface="Consolas"/>
-              </a:rPr>
-              <a:t>&gt; </a:t>
-            </a:r>
-            <a:r>
-              <a:rPr lang="en-GB" sz="1200" b="1" dirty="0" smtClean="0">
-                <a:solidFill>
-                  <a:srgbClr val="000000"/>
-                </a:solidFill>
-                <a:highlight>
-                  <a:srgbClr val="D4D4D4"/>
-                </a:highlight>
-                <a:latin typeface="Consolas"/>
-              </a:rPr>
-              <a:t>complete() { ... }</a:t>
-            </a:r>
-          </a:p>
-          <a:p>
-            <a:endParaRPr lang="en-GB" sz="1200" b="1" dirty="0">
+              <a:rPr lang="en-GB" sz="1100" b="1" dirty="0" smtClean="0">
+                <a:solidFill>
+                  <a:srgbClr val="000000"/>
+                </a:solidFill>
+                <a:latin typeface="Consolas"/>
+              </a:rPr>
+              <a:t>&gt; complete() { </a:t>
+            </a:r>
+            <a:r>
+              <a:rPr lang="en-GB" sz="1100" dirty="0" smtClean="0">
+                <a:solidFill>
+                  <a:srgbClr val="000000"/>
+                </a:solidFill>
+                <a:latin typeface="Consolas"/>
+              </a:rPr>
+              <a:t>...</a:t>
+            </a:r>
+            <a:r>
+              <a:rPr lang="en-GB" sz="1100" b="1" dirty="0" smtClean="0">
+                <a:solidFill>
+                  <a:srgbClr val="000000"/>
+                </a:solidFill>
+                <a:latin typeface="Consolas"/>
+              </a:rPr>
+              <a:t> }</a:t>
+            </a:r>
+            <a:endParaRPr lang="en-GB" sz="1100" b="1" dirty="0" smtClean="0">
               <a:solidFill>
                 <a:srgbClr val="000000"/>
               </a:solidFill>
@@ -4098,134 +4147,7 @@
             </a:endParaRPr>
           </a:p>
           <a:p>
-            <a:r>
-              <a:rPr lang="en-GB" sz="1200" dirty="0" smtClean="0">
-                <a:solidFill>
-                  <a:srgbClr val="000000"/>
-                </a:solidFill>
-                <a:latin typeface="Consolas"/>
-              </a:rPr>
-              <a:t>    </a:t>
-            </a:r>
-            <a:r>
-              <a:rPr lang="en-GB" sz="1200" dirty="0" smtClean="0">
-                <a:solidFill>
-                  <a:srgbClr val="646464"/>
-                </a:solidFill>
-                <a:latin typeface="Consolas"/>
-              </a:rPr>
-              <a:t>@</a:t>
-            </a:r>
-            <a:r>
-              <a:rPr lang="en-GB" sz="1200" dirty="0" err="1" smtClean="0">
-                <a:solidFill>
-                  <a:srgbClr val="646464"/>
-                </a:solidFill>
-                <a:latin typeface="Consolas"/>
-              </a:rPr>
-              <a:t>MemberOrder</a:t>
-            </a:r>
-            <a:r>
-              <a:rPr lang="en-GB" sz="1200" dirty="0" smtClean="0">
-                <a:solidFill>
-                  <a:srgbClr val="000000"/>
-                </a:solidFill>
-                <a:latin typeface="Consolas"/>
-              </a:rPr>
-              <a:t>(sequence = </a:t>
-            </a:r>
-            <a:r>
-              <a:rPr lang="en-GB" sz="1200" dirty="0" smtClean="0">
-                <a:solidFill>
-                  <a:srgbClr val="2A00FF"/>
-                </a:solidFill>
-                <a:latin typeface="Consolas"/>
-              </a:rPr>
-              <a:t>"3"</a:t>
-            </a:r>
-            <a:r>
-              <a:rPr lang="en-GB" sz="1200" dirty="0" smtClean="0">
-                <a:solidFill>
-                  <a:srgbClr val="000000"/>
-                </a:solidFill>
-                <a:latin typeface="Consolas"/>
-              </a:rPr>
-              <a:t>)</a:t>
-            </a:r>
-          </a:p>
-          <a:p>
-            <a:r>
-              <a:rPr lang="en-GB" sz="1200" dirty="0" smtClean="0">
-                <a:solidFill>
-                  <a:srgbClr val="000000"/>
-                </a:solidFill>
-                <a:latin typeface="Consolas"/>
-              </a:rPr>
-              <a:t>    </a:t>
-            </a:r>
-            <a:r>
-              <a:rPr lang="en-GB" sz="1200" b="1" dirty="0" smtClean="0">
-                <a:solidFill>
-                  <a:srgbClr val="7F0055"/>
-                </a:solidFill>
-                <a:latin typeface="Consolas"/>
-              </a:rPr>
-              <a:t>public</a:t>
-            </a:r>
-            <a:r>
-              <a:rPr lang="en-GB" sz="1200" b="1" dirty="0" smtClean="0">
-                <a:solidFill>
-                  <a:srgbClr val="000000"/>
-                </a:solidFill>
-                <a:latin typeface="Consolas"/>
-              </a:rPr>
-              <a:t> </a:t>
-            </a:r>
-            <a:r>
-              <a:rPr lang="en-GB" sz="1200" b="1" dirty="0" err="1" smtClean="0">
-                <a:solidFill>
-                  <a:srgbClr val="000000"/>
-                </a:solidFill>
-                <a:latin typeface="Consolas"/>
-              </a:rPr>
-              <a:t>ToDoItem</a:t>
-            </a:r>
-            <a:r>
-              <a:rPr lang="en-GB" sz="1200" b="1" dirty="0" smtClean="0">
-                <a:solidFill>
-                  <a:srgbClr val="000000"/>
-                </a:solidFill>
-                <a:latin typeface="Consolas"/>
-              </a:rPr>
-              <a:t> </a:t>
-            </a:r>
-            <a:r>
-              <a:rPr lang="en-GB" sz="1200" b="1" dirty="0" err="1" smtClean="0">
-                <a:solidFill>
-                  <a:srgbClr val="000000"/>
-                </a:solidFill>
-                <a:highlight>
-                  <a:srgbClr val="D4D4D4"/>
-                </a:highlight>
-                <a:latin typeface="Consolas"/>
-              </a:rPr>
-              <a:t>newToDo</a:t>
-            </a:r>
-            <a:r>
-              <a:rPr lang="en-GB" sz="1200" b="1" dirty="0" smtClean="0">
-                <a:solidFill>
-                  <a:srgbClr val="000000"/>
-                </a:solidFill>
-                <a:highlight>
-                  <a:srgbClr val="D4D4D4"/>
-                </a:highlight>
-                <a:latin typeface="Consolas"/>
-              </a:rPr>
-              <a:t>( ... ) { ... }</a:t>
-            </a:r>
-          </a:p>
-          <a:p>
-            <a:endParaRPr lang="en-GB" sz="1200" b="1" dirty="0">
+            <a:endParaRPr lang="en-GB" sz="1100" b="1" dirty="0">
               <a:solidFill>
                 <a:srgbClr val="000000"/>
               </a:solidFill>
@@ -4237,16 +4159,16 @@
           </a:p>
           <a:p>
             <a:r>
-              <a:rPr lang="en-GB" sz="1200" dirty="0" smtClean="0">
-                <a:solidFill>
-                  <a:srgbClr val="000000"/>
-                </a:solidFill>
-                <a:latin typeface="Consolas"/>
-              </a:rPr>
-              <a:t>    </a:t>
-            </a:r>
-            <a:r>
-              <a:rPr lang="en-GB" sz="1200" dirty="0" smtClean="0">
+              <a:rPr lang="en-GB" sz="1100" dirty="0" smtClean="0">
+                <a:solidFill>
+                  <a:srgbClr val="000000"/>
+                </a:solidFill>
+                <a:latin typeface="Consolas"/>
+              </a:rPr>
+              <a:t>  </a:t>
+            </a:r>
+            <a:r>
+              <a:rPr lang="en-GB" sz="1100" dirty="0" smtClean="0">
                 <a:solidFill>
                   <a:srgbClr val="646464"/>
                 </a:solidFill>
@@ -4255,7 +4177,7 @@
               <a:t>@</a:t>
             </a:r>
             <a:r>
-              <a:rPr lang="en-GB" sz="1200" dirty="0" err="1" smtClean="0">
+              <a:rPr lang="en-GB" sz="1100" dirty="0" err="1" smtClean="0">
                 <a:solidFill>
                   <a:srgbClr val="646464"/>
                 </a:solidFill>
@@ -4264,7 +4186,7 @@
               <a:t>MemberOrder</a:t>
             </a:r>
             <a:r>
-              <a:rPr lang="en-GB" sz="1200" dirty="0" smtClean="0">
+              <a:rPr lang="en-GB" sz="1100" dirty="0" smtClean="0">
                 <a:solidFill>
                   <a:srgbClr val="000000"/>
                 </a:solidFill>
@@ -4273,16 +4195,184 @@
               <a:t>(sequence = </a:t>
             </a:r>
             <a:r>
-              <a:rPr lang="en-GB" sz="1200" dirty="0" smtClean="0">
+              <a:rPr lang="en-GB" sz="1100" dirty="0" smtClean="0">
                 <a:solidFill>
                   <a:srgbClr val="2A00FF"/>
                 </a:solidFill>
                 <a:latin typeface="Consolas"/>
               </a:rPr>
+              <a:t>"3"</a:t>
+            </a:r>
+            <a:r>
+              <a:rPr lang="en-GB" sz="1100" dirty="0" smtClean="0">
+                <a:solidFill>
+                  <a:srgbClr val="000000"/>
+                </a:solidFill>
+                <a:latin typeface="Consolas"/>
+              </a:rPr>
+              <a:t>)</a:t>
+            </a:r>
+          </a:p>
+          <a:p>
+            <a:r>
+              <a:rPr lang="en-GB" sz="1100" dirty="0" smtClean="0">
+                <a:solidFill>
+                  <a:srgbClr val="000000"/>
+                </a:solidFill>
+                <a:latin typeface="Consolas"/>
+              </a:rPr>
+              <a:t>  </a:t>
+            </a:r>
+            <a:r>
+              <a:rPr lang="en-GB" sz="1100" b="1" dirty="0" smtClean="0">
+                <a:solidFill>
+                  <a:srgbClr val="7F0055"/>
+                </a:solidFill>
+                <a:latin typeface="Consolas"/>
+              </a:rPr>
+              <a:t>public</a:t>
+            </a:r>
+            <a:r>
+              <a:rPr lang="en-GB" sz="1100" b="1" dirty="0" smtClean="0">
+                <a:solidFill>
+                  <a:srgbClr val="000000"/>
+                </a:solidFill>
+                <a:latin typeface="Consolas"/>
+              </a:rPr>
+              <a:t> </a:t>
+            </a:r>
+            <a:r>
+              <a:rPr lang="en-GB" sz="1100" b="1" dirty="0" err="1" smtClean="0">
+                <a:solidFill>
+                  <a:srgbClr val="000000"/>
+                </a:solidFill>
+                <a:latin typeface="Consolas"/>
+              </a:rPr>
+              <a:t>ToDoItem</a:t>
+            </a:r>
+            <a:r>
+              <a:rPr lang="en-GB" sz="1100" b="1" dirty="0" smtClean="0">
+                <a:solidFill>
+                  <a:srgbClr val="000000"/>
+                </a:solidFill>
+                <a:latin typeface="Consolas"/>
+              </a:rPr>
+              <a:t> </a:t>
+            </a:r>
+            <a:r>
+              <a:rPr lang="en-GB" sz="1100" b="1" dirty="0" err="1" smtClean="0">
+                <a:solidFill>
+                  <a:srgbClr val="000000"/>
+                </a:solidFill>
+                <a:latin typeface="Consolas"/>
+              </a:rPr>
+              <a:t>newToDo</a:t>
+            </a:r>
+            <a:r>
+              <a:rPr lang="en-GB" sz="1100" b="1" dirty="0" smtClean="0">
+                <a:solidFill>
+                  <a:srgbClr val="000000"/>
+                </a:solidFill>
+                <a:latin typeface="Consolas"/>
+              </a:rPr>
+              <a:t>( </a:t>
+            </a:r>
+            <a:r>
+              <a:rPr lang="en-GB" sz="1100" dirty="0" smtClean="0">
+                <a:solidFill>
+                  <a:srgbClr val="000000"/>
+                </a:solidFill>
+                <a:latin typeface="Consolas"/>
+              </a:rPr>
+              <a:t>...</a:t>
+            </a:r>
+            <a:r>
+              <a:rPr lang="en-GB" sz="1100" b="1" dirty="0" smtClean="0">
+                <a:solidFill>
+                  <a:srgbClr val="000000"/>
+                </a:solidFill>
+                <a:latin typeface="Consolas"/>
+              </a:rPr>
+              <a:t> ) { </a:t>
+            </a:r>
+            <a:r>
+              <a:rPr lang="en-GB" sz="1100" dirty="0" smtClean="0">
+                <a:solidFill>
+                  <a:srgbClr val="000000"/>
+                </a:solidFill>
+                <a:latin typeface="Consolas"/>
+              </a:rPr>
+              <a:t>...</a:t>
+            </a:r>
+            <a:r>
+              <a:rPr lang="en-GB" sz="1100" b="1" dirty="0" smtClean="0">
+                <a:solidFill>
+                  <a:srgbClr val="000000"/>
+                </a:solidFill>
+                <a:latin typeface="Consolas"/>
+              </a:rPr>
+              <a:t> }</a:t>
+            </a:r>
+          </a:p>
+          <a:p>
+            <a:endParaRPr lang="en-GB" sz="1100" b="1" dirty="0">
+              <a:solidFill>
+                <a:srgbClr val="000000"/>
+              </a:solidFill>
+              <a:highlight>
+                <a:srgbClr val="D4D4D4"/>
+              </a:highlight>
+              <a:latin typeface="Consolas"/>
+            </a:endParaRPr>
+          </a:p>
+          <a:p>
+            <a:r>
+              <a:rPr lang="en-GB" sz="1100" dirty="0" smtClean="0">
+                <a:solidFill>
+                  <a:srgbClr val="000000"/>
+                </a:solidFill>
+                <a:latin typeface="Consolas"/>
+              </a:rPr>
+              <a:t>  </a:t>
+            </a:r>
+            <a:r>
+              <a:rPr lang="en-GB" sz="1100" dirty="0" smtClean="0">
+                <a:solidFill>
+                  <a:srgbClr val="646464"/>
+                </a:solidFill>
+                <a:latin typeface="Consolas"/>
+              </a:rPr>
+              <a:t>@</a:t>
+            </a:r>
+            <a:r>
+              <a:rPr lang="en-GB" sz="1100" dirty="0" err="1" smtClean="0">
+                <a:solidFill>
+                  <a:srgbClr val="646464"/>
+                </a:solidFill>
+                <a:latin typeface="Consolas"/>
+              </a:rPr>
+              <a:t>MemberOrder</a:t>
+            </a:r>
+            <a:r>
+              <a:rPr lang="en-GB" sz="1100" dirty="0" smtClean="0">
+                <a:solidFill>
+                  <a:srgbClr val="000000"/>
+                </a:solidFill>
+                <a:latin typeface="Consolas"/>
+              </a:rPr>
+              <a:t>(sequence = </a:t>
+            </a:r>
+            <a:r>
+              <a:rPr lang="en-GB" sz="1100" dirty="0" smtClean="0">
+                <a:solidFill>
+                  <a:srgbClr val="2A00FF"/>
+                </a:solidFill>
+                <a:latin typeface="Consolas"/>
+              </a:rPr>
               <a:t>"4"</a:t>
             </a:r>
             <a:r>
-              <a:rPr lang="en-GB" sz="1200" dirty="0" smtClean="0">
+              <a:rPr lang="en-GB" sz="1100" dirty="0" smtClean="0">
                 <a:solidFill>
                   <a:srgbClr val="000000"/>
                 </a:solidFill>
@@ -4293,16 +4383,16 @@
           </a:p>
           <a:p>
             <a:r>
-              <a:rPr lang="en-GB" sz="1200" dirty="0" smtClean="0">
-                <a:solidFill>
-                  <a:srgbClr val="000000"/>
-                </a:solidFill>
-                <a:latin typeface="Consolas"/>
-              </a:rPr>
-              <a:t>    </a:t>
-            </a:r>
-            <a:r>
-              <a:rPr lang="en-GB" sz="1200" b="1" dirty="0" smtClean="0">
+              <a:rPr lang="en-GB" sz="1100" dirty="0" smtClean="0">
+                <a:solidFill>
+                  <a:srgbClr val="000000"/>
+                </a:solidFill>
+                <a:latin typeface="Consolas"/>
+              </a:rPr>
+              <a:t>  </a:t>
+            </a:r>
+            <a:r>
+              <a:rPr lang="en-GB" sz="1100" b="1" dirty="0" smtClean="0">
                 <a:solidFill>
                   <a:srgbClr val="7F0055"/>
                 </a:solidFill>
@@ -4311,7 +4401,7 @@
               <a:t>public</a:t>
             </a:r>
             <a:r>
-              <a:rPr lang="en-GB" sz="1200" b="1" dirty="0" smtClean="0">
+              <a:rPr lang="en-GB" sz="1100" b="1" dirty="0" smtClean="0">
                 <a:solidFill>
                   <a:srgbClr val="000000"/>
                 </a:solidFill>
@@ -4320,7 +4410,7 @@
               <a:t> List&lt;</a:t>
             </a:r>
             <a:r>
-              <a:rPr lang="en-GB" sz="1200" b="1" dirty="0" err="1" smtClean="0">
+              <a:rPr lang="en-GB" sz="1100" b="1" dirty="0" err="1" smtClean="0">
                 <a:solidFill>
                   <a:srgbClr val="000000"/>
                 </a:solidFill>
@@ -4329,7 +4419,7 @@
               <a:t>ToDoItem</a:t>
             </a:r>
             <a:r>
-              <a:rPr lang="en-GB" sz="1200" b="1" dirty="0" smtClean="0">
+              <a:rPr lang="en-GB" sz="1100" b="1" dirty="0" smtClean="0">
                 <a:solidFill>
                   <a:srgbClr val="000000"/>
                 </a:solidFill>
@@ -4338,30 +4428,42 @@
               <a:t>&gt; </a:t>
             </a:r>
             <a:r>
-              <a:rPr lang="en-GB" sz="1200" b="1" dirty="0" err="1" smtClean="0">
-                <a:solidFill>
-                  <a:srgbClr val="000000"/>
-                </a:solidFill>
-                <a:highlight>
-                  <a:srgbClr val="D4D4D4"/>
-                </a:highlight>
+              <a:rPr lang="en-GB" sz="1100" b="1" dirty="0" err="1" smtClean="0">
+                <a:solidFill>
+                  <a:srgbClr val="000000"/>
+                </a:solidFill>
                 <a:latin typeface="Consolas"/>
               </a:rPr>
               <a:t>allToDos</a:t>
             </a:r>
             <a:r>
-              <a:rPr lang="en-GB" sz="1200" b="1" dirty="0" smtClean="0">
-                <a:solidFill>
-                  <a:srgbClr val="000000"/>
-                </a:solidFill>
-                <a:highlight>
-                  <a:srgbClr val="D4D4D4"/>
-                </a:highlight>
-                <a:latin typeface="Consolas"/>
-              </a:rPr>
-              <a:t>() { ... }</a:t>
-            </a:r>
-            <a:endParaRPr lang="en-US" sz="1200" b="1" dirty="0" smtClean="0">
+              <a:rPr lang="en-GB" sz="1100" b="1" dirty="0" smtClean="0">
+                <a:solidFill>
+                  <a:srgbClr val="000000"/>
+                </a:solidFill>
+                <a:latin typeface="Consolas"/>
+              </a:rPr>
+              <a:t>() { </a:t>
+            </a:r>
+            <a:r>
+              <a:rPr lang="en-GB" sz="1100" dirty="0" smtClean="0">
+                <a:solidFill>
+                  <a:srgbClr val="000000"/>
+                </a:solidFill>
+                <a:latin typeface="Consolas"/>
+              </a:rPr>
+              <a:t>...</a:t>
+            </a:r>
+            <a:r>
+              <a:rPr lang="en-GB" sz="1100" b="1" dirty="0" smtClean="0">
+                <a:solidFill>
+                  <a:srgbClr val="000000"/>
+                </a:solidFill>
+                <a:latin typeface="Consolas"/>
+              </a:rPr>
+              <a:t> }</a:t>
+            </a:r>
+            <a:endParaRPr lang="en-US" sz="1100" b="1" dirty="0" smtClean="0">
               <a:solidFill>
                 <a:srgbClr val="000000"/>
               </a:solidFill>
@@ -4370,7 +4472,7 @@
           </a:p>
           <a:p>
             <a:r>
-              <a:rPr lang="en-US" sz="1200" b="1" dirty="0" smtClean="0">
+              <a:rPr lang="en-US" sz="1100" b="1" dirty="0" smtClean="0">
                 <a:solidFill>
                   <a:srgbClr val="000000"/>
                 </a:solidFill>
@@ -4390,7 +4492,7 @@
         <p:spPr>
           <a:xfrm>
             <a:off x="107504" y="4730368"/>
-            <a:ext cx="8640960" cy="1938992"/>
+            <a:ext cx="7848872" cy="1785104"/>
           </a:xfrm>
           <a:prstGeom prst="rect">
             <a:avLst/>
@@ -4422,7 +4524,7 @@
           <a:lstStyle/>
           <a:p>
             <a:r>
-              <a:rPr lang="en-US" sz="1200" b="1" dirty="0" smtClean="0">
+              <a:rPr lang="en-US" sz="1100" b="1" dirty="0" smtClean="0">
                 <a:solidFill>
                   <a:srgbClr val="7F0055"/>
                 </a:solidFill>
@@ -4431,7 +4533,7 @@
               <a:t>public</a:t>
             </a:r>
             <a:r>
-              <a:rPr lang="en-US" sz="1200" b="1" dirty="0" smtClean="0">
+              <a:rPr lang="en-US" sz="1100" b="1" dirty="0" smtClean="0">
                 <a:solidFill>
                   <a:srgbClr val="000000"/>
                 </a:solidFill>
@@ -4440,7 +4542,7 @@
               <a:t> </a:t>
             </a:r>
             <a:r>
-              <a:rPr lang="en-US" sz="1200" b="1" dirty="0" smtClean="0">
+              <a:rPr lang="en-US" sz="1100" b="1" dirty="0" smtClean="0">
                 <a:solidFill>
                   <a:srgbClr val="7F0055"/>
                 </a:solidFill>
@@ -4449,7 +4551,7 @@
               <a:t>class</a:t>
             </a:r>
             <a:r>
-              <a:rPr lang="en-US" sz="1200" b="1" dirty="0" smtClean="0">
+              <a:rPr lang="en-US" sz="1100" b="1" dirty="0" smtClean="0">
                 <a:solidFill>
                   <a:srgbClr val="000000"/>
                 </a:solidFill>
@@ -4458,7 +4560,7 @@
               <a:t> </a:t>
             </a:r>
             <a:r>
-              <a:rPr lang="en-US" sz="1200" b="1" dirty="0" err="1" smtClean="0">
+              <a:rPr lang="en-US" sz="1100" b="1" dirty="0" err="1" smtClean="0">
                 <a:solidFill>
                   <a:srgbClr val="000000"/>
                 </a:solidFill>
@@ -4467,7 +4569,7 @@
               <a:t>ToDoItems</a:t>
             </a:r>
             <a:r>
-              <a:rPr lang="en-US" sz="1200" b="1" dirty="0" smtClean="0">
+              <a:rPr lang="en-US" sz="1100" b="1" dirty="0" smtClean="0">
                 <a:solidFill>
                   <a:srgbClr val="000000"/>
                 </a:solidFill>
@@ -4476,7 +4578,7 @@
               <a:t> </a:t>
             </a:r>
             <a:r>
-              <a:rPr lang="en-US" sz="1200" b="1" dirty="0" smtClean="0">
+              <a:rPr lang="en-US" sz="1100" b="1" dirty="0" smtClean="0">
                 <a:solidFill>
                   <a:srgbClr val="7F0055"/>
                 </a:solidFill>
@@ -4485,7 +4587,7 @@
               <a:t>...</a:t>
             </a:r>
             <a:r>
-              <a:rPr lang="en-US" sz="1200" b="1" dirty="0" smtClean="0">
+              <a:rPr lang="en-US" sz="1100" b="1" dirty="0" smtClean="0">
                 <a:solidFill>
                   <a:srgbClr val="000000"/>
                 </a:solidFill>
@@ -4496,27 +4598,119 @@
           </a:p>
           <a:p>
             <a:r>
-              <a:rPr lang="en-GB" sz="1200" dirty="0" smtClean="0">
+              <a:rPr lang="en-GB" sz="1100" dirty="0">
+                <a:solidFill>
+                  <a:srgbClr val="000000"/>
+                </a:solidFill>
+                <a:latin typeface="Consolas"/>
+              </a:rPr>
+              <a:t> </a:t>
+            </a:r>
+            <a:r>
+              <a:rPr lang="en-GB" sz="1100" dirty="0" smtClean="0">
+                <a:solidFill>
+                  <a:srgbClr val="000000"/>
+                </a:solidFill>
+                <a:latin typeface="Consolas"/>
+              </a:rPr>
+              <a:t> ...</a:t>
+            </a:r>
+          </a:p>
+          <a:p>
+            <a:r>
+              <a:rPr lang="en-GB" sz="1100" b="1" dirty="0">
+                <a:solidFill>
+                  <a:srgbClr val="000000"/>
+                </a:solidFill>
+                <a:latin typeface="Consolas"/>
+              </a:rPr>
+              <a:t> </a:t>
+            </a:r>
+            <a:r>
+              <a:rPr lang="en-GB" sz="1100" b="1" dirty="0" smtClean="0">
+                <a:solidFill>
+                  <a:srgbClr val="000000"/>
+                </a:solidFill>
+                <a:latin typeface="Consolas"/>
+              </a:rPr>
+              <a:t> </a:t>
+            </a:r>
+            <a:r>
+              <a:rPr lang="en-GB" sz="1100" b="1" dirty="0" smtClean="0">
                 <a:solidFill>
                   <a:srgbClr val="7F0055"/>
                 </a:solidFill>
                 <a:latin typeface="Consolas"/>
               </a:rPr>
-              <a:t>  </a:t>
-            </a:r>
-          </a:p>
-          <a:p>
-            <a:r>
-              <a:rPr lang="en-GB" sz="1200" b="1" dirty="0" smtClean="0">
+              <a:t>public</a:t>
+            </a:r>
+            <a:r>
+              <a:rPr lang="en-GB" sz="1100" b="1" dirty="0" smtClean="0">
+                <a:solidFill>
+                  <a:srgbClr val="000000"/>
+                </a:solidFill>
+                <a:latin typeface="Consolas"/>
+              </a:rPr>
+              <a:t> </a:t>
+            </a:r>
+            <a:r>
+              <a:rPr lang="en-GB" sz="1100" b="1" dirty="0" err="1" smtClean="0">
+                <a:solidFill>
+                  <a:srgbClr val="000000"/>
+                </a:solidFill>
+                <a:latin typeface="Consolas"/>
+              </a:rPr>
+              <a:t>ToDoItem</a:t>
+            </a:r>
+            <a:r>
+              <a:rPr lang="en-GB" sz="1100" b="1" dirty="0" smtClean="0">
+                <a:solidFill>
+                  <a:srgbClr val="000000"/>
+                </a:solidFill>
+                <a:latin typeface="Consolas"/>
+              </a:rPr>
+              <a:t> </a:t>
+            </a:r>
+            <a:r>
+              <a:rPr lang="en-GB" sz="1100" b="1" dirty="0" err="1" smtClean="0">
+                <a:solidFill>
+                  <a:srgbClr val="000000"/>
+                </a:solidFill>
+                <a:latin typeface="Consolas"/>
+              </a:rPr>
+              <a:t>newToDo</a:t>
+            </a:r>
+            <a:r>
+              <a:rPr lang="en-GB" sz="1100" b="1" dirty="0" smtClean="0">
+                <a:solidFill>
+                  <a:srgbClr val="000000"/>
+                </a:solidFill>
+                <a:latin typeface="Consolas"/>
+              </a:rPr>
+              <a:t>(</a:t>
+            </a:r>
+          </a:p>
+          <a:p>
+            <a:r>
+              <a:rPr lang="en-US" sz="1100" b="1" dirty="0" smtClean="0">
+                <a:solidFill>
+                  <a:srgbClr val="000000"/>
+                </a:solidFill>
+                <a:latin typeface="Consolas"/>
+              </a:rPr>
+              <a:t>    </a:t>
+            </a:r>
+            <a:r>
+              <a:rPr lang="en-US" sz="1100" b="1" dirty="0" smtClean="0">
                 <a:solidFill>
                   <a:srgbClr val="7F0055"/>
                 </a:solidFill>
                 <a:latin typeface="Consolas"/>
               </a:rPr>
-              <a:t>  public</a:t>
-            </a:r>
-            <a:r>
-              <a:rPr lang="en-GB" sz="1200" b="1" dirty="0" smtClean="0">
+              <a:t>final</a:t>
+            </a:r>
+            <a:r>
+              <a:rPr lang="en-US" sz="1100" b="1" dirty="0" smtClean="0">
                 <a:solidFill>
                   <a:srgbClr val="000000"/>
                 </a:solidFill>
@@ -4525,34 +4719,25 @@
               <a:t> </a:t>
             </a:r>
             <a:r>
-              <a:rPr lang="en-GB" sz="1200" b="1" dirty="0" err="1" smtClean="0">
-                <a:solidFill>
-                  <a:srgbClr val="000000"/>
-                </a:solidFill>
-                <a:latin typeface="Consolas"/>
-              </a:rPr>
-              <a:t>ToDoItem</a:t>
-            </a:r>
-            <a:r>
-              <a:rPr lang="en-GB" sz="1200" b="1" dirty="0" smtClean="0">
-                <a:solidFill>
-                  <a:srgbClr val="000000"/>
-                </a:solidFill>
-                <a:latin typeface="Consolas"/>
-              </a:rPr>
-              <a:t> </a:t>
-            </a:r>
-            <a:r>
-              <a:rPr lang="en-GB" sz="1200" b="1" dirty="0" err="1" smtClean="0">
-                <a:solidFill>
-                  <a:srgbClr val="000000"/>
-                </a:solidFill>
-                <a:latin typeface="Consolas"/>
-              </a:rPr>
-              <a:t>newToDo</a:t>
-            </a:r>
-            <a:r>
-              <a:rPr lang="en-GB" sz="1200" b="1" dirty="0" smtClean="0">
+              <a:rPr lang="en-US" sz="1100" b="1" dirty="0" smtClean="0">
+                <a:solidFill>
+                  <a:srgbClr val="646464"/>
+                </a:solidFill>
+                <a:latin typeface="Consolas"/>
+              </a:rPr>
+              <a:t>@</a:t>
+            </a:r>
+            <a:r>
+              <a:rPr lang="en-US" sz="1100" b="1" dirty="0" smtClean="0">
+                <a:solidFill>
+                  <a:srgbClr val="646464"/>
+                </a:solidFill>
+                <a:latin typeface="Consolas"/>
+              </a:rPr>
+              <a:t>Named</a:t>
+            </a:r>
+            <a:r>
+              <a:rPr lang="en-US" sz="1100" b="1" dirty="0" smtClean="0">
                 <a:solidFill>
                   <a:srgbClr val="000000"/>
                 </a:solidFill>
@@ -4560,37 +4745,26 @@
               </a:rPr>
               <a:t>(</a:t>
             </a:r>
-          </a:p>
-          <a:p>
-            <a:r>
-              <a:rPr lang="en-US" sz="1200" b="1" dirty="0" smtClean="0">
-                <a:solidFill>
-                  <a:srgbClr val="000000"/>
-                </a:solidFill>
-                <a:latin typeface="Consolas"/>
-              </a:rPr>
-              <a:t>    </a:t>
-            </a:r>
-            <a:r>
-              <a:rPr lang="en-US" sz="1200" b="1" dirty="0" smtClean="0">
-                <a:solidFill>
-                  <a:srgbClr val="7F0055"/>
-                </a:solidFill>
-                <a:latin typeface="Consolas"/>
-              </a:rPr>
-              <a:t>final</a:t>
-            </a:r>
-            <a:r>
-              <a:rPr lang="en-US" sz="1200" b="1" dirty="0" smtClean="0">
-                <a:solidFill>
-                  <a:srgbClr val="000000"/>
-                </a:solidFill>
-                <a:latin typeface="Consolas"/>
-              </a:rPr>
-              <a:t> </a:t>
-            </a:r>
-            <a:r>
-              <a:rPr lang="en-US" sz="1200" b="1" dirty="0" smtClean="0">
+            <a:r>
+              <a:rPr lang="en-US" sz="1100" b="1" dirty="0" smtClean="0">
+                <a:solidFill>
+                  <a:srgbClr val="2A00FF"/>
+                </a:solidFill>
+                <a:latin typeface="Consolas"/>
+              </a:rPr>
+              <a:t>"Description"</a:t>
+            </a:r>
+            <a:r>
+              <a:rPr lang="en-US" sz="1100" b="1" dirty="0" smtClean="0">
+                <a:solidFill>
+                  <a:srgbClr val="000000"/>
+                </a:solidFill>
+                <a:latin typeface="Consolas"/>
+              </a:rPr>
+              <a:t>) </a:t>
+            </a:r>
+            <a:r>
+              <a:rPr lang="en-US" sz="1100" b="1" dirty="0">
                 <a:solidFill>
                   <a:srgbClr val="646464"/>
                 </a:solidFill>
@@ -4599,7 +4773,7 @@
               <a:t>@</a:t>
             </a:r>
             <a:r>
-              <a:rPr lang="en-US" sz="1200" b="1" dirty="0" err="1" smtClean="0">
+              <a:rPr lang="en-US" sz="1100" b="1" dirty="0" err="1">
                 <a:solidFill>
                   <a:srgbClr val="646464"/>
                 </a:solidFill>
@@ -4608,7 +4782,7 @@
               <a:t>RegEx</a:t>
             </a:r>
             <a:r>
-              <a:rPr lang="en-US" sz="1200" b="1" dirty="0" smtClean="0">
+              <a:rPr lang="en-US" sz="1100" b="1" dirty="0">
                 <a:solidFill>
                   <a:srgbClr val="000000"/>
                 </a:solidFill>
@@ -4617,7 +4791,7 @@
               <a:t>(validation = </a:t>
             </a:r>
             <a:r>
-              <a:rPr lang="en-US" sz="1200" b="1" dirty="0" smtClean="0">
+              <a:rPr lang="en-US" sz="1100" b="1" dirty="0">
                 <a:solidFill>
                   <a:srgbClr val="2A00FF"/>
                 </a:solidFill>
@@ -4626,52 +4800,25 @@
               <a:t>"\\w[@&amp;:\\-\\,\\.\\+ \\w]*"</a:t>
             </a:r>
             <a:r>
-              <a:rPr lang="en-US" sz="1200" b="1" dirty="0" smtClean="0">
-                <a:solidFill>
-                  <a:srgbClr val="000000"/>
-                </a:solidFill>
-                <a:latin typeface="Consolas"/>
-              </a:rPr>
-              <a:t>) </a:t>
-            </a:r>
-            <a:r>
-              <a:rPr lang="en-US" sz="1200" b="1" dirty="0" smtClean="0">
-                <a:solidFill>
-                  <a:srgbClr val="646464"/>
-                </a:solidFill>
-                <a:latin typeface="Consolas"/>
-              </a:rPr>
-              <a:t>@Named</a:t>
-            </a:r>
-            <a:r>
-              <a:rPr lang="en-US" sz="1200" b="1" dirty="0" smtClean="0">
-                <a:solidFill>
-                  <a:srgbClr val="000000"/>
-                </a:solidFill>
-                <a:latin typeface="Consolas"/>
-              </a:rPr>
-              <a:t>(</a:t>
-            </a:r>
-            <a:r>
-              <a:rPr lang="en-US" sz="1200" b="1" dirty="0" smtClean="0">
-                <a:solidFill>
-                  <a:srgbClr val="2A00FF"/>
-                </a:solidFill>
-                <a:latin typeface="Consolas"/>
-              </a:rPr>
-              <a:t>"Description"</a:t>
-            </a:r>
-            <a:r>
-              <a:rPr lang="en-US" sz="1200" b="1" dirty="0" smtClean="0">
-                <a:solidFill>
-                  <a:srgbClr val="000000"/>
-                </a:solidFill>
-                <a:latin typeface="Consolas"/>
-              </a:rPr>
-              <a:t>) String description</a:t>
-            </a:r>
-            <a:r>
-              <a:rPr lang="en-US" sz="1200" b="1" dirty="0" smtClean="0">
+              <a:rPr lang="en-US" sz="1100" b="1" dirty="0">
+                <a:solidFill>
+                  <a:srgbClr val="000000"/>
+                </a:solidFill>
+                <a:latin typeface="Consolas"/>
+              </a:rPr>
+              <a:t>) String </a:t>
+            </a:r>
+            <a:r>
+              <a:rPr lang="en-US" sz="1100" b="1" dirty="0" smtClean="0">
+                <a:solidFill>
+                  <a:srgbClr val="000000"/>
+                </a:solidFill>
+                <a:latin typeface="Consolas"/>
+              </a:rPr>
+              <a:t>description</a:t>
+            </a:r>
+            <a:r>
+              <a:rPr lang="en-US" sz="1100" b="1" dirty="0" smtClean="0">
                 <a:solidFill>
                   <a:srgbClr val="000000"/>
                 </a:solidFill>
@@ -4679,7 +4826,7 @@
               </a:rPr>
               <a:t>,</a:t>
             </a:r>
-            <a:endParaRPr lang="en-US" sz="1200" b="1" dirty="0" smtClean="0">
+            <a:endParaRPr lang="en-US" sz="1100" b="1" dirty="0" smtClean="0">
               <a:solidFill>
                 <a:srgbClr val="000000"/>
               </a:solidFill>
@@ -4688,7 +4835,7 @@
           </a:p>
           <a:p>
             <a:r>
-              <a:rPr lang="en-US" sz="1200" b="1" dirty="0" smtClean="0">
+              <a:rPr lang="en-US" sz="1100" b="1" dirty="0" smtClean="0">
                 <a:solidFill>
                   <a:srgbClr val="000000"/>
                 </a:solidFill>
@@ -4697,7 +4844,7 @@
               <a:t>    </a:t>
             </a:r>
             <a:r>
-              <a:rPr lang="en-US" sz="1200" b="1" dirty="0" smtClean="0">
+              <a:rPr lang="en-US" sz="1100" b="1" dirty="0" smtClean="0">
                 <a:solidFill>
                   <a:srgbClr val="7F0055"/>
                 </a:solidFill>
@@ -4706,7 +4853,7 @@
               <a:t>final</a:t>
             </a:r>
             <a:r>
-              <a:rPr lang="en-US" sz="1200" b="1" dirty="0" smtClean="0">
+              <a:rPr lang="en-US" sz="1100" b="1" dirty="0" smtClean="0">
                 <a:solidFill>
                   <a:srgbClr val="000000"/>
                 </a:solidFill>
@@ -4715,7 +4862,7 @@
               <a:t> </a:t>
             </a:r>
             <a:r>
-              <a:rPr lang="en-US" sz="1200" b="1" dirty="0" smtClean="0">
+              <a:rPr lang="en-US" sz="1100" b="1" dirty="0" smtClean="0">
                 <a:solidFill>
                   <a:srgbClr val="646464"/>
                 </a:solidFill>
@@ -4724,7 +4871,7 @@
               <a:t>@Named</a:t>
             </a:r>
             <a:r>
-              <a:rPr lang="en-US" sz="1200" b="1" dirty="0" smtClean="0">
+              <a:rPr lang="en-US" sz="1100" b="1" dirty="0" smtClean="0">
                 <a:solidFill>
                   <a:srgbClr val="000000"/>
                 </a:solidFill>
@@ -4733,7 +4880,7 @@
               <a:t>(</a:t>
             </a:r>
             <a:r>
-              <a:rPr lang="en-US" sz="1200" b="1" dirty="0" smtClean="0">
+              <a:rPr lang="en-US" sz="1100" b="1" dirty="0" smtClean="0">
                 <a:solidFill>
                   <a:srgbClr val="2A00FF"/>
                 </a:solidFill>
@@ -4742,7 +4889,7 @@
               <a:t>"Category"</a:t>
             </a:r>
             <a:r>
-              <a:rPr lang="en-US" sz="1200" b="1" dirty="0" smtClean="0">
+              <a:rPr lang="en-US" sz="1100" b="1" dirty="0" smtClean="0">
                 <a:solidFill>
                   <a:srgbClr val="000000"/>
                 </a:solidFill>
@@ -4751,7 +4898,7 @@
               <a:t>) Category </a:t>
             </a:r>
             <a:r>
-              <a:rPr lang="en-US" sz="1200" b="1" dirty="0" err="1" smtClean="0">
+              <a:rPr lang="en-US" sz="1100" b="1" dirty="0" err="1" smtClean="0">
                 <a:solidFill>
                   <a:srgbClr val="000000"/>
                 </a:solidFill>
@@ -4760,7 +4907,7 @@
               <a:t>category</a:t>
             </a:r>
             <a:r>
-              <a:rPr lang="en-US" sz="1200" b="1" dirty="0" smtClean="0">
+              <a:rPr lang="en-US" sz="1100" b="1" dirty="0" smtClean="0">
                 <a:solidFill>
                   <a:srgbClr val="000000"/>
                 </a:solidFill>
@@ -4771,7 +4918,7 @@
           </a:p>
           <a:p>
             <a:r>
-              <a:rPr lang="en-US" sz="1200" b="1" dirty="0" smtClean="0">
+              <a:rPr lang="en-US" sz="1100" b="1" dirty="0" smtClean="0">
                 <a:solidFill>
                   <a:srgbClr val="000000"/>
                 </a:solidFill>
@@ -4780,7 +4927,7 @@
               <a:t>    </a:t>
             </a:r>
             <a:r>
-              <a:rPr lang="en-US" sz="1200" b="1" dirty="0" smtClean="0">
+              <a:rPr lang="en-US" sz="1100" b="1" dirty="0" smtClean="0">
                 <a:solidFill>
                   <a:srgbClr val="7F0055"/>
                 </a:solidFill>
@@ -4789,7 +4936,7 @@
               <a:t>final</a:t>
             </a:r>
             <a:r>
-              <a:rPr lang="en-US" sz="1200" b="1" dirty="0" smtClean="0">
+              <a:rPr lang="en-US" sz="1100" b="1" dirty="0" smtClean="0">
                 <a:solidFill>
                   <a:srgbClr val="000000"/>
                 </a:solidFill>
@@ -4798,7 +4945,7 @@
               <a:t> </a:t>
             </a:r>
             <a:r>
-              <a:rPr lang="en-US" sz="1200" b="1" dirty="0" smtClean="0">
+              <a:rPr lang="en-US" sz="1100" b="1" dirty="0" smtClean="0">
                 <a:solidFill>
                   <a:srgbClr val="646464"/>
                 </a:solidFill>
@@ -4807,7 +4954,7 @@
               <a:t>@Named</a:t>
             </a:r>
             <a:r>
-              <a:rPr lang="en-US" sz="1200" b="1" dirty="0" smtClean="0">
+              <a:rPr lang="en-US" sz="1100" b="1" dirty="0" smtClean="0">
                 <a:solidFill>
                   <a:srgbClr val="000000"/>
                 </a:solidFill>
@@ -4816,7 +4963,7 @@
               <a:t>(</a:t>
             </a:r>
             <a:r>
-              <a:rPr lang="en-US" sz="1200" b="1" dirty="0" smtClean="0">
+              <a:rPr lang="en-US" sz="1100" b="1" dirty="0" smtClean="0">
                 <a:solidFill>
                   <a:srgbClr val="2A00FF"/>
                 </a:solidFill>
@@ -4825,7 +4972,7 @@
               <a:t>"Subcategory"</a:t>
             </a:r>
             <a:r>
-              <a:rPr lang="en-US" sz="1200" b="1" dirty="0" smtClean="0">
+              <a:rPr lang="en-US" sz="1100" b="1" dirty="0" smtClean="0">
                 <a:solidFill>
                   <a:srgbClr val="000000"/>
                 </a:solidFill>
@@ -4834,7 +4981,7 @@
               <a:t>) Subcategory </a:t>
             </a:r>
             <a:r>
-              <a:rPr lang="en-US" sz="1200" b="1" dirty="0" err="1" smtClean="0">
+              <a:rPr lang="en-US" sz="1100" b="1" dirty="0" err="1" smtClean="0">
                 <a:solidFill>
                   <a:srgbClr val="000000"/>
                 </a:solidFill>
@@ -4843,7 +4990,7 @@
               <a:t>subcategory</a:t>
             </a:r>
             <a:r>
-              <a:rPr lang="en-US" sz="1200" b="1" dirty="0" smtClean="0">
+              <a:rPr lang="en-US" sz="1100" b="1" dirty="0" smtClean="0">
                 <a:solidFill>
                   <a:srgbClr val="000000"/>
                 </a:solidFill>
@@ -4854,7 +5001,7 @@
           </a:p>
           <a:p>
             <a:r>
-              <a:rPr lang="en-US" sz="1200" b="1" dirty="0" smtClean="0">
+              <a:rPr lang="en-US" sz="1100" b="1" dirty="0" smtClean="0">
                 <a:solidFill>
                   <a:srgbClr val="000000"/>
                 </a:solidFill>
@@ -4863,7 +5010,7 @@
               <a:t>    </a:t>
             </a:r>
             <a:r>
-              <a:rPr lang="en-US" sz="1200" b="1" dirty="0" smtClean="0">
+              <a:rPr lang="en-US" sz="1100" b="1" dirty="0" smtClean="0">
                 <a:solidFill>
                   <a:srgbClr val="7F0055"/>
                 </a:solidFill>
@@ -4872,7 +5019,7 @@
               <a:t>final</a:t>
             </a:r>
             <a:r>
-              <a:rPr lang="en-US" sz="1200" b="1" dirty="0" smtClean="0">
+              <a:rPr lang="en-US" sz="1100" b="1" dirty="0" smtClean="0">
                 <a:solidFill>
                   <a:srgbClr val="000000"/>
                 </a:solidFill>
@@ -4881,16 +5028,61 @@
               <a:t> </a:t>
             </a:r>
             <a:r>
-              <a:rPr lang="en-US" sz="1200" b="1" dirty="0" smtClean="0">
+              <a:rPr lang="en-US" sz="1100" b="1" dirty="0" smtClean="0">
                 <a:solidFill>
                   <a:srgbClr val="646464"/>
                 </a:solidFill>
                 <a:latin typeface="Consolas"/>
               </a:rPr>
+              <a:t>@</a:t>
+            </a:r>
+            <a:r>
+              <a:rPr lang="en-US" sz="1100" b="1" dirty="0" smtClean="0">
+                <a:solidFill>
+                  <a:srgbClr val="646464"/>
+                </a:solidFill>
+                <a:latin typeface="Consolas"/>
+              </a:rPr>
+              <a:t>Named</a:t>
+            </a:r>
+            <a:r>
+              <a:rPr lang="en-US" sz="1100" b="1" dirty="0" smtClean="0">
+                <a:solidFill>
+                  <a:srgbClr val="000000"/>
+                </a:solidFill>
+                <a:latin typeface="Consolas"/>
+              </a:rPr>
+              <a:t>(</a:t>
+            </a:r>
+            <a:r>
+              <a:rPr lang="en-US" sz="1100" b="1" dirty="0" smtClean="0">
+                <a:solidFill>
+                  <a:srgbClr val="2A00FF"/>
+                </a:solidFill>
+                <a:latin typeface="Consolas"/>
+              </a:rPr>
+              <a:t>"Due by"</a:t>
+            </a:r>
+            <a:r>
+              <a:rPr lang="en-US" sz="1100" b="1" dirty="0" smtClean="0">
+                <a:solidFill>
+                  <a:srgbClr val="000000"/>
+                </a:solidFill>
+                <a:latin typeface="Consolas"/>
+              </a:rPr>
+              <a:t>) </a:t>
+            </a:r>
+            <a:r>
+              <a:rPr lang="en-US" sz="1100" b="1" dirty="0">
+                <a:solidFill>
+                  <a:srgbClr val="646464"/>
+                </a:solidFill>
+                <a:latin typeface="Consolas"/>
+              </a:rPr>
               <a:t>@Optional</a:t>
             </a:r>
             <a:r>
-              <a:rPr lang="en-US" sz="1200" b="1" dirty="0" smtClean="0">
+              <a:rPr lang="en-US" sz="1100" b="1" dirty="0">
                 <a:solidFill>
                   <a:srgbClr val="000000"/>
                 </a:solidFill>
@@ -4899,16 +5091,90 @@
               <a:t> </a:t>
             </a:r>
             <a:r>
-              <a:rPr lang="en-US" sz="1200" b="1" dirty="0" smtClean="0">
+              <a:rPr lang="en-US" sz="1100" b="1" dirty="0" err="1">
+                <a:solidFill>
+                  <a:srgbClr val="000000"/>
+                </a:solidFill>
+                <a:latin typeface="Consolas"/>
+              </a:rPr>
+              <a:t>LocalDate</a:t>
+            </a:r>
+            <a:r>
+              <a:rPr lang="en-US" sz="1100" b="1" dirty="0">
+                <a:solidFill>
+                  <a:srgbClr val="000000"/>
+                </a:solidFill>
+                <a:latin typeface="Consolas"/>
+              </a:rPr>
+              <a:t> </a:t>
+            </a:r>
+            <a:r>
+              <a:rPr lang="en-US" sz="1100" b="1" dirty="0" err="1" smtClean="0">
+                <a:solidFill>
+                  <a:srgbClr val="000000"/>
+                </a:solidFill>
+                <a:latin typeface="Consolas"/>
+              </a:rPr>
+              <a:t>dueBy</a:t>
+            </a:r>
+            <a:r>
+              <a:rPr lang="en-US" sz="1100" b="1" dirty="0" smtClean="0">
+                <a:solidFill>
+                  <a:srgbClr val="000000"/>
+                </a:solidFill>
+                <a:latin typeface="Consolas"/>
+              </a:rPr>
+              <a:t>,</a:t>
+            </a:r>
+          </a:p>
+          <a:p>
+            <a:r>
+              <a:rPr lang="en-GB" sz="1100" b="1" dirty="0" smtClean="0">
+                <a:solidFill>
+                  <a:srgbClr val="000000"/>
+                </a:solidFill>
+                <a:latin typeface="Consolas"/>
+              </a:rPr>
+              <a:t>    </a:t>
+            </a:r>
+            <a:r>
+              <a:rPr lang="en-GB" sz="1100" b="1" dirty="0" smtClean="0">
+                <a:solidFill>
+                  <a:srgbClr val="7F0055"/>
+                </a:solidFill>
+                <a:latin typeface="Consolas"/>
+              </a:rPr>
+              <a:t>final</a:t>
+            </a:r>
+            <a:r>
+              <a:rPr lang="en-GB" sz="1100" b="1" dirty="0" smtClean="0">
+                <a:solidFill>
+                  <a:srgbClr val="000000"/>
+                </a:solidFill>
+                <a:latin typeface="Consolas"/>
+              </a:rPr>
+              <a:t> </a:t>
+            </a:r>
+            <a:r>
+              <a:rPr lang="en-GB" sz="1100" b="1" dirty="0" smtClean="0">
                 <a:solidFill>
                   <a:srgbClr val="646464"/>
                 </a:solidFill>
                 <a:latin typeface="Consolas"/>
               </a:rPr>
-              <a:t>@Named</a:t>
-            </a:r>
-            <a:r>
-              <a:rPr lang="en-US" sz="1200" b="1" dirty="0" smtClean="0">
+              <a:t>@</a:t>
+            </a:r>
+            <a:r>
+              <a:rPr lang="en-GB" sz="1100" b="1" dirty="0" smtClean="0">
+                <a:solidFill>
+                  <a:srgbClr val="646464"/>
+                </a:solidFill>
+                <a:latin typeface="Consolas"/>
+              </a:rPr>
+              <a:t>Named</a:t>
+            </a:r>
+            <a:r>
+              <a:rPr lang="en-GB" sz="1100" b="1" dirty="0" smtClean="0">
                 <a:solidFill>
                   <a:srgbClr val="000000"/>
                 </a:solidFill>
@@ -4917,16 +5183,16 @@
               <a:t>(</a:t>
             </a:r>
             <a:r>
-              <a:rPr lang="en-US" sz="1200" b="1" dirty="0" smtClean="0">
+              <a:rPr lang="en-GB" sz="1100" b="1" dirty="0" smtClean="0">
                 <a:solidFill>
                   <a:srgbClr val="2A00FF"/>
                 </a:solidFill>
                 <a:latin typeface="Consolas"/>
               </a:rPr>
-              <a:t>"Due by"</a:t>
-            </a:r>
-            <a:r>
-              <a:rPr lang="en-US" sz="1200" b="1" dirty="0" smtClean="0">
+              <a:t>"Cost"</a:t>
+            </a:r>
+            <a:r>
+              <a:rPr lang="en-GB" sz="1100" b="1" dirty="0" smtClean="0">
                 <a:solidFill>
                   <a:srgbClr val="000000"/>
                 </a:solidFill>
@@ -4935,16 +5201,16 @@
               <a:t>) </a:t>
             </a:r>
             <a:r>
-              <a:rPr lang="en-US" sz="1200" b="1" dirty="0" err="1" smtClean="0">
-                <a:solidFill>
-                  <a:srgbClr val="000000"/>
-                </a:solidFill>
-                <a:latin typeface="Consolas"/>
-              </a:rPr>
-              <a:t>LocalDate</a:t>
-            </a:r>
-            <a:r>
-              <a:rPr lang="en-US" sz="1200" b="1" dirty="0" smtClean="0">
+              <a:rPr lang="en-GB" sz="1100" b="1" dirty="0">
+                <a:solidFill>
+                  <a:srgbClr val="646464"/>
+                </a:solidFill>
+                <a:latin typeface="Consolas"/>
+              </a:rPr>
+              <a:t>@Optional</a:t>
+            </a:r>
+            <a:r>
+              <a:rPr lang="en-GB" sz="1100" b="1" dirty="0">
                 <a:solidFill>
                   <a:srgbClr val="000000"/>
                 </a:solidFill>
@@ -4953,63 +5219,72 @@
               <a:t> </a:t>
             </a:r>
             <a:r>
-              <a:rPr lang="en-US" sz="1200" b="1" dirty="0" err="1" smtClean="0">
-                <a:solidFill>
-                  <a:srgbClr val="000000"/>
-                </a:solidFill>
-                <a:latin typeface="Consolas"/>
-              </a:rPr>
-              <a:t>dueBy</a:t>
-            </a:r>
-            <a:r>
-              <a:rPr lang="en-US" sz="1200" b="1" dirty="0" smtClean="0">
-                <a:solidFill>
-                  <a:srgbClr val="000000"/>
-                </a:solidFill>
-                <a:latin typeface="Consolas"/>
-              </a:rPr>
-              <a:t>,</a:t>
-            </a:r>
-          </a:p>
-          <a:p>
-            <a:r>
-              <a:rPr lang="en-GB" sz="1200" b="1" dirty="0" smtClean="0">
-                <a:solidFill>
-                  <a:srgbClr val="000000"/>
-                </a:solidFill>
-                <a:latin typeface="Consolas"/>
-              </a:rPr>
-              <a:t>    </a:t>
-            </a:r>
-            <a:r>
-              <a:rPr lang="en-GB" sz="1200" b="1" dirty="0" smtClean="0">
+              <a:rPr lang="en-GB" sz="1100" b="1" dirty="0" err="1">
+                <a:solidFill>
+                  <a:srgbClr val="000000"/>
+                </a:solidFill>
+                <a:latin typeface="Consolas"/>
+              </a:rPr>
+              <a:t>BigDecimal</a:t>
+            </a:r>
+            <a:r>
+              <a:rPr lang="en-GB" sz="1100" b="1" dirty="0">
+                <a:solidFill>
+                  <a:srgbClr val="000000"/>
+                </a:solidFill>
+                <a:latin typeface="Consolas"/>
+              </a:rPr>
+              <a:t> </a:t>
+            </a:r>
+            <a:r>
+              <a:rPr lang="en-GB" sz="1100" b="1" dirty="0" smtClean="0">
+                <a:solidFill>
+                  <a:srgbClr val="000000"/>
+                </a:solidFill>
+                <a:latin typeface="Consolas"/>
+              </a:rPr>
+              <a:t>cost) </a:t>
+            </a:r>
+            <a:r>
+              <a:rPr lang="en-GB" sz="1100" b="1" dirty="0" smtClean="0">
+                <a:solidFill>
+                  <a:srgbClr val="000000"/>
+                </a:solidFill>
+                <a:latin typeface="Consolas"/>
+              </a:rPr>
+              <a:t>{ </a:t>
+            </a:r>
+            <a:r>
+              <a:rPr lang="en-GB" sz="1100" dirty="0" smtClean="0">
                 <a:solidFill>
                   <a:srgbClr val="7F0055"/>
                 </a:solidFill>
                 <a:latin typeface="Consolas"/>
               </a:rPr>
-              <a:t>final</a:t>
-            </a:r>
-            <a:r>
-              <a:rPr lang="en-GB" sz="1200" b="1" dirty="0" smtClean="0">
-                <a:solidFill>
-                  <a:srgbClr val="000000"/>
+              <a:t>...</a:t>
+            </a:r>
+            <a:r>
+              <a:rPr lang="en-GB" sz="1100" b="1" dirty="0" smtClean="0">
+                <a:solidFill>
+                  <a:srgbClr val="7F0055"/>
                 </a:solidFill>
                 <a:latin typeface="Consolas"/>
               </a:rPr>
               <a:t> </a:t>
             </a:r>
             <a:r>
-              <a:rPr lang="en-GB" sz="1200" b="1" dirty="0" smtClean="0">
-                <a:solidFill>
-                  <a:srgbClr val="646464"/>
-                </a:solidFill>
-                <a:latin typeface="Consolas"/>
-              </a:rPr>
-              <a:t>@Optional</a:t>
-            </a:r>
-            <a:r>
-              <a:rPr lang="en-GB" sz="1200" b="1" dirty="0" smtClean="0">
+              <a:rPr lang="en-GB" sz="1100" b="1" dirty="0" smtClean="0">
+                <a:solidFill>
+                  <a:srgbClr val="000000"/>
+                </a:solidFill>
+                <a:latin typeface="Consolas"/>
+              </a:rPr>
+              <a:t>}</a:t>
+            </a:r>
+          </a:p>
+          <a:p>
+            <a:r>
+              <a:rPr lang="en-GB" sz="1100" dirty="0">
                 <a:solidFill>
                   <a:srgbClr val="000000"/>
                 </a:solidFill>
@@ -5018,107 +5293,15 @@
               <a:t> </a:t>
             </a:r>
             <a:r>
-              <a:rPr lang="en-GB" sz="1200" b="1" dirty="0" smtClean="0">
-                <a:solidFill>
-                  <a:srgbClr val="646464"/>
-                </a:solidFill>
-                <a:latin typeface="Consolas"/>
-              </a:rPr>
-              <a:t>@Named</a:t>
-            </a:r>
-            <a:r>
-              <a:rPr lang="en-GB" sz="1200" b="1" dirty="0" smtClean="0">
-                <a:solidFill>
-                  <a:srgbClr val="000000"/>
-                </a:solidFill>
-                <a:latin typeface="Consolas"/>
-              </a:rPr>
-              <a:t>(</a:t>
-            </a:r>
-            <a:r>
-              <a:rPr lang="en-GB" sz="1200" b="1" dirty="0" smtClean="0">
-                <a:solidFill>
-                  <a:srgbClr val="2A00FF"/>
-                </a:solidFill>
-                <a:latin typeface="Consolas"/>
-              </a:rPr>
-              <a:t>"Cost"</a:t>
-            </a:r>
-            <a:r>
-              <a:rPr lang="en-GB" sz="1200" b="1" dirty="0" smtClean="0">
-                <a:solidFill>
-                  <a:srgbClr val="000000"/>
-                </a:solidFill>
-                <a:latin typeface="Consolas"/>
-              </a:rPr>
-              <a:t>) </a:t>
-            </a:r>
-            <a:r>
-              <a:rPr lang="en-GB" sz="1200" b="1" dirty="0" err="1" smtClean="0">
-                <a:solidFill>
-                  <a:srgbClr val="000000"/>
-                </a:solidFill>
-                <a:latin typeface="Consolas"/>
-              </a:rPr>
-              <a:t>BigDecimal</a:t>
-            </a:r>
-            <a:r>
-              <a:rPr lang="en-GB" sz="1200" b="1" dirty="0" smtClean="0">
-                <a:solidFill>
-                  <a:srgbClr val="000000"/>
-                </a:solidFill>
-                <a:latin typeface="Consolas"/>
-              </a:rPr>
-              <a:t> cost) </a:t>
-            </a:r>
-            <a:r>
-              <a:rPr lang="en-GB" sz="1200" b="1" dirty="0" smtClean="0">
-                <a:solidFill>
-                  <a:srgbClr val="000000"/>
-                </a:solidFill>
-                <a:latin typeface="Consolas"/>
-              </a:rPr>
-              <a:t>{ </a:t>
-            </a:r>
-            <a:r>
-              <a:rPr lang="en-GB" sz="1200" b="1" dirty="0" smtClean="0">
-                <a:solidFill>
-                  <a:srgbClr val="7F0055"/>
-                </a:solidFill>
-                <a:latin typeface="Consolas"/>
-              </a:rPr>
-              <a:t>... </a:t>
-            </a:r>
-            <a:r>
-              <a:rPr lang="en-GB" sz="1200" b="1" dirty="0" smtClean="0">
-                <a:solidFill>
-                  <a:srgbClr val="000000"/>
-                </a:solidFill>
-                <a:latin typeface="Consolas"/>
-              </a:rPr>
-              <a:t>}</a:t>
-            </a:r>
-          </a:p>
-          <a:p>
-            <a:r>
-              <a:rPr lang="en-GB" sz="1200" b="1" dirty="0">
-                <a:solidFill>
-                  <a:srgbClr val="000000"/>
-                </a:solidFill>
-                <a:latin typeface="Consolas"/>
-              </a:rPr>
-              <a:t> </a:t>
-            </a:r>
-            <a:r>
-              <a:rPr lang="en-GB" sz="1200" b="1" dirty="0" smtClean="0">
-                <a:solidFill>
-                  <a:srgbClr val="000000"/>
-                </a:solidFill>
-                <a:latin typeface="Consolas"/>
-              </a:rPr>
-              <a:t> </a:t>
-            </a:r>
-            <a:endParaRPr lang="en-GB" sz="1200" b="1" dirty="0" smtClean="0">
+              <a:rPr lang="en-GB" sz="1100" dirty="0" smtClean="0">
+                <a:solidFill>
+                  <a:srgbClr val="000000"/>
+                </a:solidFill>
+                <a:latin typeface="Consolas"/>
+              </a:rPr>
+              <a:t> ...</a:t>
+            </a:r>
+            <a:endParaRPr lang="en-GB" sz="1100" dirty="0" smtClean="0">
               <a:solidFill>
                 <a:srgbClr val="000000"/>
               </a:solidFill>
@@ -5127,7 +5310,7 @@
           </a:p>
           <a:p>
             <a:r>
-              <a:rPr lang="en-GB" sz="1200" b="1" dirty="0" smtClean="0">
+              <a:rPr lang="en-GB" sz="1100" b="1" dirty="0" smtClean="0">
                 <a:solidFill>
                   <a:srgbClr val="000000"/>
                 </a:solidFill>
@@ -5135,7 +5318,7 @@
               </a:rPr>
               <a:t>}</a:t>
             </a:r>
-            <a:endParaRPr lang="en-GB" sz="1200" b="1" dirty="0" smtClean="0">
+            <a:endParaRPr lang="en-GB" sz="1100" b="1" dirty="0" smtClean="0">
               <a:solidFill>
                 <a:srgbClr val="000000"/>
               </a:solidFill>
@@ -5183,7 +5366,7 @@
         <p:spPr>
           <a:xfrm>
             <a:off x="1480869" y="1052736"/>
-            <a:ext cx="4603299" cy="1200329"/>
+            <a:ext cx="4171251" cy="1107996"/>
           </a:xfrm>
           <a:prstGeom prst="rect">
             <a:avLst/>
@@ -5215,7 +5398,7 @@
           <a:lstStyle/>
           <a:p>
             <a:r>
-              <a:rPr lang="en-GB" sz="1200" b="1" dirty="0" smtClean="0">
+              <a:rPr lang="en-GB" sz="1100" b="1" dirty="0" smtClean="0">
                 <a:solidFill>
                   <a:srgbClr val="7F0055"/>
                 </a:solidFill>
@@ -5224,7 +5407,7 @@
               <a:t>public</a:t>
             </a:r>
             <a:r>
-              <a:rPr lang="en-GB" sz="1200" b="1" dirty="0" smtClean="0">
+              <a:rPr lang="en-GB" sz="1100" b="1" dirty="0" smtClean="0">
                 <a:solidFill>
                   <a:srgbClr val="000000"/>
                 </a:solidFill>
@@ -5233,7 +5416,7 @@
               <a:t> </a:t>
             </a:r>
             <a:r>
-              <a:rPr lang="en-GB" sz="1200" b="1" dirty="0" smtClean="0">
+              <a:rPr lang="en-GB" sz="1100" b="1" dirty="0" smtClean="0">
                 <a:solidFill>
                   <a:srgbClr val="7F0055"/>
                 </a:solidFill>
@@ -5242,7 +5425,7 @@
               <a:t>static</a:t>
             </a:r>
             <a:r>
-              <a:rPr lang="en-GB" sz="1200" b="1" dirty="0" smtClean="0">
+              <a:rPr lang="en-GB" sz="1100" b="1" dirty="0" smtClean="0">
                 <a:solidFill>
                   <a:srgbClr val="000000"/>
                 </a:solidFill>
@@ -5251,7 +5434,7 @@
               <a:t> </a:t>
             </a:r>
             <a:r>
-              <a:rPr lang="en-GB" sz="1200" b="1" dirty="0" err="1" smtClean="0">
+              <a:rPr lang="en-GB" sz="1100" b="1" dirty="0" err="1" smtClean="0">
                 <a:solidFill>
                   <a:srgbClr val="7F0055"/>
                 </a:solidFill>
@@ -5260,7 +5443,7 @@
               <a:t>enum</a:t>
             </a:r>
             <a:r>
-              <a:rPr lang="en-GB" sz="1200" b="1" dirty="0" smtClean="0">
+              <a:rPr lang="en-GB" sz="1100" b="1" dirty="0" smtClean="0">
                 <a:solidFill>
                   <a:srgbClr val="000000"/>
                 </a:solidFill>
@@ -5271,7 +5454,7 @@
           </a:p>
           <a:p>
             <a:r>
-              <a:rPr lang="en-GB" sz="1200" dirty="0" smtClean="0">
+              <a:rPr lang="en-GB" sz="1100" dirty="0" smtClean="0">
                 <a:solidFill>
                   <a:srgbClr val="000000"/>
                 </a:solidFill>
@@ -5280,7 +5463,7 @@
               <a:t>  </a:t>
             </a:r>
             <a:r>
-              <a:rPr lang="en-GB" sz="1200" i="1" dirty="0" smtClean="0">
+              <a:rPr lang="en-GB" sz="1100" i="1" dirty="0" smtClean="0">
                 <a:solidFill>
                   <a:srgbClr val="0000C0"/>
                 </a:solidFill>
@@ -5289,7 +5472,7 @@
               <a:t>Professional</a:t>
             </a:r>
             <a:r>
-              <a:rPr lang="en-GB" sz="1200" i="1" dirty="0" smtClean="0">
+              <a:rPr lang="en-GB" sz="1100" i="1" dirty="0" smtClean="0">
                 <a:solidFill>
                   <a:srgbClr val="000000"/>
                 </a:solidFill>
@@ -5298,7 +5481,7 @@
               <a:t> </a:t>
             </a:r>
             <a:r>
-              <a:rPr lang="en-GB" sz="1200" dirty="0" smtClean="0">
+              <a:rPr lang="en-GB" sz="1100" dirty="0" smtClean="0">
                 <a:solidFill>
                   <a:srgbClr val="000000"/>
                 </a:solidFill>
@@ -5309,7 +5492,7 @@
           </a:p>
           <a:p>
             <a:r>
-              <a:rPr lang="en-GB" sz="1200" dirty="0" smtClean="0">
+              <a:rPr lang="en-GB" sz="1100" dirty="0" smtClean="0">
                 <a:solidFill>
                   <a:srgbClr val="000000"/>
                 </a:solidFill>
@@ -5318,7 +5501,7 @@
               <a:t>  </a:t>
             </a:r>
             <a:r>
-              <a:rPr lang="en-GB" sz="1200" i="1" dirty="0" smtClean="0">
+              <a:rPr lang="en-GB" sz="1100" i="1" dirty="0" smtClean="0">
                 <a:solidFill>
                   <a:srgbClr val="0000C0"/>
                 </a:solidFill>
@@ -5327,7 +5510,7 @@
               <a:t>Domestic</a:t>
             </a:r>
             <a:r>
-              <a:rPr lang="en-GB" sz="1200" i="1" dirty="0" smtClean="0">
+              <a:rPr lang="en-GB" sz="1100" i="1" dirty="0" smtClean="0">
                 <a:solidFill>
                   <a:srgbClr val="000000"/>
                 </a:solidFill>
@@ -5336,7 +5519,7 @@
               <a:t> </a:t>
             </a:r>
             <a:r>
-              <a:rPr lang="en-GB" sz="1200" dirty="0" smtClean="0">
+              <a:rPr lang="en-GB" sz="1100" dirty="0" smtClean="0">
                 <a:solidFill>
                   <a:srgbClr val="000000"/>
                 </a:solidFill>
@@ -5347,7 +5530,7 @@
           </a:p>
           <a:p>
             <a:r>
-              <a:rPr lang="en-GB" sz="1200" dirty="0" smtClean="0">
+              <a:rPr lang="en-GB" sz="1100" dirty="0" smtClean="0">
                 <a:solidFill>
                   <a:srgbClr val="000000"/>
                 </a:solidFill>
@@ -5356,7 +5539,7 @@
               <a:t> </a:t>
             </a:r>
             <a:r>
-              <a:rPr lang="en-GB" sz="1200" dirty="0" smtClean="0">
+              <a:rPr lang="en-GB" sz="1100" dirty="0" smtClean="0">
                 <a:solidFill>
                   <a:srgbClr val="000000"/>
                 </a:solidFill>
@@ -5365,7 +5548,7 @@
               <a:t> </a:t>
             </a:r>
             <a:r>
-              <a:rPr lang="en-GB" sz="1200" i="1" dirty="0" smtClean="0">
+              <a:rPr lang="en-GB" sz="1100" i="1" dirty="0" smtClean="0">
                 <a:solidFill>
                   <a:srgbClr val="0000C0"/>
                 </a:solidFill>
@@ -5374,7 +5557,7 @@
               <a:t>Other</a:t>
             </a:r>
             <a:r>
-              <a:rPr lang="en-GB" sz="1200" i="1" dirty="0" smtClean="0">
+              <a:rPr lang="en-GB" sz="1100" i="1" dirty="0" smtClean="0">
                 <a:solidFill>
                   <a:srgbClr val="000000"/>
                 </a:solidFill>
@@ -5383,7 +5566,7 @@
               <a:t> </a:t>
             </a:r>
             <a:r>
-              <a:rPr lang="en-GB" sz="1200" dirty="0" smtClean="0">
+              <a:rPr lang="en-GB" sz="1100" dirty="0" smtClean="0">
                 <a:solidFill>
                   <a:srgbClr val="000000"/>
                 </a:solidFill>
@@ -5394,7 +5577,7 @@
           </a:p>
           <a:p>
             <a:r>
-              <a:rPr lang="en-GB" sz="1200" b="1" dirty="0" smtClean="0">
+              <a:rPr lang="en-GB" sz="1100" b="1" dirty="0" smtClean="0">
                 <a:solidFill>
                   <a:srgbClr val="7F0055"/>
                 </a:solidFill>
@@ -5403,7 +5586,7 @@
               <a:t> </a:t>
             </a:r>
             <a:r>
-              <a:rPr lang="en-GB" sz="1200" b="1" dirty="0" smtClean="0">
+              <a:rPr lang="en-GB" sz="1100" b="1" dirty="0" smtClean="0">
                 <a:solidFill>
                   <a:srgbClr val="7F0055"/>
                 </a:solidFill>
@@ -5412,7 +5595,7 @@
               <a:t> </a:t>
             </a:r>
             <a:r>
-              <a:rPr lang="en-GB" sz="1200" b="1" dirty="0" smtClean="0">
+              <a:rPr lang="en-GB" sz="1100" b="1" dirty="0" smtClean="0">
                 <a:solidFill>
                   <a:srgbClr val="7F0055"/>
                 </a:solidFill>
@@ -5421,7 +5604,7 @@
               <a:t>public</a:t>
             </a:r>
             <a:r>
-              <a:rPr lang="en-GB" sz="1200" b="1" dirty="0" smtClean="0">
+              <a:rPr lang="en-GB" sz="1100" b="1" dirty="0" smtClean="0">
                 <a:solidFill>
                   <a:srgbClr val="000000"/>
                 </a:solidFill>
@@ -5430,7 +5613,7 @@
               <a:t> </a:t>
             </a:r>
             <a:r>
-              <a:rPr lang="en-GB" sz="1200" b="1" dirty="0" smtClean="0">
+              <a:rPr lang="en-GB" sz="1100" b="1" dirty="0" smtClean="0">
                 <a:solidFill>
                   <a:srgbClr val="7F0055"/>
                 </a:solidFill>
@@ -5439,7 +5622,7 @@
               <a:t>abstract</a:t>
             </a:r>
             <a:r>
-              <a:rPr lang="en-GB" sz="1200" b="1" dirty="0" smtClean="0">
+              <a:rPr lang="en-GB" sz="1100" b="1" dirty="0" smtClean="0">
                 <a:solidFill>
                   <a:srgbClr val="000000"/>
                 </a:solidFill>
@@ -5450,7 +5633,7 @@
           </a:p>
           <a:p>
             <a:r>
-              <a:rPr lang="en-GB" sz="1200" dirty="0" smtClean="0">
+              <a:rPr lang="en-GB" sz="1100" dirty="0" smtClean="0">
                 <a:solidFill>
                   <a:srgbClr val="000000"/>
                 </a:solidFill>
@@ -5458,7 +5641,7 @@
               </a:rPr>
               <a:t>}</a:t>
             </a:r>
-            <a:endParaRPr lang="en-US" sz="1200" b="1" dirty="0" smtClean="0">
+            <a:endParaRPr lang="en-US" sz="1100" b="1" dirty="0" smtClean="0">
               <a:solidFill>
                 <a:srgbClr val="000000"/>
               </a:solidFill>
@@ -5476,7 +5659,7 @@
         <p:spPr>
           <a:xfrm>
             <a:off x="2987824" y="3212976"/>
-            <a:ext cx="3667992" cy="1015663"/>
+            <a:ext cx="3339376" cy="938719"/>
           </a:xfrm>
           <a:prstGeom prst="rect">
             <a:avLst/>
@@ -5508,7 +5691,7 @@
           <a:lstStyle/>
           <a:p>
             <a:r>
-              <a:rPr lang="en-GB" sz="1200" b="1" dirty="0" smtClean="0">
+              <a:rPr lang="en-GB" sz="1100" b="1" dirty="0" smtClean="0">
                 <a:solidFill>
                   <a:srgbClr val="7F0055"/>
                 </a:solidFill>
@@ -5517,7 +5700,7 @@
               <a:t>public</a:t>
             </a:r>
             <a:r>
-              <a:rPr lang="en-GB" sz="1200" b="1" dirty="0" smtClean="0">
+              <a:rPr lang="en-GB" sz="1100" b="1" dirty="0" smtClean="0">
                 <a:solidFill>
                   <a:srgbClr val="000000"/>
                 </a:solidFill>
@@ -5528,7 +5711,7 @@
           </a:p>
           <a:p>
             <a:r>
-              <a:rPr lang="en-US" sz="1200" dirty="0" smtClean="0">
+              <a:rPr lang="en-US" sz="1100" dirty="0" smtClean="0">
                 <a:solidFill>
                   <a:srgbClr val="000000"/>
                 </a:solidFill>
@@ -5537,7 +5720,7 @@
               <a:t>        </a:t>
             </a:r>
             <a:r>
-              <a:rPr lang="en-US" sz="1200" b="1" dirty="0" smtClean="0">
+              <a:rPr lang="en-US" sz="1100" b="1" dirty="0" smtClean="0">
                 <a:solidFill>
                   <a:srgbClr val="7F0055"/>
                 </a:solidFill>
@@ -5546,7 +5729,7 @@
               <a:t>final</a:t>
             </a:r>
             <a:r>
-              <a:rPr lang="en-US" sz="1200" b="1" dirty="0" smtClean="0">
+              <a:rPr lang="en-US" sz="1100" b="1" dirty="0" smtClean="0">
                 <a:solidFill>
                   <a:srgbClr val="000000"/>
                 </a:solidFill>
@@ -5555,7 +5738,7 @@
               <a:t> </a:t>
             </a:r>
             <a:r>
-              <a:rPr lang="en-US" sz="1200" b="1" dirty="0" smtClean="0">
+              <a:rPr lang="en-US" sz="1100" b="1" dirty="0" smtClean="0">
                 <a:solidFill>
                   <a:srgbClr val="000000"/>
                 </a:solidFill>
@@ -5564,7 +5747,7 @@
               <a:t>String </a:t>
             </a:r>
             <a:r>
-              <a:rPr lang="en-US" sz="1200" b="1" dirty="0" smtClean="0">
+              <a:rPr lang="en-US" sz="1100" b="1" dirty="0" smtClean="0">
                 <a:solidFill>
                   <a:srgbClr val="000000"/>
                 </a:solidFill>
@@ -5575,7 +5758,7 @@
           </a:p>
           <a:p>
             <a:r>
-              <a:rPr lang="en-US" sz="1200" b="1" dirty="0">
+              <a:rPr lang="en-US" sz="1100" b="1" dirty="0">
                 <a:solidFill>
                   <a:srgbClr val="000000"/>
                 </a:solidFill>
@@ -5584,7 +5767,7 @@
               <a:t> </a:t>
             </a:r>
             <a:r>
-              <a:rPr lang="en-US" sz="1200" b="1" dirty="0" smtClean="0">
+              <a:rPr lang="en-US" sz="1100" b="1" dirty="0" smtClean="0">
                 <a:solidFill>
                   <a:srgbClr val="000000"/>
                 </a:solidFill>
@@ -5593,7 +5776,7 @@
               <a:t>       </a:t>
             </a:r>
             <a:r>
-              <a:rPr lang="en-US" sz="1200" b="1" dirty="0" smtClean="0">
+              <a:rPr lang="en-US" sz="1100" b="1" dirty="0" smtClean="0">
                 <a:solidFill>
                   <a:srgbClr val="7F0055"/>
                 </a:solidFill>
@@ -5602,7 +5785,7 @@
               <a:t>final</a:t>
             </a:r>
             <a:r>
-              <a:rPr lang="en-US" sz="1200" b="1" dirty="0" smtClean="0">
+              <a:rPr lang="en-US" sz="1100" b="1" dirty="0" smtClean="0">
                 <a:solidFill>
                   <a:srgbClr val="000000"/>
                 </a:solidFill>
@@ -5611,7 +5794,7 @@
               <a:t> </a:t>
             </a:r>
             <a:r>
-              <a:rPr lang="en-US" sz="1200" b="1" dirty="0" smtClean="0">
+              <a:rPr lang="en-US" sz="1100" b="1" dirty="0" smtClean="0">
                 <a:solidFill>
                   <a:srgbClr val="000000"/>
                 </a:solidFill>
@@ -5622,7 +5805,7 @@
           </a:p>
           <a:p>
             <a:r>
-              <a:rPr lang="en-GB" sz="1200" dirty="0" smtClean="0">
+              <a:rPr lang="en-GB" sz="1100" dirty="0" smtClean="0">
                 <a:solidFill>
                   <a:srgbClr val="000000"/>
                 </a:solidFill>
@@ -5631,7 +5814,7 @@
               <a:t>  </a:t>
             </a:r>
             <a:r>
-              <a:rPr lang="en-GB" sz="1200" b="1" dirty="0" smtClean="0">
+              <a:rPr lang="en-GB" sz="1100" b="1" dirty="0" smtClean="0">
                 <a:solidFill>
                   <a:srgbClr val="7F0055"/>
                 </a:solidFill>
@@ -5640,7 +5823,7 @@
               <a:t>return</a:t>
             </a:r>
             <a:r>
-              <a:rPr lang="en-GB" sz="1200" b="1" dirty="0" smtClean="0">
+              <a:rPr lang="en-GB" sz="1100" b="1" dirty="0" smtClean="0">
                 <a:solidFill>
                   <a:srgbClr val="000000"/>
                 </a:solidFill>
@@ -5649,7 +5832,7 @@
               <a:t> </a:t>
             </a:r>
             <a:r>
-              <a:rPr lang="en-GB" sz="1200" b="1" dirty="0" err="1" smtClean="0">
+              <a:rPr lang="en-GB" sz="1100" b="1" dirty="0" err="1" smtClean="0">
                 <a:solidFill>
                   <a:srgbClr val="000000"/>
                 </a:solidFill>
@@ -5658,7 +5841,7 @@
               <a:t>Subcategory.</a:t>
             </a:r>
             <a:r>
-              <a:rPr lang="en-GB" sz="1200" b="1" i="1" dirty="0" err="1" smtClean="0">
+              <a:rPr lang="en-GB" sz="1100" b="1" i="1" dirty="0" err="1" smtClean="0">
                 <a:solidFill>
                   <a:srgbClr val="000000"/>
                 </a:solidFill>
@@ -5667,7 +5850,7 @@
               <a:t>listFor</a:t>
             </a:r>
             <a:r>
-              <a:rPr lang="en-GB" sz="1200" b="1" dirty="0" smtClean="0">
+              <a:rPr lang="en-GB" sz="1100" b="1" dirty="0" smtClean="0">
                 <a:solidFill>
                   <a:srgbClr val="000000"/>
                 </a:solidFill>
@@ -5676,7 +5859,7 @@
               <a:t>(category)</a:t>
             </a:r>
             <a:r>
-              <a:rPr lang="en-GB" sz="1200" b="1" i="1" dirty="0" smtClean="0">
+              <a:rPr lang="en-GB" sz="1100" b="1" i="1" dirty="0" smtClean="0">
                 <a:solidFill>
                   <a:srgbClr val="000000"/>
                 </a:solidFill>
@@ -5687,7 +5870,7 @@
           </a:p>
           <a:p>
             <a:r>
-              <a:rPr lang="en-GB" sz="1200" dirty="0" smtClean="0">
+              <a:rPr lang="en-GB" sz="1100" dirty="0" smtClean="0">
                 <a:solidFill>
                   <a:srgbClr val="000000"/>
                 </a:solidFill>
@@ -5695,7 +5878,7 @@
               </a:rPr>
               <a:t>}</a:t>
             </a:r>
-            <a:endParaRPr lang="en-US" sz="1200" b="1" dirty="0" smtClean="0">
+            <a:endParaRPr lang="en-US" sz="1100" b="1" dirty="0" smtClean="0">
               <a:solidFill>
                 <a:srgbClr val="000000"/>
               </a:solidFill>
@@ -5713,7 +5896,7 @@
         <p:spPr>
           <a:xfrm>
             <a:off x="2343229" y="4370328"/>
-            <a:ext cx="5541139" cy="1754326"/>
+            <a:ext cx="5397123" cy="1615827"/>
           </a:xfrm>
           <a:prstGeom prst="rect">
             <a:avLst/>
@@ -5745,7 +5928,7 @@
           <a:lstStyle/>
           <a:p>
             <a:r>
-              <a:rPr lang="en-GB" sz="1200" b="1" dirty="0" smtClean="0">
+              <a:rPr lang="en-GB" sz="1100" b="1" dirty="0" smtClean="0">
                 <a:solidFill>
                   <a:srgbClr val="7F0055"/>
                 </a:solidFill>
@@ -5754,7 +5937,7 @@
               <a:t>public</a:t>
             </a:r>
             <a:r>
-              <a:rPr lang="en-GB" sz="1200" b="1" dirty="0" smtClean="0">
+              <a:rPr lang="en-GB" sz="1100" b="1" dirty="0" smtClean="0">
                 <a:solidFill>
                   <a:srgbClr val="000000"/>
                 </a:solidFill>
@@ -5763,7 +5946,7 @@
               <a:t> </a:t>
             </a:r>
             <a:r>
-              <a:rPr lang="en-GB" sz="1200" b="1" dirty="0" smtClean="0">
+              <a:rPr lang="en-GB" sz="1100" b="1" dirty="0" smtClean="0">
                 <a:solidFill>
                   <a:srgbClr val="7F0055"/>
                 </a:solidFill>
@@ -5772,7 +5955,7 @@
               <a:t>static</a:t>
             </a:r>
             <a:r>
-              <a:rPr lang="en-GB" sz="1200" b="1" dirty="0" smtClean="0">
+              <a:rPr lang="en-GB" sz="1100" b="1" dirty="0" smtClean="0">
                 <a:solidFill>
                   <a:srgbClr val="000000"/>
                 </a:solidFill>
@@ -5781,7 +5964,7 @@
               <a:t> </a:t>
             </a:r>
             <a:r>
-              <a:rPr lang="en-GB" sz="1200" b="1" dirty="0" err="1" smtClean="0">
+              <a:rPr lang="en-GB" sz="1100" b="1" dirty="0" err="1" smtClean="0">
                 <a:solidFill>
                   <a:srgbClr val="7F0055"/>
                 </a:solidFill>
@@ -5790,7 +5973,7 @@
               <a:t>enum</a:t>
             </a:r>
             <a:r>
-              <a:rPr lang="en-GB" sz="1200" b="1" dirty="0" smtClean="0">
+              <a:rPr lang="en-GB" sz="1100" b="1" dirty="0" smtClean="0">
                 <a:solidFill>
                   <a:srgbClr val="000000"/>
                 </a:solidFill>
@@ -5801,7 +5984,7 @@
           </a:p>
           <a:p>
             <a:r>
-              <a:rPr lang="en-GB" sz="1200" dirty="0" smtClean="0">
+              <a:rPr lang="en-GB" sz="1100" dirty="0" smtClean="0">
                 <a:solidFill>
                   <a:srgbClr val="000000"/>
                 </a:solidFill>
@@ -5810,7 +5993,7 @@
               <a:t>  </a:t>
             </a:r>
             <a:r>
-              <a:rPr lang="en-GB" sz="1200" dirty="0" smtClean="0">
+              <a:rPr lang="en-GB" sz="1100" dirty="0" smtClean="0">
                 <a:solidFill>
                   <a:srgbClr val="3F7F5F"/>
                 </a:solidFill>
@@ -5821,7 +6004,7 @@
           </a:p>
           <a:p>
             <a:r>
-              <a:rPr lang="en-GB" sz="1200" dirty="0" smtClean="0">
+              <a:rPr lang="en-GB" sz="1100" dirty="0" smtClean="0">
                 <a:solidFill>
                   <a:srgbClr val="000000"/>
                 </a:solidFill>
@@ -5830,7 +6013,7 @@
               <a:t>  </a:t>
             </a:r>
             <a:r>
-              <a:rPr lang="en-GB" sz="1200" i="1" dirty="0" err="1" smtClean="0">
+              <a:rPr lang="en-GB" sz="1100" i="1" dirty="0" err="1" smtClean="0">
                 <a:solidFill>
                   <a:srgbClr val="0000C0"/>
                 </a:solidFill>
@@ -5839,7 +6022,7 @@
               <a:t>OpenSource</a:t>
             </a:r>
             <a:r>
-              <a:rPr lang="en-GB" sz="1200" i="1" dirty="0" smtClean="0">
+              <a:rPr lang="en-GB" sz="1100" i="1" dirty="0" smtClean="0">
                 <a:solidFill>
                   <a:srgbClr val="000000"/>
                 </a:solidFill>
@@ -5848,7 +6031,7 @@
               <a:t>, </a:t>
             </a:r>
             <a:r>
-              <a:rPr lang="en-GB" sz="1200" i="1" dirty="0" smtClean="0">
+              <a:rPr lang="en-GB" sz="1100" i="1" dirty="0" smtClean="0">
                 <a:solidFill>
                   <a:srgbClr val="0000C0"/>
                 </a:solidFill>
@@ -5857,7 +6040,7 @@
               <a:t>Consulting</a:t>
             </a:r>
             <a:r>
-              <a:rPr lang="en-GB" sz="1200" i="1" dirty="0" smtClean="0">
+              <a:rPr lang="en-GB" sz="1100" i="1" dirty="0" smtClean="0">
                 <a:solidFill>
                   <a:srgbClr val="000000"/>
                 </a:solidFill>
@@ -5866,7 +6049,7 @@
               <a:t>, </a:t>
             </a:r>
             <a:r>
-              <a:rPr lang="en-GB" sz="1200" i="1" dirty="0" smtClean="0">
+              <a:rPr lang="en-GB" sz="1100" i="1" dirty="0" smtClean="0">
                 <a:solidFill>
                   <a:srgbClr val="0000C0"/>
                 </a:solidFill>
@@ -5875,7 +6058,7 @@
               <a:t>Education</a:t>
             </a:r>
             <a:r>
-              <a:rPr lang="en-GB" sz="1200" i="1" dirty="0" smtClean="0">
+              <a:rPr lang="en-GB" sz="1100" i="1" dirty="0" smtClean="0">
                 <a:solidFill>
                   <a:srgbClr val="000000"/>
                 </a:solidFill>
@@ -5884,7 +6067,7 @@
               <a:t>, </a:t>
             </a:r>
             <a:r>
-              <a:rPr lang="en-GB" sz="1200" i="1" dirty="0" smtClean="0">
+              <a:rPr lang="en-GB" sz="1100" i="1" dirty="0" smtClean="0">
                 <a:solidFill>
                   <a:srgbClr val="0000C0"/>
                 </a:solidFill>
@@ -5893,7 +6076,7 @@
               <a:t>Marketing</a:t>
             </a:r>
             <a:r>
-              <a:rPr lang="en-GB" sz="1200" i="1" dirty="0" smtClean="0">
+              <a:rPr lang="en-GB" sz="1100" i="1" dirty="0" smtClean="0">
                 <a:solidFill>
                   <a:srgbClr val="000000"/>
                 </a:solidFill>
@@ -5904,7 +6087,7 @@
           </a:p>
           <a:p>
             <a:r>
-              <a:rPr lang="en-GB" sz="1200" dirty="0" smtClean="0">
+              <a:rPr lang="en-GB" sz="1100" dirty="0" smtClean="0">
                 <a:solidFill>
                   <a:srgbClr val="000000"/>
                 </a:solidFill>
@@ -5913,7 +6096,7 @@
               <a:t>  </a:t>
             </a:r>
             <a:r>
-              <a:rPr lang="en-GB" sz="1200" dirty="0" smtClean="0">
+              <a:rPr lang="en-GB" sz="1100" dirty="0" smtClean="0">
                 <a:solidFill>
                   <a:srgbClr val="3F7F5F"/>
                 </a:solidFill>
@@ -5924,7 +6107,7 @@
           </a:p>
           <a:p>
             <a:r>
-              <a:rPr lang="en-GB" sz="1200" dirty="0" smtClean="0">
+              <a:rPr lang="en-GB" sz="1100" dirty="0" smtClean="0">
                 <a:solidFill>
                   <a:srgbClr val="000000"/>
                 </a:solidFill>
@@ -5933,7 +6116,7 @@
               <a:t>  </a:t>
             </a:r>
             <a:r>
-              <a:rPr lang="en-GB" sz="1200" i="1" dirty="0" smtClean="0">
+              <a:rPr lang="en-GB" sz="1100" i="1" dirty="0" smtClean="0">
                 <a:solidFill>
                   <a:srgbClr val="0000C0"/>
                 </a:solidFill>
@@ -5942,7 +6125,7 @@
               <a:t>Shopping</a:t>
             </a:r>
             <a:r>
-              <a:rPr lang="en-GB" sz="1200" i="1" dirty="0" smtClean="0">
+              <a:rPr lang="en-GB" sz="1100" i="1" dirty="0" smtClean="0">
                 <a:solidFill>
                   <a:srgbClr val="000000"/>
                 </a:solidFill>
@@ -5951,7 +6134,7 @@
               <a:t>, </a:t>
             </a:r>
             <a:r>
-              <a:rPr lang="en-GB" sz="1200" i="1" dirty="0" smtClean="0">
+              <a:rPr lang="en-GB" sz="1100" i="1" dirty="0" smtClean="0">
                 <a:solidFill>
                   <a:srgbClr val="0000C0"/>
                 </a:solidFill>
@@ -5960,7 +6143,7 @@
               <a:t>Housework</a:t>
             </a:r>
             <a:r>
-              <a:rPr lang="en-GB" sz="1200" i="1" dirty="0" smtClean="0">
+              <a:rPr lang="en-GB" sz="1100" i="1" dirty="0" smtClean="0">
                 <a:solidFill>
                   <a:srgbClr val="000000"/>
                 </a:solidFill>
@@ -5969,7 +6152,7 @@
               <a:t>, </a:t>
             </a:r>
             <a:r>
-              <a:rPr lang="en-GB" sz="1200" i="1" dirty="0" smtClean="0">
+              <a:rPr lang="en-GB" sz="1100" i="1" dirty="0" smtClean="0">
                 <a:solidFill>
                   <a:srgbClr val="0000C0"/>
                 </a:solidFill>
@@ -5978,7 +6161,7 @@
               <a:t>Garden</a:t>
             </a:r>
             <a:r>
-              <a:rPr lang="en-GB" sz="1200" i="1" dirty="0" smtClean="0">
+              <a:rPr lang="en-GB" sz="1100" i="1" dirty="0" smtClean="0">
                 <a:solidFill>
                   <a:srgbClr val="000000"/>
                 </a:solidFill>
@@ -5987,7 +6170,7 @@
               <a:t>, </a:t>
             </a:r>
             <a:r>
-              <a:rPr lang="en-GB" sz="1200" i="1" dirty="0" smtClean="0">
+              <a:rPr lang="en-GB" sz="1100" i="1" dirty="0" smtClean="0">
                 <a:solidFill>
                   <a:srgbClr val="0000C0"/>
                 </a:solidFill>
@@ -5996,7 +6179,7 @@
               <a:t>Chores</a:t>
             </a:r>
             <a:r>
-              <a:rPr lang="en-GB" sz="1200" i="1" dirty="0" smtClean="0">
+              <a:rPr lang="en-GB" sz="1100" i="1" dirty="0" smtClean="0">
                 <a:solidFill>
                   <a:srgbClr val="000000"/>
                 </a:solidFill>
@@ -6007,7 +6190,7 @@
           </a:p>
           <a:p>
             <a:r>
-              <a:rPr lang="en-GB" sz="1200" dirty="0" smtClean="0">
+              <a:rPr lang="en-GB" sz="1100" dirty="0" smtClean="0">
                 <a:solidFill>
                   <a:srgbClr val="000000"/>
                 </a:solidFill>
@@ -6016,7 +6199,7 @@
               <a:t>  </a:t>
             </a:r>
             <a:r>
-              <a:rPr lang="en-GB" sz="1200" dirty="0" smtClean="0">
+              <a:rPr lang="en-GB" sz="1100" dirty="0" smtClean="0">
                 <a:solidFill>
                   <a:srgbClr val="3F7F5F"/>
                 </a:solidFill>
@@ -6027,7 +6210,7 @@
           </a:p>
           <a:p>
             <a:r>
-              <a:rPr lang="en-GB" sz="1200" dirty="0" smtClean="0">
+              <a:rPr lang="en-GB" sz="1100" dirty="0" smtClean="0">
                 <a:solidFill>
                   <a:srgbClr val="000000"/>
                 </a:solidFill>
@@ -6036,7 +6219,7 @@
               <a:t>  </a:t>
             </a:r>
             <a:r>
-              <a:rPr lang="en-GB" sz="1200" i="1" dirty="0" smtClean="0">
+              <a:rPr lang="en-GB" sz="1100" i="1" dirty="0" smtClean="0">
                 <a:solidFill>
                   <a:srgbClr val="0000C0"/>
                 </a:solidFill>
@@ -6045,7 +6228,7 @@
               <a:t>Other</a:t>
             </a:r>
             <a:r>
-              <a:rPr lang="en-GB" sz="1200" i="1" dirty="0" smtClean="0">
+              <a:rPr lang="en-GB" sz="1100" i="1" dirty="0" smtClean="0">
                 <a:solidFill>
                   <a:srgbClr val="000000"/>
                 </a:solidFill>
@@ -6056,7 +6239,7 @@
           </a:p>
           <a:p>
             <a:r>
-              <a:rPr lang="en-US" sz="1200" dirty="0" smtClean="0">
+              <a:rPr lang="en-US" sz="1100" dirty="0" smtClean="0">
                 <a:solidFill>
                   <a:srgbClr val="000000"/>
                 </a:solidFill>
@@ -6065,7 +6248,7 @@
               <a:t>  </a:t>
             </a:r>
             <a:r>
-              <a:rPr lang="en-US" sz="1200" b="1" dirty="0" smtClean="0">
+              <a:rPr lang="en-US" sz="1100" b="1" dirty="0" smtClean="0">
                 <a:solidFill>
                   <a:srgbClr val="7F0055"/>
                 </a:solidFill>
@@ -6074,7 +6257,7 @@
               <a:t>public</a:t>
             </a:r>
             <a:r>
-              <a:rPr lang="en-US" sz="1200" b="1" dirty="0" smtClean="0">
+              <a:rPr lang="en-US" sz="1100" b="1" dirty="0" smtClean="0">
                 <a:solidFill>
                   <a:srgbClr val="000000"/>
                 </a:solidFill>
@@ -6083,7 +6266,7 @@
               <a:t> </a:t>
             </a:r>
             <a:r>
-              <a:rPr lang="en-US" sz="1200" b="1" dirty="0" smtClean="0">
+              <a:rPr lang="en-US" sz="1100" b="1" dirty="0" smtClean="0">
                 <a:solidFill>
                   <a:srgbClr val="7F0055"/>
                 </a:solidFill>
@@ -6092,7 +6275,7 @@
               <a:t>static</a:t>
             </a:r>
             <a:r>
-              <a:rPr lang="en-US" sz="1200" b="1" dirty="0" smtClean="0">
+              <a:rPr lang="en-US" sz="1100" b="1" dirty="0" smtClean="0">
                 <a:solidFill>
                   <a:srgbClr val="000000"/>
                 </a:solidFill>
@@ -6101,7 +6284,7 @@
               <a:t> List&lt;Subcategory&gt; </a:t>
             </a:r>
             <a:r>
-              <a:rPr lang="en-US" sz="1200" b="1" dirty="0" err="1" smtClean="0">
+              <a:rPr lang="en-US" sz="1100" b="1" dirty="0" err="1" smtClean="0">
                 <a:solidFill>
                   <a:srgbClr val="000000"/>
                 </a:solidFill>
@@ -6110,7 +6293,7 @@
               <a:t>listFor</a:t>
             </a:r>
             <a:r>
-              <a:rPr lang="en-US" sz="1200" b="1" dirty="0" smtClean="0">
+              <a:rPr lang="en-US" sz="1100" b="1" dirty="0" smtClean="0">
                 <a:solidFill>
                   <a:srgbClr val="000000"/>
                 </a:solidFill>
@@ -6119,18 +6302,36 @@
               <a:t>(Category category) </a:t>
             </a:r>
             <a:r>
-              <a:rPr lang="en-US" sz="1200" b="1" dirty="0" smtClean="0">
-                <a:solidFill>
-                  <a:srgbClr val="000000"/>
-                </a:solidFill>
-                <a:latin typeface="Consolas"/>
-              </a:rPr>
-              <a:t>{}</a:t>
-            </a:r>
-          </a:p>
-          <a:p>
-            <a:r>
-              <a:rPr lang="en-GB" sz="1200" b="1" dirty="0" smtClean="0">
+              <a:rPr lang="en-US" sz="1100" b="1" dirty="0" smtClean="0">
+                <a:solidFill>
+                  <a:srgbClr val="000000"/>
+                </a:solidFill>
+                <a:latin typeface="Consolas"/>
+              </a:rPr>
+              <a:t>{ </a:t>
+            </a:r>
+            <a:r>
+              <a:rPr lang="en-US" sz="1100" dirty="0" smtClean="0">
+                <a:solidFill>
+                  <a:srgbClr val="000000"/>
+                </a:solidFill>
+                <a:latin typeface="Consolas"/>
+              </a:rPr>
+              <a:t>...</a:t>
+            </a:r>
+            <a:r>
+              <a:rPr lang="en-US" sz="1100" b="1" dirty="0" smtClean="0">
+                <a:solidFill>
+                  <a:srgbClr val="000000"/>
+                </a:solidFill>
+                <a:latin typeface="Consolas"/>
+              </a:rPr>
+              <a:t> }</a:t>
+            </a:r>
+          </a:p>
+          <a:p>
+            <a:r>
+              <a:rPr lang="en-GB" sz="1100" b="1" dirty="0" smtClean="0">
                 <a:solidFill>
                   <a:srgbClr val="000000"/>
                 </a:solidFill>
@@ -6138,7 +6339,7 @@
               </a:rPr>
               <a:t>}</a:t>
             </a:r>
-            <a:endParaRPr lang="en-US" sz="1200" b="1" dirty="0" smtClean="0">
+            <a:endParaRPr lang="en-US" sz="1100" b="1" dirty="0" smtClean="0">
               <a:solidFill>
                 <a:srgbClr val="000000"/>
               </a:solidFill>
@@ -6286,10 +6487,3172 @@
           <a:chExt cx="0" cy="0"/>
         </a:xfrm>
       </p:grpSpPr>
+      <p:sp>
+        <p:nvSpPr>
+          <p:cNvPr id="3" name="TextBox 2"/>
+          <p:cNvSpPr txBox="1"/>
+          <p:nvPr/>
+        </p:nvSpPr>
+        <p:spPr>
+          <a:xfrm>
+            <a:off x="615752" y="4797152"/>
+            <a:ext cx="3231976" cy="923330"/>
+          </a:xfrm>
+          <a:prstGeom prst="rect">
+            <a:avLst/>
+          </a:prstGeom>
+        </p:spPr>
+        <p:style>
+          <a:lnRef idx="1">
+            <a:schemeClr val="accent1"/>
+          </a:lnRef>
+          <a:fillRef idx="2">
+            <a:schemeClr val="accent1"/>
+          </a:fillRef>
+          <a:effectRef idx="1">
+            <a:schemeClr val="accent1"/>
+          </a:effectRef>
+          <a:fontRef idx="minor">
+            <a:schemeClr val="dk1"/>
+          </a:fontRef>
+        </p:style>
+        <p:txBody>
+          <a:bodyPr wrap="square" rtlCol="0">
+            <a:spAutoFit/>
+          </a:bodyPr>
+          <a:lstStyle/>
+          <a:p>
+            <a:pPr algn="ctr"/>
+            <a:r>
+              <a:rPr lang="en-GB" dirty="0" smtClean="0"/>
+              <a:t>Parameters are assumed mandatory unless annotated otherwise</a:t>
+            </a:r>
+            <a:endParaRPr lang="en-GB" dirty="0" smtClean="0"/>
+          </a:p>
+        </p:txBody>
+      </p:sp>
+      <p:sp>
+        <p:nvSpPr>
+          <p:cNvPr id="5" name="TextBox 4"/>
+          <p:cNvSpPr txBox="1"/>
+          <p:nvPr/>
+        </p:nvSpPr>
+        <p:spPr>
+          <a:xfrm>
+            <a:off x="759768" y="5877272"/>
+            <a:ext cx="2880320" cy="923330"/>
+          </a:xfrm>
+          <a:prstGeom prst="rect">
+            <a:avLst/>
+          </a:prstGeom>
+        </p:spPr>
+        <p:style>
+          <a:lnRef idx="1">
+            <a:schemeClr val="accent1"/>
+          </a:lnRef>
+          <a:fillRef idx="2">
+            <a:schemeClr val="accent1"/>
+          </a:fillRef>
+          <a:effectRef idx="1">
+            <a:schemeClr val="accent1"/>
+          </a:effectRef>
+          <a:fontRef idx="minor">
+            <a:schemeClr val="dk1"/>
+          </a:fontRef>
+        </p:style>
+        <p:txBody>
+          <a:bodyPr wrap="square" rtlCol="0">
+            <a:spAutoFit/>
+          </a:bodyPr>
+          <a:lstStyle/>
+          <a:p>
+            <a:pPr algn="ctr"/>
+            <a:r>
+              <a:rPr lang="en-GB" dirty="0" smtClean="0"/>
+              <a:t>Other declarative validation, such as regular expressions, can also be specified</a:t>
+            </a:r>
+            <a:endParaRPr lang="en-GB" dirty="0" smtClean="0"/>
+          </a:p>
+        </p:txBody>
+      </p:sp>
+      <p:sp>
+        <p:nvSpPr>
+          <p:cNvPr id="6" name="TextBox 5"/>
+          <p:cNvSpPr txBox="1"/>
+          <p:nvPr/>
+        </p:nvSpPr>
+        <p:spPr>
+          <a:xfrm>
+            <a:off x="395536" y="332656"/>
+            <a:ext cx="3672408" cy="646331"/>
+          </a:xfrm>
+          <a:prstGeom prst="rect">
+            <a:avLst/>
+          </a:prstGeom>
+        </p:spPr>
+        <p:style>
+          <a:lnRef idx="1">
+            <a:schemeClr val="accent1"/>
+          </a:lnRef>
+          <a:fillRef idx="2">
+            <a:schemeClr val="accent1"/>
+          </a:fillRef>
+          <a:effectRef idx="1">
+            <a:schemeClr val="accent1"/>
+          </a:effectRef>
+          <a:fontRef idx="minor">
+            <a:schemeClr val="dk1"/>
+          </a:fontRef>
+        </p:style>
+        <p:txBody>
+          <a:bodyPr wrap="square" rtlCol="0">
+            <a:spAutoFit/>
+          </a:bodyPr>
+          <a:lstStyle/>
+          <a:p>
+            <a:pPr algn="ctr"/>
+            <a:r>
+              <a:rPr lang="en-GB" dirty="0" smtClean="0"/>
+              <a:t>Date parameters </a:t>
+            </a:r>
+            <a:r>
+              <a:rPr lang="en-GB" dirty="0"/>
+              <a:t>are automatically rendered with </a:t>
+            </a:r>
+            <a:r>
+              <a:rPr lang="en-GB" dirty="0" smtClean="0"/>
+              <a:t>a date picker</a:t>
+            </a:r>
+            <a:endParaRPr lang="en-GB" dirty="0" smtClean="0"/>
+          </a:p>
+        </p:txBody>
+      </p:sp>
+      <p:sp>
+        <p:nvSpPr>
+          <p:cNvPr id="7" name="TextBox 6"/>
+          <p:cNvSpPr txBox="1"/>
+          <p:nvPr/>
+        </p:nvSpPr>
+        <p:spPr>
+          <a:xfrm>
+            <a:off x="440904" y="1268760"/>
+            <a:ext cx="3024336" cy="646331"/>
+          </a:xfrm>
+          <a:prstGeom prst="rect">
+            <a:avLst/>
+          </a:prstGeom>
+        </p:spPr>
+        <p:style>
+          <a:lnRef idx="1">
+            <a:schemeClr val="accent1"/>
+          </a:lnRef>
+          <a:fillRef idx="2">
+            <a:schemeClr val="accent1"/>
+          </a:fillRef>
+          <a:effectRef idx="1">
+            <a:schemeClr val="accent1"/>
+          </a:effectRef>
+          <a:fontRef idx="minor">
+            <a:schemeClr val="dk1"/>
+          </a:fontRef>
+        </p:style>
+        <p:txBody>
+          <a:bodyPr wrap="square" rtlCol="0">
+            <a:spAutoFit/>
+          </a:bodyPr>
+          <a:lstStyle/>
+          <a:p>
+            <a:pPr algn="ctr"/>
+            <a:r>
+              <a:rPr lang="en-GB" dirty="0" smtClean="0"/>
+              <a:t>Default values for parameters can be computed ...</a:t>
+            </a:r>
+            <a:endParaRPr lang="en-GB" dirty="0" smtClean="0"/>
+          </a:p>
+        </p:txBody>
+      </p:sp>
+      <p:sp>
+        <p:nvSpPr>
+          <p:cNvPr id="8" name="TextBox 7"/>
+          <p:cNvSpPr txBox="1"/>
+          <p:nvPr/>
+        </p:nvSpPr>
+        <p:spPr>
+          <a:xfrm>
+            <a:off x="763960" y="2023974"/>
+            <a:ext cx="3664024" cy="646331"/>
+          </a:xfrm>
+          <a:prstGeom prst="rect">
+            <a:avLst/>
+          </a:prstGeom>
+        </p:spPr>
+        <p:style>
+          <a:lnRef idx="1">
+            <a:schemeClr val="accent1"/>
+          </a:lnRef>
+          <a:fillRef idx="2">
+            <a:schemeClr val="accent1"/>
+          </a:fillRef>
+          <a:effectRef idx="1">
+            <a:schemeClr val="accent1"/>
+          </a:effectRef>
+          <a:fontRef idx="minor">
+            <a:schemeClr val="dk1"/>
+          </a:fontRef>
+        </p:style>
+        <p:txBody>
+          <a:bodyPr wrap="square" rtlCol="0">
+            <a:spAutoFit/>
+          </a:bodyPr>
+          <a:lstStyle/>
+          <a:p>
+            <a:pPr algn="ctr"/>
+            <a:r>
+              <a:rPr lang="en-GB" dirty="0" smtClean="0"/>
+              <a:t>... with the domain object delegating to injected services as required</a:t>
+            </a:r>
+            <a:endParaRPr lang="en-GB" dirty="0" smtClean="0"/>
+          </a:p>
+        </p:txBody>
+      </p:sp>
+      <p:sp>
+        <p:nvSpPr>
+          <p:cNvPr id="9" name="TextBox 8"/>
+          <p:cNvSpPr txBox="1"/>
+          <p:nvPr/>
+        </p:nvSpPr>
+        <p:spPr>
+          <a:xfrm>
+            <a:off x="3923928" y="2780928"/>
+            <a:ext cx="3339376" cy="600164"/>
+          </a:xfrm>
+          <a:prstGeom prst="rect">
+            <a:avLst/>
+          </a:prstGeom>
+          <a:solidFill>
+            <a:schemeClr val="bg1">
+              <a:lumMod val="95000"/>
+            </a:schemeClr>
+          </a:solidFill>
+        </p:spPr>
+        <p:style>
+          <a:lnRef idx="1">
+            <a:schemeClr val="accent3"/>
+          </a:lnRef>
+          <a:fillRef idx="2">
+            <a:schemeClr val="accent3"/>
+          </a:fillRef>
+          <a:effectRef idx="1">
+            <a:schemeClr val="accent3"/>
+          </a:effectRef>
+          <a:fontRef idx="minor">
+            <a:schemeClr val="dk1"/>
+          </a:fontRef>
+        </p:style>
+        <p:txBody>
+          <a:bodyPr wrap="none" rtlCol="0">
+            <a:spAutoFit/>
+          </a:bodyPr>
+          <a:lstStyle/>
+          <a:p>
+            <a:r>
+              <a:rPr lang="en-GB" sz="1100" b="1" dirty="0" smtClean="0">
+                <a:solidFill>
+                  <a:srgbClr val="7F0055"/>
+                </a:solidFill>
+                <a:latin typeface="Consolas"/>
+              </a:rPr>
+              <a:t>public</a:t>
+            </a:r>
+            <a:r>
+              <a:rPr lang="en-GB" sz="1100" b="1" dirty="0" smtClean="0">
+                <a:solidFill>
+                  <a:srgbClr val="000000"/>
+                </a:solidFill>
+                <a:latin typeface="Consolas"/>
+              </a:rPr>
+              <a:t> </a:t>
+            </a:r>
+            <a:r>
+              <a:rPr lang="en-GB" sz="1100" b="1" dirty="0" err="1">
+                <a:solidFill>
+                  <a:srgbClr val="000000"/>
+                </a:solidFill>
+                <a:latin typeface="Consolas"/>
+              </a:rPr>
+              <a:t>LocalDate</a:t>
+            </a:r>
+            <a:r>
+              <a:rPr lang="en-GB" sz="1100" b="1" dirty="0">
+                <a:solidFill>
+                  <a:srgbClr val="000000"/>
+                </a:solidFill>
+                <a:latin typeface="Consolas"/>
+              </a:rPr>
+              <a:t> default3NewToDo() {</a:t>
+            </a:r>
+          </a:p>
+          <a:p>
+            <a:r>
+              <a:rPr lang="en-GB" sz="1100" dirty="0" smtClean="0">
+                <a:solidFill>
+                  <a:srgbClr val="000000"/>
+                </a:solidFill>
+                <a:latin typeface="Consolas"/>
+              </a:rPr>
+              <a:t>  </a:t>
+            </a:r>
+            <a:r>
+              <a:rPr lang="en-GB" sz="1100" b="1" dirty="0">
+                <a:solidFill>
+                  <a:srgbClr val="7F0055"/>
+                </a:solidFill>
+                <a:latin typeface="Consolas"/>
+              </a:rPr>
+              <a:t>return</a:t>
+            </a:r>
+            <a:r>
+              <a:rPr lang="en-GB" sz="1100" b="1" dirty="0">
+                <a:solidFill>
+                  <a:srgbClr val="000000"/>
+                </a:solidFill>
+                <a:latin typeface="Consolas"/>
+              </a:rPr>
+              <a:t> </a:t>
+            </a:r>
+            <a:r>
+              <a:rPr lang="en-GB" sz="1100" b="1" dirty="0" err="1">
+                <a:solidFill>
+                  <a:srgbClr val="0000C0"/>
+                </a:solidFill>
+                <a:latin typeface="Consolas"/>
+              </a:rPr>
+              <a:t>clockService</a:t>
+            </a:r>
+            <a:r>
+              <a:rPr lang="en-GB" sz="1100" b="1" dirty="0" err="1">
+                <a:solidFill>
+                  <a:srgbClr val="000000"/>
+                </a:solidFill>
+                <a:latin typeface="Consolas"/>
+              </a:rPr>
+              <a:t>.now</a:t>
+            </a:r>
+            <a:r>
+              <a:rPr lang="en-GB" sz="1100" b="1" dirty="0">
+                <a:solidFill>
+                  <a:srgbClr val="000000"/>
+                </a:solidFill>
+                <a:latin typeface="Consolas"/>
+              </a:rPr>
+              <a:t>().</a:t>
+            </a:r>
+            <a:r>
+              <a:rPr lang="en-GB" sz="1100" b="1" dirty="0" err="1">
+                <a:solidFill>
+                  <a:srgbClr val="000000"/>
+                </a:solidFill>
+                <a:latin typeface="Consolas"/>
+              </a:rPr>
+              <a:t>plusDays</a:t>
+            </a:r>
+            <a:r>
+              <a:rPr lang="en-GB" sz="1100" b="1" dirty="0">
+                <a:solidFill>
+                  <a:srgbClr val="000000"/>
+                </a:solidFill>
+                <a:latin typeface="Consolas"/>
+              </a:rPr>
+              <a:t>(14);</a:t>
+            </a:r>
+          </a:p>
+          <a:p>
+            <a:r>
+              <a:rPr lang="en-GB" sz="1100" dirty="0" smtClean="0">
+                <a:solidFill>
+                  <a:srgbClr val="000000"/>
+                </a:solidFill>
+                <a:latin typeface="Consolas"/>
+              </a:rPr>
+              <a:t>}</a:t>
+            </a:r>
+            <a:endParaRPr lang="en-US" sz="1100" b="1" dirty="0" smtClean="0">
+              <a:solidFill>
+                <a:srgbClr val="000000"/>
+              </a:solidFill>
+              <a:latin typeface="Consolas"/>
+            </a:endParaRPr>
+          </a:p>
+        </p:txBody>
+      </p:sp>
+      <p:sp>
+        <p:nvSpPr>
+          <p:cNvPr id="10" name="TextBox 9"/>
+          <p:cNvSpPr txBox="1"/>
+          <p:nvPr/>
+        </p:nvSpPr>
+        <p:spPr>
+          <a:xfrm>
+            <a:off x="4076328" y="3548916"/>
+            <a:ext cx="4801314" cy="769441"/>
+          </a:xfrm>
+          <a:prstGeom prst="rect">
+            <a:avLst/>
+          </a:prstGeom>
+          <a:solidFill>
+            <a:schemeClr val="bg1">
+              <a:lumMod val="95000"/>
+            </a:schemeClr>
+          </a:solidFill>
+        </p:spPr>
+        <p:style>
+          <a:lnRef idx="1">
+            <a:schemeClr val="accent3"/>
+          </a:lnRef>
+          <a:fillRef idx="2">
+            <a:schemeClr val="accent3"/>
+          </a:fillRef>
+          <a:effectRef idx="1">
+            <a:schemeClr val="accent3"/>
+          </a:effectRef>
+          <a:fontRef idx="minor">
+            <a:schemeClr val="dk1"/>
+          </a:fontRef>
+        </p:style>
+        <p:txBody>
+          <a:bodyPr wrap="none" rtlCol="0">
+            <a:spAutoFit/>
+          </a:bodyPr>
+          <a:lstStyle/>
+          <a:p>
+            <a:r>
+              <a:rPr lang="en-GB" sz="1100" b="1" dirty="0" smtClean="0">
+                <a:solidFill>
+                  <a:srgbClr val="7F0055"/>
+                </a:solidFill>
+                <a:latin typeface="Consolas"/>
+              </a:rPr>
+              <a:t>private</a:t>
+            </a:r>
+            <a:r>
+              <a:rPr lang="en-GB" sz="1100" b="1" dirty="0" smtClean="0">
+                <a:solidFill>
+                  <a:srgbClr val="000000"/>
+                </a:solidFill>
+                <a:latin typeface="Consolas"/>
+              </a:rPr>
+              <a:t> </a:t>
+            </a:r>
+            <a:r>
+              <a:rPr lang="en-GB" sz="1100" b="1" dirty="0" err="1">
+                <a:solidFill>
+                  <a:srgbClr val="000000"/>
+                </a:solidFill>
+                <a:latin typeface="Consolas"/>
+              </a:rPr>
+              <a:t>ClockService</a:t>
+            </a:r>
+            <a:r>
+              <a:rPr lang="en-GB" sz="1100" b="1" dirty="0">
+                <a:solidFill>
+                  <a:srgbClr val="000000"/>
+                </a:solidFill>
+                <a:latin typeface="Consolas"/>
+              </a:rPr>
+              <a:t> </a:t>
+            </a:r>
+            <a:r>
+              <a:rPr lang="en-GB" sz="1100" b="1" dirty="0" err="1">
+                <a:solidFill>
+                  <a:srgbClr val="0000C0"/>
+                </a:solidFill>
+                <a:latin typeface="Consolas"/>
+              </a:rPr>
+              <a:t>clockService</a:t>
+            </a:r>
+            <a:r>
+              <a:rPr lang="en-GB" sz="1100" b="1" dirty="0">
+                <a:solidFill>
+                  <a:srgbClr val="000000"/>
+                </a:solidFill>
+                <a:latin typeface="Consolas"/>
+              </a:rPr>
+              <a:t>;</a:t>
+            </a:r>
+          </a:p>
+          <a:p>
+            <a:r>
+              <a:rPr lang="en-GB" sz="1100" b="1" dirty="0" smtClean="0">
+                <a:solidFill>
+                  <a:srgbClr val="7F0055"/>
+                </a:solidFill>
+                <a:latin typeface="Consolas"/>
+              </a:rPr>
+              <a:t>public</a:t>
+            </a:r>
+            <a:r>
+              <a:rPr lang="en-GB" sz="1100" b="1" dirty="0" smtClean="0">
+                <a:solidFill>
+                  <a:srgbClr val="000000"/>
+                </a:solidFill>
+                <a:latin typeface="Consolas"/>
+              </a:rPr>
+              <a:t> </a:t>
+            </a:r>
+            <a:r>
+              <a:rPr lang="en-GB" sz="1100" b="1" dirty="0">
+                <a:solidFill>
+                  <a:srgbClr val="7F0055"/>
+                </a:solidFill>
+                <a:latin typeface="Consolas"/>
+              </a:rPr>
+              <a:t>void</a:t>
+            </a:r>
+            <a:r>
+              <a:rPr lang="en-GB" sz="1100" b="1" dirty="0">
+                <a:solidFill>
+                  <a:srgbClr val="000000"/>
+                </a:solidFill>
+                <a:latin typeface="Consolas"/>
+              </a:rPr>
+              <a:t> </a:t>
+            </a:r>
+            <a:r>
+              <a:rPr lang="en-GB" sz="1100" b="1" dirty="0" err="1">
+                <a:solidFill>
+                  <a:srgbClr val="000000"/>
+                </a:solidFill>
+                <a:latin typeface="Consolas"/>
+              </a:rPr>
+              <a:t>injectClockService</a:t>
+            </a:r>
+            <a:r>
+              <a:rPr lang="en-GB" sz="1100" b="1" dirty="0">
+                <a:solidFill>
+                  <a:srgbClr val="000000"/>
+                </a:solidFill>
+                <a:latin typeface="Consolas"/>
+              </a:rPr>
+              <a:t>(</a:t>
+            </a:r>
+            <a:r>
+              <a:rPr lang="en-GB" sz="1100" b="1" dirty="0" err="1">
+                <a:solidFill>
+                  <a:srgbClr val="000000"/>
+                </a:solidFill>
+                <a:latin typeface="Consolas"/>
+              </a:rPr>
+              <a:t>ClockService</a:t>
+            </a:r>
+            <a:r>
+              <a:rPr lang="en-GB" sz="1100" b="1" dirty="0">
+                <a:solidFill>
+                  <a:srgbClr val="000000"/>
+                </a:solidFill>
+                <a:latin typeface="Consolas"/>
+              </a:rPr>
+              <a:t> </a:t>
+            </a:r>
+            <a:r>
+              <a:rPr lang="en-GB" sz="1100" b="1" dirty="0" err="1">
+                <a:solidFill>
+                  <a:srgbClr val="000000"/>
+                </a:solidFill>
+                <a:latin typeface="Consolas"/>
+              </a:rPr>
+              <a:t>clockService</a:t>
+            </a:r>
+            <a:r>
+              <a:rPr lang="en-GB" sz="1100" b="1" dirty="0">
+                <a:solidFill>
+                  <a:srgbClr val="000000"/>
+                </a:solidFill>
+                <a:latin typeface="Consolas"/>
+              </a:rPr>
+              <a:t>) {</a:t>
+            </a:r>
+          </a:p>
+          <a:p>
+            <a:r>
+              <a:rPr lang="en-GB" sz="1100" dirty="0" smtClean="0">
+                <a:solidFill>
+                  <a:srgbClr val="000000"/>
+                </a:solidFill>
+                <a:latin typeface="Consolas"/>
+              </a:rPr>
+              <a:t>  </a:t>
+            </a:r>
+            <a:r>
+              <a:rPr lang="en-GB" sz="1100" b="1" dirty="0" err="1">
+                <a:solidFill>
+                  <a:srgbClr val="7F0055"/>
+                </a:solidFill>
+                <a:latin typeface="Consolas"/>
+              </a:rPr>
+              <a:t>this</a:t>
+            </a:r>
+            <a:r>
+              <a:rPr lang="en-GB" sz="1100" b="1" dirty="0" err="1">
+                <a:solidFill>
+                  <a:srgbClr val="000000"/>
+                </a:solidFill>
+                <a:latin typeface="Consolas"/>
+              </a:rPr>
+              <a:t>.</a:t>
+            </a:r>
+            <a:r>
+              <a:rPr lang="en-GB" sz="1100" b="1" dirty="0" err="1">
+                <a:solidFill>
+                  <a:srgbClr val="0000C0"/>
+                </a:solidFill>
+                <a:latin typeface="Consolas"/>
+              </a:rPr>
+              <a:t>clockService</a:t>
+            </a:r>
+            <a:r>
+              <a:rPr lang="en-GB" sz="1100" b="1" dirty="0">
+                <a:solidFill>
+                  <a:srgbClr val="000000"/>
+                </a:solidFill>
+                <a:latin typeface="Consolas"/>
+              </a:rPr>
+              <a:t> = </a:t>
+            </a:r>
+            <a:r>
+              <a:rPr lang="en-GB" sz="1100" b="1" dirty="0" err="1">
+                <a:solidFill>
+                  <a:srgbClr val="000000"/>
+                </a:solidFill>
+                <a:latin typeface="Consolas"/>
+              </a:rPr>
+              <a:t>clockService</a:t>
+            </a:r>
+            <a:r>
+              <a:rPr lang="en-GB" sz="1100" b="1" dirty="0">
+                <a:solidFill>
+                  <a:srgbClr val="000000"/>
+                </a:solidFill>
+                <a:latin typeface="Consolas"/>
+              </a:rPr>
+              <a:t>;</a:t>
+            </a:r>
+          </a:p>
+          <a:p>
+            <a:r>
+              <a:rPr lang="en-GB" sz="1100" dirty="0" smtClean="0">
+                <a:solidFill>
+                  <a:srgbClr val="000000"/>
+                </a:solidFill>
+                <a:latin typeface="Consolas"/>
+              </a:rPr>
+              <a:t>}</a:t>
+            </a:r>
+            <a:endParaRPr lang="en-US" sz="1100" b="1" dirty="0" smtClean="0">
+              <a:solidFill>
+                <a:srgbClr val="000000"/>
+              </a:solidFill>
+              <a:latin typeface="Consolas"/>
+            </a:endParaRPr>
+          </a:p>
+        </p:txBody>
+      </p:sp>
     </p:spTree>
     <p:extLst>
       <p:ext uri="{BB962C8B-B14F-4D97-AF65-F5344CB8AC3E}">
         <p14:creationId xmlns:p14="http://schemas.microsoft.com/office/powerpoint/2010/main" val="2113116043"/>
+      </p:ext>
+    </p:extLst>
+  </p:cSld>
+  <p:clrMapOvr>
+    <a:masterClrMapping/>
+  </p:clrMapOvr>
+</p:sld>
+</file>
+
+<file path=ppt/slides/slide5.xml><?xml version="1.0" encoding="utf-8"?>
+<p:sld xmlns:a="http://schemas.openxmlformats.org/drawingml/2006/main" xmlns:r="http://schemas.openxmlformats.org/officeDocument/2006/relationships" xmlns:p="http://schemas.openxmlformats.org/presentationml/2006/main">
+  <p:cSld>
+    <p:spTree>
+      <p:nvGrpSpPr>
+        <p:cNvPr id="1" name=""/>
+        <p:cNvGrpSpPr/>
+        <p:nvPr/>
+      </p:nvGrpSpPr>
+      <p:grpSpPr>
+        <a:xfrm>
+          <a:off x="0" y="0"/>
+          <a:ext cx="0" cy="0"/>
+          <a:chOff x="0" y="0"/>
+          <a:chExt cx="0" cy="0"/>
+        </a:xfrm>
+      </p:grpSpPr>
+      <p:sp>
+        <p:nvSpPr>
+          <p:cNvPr id="2" name="TextBox 1"/>
+          <p:cNvSpPr txBox="1"/>
+          <p:nvPr/>
+        </p:nvSpPr>
+        <p:spPr>
+          <a:xfrm>
+            <a:off x="539552" y="3501008"/>
+            <a:ext cx="4176464" cy="646331"/>
+          </a:xfrm>
+          <a:prstGeom prst="rect">
+            <a:avLst/>
+          </a:prstGeom>
+        </p:spPr>
+        <p:style>
+          <a:lnRef idx="1">
+            <a:schemeClr val="accent1"/>
+          </a:lnRef>
+          <a:fillRef idx="2">
+            <a:schemeClr val="accent1"/>
+          </a:fillRef>
+          <a:effectRef idx="1">
+            <a:schemeClr val="accent1"/>
+          </a:effectRef>
+          <a:fontRef idx="minor">
+            <a:schemeClr val="dk1"/>
+          </a:fontRef>
+        </p:style>
+        <p:txBody>
+          <a:bodyPr wrap="square" rtlCol="0">
+            <a:spAutoFit/>
+          </a:bodyPr>
+          <a:lstStyle/>
+          <a:p>
+            <a:pPr algn="ctr"/>
+            <a:r>
+              <a:rPr lang="en-GB" dirty="0" smtClean="0"/>
+              <a:t>... returns either a collection of objects</a:t>
+            </a:r>
+            <a:br>
+              <a:rPr lang="en-GB" dirty="0" smtClean="0"/>
+            </a:br>
+            <a:r>
+              <a:rPr lang="en-GB" dirty="0" smtClean="0"/>
+              <a:t>(as shown), or a single object, or a value</a:t>
+            </a:r>
+            <a:endParaRPr lang="en-GB" dirty="0" smtClean="0"/>
+          </a:p>
+        </p:txBody>
+      </p:sp>
+      <p:sp>
+        <p:nvSpPr>
+          <p:cNvPr id="3" name="TextBox 2"/>
+          <p:cNvSpPr txBox="1"/>
+          <p:nvPr/>
+        </p:nvSpPr>
+        <p:spPr>
+          <a:xfrm>
+            <a:off x="539552" y="4653136"/>
+            <a:ext cx="4824536" cy="369332"/>
+          </a:xfrm>
+          <a:prstGeom prst="rect">
+            <a:avLst/>
+          </a:prstGeom>
+        </p:spPr>
+        <p:style>
+          <a:lnRef idx="1">
+            <a:schemeClr val="accent1"/>
+          </a:lnRef>
+          <a:fillRef idx="2">
+            <a:schemeClr val="accent1"/>
+          </a:fillRef>
+          <a:effectRef idx="1">
+            <a:schemeClr val="accent1"/>
+          </a:effectRef>
+          <a:fontRef idx="minor">
+            <a:schemeClr val="dk1"/>
+          </a:fontRef>
+        </p:style>
+        <p:txBody>
+          <a:bodyPr wrap="square" rtlCol="0">
+            <a:spAutoFit/>
+          </a:bodyPr>
+          <a:lstStyle/>
+          <a:p>
+            <a:pPr algn="ctr"/>
+            <a:r>
+              <a:rPr lang="en-GB" dirty="0" smtClean="0"/>
+              <a:t>Clicking the icon navigates to the object...</a:t>
+            </a:r>
+            <a:endParaRPr lang="en-GB" dirty="0" smtClean="0"/>
+          </a:p>
+        </p:txBody>
+      </p:sp>
+      <p:sp>
+        <p:nvSpPr>
+          <p:cNvPr id="4" name="TextBox 3"/>
+          <p:cNvSpPr txBox="1"/>
+          <p:nvPr/>
+        </p:nvSpPr>
+        <p:spPr>
+          <a:xfrm>
+            <a:off x="539552" y="908720"/>
+            <a:ext cx="2664296" cy="369332"/>
+          </a:xfrm>
+          <a:prstGeom prst="rect">
+            <a:avLst/>
+          </a:prstGeom>
+        </p:spPr>
+        <p:style>
+          <a:lnRef idx="1">
+            <a:schemeClr val="accent1"/>
+          </a:lnRef>
+          <a:fillRef idx="2">
+            <a:schemeClr val="accent1"/>
+          </a:fillRef>
+          <a:effectRef idx="1">
+            <a:schemeClr val="accent1"/>
+          </a:effectRef>
+          <a:fontRef idx="minor">
+            <a:schemeClr val="dk1"/>
+          </a:fontRef>
+        </p:style>
+        <p:txBody>
+          <a:bodyPr wrap="square" rtlCol="0">
+            <a:spAutoFit/>
+          </a:bodyPr>
+          <a:lstStyle/>
+          <a:p>
+            <a:pPr algn="ctr"/>
+            <a:r>
+              <a:rPr lang="en-GB" dirty="0" smtClean="0"/>
+              <a:t>Invokin</a:t>
+            </a:r>
+            <a:r>
+              <a:rPr lang="en-GB" dirty="0" smtClean="0"/>
+              <a:t>g an a</a:t>
+            </a:r>
+            <a:r>
+              <a:rPr lang="en-GB" dirty="0" smtClean="0"/>
+              <a:t>ction ... </a:t>
+            </a:r>
+            <a:endParaRPr lang="en-GB" dirty="0" smtClean="0"/>
+          </a:p>
+        </p:txBody>
+      </p:sp>
+      <p:sp>
+        <p:nvSpPr>
+          <p:cNvPr id="5" name="TextBox 4"/>
+          <p:cNvSpPr txBox="1"/>
+          <p:nvPr/>
+        </p:nvSpPr>
+        <p:spPr>
+          <a:xfrm>
+            <a:off x="3923928" y="1484784"/>
+            <a:ext cx="4339650" cy="1446550"/>
+          </a:xfrm>
+          <a:prstGeom prst="rect">
+            <a:avLst/>
+          </a:prstGeom>
+          <a:solidFill>
+            <a:schemeClr val="bg1">
+              <a:lumMod val="95000"/>
+            </a:schemeClr>
+          </a:solidFill>
+        </p:spPr>
+        <p:style>
+          <a:lnRef idx="1">
+            <a:schemeClr val="accent3"/>
+          </a:lnRef>
+          <a:fillRef idx="2">
+            <a:schemeClr val="accent3"/>
+          </a:fillRef>
+          <a:effectRef idx="1">
+            <a:schemeClr val="accent3"/>
+          </a:effectRef>
+          <a:fontRef idx="minor">
+            <a:schemeClr val="dk1"/>
+          </a:fontRef>
+        </p:style>
+        <p:txBody>
+          <a:bodyPr wrap="none" rtlCol="0">
+            <a:spAutoFit/>
+          </a:bodyPr>
+          <a:lstStyle/>
+          <a:p>
+            <a:r>
+              <a:rPr lang="en-GB" sz="1100" b="1" dirty="0" smtClean="0">
+                <a:solidFill>
+                  <a:srgbClr val="7F0055"/>
+                </a:solidFill>
+                <a:latin typeface="Consolas"/>
+              </a:rPr>
+              <a:t>public</a:t>
+            </a:r>
+            <a:r>
+              <a:rPr lang="en-GB" sz="1100" b="1" dirty="0" smtClean="0">
+                <a:solidFill>
+                  <a:srgbClr val="000000"/>
+                </a:solidFill>
+                <a:latin typeface="Consolas"/>
+              </a:rPr>
+              <a:t> </a:t>
+            </a:r>
+            <a:r>
+              <a:rPr lang="en-GB" sz="1100" b="1" dirty="0">
+                <a:solidFill>
+                  <a:srgbClr val="000000"/>
+                </a:solidFill>
+                <a:latin typeface="Consolas"/>
+              </a:rPr>
+              <a:t>List&lt;</a:t>
+            </a:r>
+            <a:r>
+              <a:rPr lang="en-GB" sz="1100" b="1" dirty="0" err="1">
+                <a:solidFill>
+                  <a:srgbClr val="000000"/>
+                </a:solidFill>
+                <a:latin typeface="Consolas"/>
+              </a:rPr>
+              <a:t>ToDoItem</a:t>
+            </a:r>
+            <a:r>
+              <a:rPr lang="en-GB" sz="1100" b="1" dirty="0">
+                <a:solidFill>
+                  <a:srgbClr val="000000"/>
+                </a:solidFill>
+                <a:latin typeface="Consolas"/>
+              </a:rPr>
+              <a:t>&gt; </a:t>
+            </a:r>
+            <a:r>
+              <a:rPr lang="en-GB" sz="1100" b="1" dirty="0" err="1">
+                <a:solidFill>
+                  <a:srgbClr val="000000"/>
+                </a:solidFill>
+                <a:latin typeface="Consolas"/>
+              </a:rPr>
+              <a:t>notYetComplete</a:t>
+            </a:r>
+            <a:r>
+              <a:rPr lang="en-GB" sz="1100" b="1" dirty="0">
+                <a:solidFill>
+                  <a:srgbClr val="000000"/>
+                </a:solidFill>
+                <a:latin typeface="Consolas"/>
+              </a:rPr>
+              <a:t>() </a:t>
+            </a:r>
+            <a:r>
+              <a:rPr lang="en-GB" sz="1100" b="1" dirty="0" smtClean="0">
+                <a:solidFill>
+                  <a:srgbClr val="000000"/>
+                </a:solidFill>
+                <a:latin typeface="Consolas"/>
+              </a:rPr>
+              <a:t>{</a:t>
+            </a:r>
+          </a:p>
+          <a:p>
+            <a:r>
+              <a:rPr lang="en-GB" sz="1100" b="1" dirty="0" smtClean="0">
+                <a:solidFill>
+                  <a:srgbClr val="000000"/>
+                </a:solidFill>
+                <a:latin typeface="Consolas"/>
+              </a:rPr>
+              <a:t>  ...</a:t>
+            </a:r>
+            <a:endParaRPr lang="en-GB" sz="1100" b="1" dirty="0">
+              <a:solidFill>
+                <a:srgbClr val="000000"/>
+              </a:solidFill>
+              <a:latin typeface="Consolas"/>
+            </a:endParaRPr>
+          </a:p>
+          <a:p>
+            <a:r>
+              <a:rPr lang="en-GB" sz="1100" dirty="0" smtClean="0">
+                <a:solidFill>
+                  <a:srgbClr val="0000C0"/>
+                </a:solidFill>
+                <a:latin typeface="Consolas"/>
+              </a:rPr>
+              <a:t>  </a:t>
+            </a:r>
+            <a:r>
+              <a:rPr lang="en-GB" sz="1100" b="1" dirty="0">
+                <a:solidFill>
+                  <a:srgbClr val="7F0055"/>
+                </a:solidFill>
+                <a:latin typeface="Consolas"/>
+              </a:rPr>
+              <a:t>return</a:t>
+            </a:r>
+            <a:r>
+              <a:rPr lang="en-GB" sz="1100" dirty="0" smtClean="0">
+                <a:solidFill>
+                  <a:srgbClr val="0000C0"/>
+                </a:solidFill>
+                <a:latin typeface="Consolas"/>
+              </a:rPr>
+              <a:t> </a:t>
+            </a:r>
+            <a:r>
+              <a:rPr lang="en-GB" sz="1100" dirty="0" err="1" smtClean="0">
+                <a:solidFill>
+                  <a:srgbClr val="0000C0"/>
+                </a:solidFill>
+                <a:latin typeface="Consolas"/>
+              </a:rPr>
+              <a:t>container</a:t>
+            </a:r>
+            <a:r>
+              <a:rPr lang="en-GB" sz="1100" dirty="0" err="1" smtClean="0">
+                <a:solidFill>
+                  <a:srgbClr val="000000"/>
+                </a:solidFill>
+                <a:latin typeface="Consolas"/>
+              </a:rPr>
+              <a:t>.allMatches</a:t>
+            </a:r>
+            <a:r>
+              <a:rPr lang="en-GB" sz="1100" dirty="0">
+                <a:solidFill>
+                  <a:srgbClr val="000000"/>
+                </a:solidFill>
+                <a:latin typeface="Consolas"/>
+              </a:rPr>
+              <a:t>(</a:t>
+            </a:r>
+          </a:p>
+          <a:p>
+            <a:r>
+              <a:rPr lang="en-GB" sz="1100" dirty="0" smtClean="0">
+                <a:solidFill>
+                  <a:srgbClr val="000000"/>
+                </a:solidFill>
+                <a:latin typeface="Consolas"/>
+              </a:rPr>
+              <a:t>           </a:t>
+            </a:r>
+            <a:r>
+              <a:rPr lang="en-GB" sz="1100" b="1" dirty="0">
+                <a:solidFill>
+                  <a:srgbClr val="7F0055"/>
+                </a:solidFill>
+                <a:latin typeface="Consolas"/>
+              </a:rPr>
+              <a:t>new</a:t>
+            </a:r>
+            <a:r>
+              <a:rPr lang="en-GB" sz="1100" b="1" dirty="0">
+                <a:solidFill>
+                  <a:srgbClr val="000000"/>
+                </a:solidFill>
+                <a:latin typeface="Consolas"/>
+              </a:rPr>
+              <a:t> </a:t>
+            </a:r>
+            <a:r>
+              <a:rPr lang="en-GB" sz="1100" b="1" dirty="0" err="1">
+                <a:solidFill>
+                  <a:srgbClr val="000000"/>
+                </a:solidFill>
+                <a:latin typeface="Consolas"/>
+              </a:rPr>
+              <a:t>QueryDefault</a:t>
+            </a:r>
+            <a:r>
+              <a:rPr lang="en-GB" sz="1100" b="1" dirty="0">
+                <a:solidFill>
+                  <a:srgbClr val="000000"/>
+                </a:solidFill>
+                <a:latin typeface="Consolas"/>
+              </a:rPr>
+              <a:t>&lt;</a:t>
+            </a:r>
+            <a:r>
+              <a:rPr lang="en-GB" sz="1100" b="1" dirty="0" err="1">
+                <a:solidFill>
+                  <a:srgbClr val="000000"/>
+                </a:solidFill>
+                <a:latin typeface="Consolas"/>
+              </a:rPr>
+              <a:t>ToDoItem</a:t>
+            </a:r>
+            <a:r>
+              <a:rPr lang="en-GB" sz="1100" b="1" dirty="0">
+                <a:solidFill>
+                  <a:srgbClr val="000000"/>
+                </a:solidFill>
+                <a:latin typeface="Consolas"/>
+              </a:rPr>
+              <a:t>&gt;(</a:t>
+            </a:r>
+            <a:r>
+              <a:rPr lang="en-GB" sz="1100" b="1" dirty="0" err="1">
+                <a:solidFill>
+                  <a:srgbClr val="000000"/>
+                </a:solidFill>
+                <a:latin typeface="Consolas"/>
+              </a:rPr>
+              <a:t>ToDoItem.</a:t>
+            </a:r>
+            <a:r>
+              <a:rPr lang="en-GB" sz="1100" b="1" dirty="0" err="1">
+                <a:solidFill>
+                  <a:srgbClr val="7F0055"/>
+                </a:solidFill>
+                <a:latin typeface="Consolas"/>
+              </a:rPr>
+              <a:t>class</a:t>
+            </a:r>
+            <a:r>
+              <a:rPr lang="en-GB" sz="1100" b="1" dirty="0">
+                <a:solidFill>
+                  <a:srgbClr val="000000"/>
+                </a:solidFill>
+                <a:latin typeface="Consolas"/>
+              </a:rPr>
+              <a:t>, </a:t>
+            </a:r>
+          </a:p>
+          <a:p>
+            <a:r>
+              <a:rPr lang="en-GB" sz="1100" dirty="0" smtClean="0">
+                <a:solidFill>
+                  <a:srgbClr val="000000"/>
+                </a:solidFill>
+                <a:latin typeface="Consolas"/>
+              </a:rPr>
+              <a:t>                 </a:t>
+            </a:r>
+            <a:r>
+              <a:rPr lang="en-GB" sz="1100" dirty="0">
+                <a:solidFill>
+                  <a:srgbClr val="2A00FF"/>
+                </a:solidFill>
+                <a:latin typeface="Consolas"/>
+              </a:rPr>
+              <a:t>"</a:t>
+            </a:r>
+            <a:r>
+              <a:rPr lang="en-GB" sz="1100" dirty="0" err="1">
+                <a:solidFill>
+                  <a:srgbClr val="2A00FF"/>
+                </a:solidFill>
+                <a:latin typeface="Consolas"/>
+              </a:rPr>
+              <a:t>todo_notYetComplete</a:t>
+            </a:r>
+            <a:r>
+              <a:rPr lang="en-GB" sz="1100" dirty="0">
+                <a:solidFill>
+                  <a:srgbClr val="2A00FF"/>
+                </a:solidFill>
+                <a:latin typeface="Consolas"/>
+              </a:rPr>
+              <a:t>"</a:t>
+            </a:r>
+            <a:r>
+              <a:rPr lang="en-GB" sz="1100" dirty="0">
+                <a:solidFill>
+                  <a:srgbClr val="000000"/>
+                </a:solidFill>
+                <a:latin typeface="Consolas"/>
+              </a:rPr>
+              <a:t>, </a:t>
+            </a:r>
+          </a:p>
+          <a:p>
+            <a:r>
+              <a:rPr lang="en-GB" sz="1100" dirty="0" smtClean="0">
+                <a:solidFill>
+                  <a:srgbClr val="000000"/>
+                </a:solidFill>
+                <a:latin typeface="Consolas"/>
+              </a:rPr>
+              <a:t>                  </a:t>
+            </a:r>
+            <a:r>
+              <a:rPr lang="en-GB" sz="1100" dirty="0">
+                <a:solidFill>
+                  <a:srgbClr val="2A00FF"/>
+                </a:solidFill>
+                <a:latin typeface="Consolas"/>
+              </a:rPr>
+              <a:t>"</a:t>
+            </a:r>
+            <a:r>
+              <a:rPr lang="en-GB" sz="1100" dirty="0" err="1">
+                <a:solidFill>
+                  <a:srgbClr val="2A00FF"/>
+                </a:solidFill>
+                <a:latin typeface="Consolas"/>
+              </a:rPr>
+              <a:t>ownedBy</a:t>
+            </a:r>
+            <a:r>
+              <a:rPr lang="en-GB" sz="1100" dirty="0">
+                <a:solidFill>
+                  <a:srgbClr val="2A00FF"/>
+                </a:solidFill>
+                <a:latin typeface="Consolas"/>
+              </a:rPr>
+              <a:t>"</a:t>
+            </a:r>
+            <a:r>
+              <a:rPr lang="en-GB" sz="1100" dirty="0">
+                <a:solidFill>
+                  <a:srgbClr val="000000"/>
+                </a:solidFill>
+                <a:latin typeface="Consolas"/>
+              </a:rPr>
+              <a:t>, </a:t>
+            </a:r>
+            <a:r>
+              <a:rPr lang="en-GB" sz="1100" dirty="0" err="1">
+                <a:solidFill>
+                  <a:srgbClr val="000000"/>
+                </a:solidFill>
+                <a:latin typeface="Consolas"/>
+              </a:rPr>
+              <a:t>currentUserName</a:t>
+            </a:r>
+            <a:r>
+              <a:rPr lang="en-GB" sz="1100" dirty="0">
+                <a:solidFill>
+                  <a:srgbClr val="000000"/>
+                </a:solidFill>
+                <a:latin typeface="Consolas"/>
+              </a:rPr>
+              <a:t>()));</a:t>
+            </a:r>
+          </a:p>
+          <a:p>
+            <a:r>
+              <a:rPr lang="en-GB" sz="1100" dirty="0" smtClean="0">
+                <a:solidFill>
+                  <a:srgbClr val="000000"/>
+                </a:solidFill>
+                <a:latin typeface="Consolas"/>
+              </a:rPr>
+              <a:t>  }</a:t>
+            </a:r>
+            <a:endParaRPr lang="en-GB" sz="1100" dirty="0">
+              <a:solidFill>
+                <a:srgbClr val="000000"/>
+              </a:solidFill>
+              <a:latin typeface="Consolas"/>
+            </a:endParaRPr>
+          </a:p>
+          <a:p>
+            <a:r>
+              <a:rPr lang="en-GB" sz="1100" dirty="0" smtClean="0">
+                <a:solidFill>
+                  <a:srgbClr val="000000"/>
+                </a:solidFill>
+                <a:latin typeface="Consolas"/>
+              </a:rPr>
+              <a:t>}</a:t>
+            </a:r>
+            <a:endParaRPr lang="en-US" sz="1100" b="1" dirty="0" smtClean="0">
+              <a:solidFill>
+                <a:srgbClr val="000000"/>
+              </a:solidFill>
+              <a:latin typeface="Consolas"/>
+            </a:endParaRPr>
+          </a:p>
+        </p:txBody>
+      </p:sp>
+      <p:sp>
+        <p:nvSpPr>
+          <p:cNvPr id="6" name="TextBox 5"/>
+          <p:cNvSpPr txBox="1"/>
+          <p:nvPr/>
+        </p:nvSpPr>
+        <p:spPr>
+          <a:xfrm>
+            <a:off x="691952" y="5385990"/>
+            <a:ext cx="3880048" cy="923330"/>
+          </a:xfrm>
+          <a:prstGeom prst="rect">
+            <a:avLst/>
+          </a:prstGeom>
+        </p:spPr>
+        <p:style>
+          <a:lnRef idx="1">
+            <a:schemeClr val="accent1"/>
+          </a:lnRef>
+          <a:fillRef idx="2">
+            <a:schemeClr val="accent1"/>
+          </a:fillRef>
+          <a:effectRef idx="1">
+            <a:schemeClr val="accent1"/>
+          </a:effectRef>
+          <a:fontRef idx="minor">
+            <a:schemeClr val="dk1"/>
+          </a:fontRef>
+        </p:style>
+        <p:txBody>
+          <a:bodyPr wrap="square" rtlCol="0">
+            <a:spAutoFit/>
+          </a:bodyPr>
+          <a:lstStyle/>
+          <a:p>
+            <a:pPr algn="ctr"/>
+            <a:r>
+              <a:rPr lang="en-GB" dirty="0" smtClean="0"/>
+              <a:t>The layout of the object’s members</a:t>
+            </a:r>
+            <a:br>
+              <a:rPr lang="en-GB" dirty="0" smtClean="0"/>
+            </a:br>
+            <a:r>
+              <a:rPr lang="en-GB" dirty="0" smtClean="0"/>
+              <a:t>(its properties, collections and actions)</a:t>
+            </a:r>
+            <a:br>
+              <a:rPr lang="en-GB" dirty="0" smtClean="0"/>
+            </a:br>
+            <a:r>
+              <a:rPr lang="en-GB" dirty="0" smtClean="0"/>
+              <a:t>is specified using metadata.</a:t>
+            </a:r>
+          </a:p>
+        </p:txBody>
+      </p:sp>
+    </p:spTree>
+    <p:extLst>
+      <p:ext uri="{BB962C8B-B14F-4D97-AF65-F5344CB8AC3E}">
+        <p14:creationId xmlns:p14="http://schemas.microsoft.com/office/powerpoint/2010/main" val="1381647830"/>
+      </p:ext>
+    </p:extLst>
+  </p:cSld>
+  <p:clrMapOvr>
+    <a:masterClrMapping/>
+  </p:clrMapOvr>
+</p:sld>
+</file>
+
+<file path=ppt/slides/slide6.xml><?xml version="1.0" encoding="utf-8"?>
+<p:sld xmlns:a="http://schemas.openxmlformats.org/drawingml/2006/main" xmlns:r="http://schemas.openxmlformats.org/officeDocument/2006/relationships" xmlns:p="http://schemas.openxmlformats.org/presentationml/2006/main">
+  <p:cSld>
+    <p:spTree>
+      <p:nvGrpSpPr>
+        <p:cNvPr id="1" name=""/>
+        <p:cNvGrpSpPr/>
+        <p:nvPr/>
+      </p:nvGrpSpPr>
+      <p:grpSpPr>
+        <a:xfrm>
+          <a:off x="0" y="0"/>
+          <a:ext cx="0" cy="0"/>
+          <a:chOff x="0" y="0"/>
+          <a:chExt cx="0" cy="0"/>
+        </a:xfrm>
+      </p:grpSpPr>
+      <p:sp>
+        <p:nvSpPr>
+          <p:cNvPr id="3" name="TextBox 2"/>
+          <p:cNvSpPr txBox="1"/>
+          <p:nvPr/>
+        </p:nvSpPr>
+        <p:spPr>
+          <a:xfrm>
+            <a:off x="395536" y="260648"/>
+            <a:ext cx="4896544" cy="646331"/>
+          </a:xfrm>
+          <a:prstGeom prst="rect">
+            <a:avLst/>
+          </a:prstGeom>
+        </p:spPr>
+        <p:style>
+          <a:lnRef idx="1">
+            <a:schemeClr val="accent1"/>
+          </a:lnRef>
+          <a:fillRef idx="2">
+            <a:schemeClr val="accent1"/>
+          </a:fillRef>
+          <a:effectRef idx="1">
+            <a:schemeClr val="accent1"/>
+          </a:effectRef>
+          <a:fontRef idx="minor">
+            <a:schemeClr val="dk1"/>
+          </a:fontRef>
+        </p:style>
+        <p:txBody>
+          <a:bodyPr wrap="square" rtlCol="0">
+            <a:spAutoFit/>
+          </a:bodyPr>
+          <a:lstStyle/>
+          <a:p>
+            <a:pPr algn="ctr"/>
+            <a:r>
+              <a:rPr lang="en-GB" dirty="0" smtClean="0"/>
+              <a:t>Layout metadata can be specified either using annotations or using a </a:t>
+            </a:r>
+            <a:r>
+              <a:rPr lang="en-GB" i="1" dirty="0" err="1" smtClean="0"/>
+              <a:t>ClassName</a:t>
+            </a:r>
+            <a:r>
+              <a:rPr lang="en-GB" dirty="0" err="1" smtClean="0"/>
+              <a:t>.layout.json</a:t>
+            </a:r>
+            <a:r>
+              <a:rPr lang="en-GB" dirty="0" smtClean="0"/>
+              <a:t> file</a:t>
+            </a:r>
+          </a:p>
+        </p:txBody>
+      </p:sp>
+      <p:sp>
+        <p:nvSpPr>
+          <p:cNvPr id="4" name="TextBox 3"/>
+          <p:cNvSpPr txBox="1"/>
+          <p:nvPr/>
+        </p:nvSpPr>
+        <p:spPr>
+          <a:xfrm>
+            <a:off x="3923928" y="2346265"/>
+            <a:ext cx="4570482" cy="938719"/>
+          </a:xfrm>
+          <a:prstGeom prst="rect">
+            <a:avLst/>
+          </a:prstGeom>
+          <a:solidFill>
+            <a:schemeClr val="bg1">
+              <a:lumMod val="95000"/>
+            </a:schemeClr>
+          </a:solidFill>
+        </p:spPr>
+        <p:style>
+          <a:lnRef idx="1">
+            <a:schemeClr val="accent3"/>
+          </a:lnRef>
+          <a:fillRef idx="2">
+            <a:schemeClr val="accent3"/>
+          </a:fillRef>
+          <a:effectRef idx="1">
+            <a:schemeClr val="accent3"/>
+          </a:effectRef>
+          <a:fontRef idx="minor">
+            <a:schemeClr val="dk1"/>
+          </a:fontRef>
+        </p:style>
+        <p:txBody>
+          <a:bodyPr wrap="none" rtlCol="0">
+            <a:spAutoFit/>
+          </a:bodyPr>
+          <a:lstStyle/>
+          <a:p>
+            <a:r>
+              <a:rPr lang="en-GB" sz="1100" b="1" dirty="0">
+                <a:solidFill>
+                  <a:srgbClr val="7F0055"/>
+                </a:solidFill>
+                <a:latin typeface="Consolas"/>
+              </a:rPr>
+              <a:t>public</a:t>
+            </a:r>
+            <a:r>
+              <a:rPr lang="en-GB" sz="1100" b="1" dirty="0">
+                <a:solidFill>
+                  <a:srgbClr val="000000"/>
+                </a:solidFill>
+                <a:latin typeface="Consolas"/>
+              </a:rPr>
+              <a:t> </a:t>
+            </a:r>
+            <a:r>
+              <a:rPr lang="en-GB" sz="1100" b="1" dirty="0">
+                <a:solidFill>
+                  <a:srgbClr val="7F0055"/>
+                </a:solidFill>
+                <a:latin typeface="Consolas"/>
+              </a:rPr>
+              <a:t>class</a:t>
+            </a:r>
+            <a:r>
+              <a:rPr lang="en-GB" sz="1100" b="1" dirty="0">
+                <a:solidFill>
+                  <a:srgbClr val="000000"/>
+                </a:solidFill>
+                <a:latin typeface="Consolas"/>
+              </a:rPr>
+              <a:t> </a:t>
+            </a:r>
+            <a:r>
+              <a:rPr lang="en-GB" sz="1100" b="1" dirty="0" err="1">
+                <a:solidFill>
+                  <a:srgbClr val="000000"/>
+                </a:solidFill>
+                <a:latin typeface="Consolas"/>
+              </a:rPr>
+              <a:t>DeveloperUtilitiesServiceDefault</a:t>
+            </a:r>
+            <a:r>
+              <a:rPr lang="en-GB" sz="1100" b="1" dirty="0">
+                <a:solidFill>
+                  <a:srgbClr val="000000"/>
+                </a:solidFill>
+                <a:latin typeface="Consolas"/>
+              </a:rPr>
+              <a:t> </a:t>
+            </a:r>
+            <a:r>
+              <a:rPr lang="en-GB" sz="1100" b="1" dirty="0" smtClean="0">
+                <a:solidFill>
+                  <a:srgbClr val="000000"/>
+                </a:solidFill>
+                <a:latin typeface="Consolas"/>
+              </a:rPr>
+              <a:t>... {</a:t>
+            </a:r>
+          </a:p>
+          <a:p>
+            <a:r>
+              <a:rPr lang="en-GB" sz="1100" b="1" dirty="0">
+                <a:solidFill>
+                  <a:srgbClr val="000000"/>
+                </a:solidFill>
+                <a:latin typeface="Consolas"/>
+              </a:rPr>
+              <a:t> </a:t>
+            </a:r>
+            <a:r>
+              <a:rPr lang="en-GB" sz="1100" b="1" dirty="0" smtClean="0">
+                <a:solidFill>
+                  <a:srgbClr val="000000"/>
+                </a:solidFill>
+                <a:latin typeface="Consolas"/>
+              </a:rPr>
+              <a:t> ...</a:t>
+            </a:r>
+            <a:endParaRPr lang="en-GB" sz="1100" b="1" dirty="0">
+              <a:solidFill>
+                <a:srgbClr val="000000"/>
+              </a:solidFill>
+              <a:latin typeface="Consolas"/>
+            </a:endParaRPr>
+          </a:p>
+          <a:p>
+            <a:r>
+              <a:rPr lang="en-GB" sz="1100" dirty="0" smtClean="0">
+                <a:solidFill>
+                  <a:srgbClr val="000000"/>
+                </a:solidFill>
+                <a:latin typeface="Consolas"/>
+              </a:rPr>
+              <a:t>  </a:t>
+            </a:r>
+            <a:r>
+              <a:rPr lang="en-GB" sz="1100" dirty="0">
+                <a:solidFill>
+                  <a:srgbClr val="646464"/>
+                </a:solidFill>
+                <a:latin typeface="Consolas"/>
+              </a:rPr>
+              <a:t>@Override</a:t>
+            </a:r>
+          </a:p>
+          <a:p>
+            <a:r>
+              <a:rPr lang="en-GB" sz="1100" dirty="0" smtClean="0">
+                <a:solidFill>
+                  <a:srgbClr val="000000"/>
+                </a:solidFill>
+                <a:latin typeface="Consolas"/>
+              </a:rPr>
+              <a:t>  </a:t>
+            </a:r>
+            <a:r>
+              <a:rPr lang="en-GB" sz="1100" b="1" dirty="0">
+                <a:solidFill>
+                  <a:srgbClr val="7F0055"/>
+                </a:solidFill>
+                <a:latin typeface="Consolas"/>
+              </a:rPr>
+              <a:t>public</a:t>
+            </a:r>
+            <a:r>
+              <a:rPr lang="en-GB" sz="1100" b="1" dirty="0">
+                <a:solidFill>
+                  <a:srgbClr val="000000"/>
+                </a:solidFill>
+                <a:latin typeface="Consolas"/>
+              </a:rPr>
+              <a:t> </a:t>
+            </a:r>
+            <a:r>
+              <a:rPr lang="en-GB" sz="1100" b="1" dirty="0" err="1">
+                <a:solidFill>
+                  <a:srgbClr val="000000"/>
+                </a:solidFill>
+                <a:latin typeface="Consolas"/>
+              </a:rPr>
+              <a:t>Clob</a:t>
+            </a:r>
+            <a:r>
+              <a:rPr lang="en-GB" sz="1100" b="1" dirty="0">
+                <a:solidFill>
+                  <a:srgbClr val="000000"/>
+                </a:solidFill>
+                <a:latin typeface="Consolas"/>
+              </a:rPr>
+              <a:t> </a:t>
+            </a:r>
+            <a:r>
+              <a:rPr lang="en-GB" sz="1100" b="1" dirty="0" err="1">
+                <a:solidFill>
+                  <a:srgbClr val="000000"/>
+                </a:solidFill>
+                <a:latin typeface="Consolas"/>
+              </a:rPr>
+              <a:t>downloadLayout</a:t>
+            </a:r>
+            <a:r>
+              <a:rPr lang="en-GB" sz="1100" b="1" dirty="0">
+                <a:solidFill>
+                  <a:srgbClr val="000000"/>
+                </a:solidFill>
+                <a:latin typeface="Consolas"/>
+              </a:rPr>
+              <a:t>(Object </a:t>
+            </a:r>
+            <a:r>
+              <a:rPr lang="en-GB" sz="1100" b="1" dirty="0" err="1">
+                <a:solidFill>
+                  <a:srgbClr val="000000"/>
+                </a:solidFill>
+                <a:latin typeface="Consolas"/>
+              </a:rPr>
+              <a:t>domainObject</a:t>
+            </a:r>
+            <a:r>
+              <a:rPr lang="en-GB" sz="1100" b="1" dirty="0">
+                <a:solidFill>
+                  <a:srgbClr val="000000"/>
+                </a:solidFill>
+                <a:latin typeface="Consolas"/>
+              </a:rPr>
+              <a:t>) </a:t>
+            </a:r>
+            <a:r>
+              <a:rPr lang="en-GB" sz="1100" b="1" dirty="0" smtClean="0">
+                <a:solidFill>
+                  <a:srgbClr val="000000"/>
+                </a:solidFill>
+                <a:latin typeface="Consolas"/>
+              </a:rPr>
+              <a:t>{ ... }</a:t>
+            </a:r>
+          </a:p>
+          <a:p>
+            <a:r>
+              <a:rPr lang="en-GB" sz="1100" b="1" dirty="0">
+                <a:solidFill>
+                  <a:srgbClr val="000000"/>
+                </a:solidFill>
+                <a:latin typeface="Consolas"/>
+              </a:rPr>
+              <a:t>}</a:t>
+            </a:r>
+            <a:endParaRPr lang="en-US" sz="1100" b="1" dirty="0" smtClean="0">
+              <a:solidFill>
+                <a:srgbClr val="000000"/>
+              </a:solidFill>
+              <a:latin typeface="Consolas"/>
+            </a:endParaRPr>
+          </a:p>
+        </p:txBody>
+      </p:sp>
+      <p:sp>
+        <p:nvSpPr>
+          <p:cNvPr id="5" name="TextBox 4"/>
+          <p:cNvSpPr txBox="1"/>
+          <p:nvPr/>
+        </p:nvSpPr>
+        <p:spPr>
+          <a:xfrm>
+            <a:off x="539552" y="1628800"/>
+            <a:ext cx="4824536" cy="646331"/>
+          </a:xfrm>
+          <a:prstGeom prst="rect">
+            <a:avLst/>
+          </a:prstGeom>
+        </p:spPr>
+        <p:style>
+          <a:lnRef idx="1">
+            <a:schemeClr val="accent1"/>
+          </a:lnRef>
+          <a:fillRef idx="2">
+            <a:schemeClr val="accent1"/>
+          </a:fillRef>
+          <a:effectRef idx="1">
+            <a:schemeClr val="accent1"/>
+          </a:effectRef>
+          <a:fontRef idx="minor">
+            <a:schemeClr val="dk1"/>
+          </a:fontRef>
+        </p:style>
+        <p:txBody>
+          <a:bodyPr wrap="square" rtlCol="0">
+            <a:spAutoFit/>
+          </a:bodyPr>
+          <a:lstStyle/>
+          <a:p>
+            <a:pPr algn="ctr"/>
+            <a:r>
+              <a:rPr lang="en-GB" dirty="0" smtClean="0"/>
+              <a:t>The layout metadata can be downloaded through a </a:t>
+            </a:r>
+            <a:r>
+              <a:rPr lang="en-GB" i="1" dirty="0" err="1" smtClean="0"/>
+              <a:t>DeveloperUtilities</a:t>
+            </a:r>
+            <a:r>
+              <a:rPr lang="en-GB" dirty="0" smtClean="0"/>
+              <a:t> domain service...</a:t>
+            </a:r>
+            <a:endParaRPr lang="en-GB" dirty="0" smtClean="0"/>
+          </a:p>
+        </p:txBody>
+      </p:sp>
+      <p:sp>
+        <p:nvSpPr>
+          <p:cNvPr id="6" name="TextBox 5"/>
+          <p:cNvSpPr txBox="1"/>
+          <p:nvPr/>
+        </p:nvSpPr>
+        <p:spPr>
+          <a:xfrm>
+            <a:off x="539552" y="3717032"/>
+            <a:ext cx="3880048" cy="646331"/>
+          </a:xfrm>
+          <a:prstGeom prst="rect">
+            <a:avLst/>
+          </a:prstGeom>
+        </p:spPr>
+        <p:style>
+          <a:lnRef idx="1">
+            <a:schemeClr val="accent1"/>
+          </a:lnRef>
+          <a:fillRef idx="2">
+            <a:schemeClr val="accent1"/>
+          </a:fillRef>
+          <a:effectRef idx="1">
+            <a:schemeClr val="accent1"/>
+          </a:effectRef>
+          <a:fontRef idx="minor">
+            <a:schemeClr val="dk1"/>
+          </a:fontRef>
+        </p:style>
+        <p:txBody>
+          <a:bodyPr wrap="square" rtlCol="0">
+            <a:spAutoFit/>
+          </a:bodyPr>
+          <a:lstStyle/>
+          <a:p>
+            <a:pPr algn="ctr"/>
+            <a:r>
+              <a:rPr lang="en-GB" dirty="0" smtClean="0"/>
+              <a:t>... and the layout refreshed without an application restart</a:t>
+            </a:r>
+            <a:endParaRPr lang="en-GB" dirty="0" smtClean="0"/>
+          </a:p>
+        </p:txBody>
+      </p:sp>
+      <p:sp>
+        <p:nvSpPr>
+          <p:cNvPr id="7" name="TextBox 6"/>
+          <p:cNvSpPr txBox="1"/>
+          <p:nvPr/>
+        </p:nvSpPr>
+        <p:spPr>
+          <a:xfrm>
+            <a:off x="539552" y="5086925"/>
+            <a:ext cx="2808312" cy="646331"/>
+          </a:xfrm>
+          <a:prstGeom prst="rect">
+            <a:avLst/>
+          </a:prstGeom>
+        </p:spPr>
+        <p:style>
+          <a:lnRef idx="1">
+            <a:schemeClr val="accent1"/>
+          </a:lnRef>
+          <a:fillRef idx="2">
+            <a:schemeClr val="accent1"/>
+          </a:fillRef>
+          <a:effectRef idx="1">
+            <a:schemeClr val="accent1"/>
+          </a:effectRef>
+          <a:fontRef idx="minor">
+            <a:schemeClr val="dk1"/>
+          </a:fontRef>
+        </p:style>
+        <p:txBody>
+          <a:bodyPr wrap="square" rtlCol="0">
+            <a:spAutoFit/>
+          </a:bodyPr>
+          <a:lstStyle/>
+          <a:p>
+            <a:pPr algn="ctr"/>
+            <a:r>
+              <a:rPr lang="en-GB" dirty="0" smtClean="0"/>
+              <a:t>Individual members can be</a:t>
+            </a:r>
+            <a:br>
+              <a:rPr lang="en-GB" dirty="0" smtClean="0"/>
+            </a:br>
+            <a:r>
+              <a:rPr lang="en-GB" dirty="0" smtClean="0"/>
+              <a:t>styled using CSS</a:t>
+            </a:r>
+            <a:endParaRPr lang="en-GB" dirty="0" smtClean="0"/>
+          </a:p>
+        </p:txBody>
+      </p:sp>
+      <p:sp>
+        <p:nvSpPr>
+          <p:cNvPr id="8" name="TextBox 7"/>
+          <p:cNvSpPr txBox="1"/>
+          <p:nvPr/>
+        </p:nvSpPr>
+        <p:spPr>
+          <a:xfrm>
+            <a:off x="3921937" y="4509120"/>
+            <a:ext cx="3262432" cy="938719"/>
+          </a:xfrm>
+          <a:prstGeom prst="rect">
+            <a:avLst/>
+          </a:prstGeom>
+          <a:solidFill>
+            <a:schemeClr val="bg1">
+              <a:lumMod val="95000"/>
+            </a:schemeClr>
+          </a:solidFill>
+        </p:spPr>
+        <p:style>
+          <a:lnRef idx="1">
+            <a:schemeClr val="accent3"/>
+          </a:lnRef>
+          <a:fillRef idx="2">
+            <a:schemeClr val="accent3"/>
+          </a:fillRef>
+          <a:effectRef idx="1">
+            <a:schemeClr val="accent3"/>
+          </a:effectRef>
+          <a:fontRef idx="minor">
+            <a:schemeClr val="dk1"/>
+          </a:fontRef>
+        </p:style>
+        <p:txBody>
+          <a:bodyPr wrap="none" rtlCol="0">
+            <a:spAutoFit/>
+          </a:bodyPr>
+          <a:lstStyle/>
+          <a:p>
+            <a:r>
+              <a:rPr lang="en-US" sz="1100" b="1" dirty="0">
+                <a:solidFill>
+                  <a:srgbClr val="7F0055"/>
+                </a:solidFill>
+                <a:latin typeface="Consolas"/>
+              </a:rPr>
+              <a:t>public</a:t>
+            </a:r>
+            <a:r>
+              <a:rPr lang="en-US" sz="1100" b="1" dirty="0">
+                <a:solidFill>
+                  <a:srgbClr val="000000"/>
+                </a:solidFill>
+                <a:latin typeface="Consolas"/>
+              </a:rPr>
+              <a:t> </a:t>
+            </a:r>
+            <a:r>
+              <a:rPr lang="en-US" sz="1100" b="1" dirty="0">
+                <a:solidFill>
+                  <a:srgbClr val="7F0055"/>
+                </a:solidFill>
+                <a:latin typeface="Consolas"/>
+              </a:rPr>
+              <a:t>class</a:t>
+            </a:r>
+            <a:r>
+              <a:rPr lang="en-US" sz="1100" b="1" dirty="0">
+                <a:solidFill>
+                  <a:srgbClr val="000000"/>
+                </a:solidFill>
+                <a:latin typeface="Consolas"/>
+              </a:rPr>
+              <a:t> </a:t>
+            </a:r>
+            <a:r>
+              <a:rPr lang="en-US" sz="1100" b="1" dirty="0" err="1" smtClean="0">
+                <a:solidFill>
+                  <a:srgbClr val="000000"/>
+                </a:solidFill>
+                <a:latin typeface="Consolas"/>
+              </a:rPr>
+              <a:t>ToDoItem</a:t>
+            </a:r>
+            <a:r>
+              <a:rPr lang="en-US" sz="1100" b="1" dirty="0" smtClean="0">
+                <a:solidFill>
+                  <a:srgbClr val="000000"/>
+                </a:solidFill>
+                <a:latin typeface="Consolas"/>
+              </a:rPr>
+              <a:t> ... {</a:t>
+            </a:r>
+          </a:p>
+          <a:p>
+            <a:r>
+              <a:rPr lang="en-US" sz="1100" b="1" dirty="0">
+                <a:solidFill>
+                  <a:srgbClr val="000000"/>
+                </a:solidFill>
+                <a:latin typeface="Consolas"/>
+              </a:rPr>
+              <a:t> </a:t>
+            </a:r>
+            <a:r>
+              <a:rPr lang="en-US" sz="1100" b="1" dirty="0" smtClean="0">
+                <a:solidFill>
+                  <a:srgbClr val="000000"/>
+                </a:solidFill>
+                <a:latin typeface="Consolas"/>
+              </a:rPr>
+              <a:t> ...</a:t>
+            </a:r>
+            <a:endParaRPr lang="en-GB" sz="1100" dirty="0" smtClean="0">
+              <a:solidFill>
+                <a:srgbClr val="646464"/>
+              </a:solidFill>
+              <a:latin typeface="Consolas"/>
+            </a:endParaRPr>
+          </a:p>
+          <a:p>
+            <a:r>
+              <a:rPr lang="en-GB" sz="1100" dirty="0" smtClean="0">
+                <a:solidFill>
+                  <a:srgbClr val="646464"/>
+                </a:solidFill>
+                <a:latin typeface="Consolas"/>
+              </a:rPr>
+              <a:t>  @</a:t>
+            </a:r>
+            <a:r>
+              <a:rPr lang="en-GB" sz="1100" dirty="0" err="1">
+                <a:solidFill>
+                  <a:srgbClr val="646464"/>
+                </a:solidFill>
+                <a:latin typeface="Consolas"/>
+              </a:rPr>
+              <a:t>CssClass</a:t>
+            </a:r>
+            <a:r>
+              <a:rPr lang="en-GB" sz="1100" dirty="0">
+                <a:solidFill>
+                  <a:srgbClr val="000000"/>
+                </a:solidFill>
+                <a:latin typeface="Consolas"/>
+              </a:rPr>
+              <a:t>(</a:t>
+            </a:r>
+            <a:r>
+              <a:rPr lang="en-GB" sz="1100" dirty="0">
+                <a:solidFill>
+                  <a:srgbClr val="2A00FF"/>
+                </a:solidFill>
+                <a:latin typeface="Consolas"/>
+              </a:rPr>
+              <a:t>"x-caution"</a:t>
+            </a:r>
+            <a:r>
+              <a:rPr lang="en-GB" sz="1100" dirty="0">
+                <a:solidFill>
+                  <a:srgbClr val="000000"/>
+                </a:solidFill>
+                <a:latin typeface="Consolas"/>
+              </a:rPr>
+              <a:t>)</a:t>
+            </a:r>
+          </a:p>
+          <a:p>
+            <a:r>
+              <a:rPr lang="en-GB" sz="1100" b="1" dirty="0" smtClean="0">
+                <a:solidFill>
+                  <a:srgbClr val="7F0055"/>
+                </a:solidFill>
+                <a:latin typeface="Consolas"/>
+              </a:rPr>
+              <a:t>  public</a:t>
+            </a:r>
+            <a:r>
+              <a:rPr lang="en-GB" sz="1100" b="1" dirty="0" smtClean="0">
+                <a:solidFill>
+                  <a:srgbClr val="000000"/>
+                </a:solidFill>
+                <a:latin typeface="Consolas"/>
+              </a:rPr>
+              <a:t> </a:t>
+            </a:r>
+            <a:r>
+              <a:rPr lang="en-GB" sz="1100" b="1" dirty="0">
+                <a:solidFill>
+                  <a:srgbClr val="000000"/>
+                </a:solidFill>
+                <a:latin typeface="Consolas"/>
+              </a:rPr>
+              <a:t>List&lt;</a:t>
+            </a:r>
+            <a:r>
+              <a:rPr lang="en-GB" sz="1100" b="1" dirty="0" err="1">
+                <a:solidFill>
+                  <a:srgbClr val="000000"/>
+                </a:solidFill>
+                <a:latin typeface="Consolas"/>
+              </a:rPr>
+              <a:t>ToDoItem</a:t>
+            </a:r>
+            <a:r>
+              <a:rPr lang="en-GB" sz="1100" b="1" dirty="0">
+                <a:solidFill>
+                  <a:srgbClr val="000000"/>
+                </a:solidFill>
+                <a:latin typeface="Consolas"/>
+              </a:rPr>
+              <a:t>&gt; delete() </a:t>
+            </a:r>
+            <a:r>
+              <a:rPr lang="en-GB" sz="1100" b="1" dirty="0" smtClean="0">
+                <a:solidFill>
+                  <a:srgbClr val="000000"/>
+                </a:solidFill>
+                <a:latin typeface="Consolas"/>
+              </a:rPr>
+              <a:t>{ ... }</a:t>
+            </a:r>
+          </a:p>
+          <a:p>
+            <a:r>
+              <a:rPr lang="en-GB" sz="1100" b="1" dirty="0">
+                <a:solidFill>
+                  <a:srgbClr val="000000"/>
+                </a:solidFill>
+                <a:latin typeface="Consolas"/>
+              </a:rPr>
+              <a:t>}</a:t>
+            </a:r>
+            <a:endParaRPr lang="en-US" sz="1100" b="1" dirty="0" smtClean="0">
+              <a:solidFill>
+                <a:srgbClr val="000000"/>
+              </a:solidFill>
+              <a:latin typeface="Consolas"/>
+            </a:endParaRPr>
+          </a:p>
+        </p:txBody>
+      </p:sp>
+      <p:sp>
+        <p:nvSpPr>
+          <p:cNvPr id="9" name="TextBox 8"/>
+          <p:cNvSpPr txBox="1"/>
+          <p:nvPr/>
+        </p:nvSpPr>
+        <p:spPr>
+          <a:xfrm>
+            <a:off x="3923928" y="5755903"/>
+            <a:ext cx="4108817" cy="769441"/>
+          </a:xfrm>
+          <a:prstGeom prst="rect">
+            <a:avLst/>
+          </a:prstGeom>
+          <a:solidFill>
+            <a:schemeClr val="bg1">
+              <a:lumMod val="95000"/>
+            </a:schemeClr>
+          </a:solidFill>
+        </p:spPr>
+        <p:style>
+          <a:lnRef idx="1">
+            <a:schemeClr val="accent3"/>
+          </a:lnRef>
+          <a:fillRef idx="2">
+            <a:schemeClr val="accent3"/>
+          </a:fillRef>
+          <a:effectRef idx="1">
+            <a:schemeClr val="accent3"/>
+          </a:effectRef>
+          <a:fontRef idx="minor">
+            <a:schemeClr val="dk1"/>
+          </a:fontRef>
+        </p:style>
+        <p:txBody>
+          <a:bodyPr wrap="none" rtlCol="0">
+            <a:spAutoFit/>
+          </a:bodyPr>
+          <a:lstStyle/>
+          <a:p>
+            <a:r>
+              <a:rPr lang="en-GB" sz="1100" i="1" dirty="0">
+                <a:solidFill>
+                  <a:srgbClr val="3F7F7F"/>
+                </a:solidFill>
+                <a:latin typeface="Consolas"/>
+              </a:rPr>
+              <a:t>.</a:t>
+            </a:r>
+            <a:r>
+              <a:rPr lang="en-GB" sz="1100" i="1" dirty="0" err="1">
+                <a:solidFill>
+                  <a:srgbClr val="3F7F7F"/>
+                </a:solidFill>
+                <a:latin typeface="Consolas"/>
+              </a:rPr>
+              <a:t>entityActions</a:t>
+            </a:r>
+            <a:r>
+              <a:rPr lang="en-GB" sz="1100" i="1" dirty="0">
+                <a:solidFill>
+                  <a:srgbClr val="3F7F7F"/>
+                </a:solidFill>
+                <a:latin typeface="Consolas"/>
+              </a:rPr>
+              <a:t> .</a:t>
+            </a:r>
+            <a:r>
+              <a:rPr lang="en-GB" sz="1100" i="1" dirty="0" err="1">
+                <a:solidFill>
+                  <a:srgbClr val="3F7F7F"/>
+                </a:solidFill>
+                <a:latin typeface="Consolas"/>
+              </a:rPr>
+              <a:t>cssMenuPanel</a:t>
+            </a:r>
+            <a:r>
+              <a:rPr lang="en-GB" sz="1100" i="1" dirty="0">
+                <a:solidFill>
+                  <a:srgbClr val="3F7F7F"/>
+                </a:solidFill>
+                <a:latin typeface="Consolas"/>
+              </a:rPr>
+              <a:t> .</a:t>
+            </a:r>
+            <a:r>
+              <a:rPr lang="en-GB" sz="1100" i="1" dirty="0" err="1">
+                <a:solidFill>
+                  <a:srgbClr val="3F7F7F"/>
+                </a:solidFill>
+                <a:latin typeface="Consolas"/>
+              </a:rPr>
+              <a:t>menuh</a:t>
+            </a:r>
+            <a:r>
+              <a:rPr lang="en-GB" sz="1100" i="1" dirty="0">
+                <a:solidFill>
+                  <a:srgbClr val="3F7F7F"/>
+                </a:solidFill>
+                <a:latin typeface="Consolas"/>
+              </a:rPr>
+              <a:t> </a:t>
+            </a:r>
+            <a:r>
+              <a:rPr lang="en-GB" sz="1100" b="1" i="1" dirty="0" err="1">
+                <a:solidFill>
+                  <a:srgbClr val="3F7F7F"/>
+                </a:solidFill>
+                <a:latin typeface="Consolas"/>
+              </a:rPr>
+              <a:t>li.x</a:t>
+            </a:r>
+            <a:r>
+              <a:rPr lang="en-GB" sz="1100" b="1" i="1" dirty="0">
+                <a:solidFill>
+                  <a:srgbClr val="3F7F7F"/>
+                </a:solidFill>
+                <a:latin typeface="Consolas"/>
+              </a:rPr>
+              <a:t>-caution a,</a:t>
+            </a:r>
+          </a:p>
+          <a:p>
+            <a:r>
+              <a:rPr lang="en-GB" sz="1100" b="1" dirty="0" err="1">
+                <a:solidFill>
+                  <a:srgbClr val="3F7F7F"/>
+                </a:solidFill>
+                <a:latin typeface="Consolas"/>
+              </a:rPr>
+              <a:t>li</a:t>
+            </a:r>
+            <a:r>
+              <a:rPr lang="en-GB" sz="1100" b="1" i="1" dirty="0" err="1">
+                <a:solidFill>
+                  <a:srgbClr val="3F7F7F"/>
+                </a:solidFill>
+                <a:latin typeface="Consolas"/>
+              </a:rPr>
+              <a:t>.x</a:t>
+            </a:r>
+            <a:r>
+              <a:rPr lang="en-GB" sz="1100" b="1" i="1" dirty="0">
+                <a:solidFill>
+                  <a:srgbClr val="3F7F7F"/>
+                </a:solidFill>
+                <a:latin typeface="Consolas"/>
+              </a:rPr>
+              <a:t>-caution a </a:t>
+            </a:r>
+            <a:r>
+              <a:rPr lang="en-GB" sz="1100" b="1" i="1" dirty="0">
+                <a:solidFill>
+                  <a:srgbClr val="000000"/>
+                </a:solidFill>
+                <a:latin typeface="Consolas"/>
+              </a:rPr>
+              <a:t>{</a:t>
+            </a:r>
+          </a:p>
+          <a:p>
+            <a:r>
+              <a:rPr lang="en-GB" sz="1100" dirty="0" smtClean="0">
+                <a:latin typeface="Consolas"/>
+              </a:rPr>
+              <a:t>  </a:t>
+            </a:r>
+            <a:r>
+              <a:rPr lang="en-GB" sz="1100" dirty="0">
+                <a:solidFill>
+                  <a:srgbClr val="7F007F"/>
+                </a:solidFill>
+                <a:latin typeface="Consolas"/>
+              </a:rPr>
+              <a:t>background-</a:t>
+            </a:r>
+            <a:r>
+              <a:rPr lang="en-GB" sz="1100" dirty="0" err="1">
+                <a:solidFill>
+                  <a:srgbClr val="7F007F"/>
+                </a:solidFill>
+                <a:latin typeface="Consolas"/>
+              </a:rPr>
+              <a:t>color</a:t>
+            </a:r>
+            <a:r>
+              <a:rPr lang="en-GB" sz="1100" dirty="0">
+                <a:solidFill>
+                  <a:srgbClr val="000000"/>
+                </a:solidFill>
+                <a:latin typeface="Consolas"/>
+              </a:rPr>
+              <a:t>: </a:t>
+            </a:r>
+            <a:r>
+              <a:rPr lang="en-GB" sz="1100" i="1" dirty="0">
+                <a:solidFill>
+                  <a:srgbClr val="2A00E1"/>
+                </a:solidFill>
+                <a:latin typeface="Consolas"/>
+              </a:rPr>
+              <a:t>#C94316</a:t>
+            </a:r>
+            <a:r>
+              <a:rPr lang="en-GB" sz="1100" i="1" dirty="0">
+                <a:solidFill>
+                  <a:srgbClr val="000000"/>
+                </a:solidFill>
+                <a:latin typeface="Consolas"/>
+              </a:rPr>
+              <a:t>;</a:t>
+            </a:r>
+          </a:p>
+          <a:p>
+            <a:r>
+              <a:rPr lang="en-GB" sz="1100" dirty="0" smtClean="0">
+                <a:solidFill>
+                  <a:srgbClr val="000000"/>
+                </a:solidFill>
+                <a:latin typeface="Consolas"/>
+              </a:rPr>
+              <a:t>}</a:t>
+            </a:r>
+            <a:endParaRPr lang="en-GB" sz="1100" dirty="0">
+              <a:solidFill>
+                <a:srgbClr val="000000"/>
+              </a:solidFill>
+              <a:latin typeface="Consolas"/>
+            </a:endParaRPr>
+          </a:p>
+        </p:txBody>
+      </p:sp>
+    </p:spTree>
+    <p:extLst>
+      <p:ext uri="{BB962C8B-B14F-4D97-AF65-F5344CB8AC3E}">
+        <p14:creationId xmlns:p14="http://schemas.microsoft.com/office/powerpoint/2010/main" val="3448057139"/>
+      </p:ext>
+    </p:extLst>
+  </p:cSld>
+  <p:clrMapOvr>
+    <a:masterClrMapping/>
+  </p:clrMapOvr>
+</p:sld>
+</file>
+
+<file path=ppt/slides/slide7.xml><?xml version="1.0" encoding="utf-8"?>
+<p:sld xmlns:a="http://schemas.openxmlformats.org/drawingml/2006/main" xmlns:r="http://schemas.openxmlformats.org/officeDocument/2006/relationships" xmlns:p="http://schemas.openxmlformats.org/presentationml/2006/main">
+  <p:cSld>
+    <p:spTree>
+      <p:nvGrpSpPr>
+        <p:cNvPr id="1" name=""/>
+        <p:cNvGrpSpPr/>
+        <p:nvPr/>
+      </p:nvGrpSpPr>
+      <p:grpSpPr>
+        <a:xfrm>
+          <a:off x="0" y="0"/>
+          <a:ext cx="0" cy="0"/>
+          <a:chOff x="0" y="0"/>
+          <a:chExt cx="0" cy="0"/>
+        </a:xfrm>
+      </p:grpSpPr>
+      <p:sp>
+        <p:nvSpPr>
+          <p:cNvPr id="2" name="TextBox 1"/>
+          <p:cNvSpPr txBox="1"/>
+          <p:nvPr/>
+        </p:nvSpPr>
+        <p:spPr>
+          <a:xfrm>
+            <a:off x="395536" y="764704"/>
+            <a:ext cx="2808312" cy="646331"/>
+          </a:xfrm>
+          <a:prstGeom prst="rect">
+            <a:avLst/>
+          </a:prstGeom>
+        </p:spPr>
+        <p:style>
+          <a:lnRef idx="1">
+            <a:schemeClr val="accent1"/>
+          </a:lnRef>
+          <a:fillRef idx="2">
+            <a:schemeClr val="accent1"/>
+          </a:fillRef>
+          <a:effectRef idx="1">
+            <a:schemeClr val="accent1"/>
+          </a:effectRef>
+          <a:fontRef idx="minor">
+            <a:schemeClr val="dk1"/>
+          </a:fontRef>
+        </p:style>
+        <p:txBody>
+          <a:bodyPr wrap="square" rtlCol="0">
+            <a:spAutoFit/>
+          </a:bodyPr>
+          <a:lstStyle/>
+          <a:p>
+            <a:pPr algn="ctr"/>
+            <a:r>
+              <a:rPr lang="en-GB" dirty="0" smtClean="0"/>
+              <a:t>Properties that are not disabled can be edited ...</a:t>
+            </a:r>
+            <a:endParaRPr lang="en-GB" dirty="0" smtClean="0"/>
+          </a:p>
+        </p:txBody>
+      </p:sp>
+      <p:sp>
+        <p:nvSpPr>
+          <p:cNvPr id="4" name="TextBox 3"/>
+          <p:cNvSpPr txBox="1"/>
+          <p:nvPr/>
+        </p:nvSpPr>
+        <p:spPr>
+          <a:xfrm>
+            <a:off x="3534846" y="1268760"/>
+            <a:ext cx="4493538" cy="1107996"/>
+          </a:xfrm>
+          <a:prstGeom prst="rect">
+            <a:avLst/>
+          </a:prstGeom>
+          <a:solidFill>
+            <a:schemeClr val="bg1">
+              <a:lumMod val="95000"/>
+            </a:schemeClr>
+          </a:solidFill>
+        </p:spPr>
+        <p:style>
+          <a:lnRef idx="1">
+            <a:schemeClr val="accent3"/>
+          </a:lnRef>
+          <a:fillRef idx="2">
+            <a:schemeClr val="accent3"/>
+          </a:fillRef>
+          <a:effectRef idx="1">
+            <a:schemeClr val="accent3"/>
+          </a:effectRef>
+          <a:fontRef idx="minor">
+            <a:schemeClr val="dk1"/>
+          </a:fontRef>
+        </p:style>
+        <p:txBody>
+          <a:bodyPr wrap="none" rtlCol="0">
+            <a:spAutoFit/>
+          </a:bodyPr>
+          <a:lstStyle/>
+          <a:p>
+            <a:r>
+              <a:rPr lang="en-US" sz="1100" b="1" dirty="0">
+                <a:solidFill>
+                  <a:srgbClr val="7F0055"/>
+                </a:solidFill>
+                <a:latin typeface="Consolas"/>
+              </a:rPr>
+              <a:t>public</a:t>
+            </a:r>
+            <a:r>
+              <a:rPr lang="en-US" sz="1100" b="1" dirty="0">
+                <a:solidFill>
+                  <a:srgbClr val="000000"/>
+                </a:solidFill>
+                <a:latin typeface="Consolas"/>
+              </a:rPr>
+              <a:t> </a:t>
+            </a:r>
+            <a:r>
+              <a:rPr lang="en-US" sz="1100" b="1" dirty="0">
+                <a:solidFill>
+                  <a:srgbClr val="7F0055"/>
+                </a:solidFill>
+                <a:latin typeface="Consolas"/>
+              </a:rPr>
+              <a:t>class</a:t>
+            </a:r>
+            <a:r>
+              <a:rPr lang="en-US" sz="1100" b="1" dirty="0">
+                <a:solidFill>
+                  <a:srgbClr val="000000"/>
+                </a:solidFill>
+                <a:latin typeface="Consolas"/>
+              </a:rPr>
+              <a:t> </a:t>
+            </a:r>
+            <a:r>
+              <a:rPr lang="en-US" sz="1100" b="1" dirty="0" err="1" smtClean="0">
+                <a:solidFill>
+                  <a:srgbClr val="000000"/>
+                </a:solidFill>
+                <a:latin typeface="Consolas"/>
+              </a:rPr>
+              <a:t>ToDoItem</a:t>
+            </a:r>
+            <a:r>
+              <a:rPr lang="en-US" sz="1100" b="1" dirty="0" smtClean="0">
+                <a:solidFill>
+                  <a:srgbClr val="000000"/>
+                </a:solidFill>
+                <a:latin typeface="Consolas"/>
+              </a:rPr>
+              <a:t> ... {</a:t>
+            </a:r>
+          </a:p>
+          <a:p>
+            <a:r>
+              <a:rPr lang="en-US" sz="1100" b="1" dirty="0">
+                <a:solidFill>
+                  <a:srgbClr val="000000"/>
+                </a:solidFill>
+                <a:latin typeface="Consolas"/>
+              </a:rPr>
+              <a:t> </a:t>
+            </a:r>
+            <a:r>
+              <a:rPr lang="en-US" sz="1100" b="1" dirty="0" smtClean="0">
+                <a:solidFill>
+                  <a:srgbClr val="000000"/>
+                </a:solidFill>
+                <a:latin typeface="Consolas"/>
+              </a:rPr>
+              <a:t> ...</a:t>
+            </a:r>
+            <a:endParaRPr lang="en-GB" sz="1100" dirty="0" smtClean="0">
+              <a:solidFill>
+                <a:srgbClr val="646464"/>
+              </a:solidFill>
+              <a:latin typeface="Consolas"/>
+            </a:endParaRPr>
+          </a:p>
+          <a:p>
+            <a:r>
+              <a:rPr lang="en-GB" sz="1100" b="1" dirty="0" smtClean="0">
+                <a:solidFill>
+                  <a:srgbClr val="7F0055"/>
+                </a:solidFill>
+                <a:latin typeface="Consolas"/>
+              </a:rPr>
+              <a:t>  public</a:t>
+            </a:r>
+            <a:r>
+              <a:rPr lang="en-GB" sz="1100" b="1" dirty="0" smtClean="0">
+                <a:solidFill>
+                  <a:srgbClr val="000000"/>
+                </a:solidFill>
+                <a:latin typeface="Consolas"/>
+              </a:rPr>
+              <a:t> String </a:t>
+            </a:r>
+            <a:r>
+              <a:rPr lang="en-GB" sz="1100" b="1" dirty="0" err="1" smtClean="0">
+                <a:solidFill>
+                  <a:srgbClr val="000000"/>
+                </a:solidFill>
+                <a:latin typeface="Consolas"/>
+              </a:rPr>
+              <a:t>getDescription</a:t>
+            </a:r>
+            <a:r>
+              <a:rPr lang="en-GB" sz="1100" b="1" dirty="0" smtClean="0">
+                <a:solidFill>
+                  <a:srgbClr val="000000"/>
+                </a:solidFill>
+                <a:latin typeface="Consolas"/>
+              </a:rPr>
+              <a:t>() { ... }</a:t>
+            </a:r>
+            <a:endParaRPr lang="en-GB" sz="1100" b="1" dirty="0">
+              <a:solidFill>
+                <a:srgbClr val="000000"/>
+              </a:solidFill>
+              <a:highlight>
+                <a:srgbClr val="D4D4D4"/>
+              </a:highlight>
+              <a:latin typeface="Consolas"/>
+            </a:endParaRPr>
+          </a:p>
+          <a:p>
+            <a:r>
+              <a:rPr lang="en-US" sz="1100" b="1" dirty="0" smtClean="0">
+                <a:solidFill>
+                  <a:srgbClr val="7F0055"/>
+                </a:solidFill>
+                <a:latin typeface="Consolas"/>
+              </a:rPr>
+              <a:t>  public</a:t>
+            </a:r>
+            <a:r>
+              <a:rPr lang="en-US" sz="1100" b="1" dirty="0" smtClean="0">
+                <a:solidFill>
+                  <a:srgbClr val="000000"/>
+                </a:solidFill>
+                <a:latin typeface="Consolas"/>
+              </a:rPr>
+              <a:t> </a:t>
+            </a:r>
+            <a:r>
+              <a:rPr lang="en-US" sz="1100" b="1" dirty="0">
+                <a:solidFill>
+                  <a:srgbClr val="7F0055"/>
+                </a:solidFill>
+                <a:latin typeface="Consolas"/>
+              </a:rPr>
+              <a:t>void</a:t>
+            </a:r>
+            <a:r>
+              <a:rPr lang="en-US" sz="1100" b="1" dirty="0">
+                <a:solidFill>
+                  <a:srgbClr val="000000"/>
+                </a:solidFill>
+                <a:latin typeface="Consolas"/>
+              </a:rPr>
+              <a:t> </a:t>
+            </a:r>
+            <a:r>
+              <a:rPr lang="en-US" sz="1100" b="1" dirty="0" err="1">
+                <a:solidFill>
+                  <a:srgbClr val="000000"/>
+                </a:solidFill>
+                <a:latin typeface="Consolas"/>
+              </a:rPr>
+              <a:t>setDescription</a:t>
+            </a:r>
+            <a:r>
+              <a:rPr lang="en-US" sz="1100" b="1" dirty="0">
+                <a:solidFill>
+                  <a:srgbClr val="000000"/>
+                </a:solidFill>
+                <a:latin typeface="Consolas"/>
+              </a:rPr>
+              <a:t>(</a:t>
+            </a:r>
+            <a:r>
+              <a:rPr lang="en-US" sz="1100" b="1" dirty="0">
+                <a:solidFill>
+                  <a:srgbClr val="7F0055"/>
+                </a:solidFill>
+                <a:latin typeface="Consolas"/>
+              </a:rPr>
+              <a:t>final</a:t>
+            </a:r>
+            <a:r>
+              <a:rPr lang="en-US" sz="1100" b="1" dirty="0">
+                <a:solidFill>
+                  <a:srgbClr val="000000"/>
+                </a:solidFill>
+                <a:latin typeface="Consolas"/>
+              </a:rPr>
+              <a:t> String </a:t>
+            </a:r>
+            <a:r>
+              <a:rPr lang="en-US" sz="1100" b="1" dirty="0" err="1" smtClean="0">
+                <a:solidFill>
+                  <a:srgbClr val="000000"/>
+                </a:solidFill>
+                <a:latin typeface="Consolas"/>
+              </a:rPr>
+              <a:t>descr</a:t>
+            </a:r>
+            <a:r>
+              <a:rPr lang="en-US" sz="1100" b="1" dirty="0" smtClean="0">
+                <a:solidFill>
+                  <a:srgbClr val="000000"/>
+                </a:solidFill>
+                <a:latin typeface="Consolas"/>
+              </a:rPr>
+              <a:t>) { ... }</a:t>
+            </a:r>
+            <a:endParaRPr lang="en-US" sz="1100" b="1" dirty="0">
+              <a:solidFill>
+                <a:srgbClr val="000000"/>
+              </a:solidFill>
+              <a:latin typeface="Consolas"/>
+            </a:endParaRPr>
+          </a:p>
+          <a:p>
+            <a:r>
+              <a:rPr lang="en-GB" sz="1100" b="1" dirty="0" smtClean="0">
+                <a:solidFill>
+                  <a:srgbClr val="000000"/>
+                </a:solidFill>
+                <a:latin typeface="Consolas"/>
+              </a:rPr>
+              <a:t>...</a:t>
+            </a:r>
+            <a:endParaRPr lang="en-GB" sz="1100" b="1" dirty="0">
+              <a:solidFill>
+                <a:srgbClr val="000000"/>
+              </a:solidFill>
+              <a:latin typeface="Consolas"/>
+            </a:endParaRPr>
+          </a:p>
+          <a:p>
+            <a:r>
+              <a:rPr lang="en-GB" sz="1100" b="1" dirty="0" smtClean="0">
+                <a:solidFill>
+                  <a:srgbClr val="000000"/>
+                </a:solidFill>
+                <a:latin typeface="Consolas"/>
+              </a:rPr>
+              <a:t>}</a:t>
+            </a:r>
+            <a:endParaRPr lang="en-US" sz="1100" b="1" dirty="0" smtClean="0">
+              <a:solidFill>
+                <a:srgbClr val="000000"/>
+              </a:solidFill>
+              <a:latin typeface="Consolas"/>
+            </a:endParaRPr>
+          </a:p>
+        </p:txBody>
+      </p:sp>
+      <p:sp>
+        <p:nvSpPr>
+          <p:cNvPr id="5" name="TextBox 4"/>
+          <p:cNvSpPr txBox="1"/>
+          <p:nvPr/>
+        </p:nvSpPr>
+        <p:spPr>
+          <a:xfrm>
+            <a:off x="395536" y="2710661"/>
+            <a:ext cx="2808312" cy="646331"/>
+          </a:xfrm>
+          <a:prstGeom prst="rect">
+            <a:avLst/>
+          </a:prstGeom>
+        </p:spPr>
+        <p:style>
+          <a:lnRef idx="1">
+            <a:schemeClr val="accent1"/>
+          </a:lnRef>
+          <a:fillRef idx="2">
+            <a:schemeClr val="accent1"/>
+          </a:fillRef>
+          <a:effectRef idx="1">
+            <a:schemeClr val="accent1"/>
+          </a:effectRef>
+          <a:fontRef idx="minor">
+            <a:schemeClr val="dk1"/>
+          </a:fontRef>
+        </p:style>
+        <p:txBody>
+          <a:bodyPr wrap="square" rtlCol="0">
+            <a:spAutoFit/>
+          </a:bodyPr>
+          <a:lstStyle/>
+          <a:p>
+            <a:pPr algn="ctr"/>
+            <a:r>
+              <a:rPr lang="en-GB" dirty="0" smtClean="0"/>
+              <a:t>... but disabled p</a:t>
+            </a:r>
+            <a:r>
+              <a:rPr lang="en-GB" dirty="0" smtClean="0"/>
+              <a:t>roperties may not</a:t>
+            </a:r>
+            <a:endParaRPr lang="en-GB" dirty="0" smtClean="0"/>
+          </a:p>
+        </p:txBody>
+      </p:sp>
+      <p:sp>
+        <p:nvSpPr>
+          <p:cNvPr id="6" name="TextBox 5"/>
+          <p:cNvSpPr txBox="1"/>
+          <p:nvPr/>
+        </p:nvSpPr>
+        <p:spPr>
+          <a:xfrm>
+            <a:off x="3275856" y="3447871"/>
+            <a:ext cx="5724644" cy="1277273"/>
+          </a:xfrm>
+          <a:prstGeom prst="rect">
+            <a:avLst/>
+          </a:prstGeom>
+          <a:solidFill>
+            <a:schemeClr val="bg1">
+              <a:lumMod val="95000"/>
+            </a:schemeClr>
+          </a:solidFill>
+        </p:spPr>
+        <p:style>
+          <a:lnRef idx="1">
+            <a:schemeClr val="accent3"/>
+          </a:lnRef>
+          <a:fillRef idx="2">
+            <a:schemeClr val="accent3"/>
+          </a:fillRef>
+          <a:effectRef idx="1">
+            <a:schemeClr val="accent3"/>
+          </a:effectRef>
+          <a:fontRef idx="minor">
+            <a:schemeClr val="dk1"/>
+          </a:fontRef>
+        </p:style>
+        <p:txBody>
+          <a:bodyPr wrap="none" rtlCol="0">
+            <a:spAutoFit/>
+          </a:bodyPr>
+          <a:lstStyle/>
+          <a:p>
+            <a:r>
+              <a:rPr lang="en-US" sz="1100" b="1" dirty="0">
+                <a:solidFill>
+                  <a:srgbClr val="7F0055"/>
+                </a:solidFill>
+                <a:latin typeface="Consolas"/>
+              </a:rPr>
+              <a:t>public</a:t>
+            </a:r>
+            <a:r>
+              <a:rPr lang="en-US" sz="1100" b="1" dirty="0">
+                <a:solidFill>
+                  <a:srgbClr val="000000"/>
+                </a:solidFill>
+                <a:latin typeface="Consolas"/>
+              </a:rPr>
+              <a:t> </a:t>
+            </a:r>
+            <a:r>
+              <a:rPr lang="en-US" sz="1100" b="1" dirty="0">
+                <a:solidFill>
+                  <a:srgbClr val="7F0055"/>
+                </a:solidFill>
+                <a:latin typeface="Consolas"/>
+              </a:rPr>
+              <a:t>class</a:t>
+            </a:r>
+            <a:r>
+              <a:rPr lang="en-US" sz="1100" b="1" dirty="0">
+                <a:solidFill>
+                  <a:srgbClr val="000000"/>
+                </a:solidFill>
+                <a:latin typeface="Consolas"/>
+              </a:rPr>
+              <a:t> </a:t>
+            </a:r>
+            <a:r>
+              <a:rPr lang="en-US" sz="1100" b="1" dirty="0" err="1" smtClean="0">
+                <a:solidFill>
+                  <a:srgbClr val="000000"/>
+                </a:solidFill>
+                <a:latin typeface="Consolas"/>
+              </a:rPr>
+              <a:t>ToDoItem</a:t>
+            </a:r>
+            <a:r>
+              <a:rPr lang="en-US" sz="1100" b="1" dirty="0" smtClean="0">
+                <a:solidFill>
+                  <a:srgbClr val="000000"/>
+                </a:solidFill>
+                <a:latin typeface="Consolas"/>
+              </a:rPr>
+              <a:t> ... {</a:t>
+            </a:r>
+          </a:p>
+          <a:p>
+            <a:r>
+              <a:rPr lang="en-US" sz="1100" b="1" dirty="0">
+                <a:solidFill>
+                  <a:srgbClr val="000000"/>
+                </a:solidFill>
+                <a:latin typeface="Consolas"/>
+              </a:rPr>
+              <a:t> </a:t>
+            </a:r>
+            <a:r>
+              <a:rPr lang="en-US" sz="1100" b="1" dirty="0" smtClean="0">
+                <a:solidFill>
+                  <a:srgbClr val="000000"/>
+                </a:solidFill>
+                <a:latin typeface="Consolas"/>
+              </a:rPr>
+              <a:t> ...</a:t>
+            </a:r>
+            <a:endParaRPr lang="en-GB" sz="1100" dirty="0" smtClean="0">
+              <a:solidFill>
+                <a:srgbClr val="646464"/>
+              </a:solidFill>
+              <a:latin typeface="Consolas"/>
+            </a:endParaRPr>
+          </a:p>
+          <a:p>
+            <a:r>
+              <a:rPr lang="en-US" sz="1100" dirty="0" smtClean="0">
+                <a:solidFill>
+                  <a:srgbClr val="000000"/>
+                </a:solidFill>
+                <a:latin typeface="Consolas"/>
+              </a:rPr>
+              <a:t>  </a:t>
+            </a:r>
+            <a:r>
+              <a:rPr lang="en-US" sz="1100" dirty="0">
+                <a:solidFill>
+                  <a:srgbClr val="646464"/>
+                </a:solidFill>
+                <a:latin typeface="Consolas"/>
+              </a:rPr>
+              <a:t>@Disabled</a:t>
+            </a:r>
+            <a:r>
+              <a:rPr lang="en-US" sz="1100" dirty="0">
+                <a:solidFill>
+                  <a:srgbClr val="000000"/>
+                </a:solidFill>
+                <a:latin typeface="Consolas"/>
+              </a:rPr>
+              <a:t>(reason=</a:t>
+            </a:r>
+            <a:r>
+              <a:rPr lang="en-US" sz="1100" dirty="0">
+                <a:solidFill>
+                  <a:srgbClr val="2A00FF"/>
+                </a:solidFill>
+                <a:latin typeface="Consolas"/>
+              </a:rPr>
+              <a:t>"Use action to update both category and subcategory"</a:t>
+            </a:r>
+            <a:r>
+              <a:rPr lang="en-US" sz="1100" dirty="0">
+                <a:solidFill>
+                  <a:srgbClr val="000000"/>
+                </a:solidFill>
+                <a:latin typeface="Consolas"/>
+              </a:rPr>
+              <a:t>)</a:t>
+            </a:r>
+          </a:p>
+          <a:p>
+            <a:r>
+              <a:rPr lang="en-GB" sz="1100" dirty="0">
+                <a:solidFill>
+                  <a:srgbClr val="000000"/>
+                </a:solidFill>
+                <a:latin typeface="Consolas"/>
+              </a:rPr>
+              <a:t> </a:t>
+            </a:r>
+            <a:r>
+              <a:rPr lang="en-GB" sz="1100" dirty="0" smtClean="0">
+                <a:solidFill>
+                  <a:srgbClr val="000000"/>
+                </a:solidFill>
+                <a:latin typeface="Consolas"/>
+              </a:rPr>
+              <a:t> </a:t>
+            </a:r>
+            <a:r>
+              <a:rPr lang="en-GB" sz="1100" b="1" dirty="0">
+                <a:solidFill>
+                  <a:srgbClr val="7F0055"/>
+                </a:solidFill>
+                <a:latin typeface="Consolas"/>
+              </a:rPr>
+              <a:t>public</a:t>
+            </a:r>
+            <a:r>
+              <a:rPr lang="en-GB" sz="1100" b="1" dirty="0">
+                <a:solidFill>
+                  <a:srgbClr val="000000"/>
+                </a:solidFill>
+                <a:latin typeface="Consolas"/>
+              </a:rPr>
+              <a:t> </a:t>
+            </a:r>
+            <a:r>
+              <a:rPr lang="en-GB" sz="1100" b="1" dirty="0" smtClean="0">
+                <a:solidFill>
+                  <a:srgbClr val="000000"/>
+                </a:solidFill>
+                <a:latin typeface="Consolas"/>
+              </a:rPr>
+              <a:t>Category </a:t>
+            </a:r>
+            <a:r>
+              <a:rPr lang="en-GB" sz="1100" b="1" dirty="0" err="1" smtClean="0">
+                <a:solidFill>
+                  <a:srgbClr val="000000"/>
+                </a:solidFill>
+                <a:latin typeface="Consolas"/>
+              </a:rPr>
+              <a:t>getCategory</a:t>
+            </a:r>
+            <a:r>
+              <a:rPr lang="en-GB" sz="1100" b="1" dirty="0" smtClean="0">
+                <a:solidFill>
+                  <a:srgbClr val="000000"/>
+                </a:solidFill>
+                <a:latin typeface="Consolas"/>
+              </a:rPr>
+              <a:t>() { ... }</a:t>
+            </a:r>
+            <a:endParaRPr lang="en-GB" sz="1100" b="1" dirty="0">
+              <a:solidFill>
+                <a:srgbClr val="000000"/>
+              </a:solidFill>
+              <a:highlight>
+                <a:srgbClr val="D4D4D4"/>
+              </a:highlight>
+              <a:latin typeface="Consolas"/>
+            </a:endParaRPr>
+          </a:p>
+          <a:p>
+            <a:r>
+              <a:rPr lang="en-US" sz="1100" b="1" dirty="0" smtClean="0">
+                <a:solidFill>
+                  <a:srgbClr val="7F0055"/>
+                </a:solidFill>
+                <a:latin typeface="Consolas"/>
+              </a:rPr>
+              <a:t>  public</a:t>
+            </a:r>
+            <a:r>
+              <a:rPr lang="en-US" sz="1100" b="1" dirty="0" smtClean="0">
+                <a:solidFill>
+                  <a:srgbClr val="000000"/>
+                </a:solidFill>
+                <a:latin typeface="Consolas"/>
+              </a:rPr>
+              <a:t> </a:t>
+            </a:r>
+            <a:r>
+              <a:rPr lang="en-US" sz="1100" b="1" dirty="0">
+                <a:solidFill>
+                  <a:srgbClr val="7F0055"/>
+                </a:solidFill>
+                <a:latin typeface="Consolas"/>
+              </a:rPr>
+              <a:t>void</a:t>
+            </a:r>
+            <a:r>
+              <a:rPr lang="en-US" sz="1100" b="1" dirty="0">
+                <a:solidFill>
+                  <a:srgbClr val="000000"/>
+                </a:solidFill>
+                <a:latin typeface="Consolas"/>
+              </a:rPr>
+              <a:t> </a:t>
+            </a:r>
+            <a:r>
+              <a:rPr lang="en-US" sz="1100" b="1" dirty="0" err="1">
+                <a:solidFill>
+                  <a:srgbClr val="000000"/>
+                </a:solidFill>
+                <a:latin typeface="Consolas"/>
+              </a:rPr>
+              <a:t>setCategory</a:t>
+            </a:r>
+            <a:r>
+              <a:rPr lang="en-US" sz="1100" b="1" dirty="0">
+                <a:solidFill>
+                  <a:srgbClr val="000000"/>
+                </a:solidFill>
+                <a:latin typeface="Consolas"/>
+              </a:rPr>
+              <a:t>(</a:t>
+            </a:r>
+            <a:r>
+              <a:rPr lang="en-US" sz="1100" b="1" dirty="0">
+                <a:solidFill>
+                  <a:srgbClr val="7F0055"/>
+                </a:solidFill>
+                <a:latin typeface="Consolas"/>
+              </a:rPr>
+              <a:t>final</a:t>
+            </a:r>
+            <a:r>
+              <a:rPr lang="en-US" sz="1100" b="1" dirty="0">
+                <a:solidFill>
+                  <a:srgbClr val="000000"/>
+                </a:solidFill>
+                <a:latin typeface="Consolas"/>
+              </a:rPr>
+              <a:t> Category category) </a:t>
+            </a:r>
+            <a:r>
+              <a:rPr lang="en-US" sz="1100" b="1" dirty="0" smtClean="0">
+                <a:solidFill>
+                  <a:srgbClr val="000000"/>
+                </a:solidFill>
+                <a:latin typeface="Consolas"/>
+              </a:rPr>
+              <a:t>{ ... }</a:t>
+            </a:r>
+            <a:endParaRPr lang="en-GB" sz="1100" b="1" dirty="0" smtClean="0">
+              <a:solidFill>
+                <a:srgbClr val="7F0055"/>
+              </a:solidFill>
+              <a:latin typeface="Consolas"/>
+            </a:endParaRPr>
+          </a:p>
+          <a:p>
+            <a:r>
+              <a:rPr lang="en-GB" sz="1100" b="1" dirty="0" smtClean="0">
+                <a:solidFill>
+                  <a:srgbClr val="000000"/>
+                </a:solidFill>
+                <a:latin typeface="Consolas"/>
+              </a:rPr>
+              <a:t>  ...</a:t>
+            </a:r>
+            <a:endParaRPr lang="en-GB" sz="1100" b="1" dirty="0">
+              <a:solidFill>
+                <a:srgbClr val="000000"/>
+              </a:solidFill>
+              <a:latin typeface="Consolas"/>
+            </a:endParaRPr>
+          </a:p>
+          <a:p>
+            <a:r>
+              <a:rPr lang="en-GB" sz="1100" b="1" dirty="0" smtClean="0">
+                <a:solidFill>
+                  <a:srgbClr val="000000"/>
+                </a:solidFill>
+                <a:latin typeface="Consolas"/>
+              </a:rPr>
+              <a:t>}</a:t>
+            </a:r>
+            <a:endParaRPr lang="en-US" sz="1100" b="1" dirty="0" smtClean="0">
+              <a:solidFill>
+                <a:srgbClr val="000000"/>
+              </a:solidFill>
+              <a:latin typeface="Consolas"/>
+            </a:endParaRPr>
+          </a:p>
+        </p:txBody>
+      </p:sp>
+    </p:spTree>
+    <p:extLst>
+      <p:ext uri="{BB962C8B-B14F-4D97-AF65-F5344CB8AC3E}">
+        <p14:creationId xmlns:p14="http://schemas.microsoft.com/office/powerpoint/2010/main" val="2454646973"/>
+      </p:ext>
+    </p:extLst>
+  </p:cSld>
+  <p:clrMapOvr>
+    <a:masterClrMapping/>
+  </p:clrMapOvr>
+</p:sld>
+</file>
+
+<file path=ppt/slides/slide8.xml><?xml version="1.0" encoding="utf-8"?>
+<p:sld xmlns:a="http://schemas.openxmlformats.org/drawingml/2006/main" xmlns:r="http://schemas.openxmlformats.org/officeDocument/2006/relationships" xmlns:p="http://schemas.openxmlformats.org/presentationml/2006/main">
+  <p:cSld>
+    <p:spTree>
+      <p:nvGrpSpPr>
+        <p:cNvPr id="1" name=""/>
+        <p:cNvGrpSpPr/>
+        <p:nvPr/>
+      </p:nvGrpSpPr>
+      <p:grpSpPr>
+        <a:xfrm>
+          <a:off x="0" y="0"/>
+          <a:ext cx="0" cy="0"/>
+          <a:chOff x="0" y="0"/>
+          <a:chExt cx="0" cy="0"/>
+        </a:xfrm>
+      </p:grpSpPr>
+      <p:sp>
+        <p:nvSpPr>
+          <p:cNvPr id="2" name="TextBox 1"/>
+          <p:cNvSpPr txBox="1"/>
+          <p:nvPr/>
+        </p:nvSpPr>
+        <p:spPr>
+          <a:xfrm>
+            <a:off x="539552" y="6228020"/>
+            <a:ext cx="4824536" cy="369332"/>
+          </a:xfrm>
+          <a:prstGeom prst="rect">
+            <a:avLst/>
+          </a:prstGeom>
+        </p:spPr>
+        <p:style>
+          <a:lnRef idx="1">
+            <a:schemeClr val="accent1"/>
+          </a:lnRef>
+          <a:fillRef idx="2">
+            <a:schemeClr val="accent1"/>
+          </a:fillRef>
+          <a:effectRef idx="1">
+            <a:schemeClr val="accent1"/>
+          </a:effectRef>
+          <a:fontRef idx="minor">
+            <a:schemeClr val="dk1"/>
+          </a:fontRef>
+        </p:style>
+        <p:txBody>
+          <a:bodyPr wrap="square" rtlCol="0">
+            <a:spAutoFit/>
+          </a:bodyPr>
+          <a:lstStyle/>
+          <a:p>
+            <a:pPr algn="ctr"/>
+            <a:r>
+              <a:rPr lang="en-GB" dirty="0" smtClean="0"/>
+              <a:t>Info messages can also be displayed</a:t>
+            </a:r>
+            <a:endParaRPr lang="en-GB" dirty="0" smtClean="0"/>
+          </a:p>
+        </p:txBody>
+      </p:sp>
+    </p:spTree>
+    <p:extLst>
+      <p:ext uri="{BB962C8B-B14F-4D97-AF65-F5344CB8AC3E}">
+        <p14:creationId xmlns:p14="http://schemas.microsoft.com/office/powerpoint/2010/main" val="3025342577"/>
       </p:ext>
     </p:extLst>
   </p:cSld>

--- a/content/images/screenshots2/screenshot-captions.pptx
+++ b/content/images/screenshots2/screenshot-captions.pptx
@@ -24,7 +24,10 @@
     <p:sldId id="273" r:id="rId18"/>
     <p:sldId id="275" r:id="rId19"/>
     <p:sldId id="274" r:id="rId20"/>
-    <p:sldId id="269" r:id="rId21"/>
+    <p:sldId id="277" r:id="rId21"/>
+    <p:sldId id="278" r:id="rId22"/>
+    <p:sldId id="269" r:id="rId23"/>
+    <p:sldId id="276" r:id="rId24"/>
   </p:sldIdLst>
   <p:sldSz cx="9144000" cy="6858000" type="screen4x3"/>
   <p:notesSz cx="6858000" cy="9144000"/>
@@ -11257,7 +11260,7 @@
         </p:nvSpPr>
         <p:spPr>
           <a:xfrm>
-            <a:off x="539552" y="548680"/>
+            <a:off x="251520" y="140439"/>
             <a:ext cx="3960440" cy="1200329"/>
           </a:xfrm>
           <a:prstGeom prst="rect">
@@ -11323,7 +11326,7 @@
         </p:nvSpPr>
         <p:spPr>
           <a:xfrm>
-            <a:off x="3517136" y="1340768"/>
+            <a:off x="3937277" y="1453133"/>
             <a:ext cx="4955203" cy="1615827"/>
           </a:xfrm>
           <a:prstGeom prst="rect">
@@ -11745,7 +11748,7 @@
         </p:nvSpPr>
         <p:spPr>
           <a:xfrm>
-            <a:off x="2915816" y="3469357"/>
+            <a:off x="2915816" y="3140968"/>
             <a:ext cx="6109365" cy="938719"/>
           </a:xfrm>
           <a:prstGeom prst="rect">
@@ -12025,6 +12028,547 @@
               </a:rPr>
               <a:t>}</a:t>
             </a:r>
+          </a:p>
+        </p:txBody>
+      </p:sp>
+      <p:sp>
+        <p:nvSpPr>
+          <p:cNvPr id="5" name="TextBox 4"/>
+          <p:cNvSpPr txBox="1"/>
+          <p:nvPr/>
+        </p:nvSpPr>
+        <p:spPr>
+          <a:xfrm>
+            <a:off x="611560" y="4221088"/>
+            <a:ext cx="2880320" cy="923330"/>
+          </a:xfrm>
+          <a:prstGeom prst="rect">
+            <a:avLst/>
+          </a:prstGeom>
+        </p:spPr>
+        <p:style>
+          <a:lnRef idx="1">
+            <a:schemeClr val="accent1"/>
+          </a:lnRef>
+          <a:fillRef idx="2">
+            <a:schemeClr val="accent1"/>
+          </a:fillRef>
+          <a:effectRef idx="1">
+            <a:schemeClr val="accent1"/>
+          </a:effectRef>
+          <a:fontRef idx="minor">
+            <a:schemeClr val="dk1"/>
+          </a:fontRef>
+        </p:style>
+        <p:txBody>
+          <a:bodyPr wrap="square" rtlCol="0">
+            <a:spAutoFit/>
+          </a:bodyPr>
+          <a:lstStyle/>
+          <a:p>
+            <a:pPr algn="ctr"/>
+            <a:r>
+              <a:rPr lang="en-GB" dirty="0" smtClean="0"/>
+              <a:t>Both objects and </a:t>
+            </a:r>
+          </a:p>
+          <a:p>
+            <a:pPr algn="ctr"/>
+            <a:r>
+              <a:rPr lang="en-GB" dirty="0" smtClean="0"/>
+              <a:t>side-effect-free actions</a:t>
+            </a:r>
+          </a:p>
+          <a:p>
+            <a:pPr algn="ctr"/>
+            <a:r>
+              <a:rPr lang="en-GB" dirty="0" smtClean="0"/>
+              <a:t>are </a:t>
+            </a:r>
+            <a:r>
+              <a:rPr lang="en-GB" dirty="0" err="1" smtClean="0"/>
+              <a:t>bookmarkable</a:t>
+            </a:r>
+            <a:endParaRPr lang="en-GB" dirty="0" smtClean="0"/>
+          </a:p>
+        </p:txBody>
+      </p:sp>
+      <p:sp>
+        <p:nvSpPr>
+          <p:cNvPr id="6" name="TextBox 5"/>
+          <p:cNvSpPr txBox="1"/>
+          <p:nvPr/>
+        </p:nvSpPr>
+        <p:spPr>
+          <a:xfrm>
+            <a:off x="4326066" y="4293096"/>
+            <a:ext cx="2262158" cy="769441"/>
+          </a:xfrm>
+          <a:prstGeom prst="rect">
+            <a:avLst/>
+          </a:prstGeom>
+          <a:solidFill>
+            <a:schemeClr val="bg1">
+              <a:lumMod val="95000"/>
+            </a:schemeClr>
+          </a:solidFill>
+        </p:spPr>
+        <p:style>
+          <a:lnRef idx="1">
+            <a:schemeClr val="accent3"/>
+          </a:lnRef>
+          <a:fillRef idx="2">
+            <a:schemeClr val="accent3"/>
+          </a:fillRef>
+          <a:effectRef idx="1">
+            <a:schemeClr val="accent3"/>
+          </a:effectRef>
+          <a:fontRef idx="minor">
+            <a:schemeClr val="dk1"/>
+          </a:fontRef>
+        </p:style>
+        <p:txBody>
+          <a:bodyPr wrap="none" rtlCol="0">
+            <a:spAutoFit/>
+          </a:bodyPr>
+          <a:lstStyle/>
+          <a:p>
+            <a:r>
+              <a:rPr lang="en-GB" sz="1100" dirty="0">
+                <a:solidFill>
+                  <a:srgbClr val="646464"/>
+                </a:solidFill>
+                <a:latin typeface="Consolas"/>
+              </a:rPr>
+              <a:t>@</a:t>
+            </a:r>
+            <a:r>
+              <a:rPr lang="en-GB" sz="1100" dirty="0" err="1">
+                <a:solidFill>
+                  <a:srgbClr val="646464"/>
+                </a:solidFill>
+                <a:latin typeface="Consolas"/>
+              </a:rPr>
+              <a:t>Bookmarkable</a:t>
+            </a:r>
+            <a:endParaRPr lang="en-GB" sz="1100" dirty="0">
+              <a:solidFill>
+                <a:srgbClr val="646464"/>
+              </a:solidFill>
+              <a:latin typeface="Consolas"/>
+            </a:endParaRPr>
+          </a:p>
+          <a:p>
+            <a:r>
+              <a:rPr lang="en-US" sz="1100" b="1" dirty="0">
+                <a:solidFill>
+                  <a:srgbClr val="7F0055"/>
+                </a:solidFill>
+                <a:latin typeface="Consolas"/>
+              </a:rPr>
+              <a:t>public</a:t>
+            </a:r>
+            <a:r>
+              <a:rPr lang="en-US" sz="1100" b="1" dirty="0">
+                <a:solidFill>
+                  <a:srgbClr val="000000"/>
+                </a:solidFill>
+                <a:latin typeface="Consolas"/>
+              </a:rPr>
+              <a:t> </a:t>
+            </a:r>
+            <a:r>
+              <a:rPr lang="en-US" sz="1100" b="1" dirty="0">
+                <a:solidFill>
+                  <a:srgbClr val="7F0055"/>
+                </a:solidFill>
+                <a:latin typeface="Consolas"/>
+              </a:rPr>
+              <a:t>class</a:t>
+            </a:r>
+            <a:r>
+              <a:rPr lang="en-US" sz="1100" b="1" dirty="0">
+                <a:solidFill>
+                  <a:srgbClr val="000000"/>
+                </a:solidFill>
+                <a:latin typeface="Consolas"/>
+              </a:rPr>
+              <a:t> </a:t>
+            </a:r>
+            <a:r>
+              <a:rPr lang="en-US" sz="1100" b="1" dirty="0" err="1" smtClean="0">
+                <a:solidFill>
+                  <a:srgbClr val="000000"/>
+                </a:solidFill>
+                <a:latin typeface="Consolas"/>
+              </a:rPr>
+              <a:t>ToDoItem</a:t>
+            </a:r>
+            <a:r>
+              <a:rPr lang="en-US" sz="1100" b="1" dirty="0" smtClean="0">
+                <a:solidFill>
+                  <a:srgbClr val="000000"/>
+                </a:solidFill>
+                <a:latin typeface="Consolas"/>
+              </a:rPr>
+              <a:t> </a:t>
+            </a:r>
+            <a:r>
+              <a:rPr lang="en-US" sz="1100" b="1" dirty="0" smtClean="0">
+                <a:solidFill>
+                  <a:srgbClr val="7F0055"/>
+                </a:solidFill>
+                <a:latin typeface="Consolas"/>
+              </a:rPr>
+              <a:t>...</a:t>
+            </a:r>
+            <a:r>
+              <a:rPr lang="en-US" sz="1100" b="1" dirty="0" smtClean="0">
+                <a:solidFill>
+                  <a:srgbClr val="000000"/>
+                </a:solidFill>
+                <a:latin typeface="Consolas"/>
+              </a:rPr>
+              <a:t> {</a:t>
+            </a:r>
+          </a:p>
+          <a:p>
+            <a:r>
+              <a:rPr lang="en-GB" sz="1100" dirty="0" smtClean="0">
+                <a:latin typeface="Consolas"/>
+              </a:rPr>
+              <a:t>  ...</a:t>
+            </a:r>
+          </a:p>
+          <a:p>
+            <a:r>
+              <a:rPr lang="en-GB" sz="1100" dirty="0" smtClean="0">
+                <a:solidFill>
+                  <a:srgbClr val="000000"/>
+                </a:solidFill>
+                <a:latin typeface="Consolas"/>
+              </a:rPr>
+              <a:t>}</a:t>
+            </a:r>
+            <a:endParaRPr lang="en-GB" sz="1100" dirty="0">
+              <a:solidFill>
+                <a:srgbClr val="000000"/>
+              </a:solidFill>
+              <a:latin typeface="Consolas"/>
+            </a:endParaRPr>
+          </a:p>
+        </p:txBody>
+      </p:sp>
+      <p:sp>
+        <p:nvSpPr>
+          <p:cNvPr id="7" name="TextBox 6"/>
+          <p:cNvSpPr txBox="1"/>
+          <p:nvPr/>
+        </p:nvSpPr>
+        <p:spPr>
+          <a:xfrm>
+            <a:off x="4294415" y="5229200"/>
+            <a:ext cx="3877985" cy="1277273"/>
+          </a:xfrm>
+          <a:prstGeom prst="rect">
+            <a:avLst/>
+          </a:prstGeom>
+          <a:solidFill>
+            <a:schemeClr val="bg1">
+              <a:lumMod val="95000"/>
+            </a:schemeClr>
+          </a:solidFill>
+        </p:spPr>
+        <p:style>
+          <a:lnRef idx="1">
+            <a:schemeClr val="accent3"/>
+          </a:lnRef>
+          <a:fillRef idx="2">
+            <a:schemeClr val="accent3"/>
+          </a:fillRef>
+          <a:effectRef idx="1">
+            <a:schemeClr val="accent3"/>
+          </a:effectRef>
+          <a:fontRef idx="minor">
+            <a:schemeClr val="dk1"/>
+          </a:fontRef>
+        </p:style>
+        <p:txBody>
+          <a:bodyPr wrap="none" rtlCol="0">
+            <a:spAutoFit/>
+          </a:bodyPr>
+          <a:lstStyle/>
+          <a:p>
+            <a:r>
+              <a:rPr lang="en-US" sz="1100" b="1" dirty="0" smtClean="0">
+                <a:solidFill>
+                  <a:srgbClr val="7F0055"/>
+                </a:solidFill>
+                <a:latin typeface="Consolas"/>
+              </a:rPr>
+              <a:t>public</a:t>
+            </a:r>
+            <a:r>
+              <a:rPr lang="en-US" sz="1100" b="1" dirty="0" smtClean="0">
+                <a:solidFill>
+                  <a:srgbClr val="000000"/>
+                </a:solidFill>
+                <a:latin typeface="Consolas"/>
+              </a:rPr>
+              <a:t> </a:t>
+            </a:r>
+            <a:r>
+              <a:rPr lang="en-US" sz="1100" b="1" dirty="0">
+                <a:solidFill>
+                  <a:srgbClr val="7F0055"/>
+                </a:solidFill>
+                <a:latin typeface="Consolas"/>
+              </a:rPr>
+              <a:t>class</a:t>
+            </a:r>
+            <a:r>
+              <a:rPr lang="en-US" sz="1100" b="1" dirty="0">
+                <a:solidFill>
+                  <a:srgbClr val="000000"/>
+                </a:solidFill>
+                <a:latin typeface="Consolas"/>
+              </a:rPr>
+              <a:t> </a:t>
+            </a:r>
+            <a:r>
+              <a:rPr lang="en-US" sz="1100" b="1" dirty="0" err="1" smtClean="0">
+                <a:solidFill>
+                  <a:srgbClr val="000000"/>
+                </a:solidFill>
+                <a:latin typeface="Consolas"/>
+              </a:rPr>
+              <a:t>ToDoItems</a:t>
+            </a:r>
+            <a:r>
+              <a:rPr lang="en-US" sz="1100" b="1" dirty="0" smtClean="0">
+                <a:solidFill>
+                  <a:srgbClr val="000000"/>
+                </a:solidFill>
+                <a:latin typeface="Consolas"/>
+              </a:rPr>
+              <a:t> {</a:t>
+            </a:r>
+          </a:p>
+          <a:p>
+            <a:r>
+              <a:rPr lang="en-GB" sz="1100" dirty="0" smtClean="0">
+                <a:latin typeface="Consolas"/>
+              </a:rPr>
+              <a:t>  ...</a:t>
+            </a:r>
+          </a:p>
+          <a:p>
+            <a:r>
+              <a:rPr lang="en-GB" sz="1100" dirty="0" smtClean="0">
+                <a:solidFill>
+                  <a:srgbClr val="000000"/>
+                </a:solidFill>
+                <a:latin typeface="Consolas"/>
+              </a:rPr>
+              <a:t>  </a:t>
+            </a:r>
+            <a:r>
+              <a:rPr lang="en-GB" sz="1100" dirty="0">
+                <a:solidFill>
+                  <a:srgbClr val="646464"/>
+                </a:solidFill>
+                <a:latin typeface="Consolas"/>
+              </a:rPr>
+              <a:t>@</a:t>
+            </a:r>
+            <a:r>
+              <a:rPr lang="en-GB" sz="1100" dirty="0" err="1">
+                <a:solidFill>
+                  <a:srgbClr val="646464"/>
+                </a:solidFill>
+                <a:latin typeface="Consolas"/>
+              </a:rPr>
+              <a:t>Bookmarkable</a:t>
+            </a:r>
+            <a:endParaRPr lang="en-GB" sz="1100" dirty="0">
+              <a:solidFill>
+                <a:srgbClr val="646464"/>
+              </a:solidFill>
+              <a:latin typeface="Consolas"/>
+            </a:endParaRPr>
+          </a:p>
+          <a:p>
+            <a:r>
+              <a:rPr lang="en-GB" sz="1100" dirty="0" smtClean="0">
+                <a:solidFill>
+                  <a:srgbClr val="000000"/>
+                </a:solidFill>
+                <a:latin typeface="Consolas"/>
+              </a:rPr>
+              <a:t>  </a:t>
+            </a:r>
+            <a:r>
+              <a:rPr lang="en-GB" sz="1100" dirty="0">
+                <a:solidFill>
+                  <a:srgbClr val="646464"/>
+                </a:solidFill>
+                <a:latin typeface="Consolas"/>
+              </a:rPr>
+              <a:t>@</a:t>
+            </a:r>
+            <a:r>
+              <a:rPr lang="en-GB" sz="1100" dirty="0" err="1">
+                <a:solidFill>
+                  <a:srgbClr val="646464"/>
+                </a:solidFill>
+                <a:latin typeface="Consolas"/>
+              </a:rPr>
+              <a:t>ActionSemantics</a:t>
+            </a:r>
+            <a:r>
+              <a:rPr lang="en-GB" sz="1100" dirty="0">
+                <a:solidFill>
+                  <a:srgbClr val="000000"/>
+                </a:solidFill>
+                <a:latin typeface="Consolas"/>
+              </a:rPr>
+              <a:t>(</a:t>
+            </a:r>
+            <a:r>
+              <a:rPr lang="en-GB" sz="1100" dirty="0" err="1">
+                <a:solidFill>
+                  <a:srgbClr val="000000"/>
+                </a:solidFill>
+                <a:latin typeface="Consolas"/>
+              </a:rPr>
+              <a:t>Of.</a:t>
+            </a:r>
+            <a:r>
+              <a:rPr lang="en-GB" sz="1100" i="1" dirty="0" err="1">
+                <a:solidFill>
+                  <a:srgbClr val="0000C0"/>
+                </a:solidFill>
+                <a:latin typeface="Consolas"/>
+              </a:rPr>
+              <a:t>SAFE</a:t>
+            </a:r>
+            <a:r>
+              <a:rPr lang="en-GB" sz="1100" i="1" dirty="0">
+                <a:solidFill>
+                  <a:srgbClr val="000000"/>
+                </a:solidFill>
+                <a:latin typeface="Consolas"/>
+              </a:rPr>
+              <a:t>)</a:t>
+            </a:r>
+          </a:p>
+          <a:p>
+            <a:r>
+              <a:rPr lang="en-GB" sz="1100" b="1" dirty="0" smtClean="0">
+                <a:solidFill>
+                  <a:srgbClr val="7F0055"/>
+                </a:solidFill>
+                <a:latin typeface="Consolas"/>
+              </a:rPr>
+              <a:t>  public</a:t>
+            </a:r>
+            <a:r>
+              <a:rPr lang="en-GB" sz="1100" b="1" dirty="0" smtClean="0">
+                <a:solidFill>
+                  <a:srgbClr val="000000"/>
+                </a:solidFill>
+                <a:latin typeface="Consolas"/>
+              </a:rPr>
+              <a:t> </a:t>
+            </a:r>
+            <a:r>
+              <a:rPr lang="en-GB" sz="1100" b="1" dirty="0">
+                <a:solidFill>
+                  <a:srgbClr val="000000"/>
+                </a:solidFill>
+                <a:latin typeface="Consolas"/>
+              </a:rPr>
+              <a:t>List&lt;</a:t>
+            </a:r>
+            <a:r>
+              <a:rPr lang="en-GB" sz="1100" b="1" dirty="0" err="1">
+                <a:solidFill>
+                  <a:srgbClr val="000000"/>
+                </a:solidFill>
+                <a:latin typeface="Consolas"/>
+              </a:rPr>
+              <a:t>ToDoItem</a:t>
+            </a:r>
+            <a:r>
+              <a:rPr lang="en-GB" sz="1100" b="1" dirty="0">
+                <a:solidFill>
+                  <a:srgbClr val="000000"/>
+                </a:solidFill>
+                <a:latin typeface="Consolas"/>
+              </a:rPr>
+              <a:t>&gt; </a:t>
+            </a:r>
+            <a:r>
+              <a:rPr lang="en-GB" sz="1100" b="1" dirty="0" err="1">
+                <a:solidFill>
+                  <a:srgbClr val="000000"/>
+                </a:solidFill>
+                <a:latin typeface="Consolas"/>
+              </a:rPr>
+              <a:t>notYetComplete</a:t>
+            </a:r>
+            <a:r>
+              <a:rPr lang="en-GB" sz="1100" b="1" dirty="0">
+                <a:solidFill>
+                  <a:srgbClr val="000000"/>
+                </a:solidFill>
+                <a:latin typeface="Consolas"/>
+              </a:rPr>
+              <a:t>() </a:t>
+            </a:r>
+            <a:r>
+              <a:rPr lang="en-GB" sz="1100" b="1" dirty="0" smtClean="0">
+                <a:solidFill>
+                  <a:srgbClr val="000000"/>
+                </a:solidFill>
+                <a:latin typeface="Consolas"/>
+              </a:rPr>
+              <a:t>{ ... }</a:t>
+            </a:r>
+            <a:endParaRPr lang="en-GB" sz="1100" dirty="0" smtClean="0">
+              <a:latin typeface="Consolas"/>
+            </a:endParaRPr>
+          </a:p>
+          <a:p>
+            <a:r>
+              <a:rPr lang="en-GB" sz="1100" dirty="0">
+                <a:latin typeface="Consolas"/>
+              </a:rPr>
+              <a:t> </a:t>
+            </a:r>
+            <a:r>
+              <a:rPr lang="en-GB" sz="1100" dirty="0" smtClean="0">
+                <a:latin typeface="Consolas"/>
+              </a:rPr>
+              <a:t> ... </a:t>
+            </a:r>
+          </a:p>
+          <a:p>
+            <a:r>
+              <a:rPr lang="en-GB" sz="1100" dirty="0" smtClean="0">
+                <a:solidFill>
+                  <a:srgbClr val="000000"/>
+                </a:solidFill>
+                <a:latin typeface="Consolas"/>
+              </a:rPr>
+              <a:t>}</a:t>
+            </a:r>
+            <a:endParaRPr lang="en-GB" sz="1100" dirty="0">
+              <a:solidFill>
+                <a:srgbClr val="000000"/>
+              </a:solidFill>
+              <a:latin typeface="Consolas"/>
+            </a:endParaRPr>
           </a:p>
         </p:txBody>
       </p:sp>
@@ -12060,14 +12604,14 @@
       </p:grpSpPr>
       <p:sp>
         <p:nvSpPr>
-          <p:cNvPr id="4" name="TextBox 3"/>
+          <p:cNvPr id="7" name="TextBox 6"/>
           <p:cNvSpPr txBox="1"/>
           <p:nvPr/>
         </p:nvSpPr>
         <p:spPr>
           <a:xfrm>
-            <a:off x="611560" y="404664"/>
-            <a:ext cx="2880320" cy="923330"/>
+            <a:off x="395536" y="260648"/>
+            <a:ext cx="4271911" cy="646331"/>
           </a:xfrm>
           <a:prstGeom prst="rect">
             <a:avLst/>
@@ -12096,25 +12640,7 @@
             <a:pPr algn="ctr"/>
             <a:r>
               <a:rPr lang="en-GB" dirty="0" smtClean="0"/>
-              <a:t>Both objects and </a:t>
-            </a:r>
-          </a:p>
-          <a:p>
-            <a:pPr algn="ctr"/>
-            <a:r>
-              <a:rPr lang="en-GB" dirty="0" smtClean="0"/>
-              <a:t>side-effect-free actions</a:t>
-            </a:r>
-          </a:p>
-          <a:p>
-            <a:pPr algn="ctr"/>
-            <a:r>
-              <a:rPr lang="en-GB" dirty="0" smtClean="0"/>
-              <a:t>are </a:t>
-            </a:r>
-            <a:r>
-              <a:rPr lang="en-GB" dirty="0" err="1" smtClean="0"/>
-              <a:t>bookmarkable</a:t>
+              <a:t>Detection of concurrent edits automatically enforced through optimistic locking</a:t>
             </a:r>
             <a:endParaRPr lang="en-GB" dirty="0" smtClean="0"/>
           </a:p>
@@ -12122,14 +12648,14 @@
       </p:sp>
       <p:sp>
         <p:nvSpPr>
-          <p:cNvPr id="5" name="TextBox 4"/>
+          <p:cNvPr id="8" name="TextBox 7"/>
           <p:cNvSpPr txBox="1"/>
           <p:nvPr/>
         </p:nvSpPr>
         <p:spPr>
           <a:xfrm>
-            <a:off x="4326066" y="1052736"/>
-            <a:ext cx="2262158" cy="769441"/>
+            <a:off x="4572000" y="692696"/>
+            <a:ext cx="3954929" cy="1107996"/>
           </a:xfrm>
           <a:prstGeom prst="rect">
             <a:avLst/>
@@ -12161,7 +12687,7 @@
           <a:lstStyle/>
           <a:p>
             <a:r>
-              <a:rPr lang="en-GB" sz="1100" dirty="0">
+              <a:rPr lang="en-GB" sz="1100" dirty="0" smtClean="0">
                 <a:solidFill>
                   <a:srgbClr val="646464"/>
                 </a:solidFill>
@@ -12172,110 +12698,99 @@
             <a:r>
               <a:rPr lang="en-GB" sz="1100" dirty="0" err="1">
                 <a:solidFill>
+                  <a:srgbClr val="000000"/>
+                </a:solidFill>
+                <a:latin typeface="Consolas"/>
+              </a:rPr>
+              <a:t>javax.jdo.annotations.</a:t>
+            </a:r>
+            <a:r>
+              <a:rPr lang="en-GB" sz="1100" dirty="0" err="1">
+                <a:solidFill>
                   <a:srgbClr val="646464"/>
                 </a:solidFill>
                 <a:latin typeface="Consolas"/>
               </a:rPr>
-              <a:t>Bookmarkable</a:t>
+              <a:t>Version</a:t>
+            </a:r>
+            <a:r>
+              <a:rPr lang="en-GB" sz="1100" dirty="0" smtClean="0">
+                <a:solidFill>
+                  <a:srgbClr val="000000"/>
+                </a:solidFill>
+                <a:latin typeface="Consolas"/>
+              </a:rPr>
+              <a:t>(</a:t>
             </a:r>
             <a:endParaRPr lang="en-GB" sz="1100" dirty="0">
-              <a:solidFill>
-                <a:srgbClr val="646464"/>
-              </a:solidFill>
               <a:latin typeface="Consolas"/>
             </a:endParaRPr>
           </a:p>
           <a:p>
             <a:r>
-              <a:rPr lang="en-US" sz="1100" b="1" dirty="0">
-                <a:solidFill>
-                  <a:srgbClr val="7F0055"/>
-                </a:solidFill>
-                <a:latin typeface="Consolas"/>
-              </a:rPr>
-              <a:t>public</a:t>
-            </a:r>
-            <a:r>
-              <a:rPr lang="en-US" sz="1100" b="1" dirty="0">
-                <a:solidFill>
-                  <a:srgbClr val="000000"/>
-                </a:solidFill>
-                <a:latin typeface="Consolas"/>
-              </a:rPr>
-              <a:t> </a:t>
-            </a:r>
-            <a:r>
-              <a:rPr lang="en-US" sz="1100" b="1" dirty="0">
-                <a:solidFill>
-                  <a:srgbClr val="7F0055"/>
-                </a:solidFill>
-                <a:latin typeface="Consolas"/>
-              </a:rPr>
-              <a:t>class</a:t>
-            </a:r>
-            <a:r>
-              <a:rPr lang="en-US" sz="1100" b="1" dirty="0">
-                <a:solidFill>
-                  <a:srgbClr val="000000"/>
-                </a:solidFill>
-                <a:latin typeface="Consolas"/>
-              </a:rPr>
-              <a:t> </a:t>
-            </a:r>
-            <a:r>
-              <a:rPr lang="en-US" sz="1100" b="1" dirty="0" err="1" smtClean="0">
-                <a:solidFill>
-                  <a:srgbClr val="000000"/>
-                </a:solidFill>
-                <a:latin typeface="Consolas"/>
-              </a:rPr>
-              <a:t>ToDoItem</a:t>
-            </a:r>
-            <a:r>
-              <a:rPr lang="en-US" sz="1100" b="1" dirty="0" smtClean="0">
-                <a:solidFill>
-                  <a:srgbClr val="000000"/>
-                </a:solidFill>
-                <a:latin typeface="Consolas"/>
-              </a:rPr>
-              <a:t> </a:t>
-            </a:r>
-            <a:r>
-              <a:rPr lang="en-US" sz="1100" b="1" dirty="0" smtClean="0">
-                <a:solidFill>
-                  <a:srgbClr val="7F0055"/>
-                </a:solidFill>
-                <a:latin typeface="Consolas"/>
-              </a:rPr>
-              <a:t>...</a:t>
-            </a:r>
-            <a:r>
-              <a:rPr lang="en-US" sz="1100" b="1" dirty="0" smtClean="0">
-                <a:solidFill>
-                  <a:srgbClr val="000000"/>
-                </a:solidFill>
-                <a:latin typeface="Consolas"/>
-              </a:rPr>
-              <a:t> {</a:t>
-            </a:r>
-          </a:p>
-          <a:p>
-            <a:r>
-              <a:rPr lang="en-GB" sz="1100" dirty="0" smtClean="0">
-                <a:latin typeface="Consolas"/>
-              </a:rPr>
-              <a:t>  ...</a:t>
-            </a:r>
-          </a:p>
-          <a:p>
-            <a:r>
-              <a:rPr lang="en-GB" sz="1100" dirty="0" smtClean="0">
-                <a:solidFill>
-                  <a:srgbClr val="000000"/>
-                </a:solidFill>
-                <a:latin typeface="Consolas"/>
-              </a:rPr>
-              <a:t>}</a:t>
+              <a:rPr lang="en-GB" sz="1100" dirty="0">
+                <a:solidFill>
+                  <a:srgbClr val="000000"/>
+                </a:solidFill>
+                <a:latin typeface="Consolas"/>
+              </a:rPr>
+              <a:t>        strategy=</a:t>
+            </a:r>
+            <a:r>
+              <a:rPr lang="en-GB" sz="1100" dirty="0" err="1">
+                <a:solidFill>
+                  <a:srgbClr val="000000"/>
+                </a:solidFill>
+                <a:latin typeface="Consolas"/>
+              </a:rPr>
+              <a:t>VersionStrategy.</a:t>
+            </a:r>
+            <a:r>
+              <a:rPr lang="en-GB" sz="1100" i="1" dirty="0" err="1">
+                <a:solidFill>
+                  <a:srgbClr val="0000C0"/>
+                </a:solidFill>
+                <a:latin typeface="Consolas"/>
+              </a:rPr>
+              <a:t>VERSION_NUMBER</a:t>
+            </a:r>
+            <a:r>
+              <a:rPr lang="en-GB" sz="1100" i="1" dirty="0">
+                <a:solidFill>
+                  <a:srgbClr val="000000"/>
+                </a:solidFill>
+                <a:latin typeface="Consolas"/>
+              </a:rPr>
+              <a:t>, </a:t>
+            </a:r>
+          </a:p>
+          <a:p>
+            <a:r>
+              <a:rPr lang="en-GB" sz="1100" dirty="0">
+                <a:solidFill>
+                  <a:srgbClr val="000000"/>
+                </a:solidFill>
+                <a:latin typeface="Consolas"/>
+              </a:rPr>
+              <a:t>        column=</a:t>
+            </a:r>
+            <a:r>
+              <a:rPr lang="en-GB" sz="1100" dirty="0">
+                <a:solidFill>
+                  <a:srgbClr val="2A00FF"/>
+                </a:solidFill>
+                <a:latin typeface="Consolas"/>
+              </a:rPr>
+              <a:t>"version"</a:t>
+            </a:r>
+            <a:r>
+              <a:rPr lang="en-GB" sz="1100" dirty="0" smtClean="0">
+                <a:solidFill>
+                  <a:srgbClr val="000000"/>
+                </a:solidFill>
+                <a:latin typeface="Consolas"/>
+              </a:rPr>
+              <a:t>)</a:t>
             </a:r>
             <a:endParaRPr lang="en-GB" sz="1100" dirty="0">
               <a:solidFill>
@@ -12284,18 +12799,183 @@
               <a:latin typeface="Consolas"/>
             </a:endParaRPr>
           </a:p>
+          <a:p>
+            <a:r>
+              <a:rPr lang="en-US" sz="1100" b="1" dirty="0" smtClean="0">
+                <a:solidFill>
+                  <a:srgbClr val="7F0055"/>
+                </a:solidFill>
+                <a:latin typeface="Consolas"/>
+              </a:rPr>
+              <a:t>public</a:t>
+            </a:r>
+            <a:r>
+              <a:rPr lang="en-US" sz="1100" b="1" dirty="0" smtClean="0">
+                <a:solidFill>
+                  <a:srgbClr val="000000"/>
+                </a:solidFill>
+                <a:latin typeface="Consolas"/>
+              </a:rPr>
+              <a:t> </a:t>
+            </a:r>
+            <a:r>
+              <a:rPr lang="en-US" sz="1100" b="1" dirty="0">
+                <a:solidFill>
+                  <a:srgbClr val="7F0055"/>
+                </a:solidFill>
+                <a:latin typeface="Consolas"/>
+              </a:rPr>
+              <a:t>class</a:t>
+            </a:r>
+            <a:r>
+              <a:rPr lang="en-US" sz="1100" b="1" dirty="0">
+                <a:solidFill>
+                  <a:srgbClr val="000000"/>
+                </a:solidFill>
+                <a:latin typeface="Consolas"/>
+              </a:rPr>
+              <a:t> </a:t>
+            </a:r>
+            <a:r>
+              <a:rPr lang="en-US" sz="1100" b="1" dirty="0" err="1" smtClean="0">
+                <a:solidFill>
+                  <a:srgbClr val="000000"/>
+                </a:solidFill>
+                <a:latin typeface="Consolas"/>
+              </a:rPr>
+              <a:t>ToDoItem</a:t>
+            </a:r>
+            <a:r>
+              <a:rPr lang="en-US" sz="1100" b="1" dirty="0" smtClean="0">
+                <a:solidFill>
+                  <a:srgbClr val="000000"/>
+                </a:solidFill>
+                <a:latin typeface="Consolas"/>
+              </a:rPr>
+              <a:t> ... {</a:t>
+            </a:r>
+          </a:p>
+          <a:p>
+            <a:r>
+              <a:rPr lang="en-US" sz="1100" b="1" dirty="0">
+                <a:solidFill>
+                  <a:srgbClr val="000000"/>
+                </a:solidFill>
+                <a:latin typeface="Consolas"/>
+              </a:rPr>
+              <a:t> </a:t>
+            </a:r>
+            <a:r>
+              <a:rPr lang="en-US" sz="1100" b="1" dirty="0" smtClean="0">
+                <a:solidFill>
+                  <a:srgbClr val="000000"/>
+                </a:solidFill>
+                <a:latin typeface="Consolas"/>
+              </a:rPr>
+              <a:t> ...</a:t>
+            </a:r>
+            <a:endParaRPr lang="en-GB" sz="1100" dirty="0" smtClean="0">
+              <a:solidFill>
+                <a:srgbClr val="646464"/>
+              </a:solidFill>
+              <a:latin typeface="Consolas"/>
+            </a:endParaRPr>
+          </a:p>
+          <a:p>
+            <a:r>
+              <a:rPr lang="en-GB" sz="1100" b="1" dirty="0" smtClean="0">
+                <a:solidFill>
+                  <a:srgbClr val="000000"/>
+                </a:solidFill>
+                <a:latin typeface="Consolas"/>
+              </a:rPr>
+              <a:t>}</a:t>
+            </a:r>
+            <a:endParaRPr lang="en-US" sz="1100" b="1" dirty="0" smtClean="0">
+              <a:solidFill>
+                <a:srgbClr val="000000"/>
+              </a:solidFill>
+              <a:latin typeface="Consolas"/>
+            </a:endParaRPr>
+          </a:p>
         </p:txBody>
       </p:sp>
       <p:sp>
         <p:nvSpPr>
-          <p:cNvPr id="6" name="TextBox 5"/>
+          <p:cNvPr id="9" name="TextBox 8"/>
           <p:cNvSpPr txBox="1"/>
           <p:nvPr/>
         </p:nvSpPr>
         <p:spPr>
           <a:xfrm>
-            <a:off x="4294415" y="1988840"/>
-            <a:ext cx="3877985" cy="1277273"/>
+            <a:off x="179512" y="2060848"/>
+            <a:ext cx="3967699" cy="923330"/>
+          </a:xfrm>
+          <a:prstGeom prst="rect">
+            <a:avLst/>
+          </a:prstGeom>
+        </p:spPr>
+        <p:style>
+          <a:lnRef idx="1">
+            <a:schemeClr val="accent1"/>
+          </a:lnRef>
+          <a:fillRef idx="2">
+            <a:schemeClr val="accent1"/>
+          </a:fillRef>
+          <a:effectRef idx="1">
+            <a:schemeClr val="accent1"/>
+          </a:effectRef>
+          <a:fontRef idx="minor">
+            <a:schemeClr val="dk1"/>
+          </a:fontRef>
+        </p:style>
+        <p:txBody>
+          <a:bodyPr wrap="square" rtlCol="0">
+            <a:spAutoFit/>
+          </a:bodyPr>
+          <a:lstStyle/>
+          <a:p>
+            <a:pPr algn="ctr"/>
+            <a:r>
+              <a:rPr lang="en-GB" dirty="0" smtClean="0"/>
+              <a:t>Isis’ </a:t>
+            </a:r>
+            <a:r>
+              <a:rPr lang="en-GB" dirty="0" err="1" smtClean="0"/>
+              <a:t>DomainObjectContainer</a:t>
+            </a:r>
+            <a:r>
+              <a:rPr lang="en-GB" dirty="0" smtClean="0"/>
+              <a:t> is the </a:t>
+            </a:r>
+          </a:p>
+          <a:p>
+            <a:pPr algn="ctr"/>
+            <a:r>
+              <a:rPr lang="en-GB" dirty="0" smtClean="0"/>
+              <a:t>one point of contact between </a:t>
+            </a:r>
+          </a:p>
+          <a:p>
+            <a:pPr algn="ctr"/>
+            <a:r>
+              <a:rPr lang="en-GB" dirty="0" smtClean="0"/>
+              <a:t>the domain object and the framework</a:t>
+            </a:r>
+            <a:endParaRPr lang="en-GB" dirty="0" smtClean="0"/>
+          </a:p>
+        </p:txBody>
+      </p:sp>
+      <p:sp>
+        <p:nvSpPr>
+          <p:cNvPr id="10" name="TextBox 9"/>
+          <p:cNvSpPr txBox="1"/>
+          <p:nvPr/>
+        </p:nvSpPr>
+        <p:spPr>
+          <a:xfrm>
+            <a:off x="4219219" y="2780928"/>
+            <a:ext cx="4313221" cy="3985706"/>
           </a:xfrm>
           <a:prstGeom prst="rect">
             <a:avLst/>
@@ -12321,7 +13001,7 @@
           </a:fontRef>
         </p:style>
         <p:txBody>
-          <a:bodyPr wrap="none" rtlCol="0">
+          <a:bodyPr wrap="square" rtlCol="0">
             <a:spAutoFit/>
           </a:bodyPr>
           <a:lstStyle/>
@@ -12345,7 +13025,7 @@
               <a:t> </a:t>
             </a:r>
             <a:r>
-              <a:rPr lang="en-US" sz="1100" b="1" dirty="0">
+              <a:rPr lang="en-US" sz="1100" b="1" dirty="0" smtClean="0">
                 <a:solidFill>
                   <a:srgbClr val="7F0055"/>
                 </a:solidFill>
@@ -12354,7 +13034,7 @@
               <a:t>class</a:t>
             </a:r>
             <a:r>
-              <a:rPr lang="en-US" sz="1100" b="1" dirty="0">
+              <a:rPr lang="en-US" sz="1100" b="1" dirty="0" smtClean="0">
                 <a:solidFill>
                   <a:srgbClr val="000000"/>
                 </a:solidFill>
@@ -12378,217 +13058,267 @@
                 </a:solidFill>
                 <a:latin typeface="Consolas"/>
               </a:rPr>
+              <a:t> </a:t>
+            </a:r>
+            <a:r>
+              <a:rPr lang="en-US" sz="1100" b="1" dirty="0" smtClean="0">
+                <a:solidFill>
+                  <a:srgbClr val="7F0055"/>
+                </a:solidFill>
+                <a:latin typeface="Consolas"/>
+              </a:rPr>
+              <a:t>...</a:t>
+            </a:r>
+            <a:r>
+              <a:rPr lang="en-US" sz="1100" b="1" dirty="0" smtClean="0">
+                <a:solidFill>
+                  <a:srgbClr val="000000"/>
+                </a:solidFill>
+                <a:latin typeface="Consolas"/>
+              </a:rPr>
               <a:t> {</a:t>
             </a:r>
           </a:p>
           <a:p>
             <a:r>
-              <a:rPr lang="en-GB" sz="1100" dirty="0" smtClean="0">
-                <a:latin typeface="Consolas"/>
-              </a:rPr>
-              <a:t>  ...</a:t>
-            </a:r>
-          </a:p>
-          <a:p>
-            <a:r>
-              <a:rPr lang="en-GB" sz="1100" dirty="0" smtClean="0">
-                <a:solidFill>
-                  <a:srgbClr val="000000"/>
-                </a:solidFill>
-                <a:latin typeface="Consolas"/>
-              </a:rPr>
-              <a:t>  </a:t>
-            </a:r>
-            <a:r>
               <a:rPr lang="en-GB" sz="1100" dirty="0">
                 <a:solidFill>
-                  <a:srgbClr val="646464"/>
-                </a:solidFill>
-                <a:latin typeface="Consolas"/>
-              </a:rPr>
-              <a:t>@</a:t>
+                  <a:srgbClr val="000000"/>
+                </a:solidFill>
+                <a:latin typeface="Consolas"/>
+              </a:rPr>
+              <a:t> </a:t>
+            </a:r>
+            <a:r>
+              <a:rPr lang="en-GB" sz="1100" dirty="0" smtClean="0">
+                <a:solidFill>
+                  <a:srgbClr val="000000"/>
+                </a:solidFill>
+                <a:latin typeface="Consolas"/>
+              </a:rPr>
+              <a:t> ...</a:t>
+            </a:r>
+          </a:p>
+          <a:p>
+            <a:r>
+              <a:rPr lang="en-GB" sz="1100" b="1" dirty="0">
+                <a:solidFill>
+                  <a:srgbClr val="000000"/>
+                </a:solidFill>
+                <a:latin typeface="Consolas"/>
+              </a:rPr>
+              <a:t> </a:t>
+            </a:r>
+            <a:r>
+              <a:rPr lang="en-GB" sz="1100" b="1" dirty="0" smtClean="0">
+                <a:solidFill>
+                  <a:srgbClr val="000000"/>
+                </a:solidFill>
+                <a:latin typeface="Consolas"/>
+              </a:rPr>
+              <a:t> </a:t>
+            </a:r>
+            <a:r>
+              <a:rPr lang="en-GB" sz="1100" b="1" dirty="0" smtClean="0">
+                <a:solidFill>
+                  <a:srgbClr val="7F0055"/>
+                </a:solidFill>
+                <a:latin typeface="Consolas"/>
+              </a:rPr>
+              <a:t>public</a:t>
+            </a:r>
+            <a:r>
+              <a:rPr lang="en-GB" sz="1100" b="1" dirty="0" smtClean="0">
+                <a:solidFill>
+                  <a:srgbClr val="000000"/>
+                </a:solidFill>
+                <a:latin typeface="Consolas"/>
+              </a:rPr>
+              <a:t> </a:t>
+            </a:r>
+            <a:r>
+              <a:rPr lang="en-GB" sz="1100" b="1" dirty="0" err="1" smtClean="0">
+                <a:solidFill>
+                  <a:srgbClr val="000000"/>
+                </a:solidFill>
+                <a:latin typeface="Consolas"/>
+              </a:rPr>
+              <a:t>ToDoItem</a:t>
+            </a:r>
+            <a:r>
+              <a:rPr lang="en-GB" sz="1100" b="1" dirty="0" smtClean="0">
+                <a:solidFill>
+                  <a:srgbClr val="000000"/>
+                </a:solidFill>
+                <a:latin typeface="Consolas"/>
+              </a:rPr>
+              <a:t> </a:t>
+            </a:r>
+            <a:r>
+              <a:rPr lang="en-GB" sz="1100" b="1" dirty="0" err="1" smtClean="0">
+                <a:solidFill>
+                  <a:srgbClr val="000000"/>
+                </a:solidFill>
+                <a:latin typeface="Consolas"/>
+              </a:rPr>
+              <a:t>newToDo</a:t>
+            </a:r>
+            <a:r>
+              <a:rPr lang="en-GB" sz="1100" b="1" dirty="0" smtClean="0">
+                <a:solidFill>
+                  <a:srgbClr val="000000"/>
+                </a:solidFill>
+                <a:latin typeface="Consolas"/>
+              </a:rPr>
+              <a:t>( ... ) {</a:t>
+            </a:r>
+          </a:p>
+          <a:p>
+            <a:r>
+              <a:rPr lang="en-GB" sz="1100" dirty="0" smtClean="0">
+                <a:solidFill>
+                  <a:srgbClr val="000000"/>
+                </a:solidFill>
+                <a:latin typeface="Consolas"/>
+              </a:rPr>
+              <a:t>    </a:t>
+            </a:r>
+            <a:r>
+              <a:rPr lang="en-GB" sz="1100" dirty="0">
+                <a:solidFill>
+                  <a:srgbClr val="7F0055"/>
+                </a:solidFill>
+                <a:latin typeface="Consolas"/>
+              </a:rPr>
+              <a:t>final</a:t>
+            </a:r>
+            <a:r>
+              <a:rPr lang="en-GB" sz="1100" dirty="0">
+                <a:solidFill>
+                  <a:srgbClr val="000000"/>
+                </a:solidFill>
+                <a:latin typeface="Consolas"/>
+              </a:rPr>
+              <a:t> String </a:t>
             </a:r>
             <a:r>
               <a:rPr lang="en-GB" sz="1100" dirty="0" err="1">
                 <a:solidFill>
-                  <a:srgbClr val="646464"/>
-                </a:solidFill>
-                <a:latin typeface="Consolas"/>
-              </a:rPr>
-              <a:t>Bookmarkable</a:t>
-            </a:r>
-            <a:endParaRPr lang="en-GB" sz="1100" dirty="0">
+                  <a:srgbClr val="000000"/>
+                </a:solidFill>
+                <a:latin typeface="Consolas"/>
+              </a:rPr>
+              <a:t>ownedBy</a:t>
+            </a:r>
+            <a:r>
+              <a:rPr lang="en-GB" sz="1100" dirty="0">
+                <a:solidFill>
+                  <a:srgbClr val="000000"/>
+                </a:solidFill>
+                <a:latin typeface="Consolas"/>
+              </a:rPr>
+              <a:t> = </a:t>
+            </a:r>
+            <a:endParaRPr lang="en-GB" sz="1100" dirty="0" smtClean="0">
               <a:solidFill>
-                <a:srgbClr val="646464"/>
+                <a:srgbClr val="000000"/>
               </a:solidFill>
               <a:latin typeface="Consolas"/>
             </a:endParaRPr>
           </a:p>
           <a:p>
             <a:r>
-              <a:rPr lang="en-GB" sz="1100" dirty="0" smtClean="0">
-                <a:solidFill>
-                  <a:srgbClr val="000000"/>
-                </a:solidFill>
-                <a:latin typeface="Consolas"/>
-              </a:rPr>
-              <a:t>  </a:t>
-            </a:r>
-            <a:r>
               <a:rPr lang="en-GB" sz="1100" dirty="0">
                 <a:solidFill>
-                  <a:srgbClr val="646464"/>
-                </a:solidFill>
-                <a:latin typeface="Consolas"/>
-              </a:rPr>
-              <a:t>@</a:t>
+                  <a:srgbClr val="000000"/>
+                </a:solidFill>
+                <a:highlight>
+                  <a:srgbClr val="E8F2FE"/>
+                </a:highlight>
+                <a:latin typeface="Consolas"/>
+              </a:rPr>
+              <a:t> </a:t>
+            </a:r>
+            <a:r>
+              <a:rPr lang="en-GB" sz="1100" dirty="0" smtClean="0">
+                <a:solidFill>
+                  <a:srgbClr val="000000"/>
+                </a:solidFill>
+                <a:highlight>
+                  <a:srgbClr val="E8F2FE"/>
+                </a:highlight>
+                <a:latin typeface="Consolas"/>
+              </a:rPr>
+              <a:t>     </a:t>
+            </a:r>
+            <a:r>
+              <a:rPr lang="en-GB" sz="1100" dirty="0" err="1" smtClean="0">
+                <a:solidFill>
+                  <a:srgbClr val="0000C0"/>
+                </a:solidFill>
+                <a:highlight>
+                  <a:srgbClr val="E8F2FE"/>
+                </a:highlight>
+                <a:latin typeface="Consolas"/>
+              </a:rPr>
+              <a:t>container</a:t>
+            </a:r>
+            <a:r>
+              <a:rPr lang="en-GB" sz="1100" dirty="0" err="1" smtClean="0">
+                <a:solidFill>
+                  <a:srgbClr val="000000"/>
+                </a:solidFill>
+                <a:highlight>
+                  <a:srgbClr val="E8F2FE"/>
+                </a:highlight>
+                <a:latin typeface="Consolas"/>
+              </a:rPr>
+              <a:t>.getUser</a:t>
+            </a:r>
+            <a:r>
+              <a:rPr lang="en-GB" sz="1100" dirty="0">
+                <a:solidFill>
+                  <a:srgbClr val="000000"/>
+                </a:solidFill>
+                <a:highlight>
+                  <a:srgbClr val="E8F2FE"/>
+                </a:highlight>
+                <a:latin typeface="Consolas"/>
+              </a:rPr>
+              <a:t>().</a:t>
             </a:r>
             <a:r>
               <a:rPr lang="en-GB" sz="1100" dirty="0" err="1">
                 <a:solidFill>
-                  <a:srgbClr val="646464"/>
-                </a:solidFill>
-                <a:latin typeface="Consolas"/>
-              </a:rPr>
-              <a:t>ActionSemantics</a:t>
+                  <a:srgbClr val="000000"/>
+                </a:solidFill>
+                <a:highlight>
+                  <a:srgbClr val="E8F2FE"/>
+                </a:highlight>
+                <a:latin typeface="Consolas"/>
+              </a:rPr>
+              <a:t>getName</a:t>
             </a:r>
             <a:r>
               <a:rPr lang="en-GB" sz="1100" dirty="0">
                 <a:solidFill>
                   <a:srgbClr val="000000"/>
                 </a:solidFill>
-                <a:latin typeface="Consolas"/>
-              </a:rPr>
-              <a:t>(</a:t>
-            </a:r>
-            <a:r>
-              <a:rPr lang="en-GB" sz="1100" dirty="0" err="1">
-                <a:solidFill>
-                  <a:srgbClr val="000000"/>
-                </a:solidFill>
-                <a:latin typeface="Consolas"/>
-              </a:rPr>
-              <a:t>Of.</a:t>
-            </a:r>
-            <a:r>
-              <a:rPr lang="en-GB" sz="1100" i="1" dirty="0" err="1">
-                <a:solidFill>
-                  <a:srgbClr val="0000C0"/>
-                </a:solidFill>
-                <a:latin typeface="Consolas"/>
-              </a:rPr>
-              <a:t>SAFE</a:t>
-            </a:r>
-            <a:r>
-              <a:rPr lang="en-GB" sz="1100" i="1" dirty="0">
-                <a:solidFill>
-                  <a:srgbClr val="000000"/>
-                </a:solidFill>
-                <a:latin typeface="Consolas"/>
-              </a:rPr>
-              <a:t>)</a:t>
-            </a:r>
-          </a:p>
-          <a:p>
-            <a:r>
-              <a:rPr lang="en-GB" sz="1100" b="1" dirty="0" smtClean="0">
-                <a:solidFill>
-                  <a:srgbClr val="7F0055"/>
-                </a:solidFill>
-                <a:latin typeface="Consolas"/>
-              </a:rPr>
-              <a:t>  public</a:t>
-            </a:r>
-            <a:r>
-              <a:rPr lang="en-GB" sz="1100" b="1" dirty="0" smtClean="0">
-                <a:solidFill>
-                  <a:srgbClr val="000000"/>
-                </a:solidFill>
-                <a:latin typeface="Consolas"/>
-              </a:rPr>
-              <a:t> </a:t>
-            </a:r>
-            <a:r>
-              <a:rPr lang="en-GB" sz="1100" b="1" dirty="0">
-                <a:solidFill>
-                  <a:srgbClr val="000000"/>
-                </a:solidFill>
-                <a:latin typeface="Consolas"/>
-              </a:rPr>
-              <a:t>List&lt;</a:t>
-            </a:r>
-            <a:r>
-              <a:rPr lang="en-GB" sz="1100" b="1" dirty="0" err="1">
-                <a:solidFill>
-                  <a:srgbClr val="000000"/>
-                </a:solidFill>
-                <a:latin typeface="Consolas"/>
-              </a:rPr>
-              <a:t>ToDoItem</a:t>
-            </a:r>
-            <a:r>
-              <a:rPr lang="en-GB" sz="1100" b="1" dirty="0">
-                <a:solidFill>
-                  <a:srgbClr val="000000"/>
-                </a:solidFill>
-                <a:latin typeface="Consolas"/>
-              </a:rPr>
-              <a:t>&gt; </a:t>
-            </a:r>
-            <a:r>
-              <a:rPr lang="en-GB" sz="1100" b="1" dirty="0" err="1">
-                <a:solidFill>
-                  <a:srgbClr val="000000"/>
-                </a:solidFill>
-                <a:latin typeface="Consolas"/>
-              </a:rPr>
-              <a:t>notYetComplete</a:t>
-            </a:r>
-            <a:r>
-              <a:rPr lang="en-GB" sz="1100" b="1" dirty="0">
-                <a:solidFill>
-                  <a:srgbClr val="000000"/>
-                </a:solidFill>
-                <a:latin typeface="Consolas"/>
-              </a:rPr>
-              <a:t>() </a:t>
-            </a:r>
-            <a:r>
-              <a:rPr lang="en-GB" sz="1100" b="1" dirty="0" smtClean="0">
-                <a:solidFill>
-                  <a:srgbClr val="000000"/>
-                </a:solidFill>
-                <a:latin typeface="Consolas"/>
-              </a:rPr>
-              <a:t>{ ... }</a:t>
-            </a:r>
-            <a:endParaRPr lang="en-GB" sz="1100" dirty="0" smtClean="0">
-              <a:latin typeface="Consolas"/>
-            </a:endParaRPr>
-          </a:p>
-          <a:p>
-            <a:r>
-              <a:rPr lang="en-GB" sz="1100" dirty="0">
-                <a:latin typeface="Consolas"/>
-              </a:rPr>
-              <a:t> </a:t>
-            </a:r>
-            <a:r>
-              <a:rPr lang="en-GB" sz="1100" dirty="0" smtClean="0">
-                <a:latin typeface="Consolas"/>
-              </a:rPr>
-              <a:t> ... </a:t>
-            </a:r>
-          </a:p>
-          <a:p>
-            <a:r>
-              <a:rPr lang="en-GB" sz="1100" dirty="0" smtClean="0">
-                <a:solidFill>
-                  <a:srgbClr val="000000"/>
-                </a:solidFill>
-                <a:latin typeface="Consolas"/>
-              </a:rPr>
-              <a:t>}</a:t>
+                <a:highlight>
+                  <a:srgbClr val="E8F2FE"/>
+                </a:highlight>
+                <a:latin typeface="Consolas"/>
+              </a:rPr>
+              <a:t>()</a:t>
+            </a:r>
+            <a:r>
+              <a:rPr lang="en-GB" sz="1100" dirty="0" smtClean="0">
+                <a:solidFill>
+                  <a:srgbClr val="000000"/>
+                </a:solidFill>
+                <a:latin typeface="Consolas"/>
+              </a:rPr>
+              <a:t>;</a:t>
             </a:r>
             <a:endParaRPr lang="en-GB" sz="1100" dirty="0">
               <a:solidFill>
@@ -12596,6 +13326,807 @@
               </a:solidFill>
               <a:latin typeface="Consolas"/>
             </a:endParaRPr>
+          </a:p>
+          <a:p>
+            <a:r>
+              <a:rPr lang="en-GB" sz="1100" dirty="0" smtClean="0">
+                <a:solidFill>
+                  <a:srgbClr val="7F0055"/>
+                </a:solidFill>
+                <a:latin typeface="Consolas"/>
+              </a:rPr>
+              <a:t>    final</a:t>
+            </a:r>
+            <a:r>
+              <a:rPr lang="en-GB" sz="1100" dirty="0" smtClean="0">
+                <a:solidFill>
+                  <a:srgbClr val="000000"/>
+                </a:solidFill>
+                <a:latin typeface="Consolas"/>
+              </a:rPr>
+              <a:t> </a:t>
+            </a:r>
+            <a:r>
+              <a:rPr lang="en-GB" sz="1100" dirty="0" err="1">
+                <a:solidFill>
+                  <a:srgbClr val="000000"/>
+                </a:solidFill>
+                <a:latin typeface="Consolas"/>
+              </a:rPr>
+              <a:t>ToDoItem</a:t>
+            </a:r>
+            <a:r>
+              <a:rPr lang="en-GB" sz="1100" dirty="0">
+                <a:solidFill>
+                  <a:srgbClr val="000000"/>
+                </a:solidFill>
+                <a:latin typeface="Consolas"/>
+              </a:rPr>
+              <a:t> </a:t>
+            </a:r>
+            <a:r>
+              <a:rPr lang="en-GB" sz="1100" dirty="0" err="1">
+                <a:solidFill>
+                  <a:srgbClr val="000000"/>
+                </a:solidFill>
+                <a:latin typeface="Consolas"/>
+              </a:rPr>
+              <a:t>toDoItem</a:t>
+            </a:r>
+            <a:r>
+              <a:rPr lang="en-GB" sz="1100" dirty="0">
+                <a:solidFill>
+                  <a:srgbClr val="000000"/>
+                </a:solidFill>
+                <a:latin typeface="Consolas"/>
+              </a:rPr>
+              <a:t> = </a:t>
+            </a:r>
+            <a:endParaRPr lang="en-GB" sz="1100" dirty="0" smtClean="0">
+              <a:solidFill>
+                <a:srgbClr val="000000"/>
+              </a:solidFill>
+              <a:latin typeface="Consolas"/>
+            </a:endParaRPr>
+          </a:p>
+          <a:p>
+            <a:r>
+              <a:rPr lang="en-GB" sz="1100" dirty="0">
+                <a:solidFill>
+                  <a:srgbClr val="000000"/>
+                </a:solidFill>
+                <a:latin typeface="Consolas"/>
+              </a:rPr>
+              <a:t> </a:t>
+            </a:r>
+            <a:r>
+              <a:rPr lang="en-GB" sz="1100" dirty="0" smtClean="0">
+                <a:solidFill>
+                  <a:srgbClr val="000000"/>
+                </a:solidFill>
+                <a:latin typeface="Consolas"/>
+              </a:rPr>
+              <a:t>     </a:t>
+            </a:r>
+            <a:r>
+              <a:rPr lang="en-GB" sz="1100" dirty="0" err="1" smtClean="0">
+                <a:solidFill>
+                  <a:srgbClr val="0000C0"/>
+                </a:solidFill>
+                <a:latin typeface="Consolas"/>
+              </a:rPr>
+              <a:t>container</a:t>
+            </a:r>
+            <a:r>
+              <a:rPr lang="en-GB" sz="1100" dirty="0" err="1" smtClean="0">
+                <a:solidFill>
+                  <a:srgbClr val="000000"/>
+                </a:solidFill>
+                <a:latin typeface="Consolas"/>
+              </a:rPr>
+              <a:t>.newTransientInstance</a:t>
+            </a:r>
+            <a:r>
+              <a:rPr lang="en-GB" sz="1100" dirty="0" smtClean="0">
+                <a:solidFill>
+                  <a:srgbClr val="000000"/>
+                </a:solidFill>
+                <a:latin typeface="Consolas"/>
+              </a:rPr>
+              <a:t>(</a:t>
+            </a:r>
+            <a:r>
+              <a:rPr lang="en-GB" sz="1100" dirty="0" err="1" smtClean="0">
+                <a:solidFill>
+                  <a:srgbClr val="000000"/>
+                </a:solidFill>
+                <a:latin typeface="Consolas"/>
+              </a:rPr>
+              <a:t>ToDoItem.</a:t>
+            </a:r>
+            <a:r>
+              <a:rPr lang="en-GB" sz="1100" dirty="0" err="1" smtClean="0">
+                <a:solidFill>
+                  <a:srgbClr val="7F0055"/>
+                </a:solidFill>
+                <a:latin typeface="Consolas"/>
+              </a:rPr>
+              <a:t>class</a:t>
+            </a:r>
+            <a:r>
+              <a:rPr lang="en-GB" sz="1100" dirty="0">
+                <a:solidFill>
+                  <a:srgbClr val="000000"/>
+                </a:solidFill>
+                <a:latin typeface="Consolas"/>
+              </a:rPr>
+              <a:t>);</a:t>
+            </a:r>
+          </a:p>
+          <a:p>
+            <a:r>
+              <a:rPr lang="en-GB" sz="1100" dirty="0">
+                <a:solidFill>
+                  <a:srgbClr val="000000"/>
+                </a:solidFill>
+                <a:latin typeface="Consolas"/>
+              </a:rPr>
+              <a:t>    </a:t>
+            </a:r>
+            <a:r>
+              <a:rPr lang="en-GB" sz="1100" dirty="0" err="1" smtClean="0">
+                <a:solidFill>
+                  <a:srgbClr val="000000"/>
+                </a:solidFill>
+                <a:latin typeface="Consolas"/>
+              </a:rPr>
+              <a:t>toDoItem.setDescription</a:t>
+            </a:r>
+            <a:r>
+              <a:rPr lang="en-GB" sz="1100" dirty="0" smtClean="0">
+                <a:solidFill>
+                  <a:srgbClr val="000000"/>
+                </a:solidFill>
+                <a:latin typeface="Consolas"/>
+              </a:rPr>
+              <a:t>(description</a:t>
+            </a:r>
+            <a:r>
+              <a:rPr lang="en-GB" sz="1100" dirty="0">
+                <a:solidFill>
+                  <a:srgbClr val="000000"/>
+                </a:solidFill>
+                <a:latin typeface="Consolas"/>
+              </a:rPr>
+              <a:t>);</a:t>
+            </a:r>
+          </a:p>
+          <a:p>
+            <a:r>
+              <a:rPr lang="en-GB" sz="1100" dirty="0">
+                <a:solidFill>
+                  <a:srgbClr val="000000"/>
+                </a:solidFill>
+                <a:latin typeface="Consolas"/>
+              </a:rPr>
+              <a:t>    </a:t>
+            </a:r>
+            <a:r>
+              <a:rPr lang="en-GB" sz="1100" dirty="0" err="1" smtClean="0">
+                <a:solidFill>
+                  <a:srgbClr val="000000"/>
+                </a:solidFill>
+                <a:latin typeface="Consolas"/>
+              </a:rPr>
+              <a:t>toDoItem.setCategory</a:t>
+            </a:r>
+            <a:r>
+              <a:rPr lang="en-GB" sz="1100" dirty="0" smtClean="0">
+                <a:solidFill>
+                  <a:srgbClr val="000000"/>
+                </a:solidFill>
+                <a:latin typeface="Consolas"/>
+              </a:rPr>
+              <a:t>(category</a:t>
+            </a:r>
+            <a:r>
+              <a:rPr lang="en-GB" sz="1100" dirty="0">
+                <a:solidFill>
+                  <a:srgbClr val="000000"/>
+                </a:solidFill>
+                <a:latin typeface="Consolas"/>
+              </a:rPr>
+              <a:t>);</a:t>
+            </a:r>
+          </a:p>
+          <a:p>
+            <a:r>
+              <a:rPr lang="en-GB" sz="1100" dirty="0">
+                <a:solidFill>
+                  <a:srgbClr val="000000"/>
+                </a:solidFill>
+                <a:latin typeface="Consolas"/>
+              </a:rPr>
+              <a:t>    </a:t>
+            </a:r>
+            <a:r>
+              <a:rPr lang="en-GB" sz="1100" dirty="0" err="1" smtClean="0">
+                <a:solidFill>
+                  <a:srgbClr val="000000"/>
+                </a:solidFill>
+                <a:latin typeface="Consolas"/>
+              </a:rPr>
+              <a:t>toDoItem.setSubcategory</a:t>
+            </a:r>
+            <a:r>
+              <a:rPr lang="en-GB" sz="1100" dirty="0" smtClean="0">
+                <a:solidFill>
+                  <a:srgbClr val="000000"/>
+                </a:solidFill>
+                <a:latin typeface="Consolas"/>
+              </a:rPr>
+              <a:t>(subcategory</a:t>
+            </a:r>
+            <a:r>
+              <a:rPr lang="en-GB" sz="1100" dirty="0">
+                <a:solidFill>
+                  <a:srgbClr val="000000"/>
+                </a:solidFill>
+                <a:latin typeface="Consolas"/>
+              </a:rPr>
+              <a:t>);</a:t>
+            </a:r>
+          </a:p>
+          <a:p>
+            <a:r>
+              <a:rPr lang="en-GB" sz="1100" dirty="0">
+                <a:solidFill>
+                  <a:srgbClr val="000000"/>
+                </a:solidFill>
+                <a:latin typeface="Consolas"/>
+              </a:rPr>
+              <a:t>    </a:t>
+            </a:r>
+            <a:r>
+              <a:rPr lang="en-GB" sz="1100" dirty="0" err="1" smtClean="0">
+                <a:solidFill>
+                  <a:srgbClr val="000000"/>
+                </a:solidFill>
+                <a:latin typeface="Consolas"/>
+              </a:rPr>
+              <a:t>toDoItem.setOwnedBy</a:t>
+            </a:r>
+            <a:r>
+              <a:rPr lang="en-GB" sz="1100" dirty="0" smtClean="0">
+                <a:solidFill>
+                  <a:srgbClr val="000000"/>
+                </a:solidFill>
+                <a:latin typeface="Consolas"/>
+              </a:rPr>
+              <a:t>(</a:t>
+            </a:r>
+            <a:r>
+              <a:rPr lang="en-GB" sz="1100" dirty="0" err="1" smtClean="0">
+                <a:solidFill>
+                  <a:srgbClr val="000000"/>
+                </a:solidFill>
+                <a:latin typeface="Consolas"/>
+              </a:rPr>
+              <a:t>userName</a:t>
+            </a:r>
+            <a:r>
+              <a:rPr lang="en-GB" sz="1100" dirty="0">
+                <a:solidFill>
+                  <a:srgbClr val="000000"/>
+                </a:solidFill>
+                <a:latin typeface="Consolas"/>
+              </a:rPr>
+              <a:t>);</a:t>
+            </a:r>
+          </a:p>
+          <a:p>
+            <a:r>
+              <a:rPr lang="en-GB" sz="1100" dirty="0">
+                <a:solidFill>
+                  <a:srgbClr val="000000"/>
+                </a:solidFill>
+                <a:latin typeface="Consolas"/>
+              </a:rPr>
+              <a:t>    </a:t>
+            </a:r>
+            <a:r>
+              <a:rPr lang="en-GB" sz="1100" dirty="0" err="1" smtClean="0">
+                <a:solidFill>
+                  <a:srgbClr val="000000"/>
+                </a:solidFill>
+                <a:latin typeface="Consolas"/>
+              </a:rPr>
+              <a:t>toDoItem.setDueBy</a:t>
+            </a:r>
+            <a:r>
+              <a:rPr lang="en-GB" sz="1100" dirty="0" smtClean="0">
+                <a:solidFill>
+                  <a:srgbClr val="000000"/>
+                </a:solidFill>
+                <a:latin typeface="Consolas"/>
+              </a:rPr>
+              <a:t>(</a:t>
+            </a:r>
+            <a:r>
+              <a:rPr lang="en-GB" sz="1100" dirty="0" err="1" smtClean="0">
+                <a:solidFill>
+                  <a:srgbClr val="000000"/>
+                </a:solidFill>
+                <a:latin typeface="Consolas"/>
+              </a:rPr>
+              <a:t>dueBy</a:t>
+            </a:r>
+            <a:r>
+              <a:rPr lang="en-GB" sz="1100" dirty="0">
+                <a:solidFill>
+                  <a:srgbClr val="000000"/>
+                </a:solidFill>
+                <a:latin typeface="Consolas"/>
+              </a:rPr>
+              <a:t>);</a:t>
+            </a:r>
+          </a:p>
+          <a:p>
+            <a:r>
+              <a:rPr lang="en-GB" sz="1100" dirty="0">
+                <a:solidFill>
+                  <a:srgbClr val="000000"/>
+                </a:solidFill>
+                <a:latin typeface="Consolas"/>
+              </a:rPr>
+              <a:t>    </a:t>
+            </a:r>
+            <a:r>
+              <a:rPr lang="en-GB" sz="1100" dirty="0" err="1" smtClean="0">
+                <a:solidFill>
+                  <a:srgbClr val="000000"/>
+                </a:solidFill>
+                <a:latin typeface="Consolas"/>
+              </a:rPr>
+              <a:t>toDoItem.setCost</a:t>
+            </a:r>
+            <a:r>
+              <a:rPr lang="en-GB" sz="1100" dirty="0" smtClean="0">
+                <a:solidFill>
+                  <a:srgbClr val="000000"/>
+                </a:solidFill>
+                <a:latin typeface="Consolas"/>
+              </a:rPr>
+              <a:t>(cost</a:t>
+            </a:r>
+            <a:r>
+              <a:rPr lang="en-GB" sz="1100" dirty="0">
+                <a:solidFill>
+                  <a:srgbClr val="000000"/>
+                </a:solidFill>
+                <a:latin typeface="Consolas"/>
+              </a:rPr>
+              <a:t>);</a:t>
+            </a:r>
+          </a:p>
+          <a:p>
+            <a:r>
+              <a:rPr lang="en-GB" sz="1100" dirty="0" smtClean="0">
+                <a:solidFill>
+                  <a:srgbClr val="0000C0"/>
+                </a:solidFill>
+                <a:latin typeface="Consolas"/>
+              </a:rPr>
+              <a:t>    </a:t>
+            </a:r>
+            <a:r>
+              <a:rPr lang="en-GB" sz="1100" dirty="0" err="1" smtClean="0">
+                <a:solidFill>
+                  <a:srgbClr val="0000C0"/>
+                </a:solidFill>
+                <a:latin typeface="Consolas"/>
+              </a:rPr>
+              <a:t>container</a:t>
+            </a:r>
+            <a:r>
+              <a:rPr lang="en-GB" sz="1100" dirty="0" err="1" smtClean="0">
+                <a:solidFill>
+                  <a:srgbClr val="000000"/>
+                </a:solidFill>
+                <a:latin typeface="Consolas"/>
+              </a:rPr>
+              <a:t>.persist</a:t>
+            </a:r>
+            <a:r>
+              <a:rPr lang="en-GB" sz="1100" dirty="0" smtClean="0">
+                <a:solidFill>
+                  <a:srgbClr val="000000"/>
+                </a:solidFill>
+                <a:latin typeface="Consolas"/>
+              </a:rPr>
+              <a:t>(</a:t>
+            </a:r>
+            <a:r>
+              <a:rPr lang="en-GB" sz="1100" dirty="0" err="1" smtClean="0">
+                <a:solidFill>
+                  <a:srgbClr val="000000"/>
+                </a:solidFill>
+                <a:latin typeface="Consolas"/>
+              </a:rPr>
+              <a:t>toDoItem</a:t>
+            </a:r>
+            <a:r>
+              <a:rPr lang="en-GB" sz="1100" dirty="0">
+                <a:solidFill>
+                  <a:srgbClr val="000000"/>
+                </a:solidFill>
+                <a:latin typeface="Consolas"/>
+              </a:rPr>
+              <a:t>);</a:t>
+            </a:r>
+          </a:p>
+          <a:p>
+            <a:r>
+              <a:rPr lang="en-GB" sz="1100" dirty="0">
+                <a:solidFill>
+                  <a:srgbClr val="000000"/>
+                </a:solidFill>
+                <a:latin typeface="Consolas"/>
+              </a:rPr>
+              <a:t>    </a:t>
+            </a:r>
+            <a:r>
+              <a:rPr lang="en-GB" sz="1100" b="1" dirty="0" smtClean="0">
+                <a:solidFill>
+                  <a:srgbClr val="7F0055"/>
+                </a:solidFill>
+                <a:latin typeface="Consolas"/>
+              </a:rPr>
+              <a:t>return</a:t>
+            </a:r>
+            <a:r>
+              <a:rPr lang="en-GB" sz="1100" b="1" dirty="0" smtClean="0">
+                <a:solidFill>
+                  <a:srgbClr val="000000"/>
+                </a:solidFill>
+                <a:latin typeface="Consolas"/>
+              </a:rPr>
+              <a:t> </a:t>
+            </a:r>
+            <a:r>
+              <a:rPr lang="en-GB" sz="1100" dirty="0" err="1">
+                <a:solidFill>
+                  <a:srgbClr val="000000"/>
+                </a:solidFill>
+                <a:latin typeface="Consolas"/>
+              </a:rPr>
+              <a:t>toDoItem</a:t>
+            </a:r>
+            <a:r>
+              <a:rPr lang="en-GB" sz="1100" b="1" dirty="0">
+                <a:solidFill>
+                  <a:srgbClr val="000000"/>
+                </a:solidFill>
+                <a:latin typeface="Consolas"/>
+              </a:rPr>
+              <a:t>;</a:t>
+            </a:r>
+            <a:endParaRPr lang="en-GB" sz="1100" dirty="0" smtClean="0">
+              <a:solidFill>
+                <a:srgbClr val="000000"/>
+              </a:solidFill>
+              <a:latin typeface="Consolas"/>
+            </a:endParaRPr>
+          </a:p>
+          <a:p>
+            <a:r>
+              <a:rPr lang="en-GB" sz="1100" dirty="0" smtClean="0">
+                <a:solidFill>
+                  <a:srgbClr val="000000"/>
+                </a:solidFill>
+                <a:latin typeface="Consolas"/>
+              </a:rPr>
+              <a:t>  }</a:t>
+            </a:r>
+          </a:p>
+          <a:p>
+            <a:r>
+              <a:rPr lang="en-GB" sz="1100" dirty="0">
+                <a:solidFill>
+                  <a:srgbClr val="000000"/>
+                </a:solidFill>
+                <a:latin typeface="Consolas"/>
+              </a:rPr>
+              <a:t> </a:t>
+            </a:r>
+            <a:r>
+              <a:rPr lang="en-GB" sz="1100" dirty="0" smtClean="0">
+                <a:solidFill>
+                  <a:srgbClr val="000000"/>
+                </a:solidFill>
+                <a:latin typeface="Consolas"/>
+              </a:rPr>
+              <a:t> </a:t>
+            </a:r>
+            <a:r>
+              <a:rPr lang="en-GB" sz="1100" dirty="0" smtClean="0">
+                <a:solidFill>
+                  <a:srgbClr val="000000"/>
+                </a:solidFill>
+                <a:latin typeface="Consolas"/>
+              </a:rPr>
+              <a:t>...</a:t>
+            </a:r>
+          </a:p>
+          <a:p>
+            <a:r>
+              <a:rPr lang="en-GB" sz="1100" dirty="0">
+                <a:solidFill>
+                  <a:srgbClr val="000000"/>
+                </a:solidFill>
+                <a:latin typeface="Consolas"/>
+              </a:rPr>
+              <a:t>  </a:t>
+            </a:r>
+            <a:r>
+              <a:rPr lang="en-GB" sz="1100" b="1" dirty="0" smtClean="0">
+                <a:solidFill>
+                  <a:srgbClr val="7F0055"/>
+                </a:solidFill>
+                <a:latin typeface="Consolas"/>
+              </a:rPr>
+              <a:t>private</a:t>
+            </a:r>
+            <a:r>
+              <a:rPr lang="en-GB" sz="1100" b="1" dirty="0" smtClean="0">
+                <a:solidFill>
+                  <a:srgbClr val="000000"/>
+                </a:solidFill>
+                <a:latin typeface="Consolas"/>
+              </a:rPr>
+              <a:t> </a:t>
+            </a:r>
+            <a:r>
+              <a:rPr lang="en-GB" sz="1100" b="1" dirty="0" err="1">
+                <a:solidFill>
+                  <a:srgbClr val="000000"/>
+                </a:solidFill>
+                <a:latin typeface="Consolas"/>
+              </a:rPr>
+              <a:t>DomainObjectContainer</a:t>
+            </a:r>
+            <a:r>
+              <a:rPr lang="en-GB" sz="1100" b="1" dirty="0">
+                <a:solidFill>
+                  <a:srgbClr val="000000"/>
+                </a:solidFill>
+                <a:latin typeface="Consolas"/>
+              </a:rPr>
+              <a:t> </a:t>
+            </a:r>
+            <a:r>
+              <a:rPr lang="en-GB" sz="1100" b="1" dirty="0">
+                <a:solidFill>
+                  <a:srgbClr val="0000C0"/>
+                </a:solidFill>
+                <a:latin typeface="Consolas"/>
+              </a:rPr>
+              <a:t>container</a:t>
+            </a:r>
+            <a:r>
+              <a:rPr lang="en-GB" sz="1100" b="1" dirty="0">
+                <a:solidFill>
+                  <a:srgbClr val="000000"/>
+                </a:solidFill>
+                <a:latin typeface="Consolas"/>
+              </a:rPr>
+              <a:t>;</a:t>
+            </a:r>
+          </a:p>
+          <a:p>
+            <a:r>
+              <a:rPr lang="en-GB" sz="1100" b="1" dirty="0" smtClean="0">
+                <a:solidFill>
+                  <a:srgbClr val="7F0055"/>
+                </a:solidFill>
+                <a:latin typeface="Consolas"/>
+              </a:rPr>
+              <a:t>  public</a:t>
+            </a:r>
+            <a:r>
+              <a:rPr lang="en-GB" sz="1100" b="1" dirty="0" smtClean="0">
+                <a:solidFill>
+                  <a:srgbClr val="000000"/>
+                </a:solidFill>
+                <a:latin typeface="Consolas"/>
+              </a:rPr>
+              <a:t> </a:t>
+            </a:r>
+            <a:r>
+              <a:rPr lang="en-GB" sz="1100" b="1" dirty="0">
+                <a:solidFill>
+                  <a:srgbClr val="7F0055"/>
+                </a:solidFill>
+                <a:latin typeface="Consolas"/>
+              </a:rPr>
+              <a:t>void</a:t>
+            </a:r>
+            <a:r>
+              <a:rPr lang="en-GB" sz="1100" b="1" dirty="0">
+                <a:solidFill>
+                  <a:srgbClr val="000000"/>
+                </a:solidFill>
+                <a:latin typeface="Consolas"/>
+              </a:rPr>
+              <a:t> </a:t>
+            </a:r>
+            <a:r>
+              <a:rPr lang="en-GB" sz="1100" b="1" dirty="0" err="1">
+                <a:solidFill>
+                  <a:srgbClr val="000000"/>
+                </a:solidFill>
+                <a:latin typeface="Consolas"/>
+              </a:rPr>
+              <a:t>injectDomainObjectContainer</a:t>
+            </a:r>
+            <a:r>
+              <a:rPr lang="en-GB" sz="1100" b="1" dirty="0" smtClean="0">
+                <a:solidFill>
+                  <a:srgbClr val="000000"/>
+                </a:solidFill>
+                <a:latin typeface="Consolas"/>
+              </a:rPr>
+              <a:t>(</a:t>
+            </a:r>
+          </a:p>
+          <a:p>
+            <a:r>
+              <a:rPr lang="en-GB" sz="1100" b="1" dirty="0">
+                <a:solidFill>
+                  <a:srgbClr val="000000"/>
+                </a:solidFill>
+                <a:latin typeface="Consolas"/>
+              </a:rPr>
+              <a:t> </a:t>
+            </a:r>
+            <a:r>
+              <a:rPr lang="en-GB" sz="1100" b="1" dirty="0" smtClean="0">
+                <a:solidFill>
+                  <a:srgbClr val="000000"/>
+                </a:solidFill>
+                <a:latin typeface="Consolas"/>
+              </a:rPr>
+              <a:t>     </a:t>
+            </a:r>
+            <a:r>
+              <a:rPr lang="en-GB" sz="1100" b="1" dirty="0" smtClean="0">
+                <a:solidFill>
+                  <a:srgbClr val="7F0055"/>
+                </a:solidFill>
+                <a:latin typeface="Consolas"/>
+              </a:rPr>
+              <a:t>final</a:t>
+            </a:r>
+            <a:r>
+              <a:rPr lang="en-GB" sz="1100" b="1" dirty="0" smtClean="0">
+                <a:solidFill>
+                  <a:srgbClr val="000000"/>
+                </a:solidFill>
+                <a:latin typeface="Consolas"/>
+              </a:rPr>
+              <a:t> </a:t>
+            </a:r>
+            <a:r>
+              <a:rPr lang="en-GB" sz="1100" b="1" dirty="0" err="1">
+                <a:solidFill>
+                  <a:srgbClr val="000000"/>
+                </a:solidFill>
+                <a:latin typeface="Consolas"/>
+              </a:rPr>
+              <a:t>DomainObjectContainer</a:t>
+            </a:r>
+            <a:r>
+              <a:rPr lang="en-GB" sz="1100" b="1" dirty="0">
+                <a:solidFill>
+                  <a:srgbClr val="000000"/>
+                </a:solidFill>
+                <a:latin typeface="Consolas"/>
+              </a:rPr>
+              <a:t> container) {</a:t>
+            </a:r>
+          </a:p>
+          <a:p>
+            <a:r>
+              <a:rPr lang="en-GB" sz="1100" dirty="0">
+                <a:solidFill>
+                  <a:srgbClr val="000000"/>
+                </a:solidFill>
+                <a:latin typeface="Consolas"/>
+              </a:rPr>
+              <a:t>    </a:t>
+            </a:r>
+            <a:r>
+              <a:rPr lang="en-GB" sz="1100" dirty="0" err="1" smtClean="0">
+                <a:solidFill>
+                  <a:srgbClr val="7F0055"/>
+                </a:solidFill>
+                <a:latin typeface="Consolas"/>
+              </a:rPr>
+              <a:t>this</a:t>
+            </a:r>
+            <a:r>
+              <a:rPr lang="en-GB" sz="1100" dirty="0" err="1" smtClean="0">
+                <a:solidFill>
+                  <a:srgbClr val="000000"/>
+                </a:solidFill>
+                <a:latin typeface="Consolas"/>
+              </a:rPr>
+              <a:t>.</a:t>
+            </a:r>
+            <a:r>
+              <a:rPr lang="en-GB" sz="1100" dirty="0" err="1" smtClean="0">
+                <a:solidFill>
+                  <a:srgbClr val="0000C0"/>
+                </a:solidFill>
+                <a:latin typeface="Consolas"/>
+              </a:rPr>
+              <a:t>container</a:t>
+            </a:r>
+            <a:r>
+              <a:rPr lang="en-GB" sz="1100" dirty="0" smtClean="0">
+                <a:solidFill>
+                  <a:srgbClr val="000000"/>
+                </a:solidFill>
+                <a:latin typeface="Consolas"/>
+              </a:rPr>
+              <a:t> </a:t>
+            </a:r>
+            <a:r>
+              <a:rPr lang="en-GB" sz="1100" dirty="0">
+                <a:solidFill>
+                  <a:srgbClr val="000000"/>
+                </a:solidFill>
+                <a:latin typeface="Consolas"/>
+              </a:rPr>
+              <a:t>= container;</a:t>
+            </a:r>
+          </a:p>
+          <a:p>
+            <a:r>
+              <a:rPr lang="en-GB" sz="1100" dirty="0" smtClean="0">
+                <a:solidFill>
+                  <a:srgbClr val="000000"/>
+                </a:solidFill>
+                <a:latin typeface="Consolas"/>
+              </a:rPr>
+              <a:t>  </a:t>
+            </a:r>
+            <a:r>
+              <a:rPr lang="en-GB" sz="1100" dirty="0">
+                <a:solidFill>
+                  <a:srgbClr val="000000"/>
+                </a:solidFill>
+                <a:latin typeface="Consolas"/>
+              </a:rPr>
+              <a:t>}</a:t>
+            </a:r>
+            <a:endParaRPr lang="en-GB" sz="1100" dirty="0" smtClean="0">
+              <a:solidFill>
+                <a:srgbClr val="000000"/>
+              </a:solidFill>
+              <a:latin typeface="Consolas"/>
+            </a:endParaRPr>
+          </a:p>
+          <a:p>
+            <a:r>
+              <a:rPr lang="en-GB" sz="1100" b="1" dirty="0" smtClean="0">
+                <a:solidFill>
+                  <a:srgbClr val="000000"/>
+                </a:solidFill>
+                <a:latin typeface="Consolas"/>
+              </a:rPr>
+              <a:t>}</a:t>
+            </a:r>
           </a:p>
         </p:txBody>
       </p:sp>
@@ -12637,8 +14168,8 @@
         </p:nvSpPr>
         <p:spPr>
           <a:xfrm>
-            <a:off x="827584" y="5003884"/>
-            <a:ext cx="4824536" cy="369332"/>
+            <a:off x="251520" y="188640"/>
+            <a:ext cx="4176464" cy="1754326"/>
           </a:xfrm>
           <a:prstGeom prst="rect">
             <a:avLst/>
@@ -12667,21 +14198,776 @@
             <a:pPr algn="ctr"/>
             <a:r>
               <a:rPr lang="en-GB" dirty="0" smtClean="0"/>
-              <a:t>Info messages can also be displayed</a:t>
-            </a:r>
+              <a:t>The </a:t>
+            </a:r>
+            <a:r>
+              <a:rPr lang="en-GB" dirty="0" err="1" smtClean="0"/>
+              <a:t>DomainObjectContainer</a:t>
+            </a:r>
+            <a:r>
+              <a:rPr lang="en-GB" dirty="0" smtClean="0"/>
+              <a:t> is most commonly used as an abstraction over the object store, to create and persist objects, and to query objects.  </a:t>
+            </a:r>
+          </a:p>
+          <a:p>
+            <a:pPr algn="ctr"/>
+            <a:r>
+              <a:rPr lang="en-GB" dirty="0" smtClean="0"/>
+              <a:t>It </a:t>
+            </a:r>
+            <a:r>
+              <a:rPr lang="en-GB" dirty="0" smtClean="0"/>
+              <a:t>can also be used to raise </a:t>
+            </a:r>
+            <a:r>
+              <a:rPr lang="en-GB" dirty="0"/>
+              <a:t>informational and </a:t>
+            </a:r>
+            <a:r>
+              <a:rPr lang="en-GB" dirty="0" smtClean="0"/>
+              <a:t>warning </a:t>
+            </a:r>
+            <a:r>
+              <a:rPr lang="en-GB" dirty="0"/>
+              <a:t>messages to </a:t>
+            </a:r>
+            <a:r>
+              <a:rPr lang="en-GB" dirty="0" smtClean="0"/>
+              <a:t>the user</a:t>
+            </a:r>
+            <a:endParaRPr lang="en-GB" dirty="0" smtClean="0"/>
           </a:p>
         </p:txBody>
       </p:sp>
       <p:sp>
         <p:nvSpPr>
-          <p:cNvPr id="3" name="TextBox 2"/>
+          <p:cNvPr id="7" name="TextBox 6"/>
           <p:cNvSpPr txBox="1"/>
           <p:nvPr/>
         </p:nvSpPr>
         <p:spPr>
           <a:xfrm>
-            <a:off x="693377" y="980728"/>
-            <a:ext cx="4824536" cy="369332"/>
+            <a:off x="4572001" y="476672"/>
+            <a:ext cx="4320479" cy="2631490"/>
+          </a:xfrm>
+          <a:prstGeom prst="rect">
+            <a:avLst/>
+          </a:prstGeom>
+          <a:solidFill>
+            <a:schemeClr val="bg1">
+              <a:lumMod val="95000"/>
+            </a:schemeClr>
+          </a:solidFill>
+        </p:spPr>
+        <p:style>
+          <a:lnRef idx="1">
+            <a:schemeClr val="accent3"/>
+          </a:lnRef>
+          <a:fillRef idx="2">
+            <a:schemeClr val="accent3"/>
+          </a:fillRef>
+          <a:effectRef idx="1">
+            <a:schemeClr val="accent3"/>
+          </a:effectRef>
+          <a:fontRef idx="minor">
+            <a:schemeClr val="dk1"/>
+          </a:fontRef>
+        </p:style>
+        <p:txBody>
+          <a:bodyPr wrap="square" rtlCol="0">
+            <a:spAutoFit/>
+          </a:bodyPr>
+          <a:lstStyle/>
+          <a:p>
+            <a:r>
+              <a:rPr lang="en-US" sz="1100" b="1" dirty="0" smtClean="0">
+                <a:solidFill>
+                  <a:srgbClr val="7F0055"/>
+                </a:solidFill>
+                <a:latin typeface="Consolas"/>
+              </a:rPr>
+              <a:t>public</a:t>
+            </a:r>
+            <a:r>
+              <a:rPr lang="en-US" sz="1100" b="1" dirty="0" smtClean="0">
+                <a:solidFill>
+                  <a:srgbClr val="000000"/>
+                </a:solidFill>
+                <a:latin typeface="Consolas"/>
+              </a:rPr>
+              <a:t> </a:t>
+            </a:r>
+            <a:r>
+              <a:rPr lang="en-US" sz="1100" b="1" dirty="0" smtClean="0">
+                <a:solidFill>
+                  <a:srgbClr val="7F0055"/>
+                </a:solidFill>
+                <a:latin typeface="Consolas"/>
+              </a:rPr>
+              <a:t>class</a:t>
+            </a:r>
+            <a:r>
+              <a:rPr lang="en-US" sz="1100" b="1" dirty="0" smtClean="0">
+                <a:solidFill>
+                  <a:srgbClr val="000000"/>
+                </a:solidFill>
+                <a:latin typeface="Consolas"/>
+              </a:rPr>
+              <a:t> </a:t>
+            </a:r>
+            <a:r>
+              <a:rPr lang="en-US" sz="1100" b="1" dirty="0" err="1" smtClean="0">
+                <a:solidFill>
+                  <a:srgbClr val="000000"/>
+                </a:solidFill>
+                <a:latin typeface="Consolas"/>
+              </a:rPr>
+              <a:t>ToDoItems</a:t>
+            </a:r>
+            <a:r>
+              <a:rPr lang="en-US" sz="1100" b="1" dirty="0" smtClean="0">
+                <a:solidFill>
+                  <a:srgbClr val="000000"/>
+                </a:solidFill>
+                <a:latin typeface="Consolas"/>
+              </a:rPr>
+              <a:t> </a:t>
+            </a:r>
+            <a:r>
+              <a:rPr lang="en-US" sz="1100" b="1" dirty="0" smtClean="0">
+                <a:solidFill>
+                  <a:srgbClr val="7F0055"/>
+                </a:solidFill>
+                <a:latin typeface="Consolas"/>
+              </a:rPr>
+              <a:t>...</a:t>
+            </a:r>
+            <a:r>
+              <a:rPr lang="en-US" sz="1100" b="1" dirty="0" smtClean="0">
+                <a:solidFill>
+                  <a:srgbClr val="000000"/>
+                </a:solidFill>
+                <a:latin typeface="Consolas"/>
+              </a:rPr>
+              <a:t> {</a:t>
+            </a:r>
+          </a:p>
+          <a:p>
+            <a:r>
+              <a:rPr lang="en-GB" sz="1100" dirty="0">
+                <a:solidFill>
+                  <a:srgbClr val="000000"/>
+                </a:solidFill>
+                <a:latin typeface="Consolas"/>
+              </a:rPr>
+              <a:t> </a:t>
+            </a:r>
+            <a:r>
+              <a:rPr lang="en-GB" sz="1100" dirty="0" smtClean="0">
+                <a:solidFill>
+                  <a:srgbClr val="000000"/>
+                </a:solidFill>
+                <a:latin typeface="Consolas"/>
+              </a:rPr>
+              <a:t> ...</a:t>
+            </a:r>
+          </a:p>
+          <a:p>
+            <a:r>
+              <a:rPr lang="en-GB" sz="1100" b="1" dirty="0" smtClean="0">
+                <a:solidFill>
+                  <a:srgbClr val="7F0055"/>
+                </a:solidFill>
+                <a:latin typeface="Consolas"/>
+              </a:rPr>
+              <a:t>  public</a:t>
+            </a:r>
+            <a:r>
+              <a:rPr lang="en-GB" sz="1100" b="1" dirty="0" smtClean="0">
+                <a:solidFill>
+                  <a:srgbClr val="000000"/>
+                </a:solidFill>
+                <a:latin typeface="Consolas"/>
+              </a:rPr>
+              <a:t> </a:t>
+            </a:r>
+            <a:r>
+              <a:rPr lang="en-GB" sz="1100" b="1" dirty="0">
+                <a:solidFill>
+                  <a:srgbClr val="000000"/>
+                </a:solidFill>
+                <a:latin typeface="Consolas"/>
+              </a:rPr>
+              <a:t>List&lt;</a:t>
+            </a:r>
+            <a:r>
+              <a:rPr lang="en-GB" sz="1100" b="1" dirty="0" err="1">
+                <a:solidFill>
+                  <a:srgbClr val="000000"/>
+                </a:solidFill>
+                <a:latin typeface="Consolas"/>
+              </a:rPr>
+              <a:t>ToDoItem</a:t>
+            </a:r>
+            <a:r>
+              <a:rPr lang="en-GB" sz="1100" b="1" dirty="0">
+                <a:solidFill>
+                  <a:srgbClr val="000000"/>
+                </a:solidFill>
+                <a:latin typeface="Consolas"/>
+              </a:rPr>
+              <a:t>&gt; </a:t>
+            </a:r>
+            <a:r>
+              <a:rPr lang="en-GB" sz="1100" b="1" dirty="0" err="1">
+                <a:solidFill>
+                  <a:srgbClr val="000000"/>
+                </a:solidFill>
+                <a:latin typeface="Consolas"/>
+              </a:rPr>
+              <a:t>notYetComplete</a:t>
+            </a:r>
+            <a:r>
+              <a:rPr lang="en-GB" sz="1100" b="1" dirty="0">
+                <a:solidFill>
+                  <a:srgbClr val="000000"/>
+                </a:solidFill>
+                <a:latin typeface="Consolas"/>
+              </a:rPr>
+              <a:t>() {</a:t>
+            </a:r>
+          </a:p>
+          <a:p>
+            <a:r>
+              <a:rPr lang="en-GB" sz="1100" b="1" dirty="0" smtClean="0">
+                <a:solidFill>
+                  <a:srgbClr val="7F0055"/>
+                </a:solidFill>
+                <a:latin typeface="Consolas"/>
+              </a:rPr>
+              <a:t>    final</a:t>
+            </a:r>
+            <a:r>
+              <a:rPr lang="en-GB" sz="1100" b="1" dirty="0" smtClean="0">
+                <a:solidFill>
+                  <a:srgbClr val="000000"/>
+                </a:solidFill>
+                <a:latin typeface="Consolas"/>
+              </a:rPr>
+              <a:t> </a:t>
+            </a:r>
+            <a:r>
+              <a:rPr lang="en-GB" sz="1100" b="1" dirty="0">
+                <a:solidFill>
+                  <a:srgbClr val="000000"/>
+                </a:solidFill>
+                <a:latin typeface="Consolas"/>
+              </a:rPr>
+              <a:t>List&lt;</a:t>
+            </a:r>
+            <a:r>
+              <a:rPr lang="en-GB" sz="1100" b="1" dirty="0" err="1">
+                <a:solidFill>
+                  <a:srgbClr val="000000"/>
+                </a:solidFill>
+                <a:latin typeface="Consolas"/>
+              </a:rPr>
+              <a:t>ToDoItem</a:t>
+            </a:r>
+            <a:r>
+              <a:rPr lang="en-GB" sz="1100" b="1" dirty="0">
+                <a:solidFill>
+                  <a:srgbClr val="000000"/>
+                </a:solidFill>
+                <a:latin typeface="Consolas"/>
+              </a:rPr>
+              <a:t>&gt; items = </a:t>
+            </a:r>
+            <a:r>
+              <a:rPr lang="en-GB" sz="1100" dirty="0" err="1">
+                <a:solidFill>
+                  <a:srgbClr val="0000C0"/>
+                </a:solidFill>
+                <a:latin typeface="Consolas"/>
+              </a:rPr>
+              <a:t>container</a:t>
+            </a:r>
+            <a:r>
+              <a:rPr lang="en-GB" sz="1100" dirty="0" err="1">
+                <a:solidFill>
+                  <a:srgbClr val="000000"/>
+                </a:solidFill>
+                <a:latin typeface="Consolas"/>
+              </a:rPr>
+              <a:t>.allMatches</a:t>
+            </a:r>
+            <a:r>
+              <a:rPr lang="en-GB" sz="1100" dirty="0">
+                <a:solidFill>
+                  <a:srgbClr val="000000"/>
+                </a:solidFill>
+                <a:latin typeface="Consolas"/>
+              </a:rPr>
+              <a:t>(</a:t>
+            </a:r>
+          </a:p>
+          <a:p>
+            <a:r>
+              <a:rPr lang="en-GB" sz="1100" b="1" dirty="0" smtClean="0">
+                <a:solidFill>
+                  <a:srgbClr val="7F0055"/>
+                </a:solidFill>
+                <a:latin typeface="Consolas"/>
+              </a:rPr>
+              <a:t>      new</a:t>
+            </a:r>
+            <a:r>
+              <a:rPr lang="en-GB" sz="1100" b="1" dirty="0" smtClean="0">
+                <a:solidFill>
+                  <a:srgbClr val="000000"/>
+                </a:solidFill>
+                <a:latin typeface="Consolas"/>
+              </a:rPr>
+              <a:t> </a:t>
+            </a:r>
+            <a:r>
+              <a:rPr lang="en-GB" sz="1100" b="1" dirty="0" err="1">
+                <a:solidFill>
+                  <a:srgbClr val="000000"/>
+                </a:solidFill>
+                <a:latin typeface="Consolas"/>
+              </a:rPr>
+              <a:t>QueryDefault</a:t>
+            </a:r>
+            <a:r>
+              <a:rPr lang="en-GB" sz="1100" b="1" dirty="0">
+                <a:solidFill>
+                  <a:srgbClr val="000000"/>
+                </a:solidFill>
+                <a:latin typeface="Consolas"/>
+              </a:rPr>
+              <a:t>&lt;</a:t>
+            </a:r>
+            <a:r>
+              <a:rPr lang="en-GB" sz="1100" b="1" dirty="0" err="1">
+                <a:solidFill>
+                  <a:srgbClr val="000000"/>
+                </a:solidFill>
+                <a:latin typeface="Consolas"/>
+              </a:rPr>
+              <a:t>ToDoItem</a:t>
+            </a:r>
+            <a:r>
+              <a:rPr lang="en-GB" sz="1100" b="1" dirty="0" smtClean="0">
+                <a:solidFill>
+                  <a:srgbClr val="000000"/>
+                </a:solidFill>
+                <a:latin typeface="Consolas"/>
+              </a:rPr>
+              <a:t>&gt;(</a:t>
+            </a:r>
+          </a:p>
+          <a:p>
+            <a:r>
+              <a:rPr lang="en-GB" sz="1100" b="1" dirty="0">
+                <a:solidFill>
+                  <a:srgbClr val="000000"/>
+                </a:solidFill>
+                <a:latin typeface="Consolas"/>
+              </a:rPr>
+              <a:t> </a:t>
+            </a:r>
+            <a:r>
+              <a:rPr lang="en-GB" sz="1100" b="1" dirty="0" smtClean="0">
+                <a:solidFill>
+                  <a:srgbClr val="000000"/>
+                </a:solidFill>
+                <a:latin typeface="Consolas"/>
+              </a:rPr>
+              <a:t>       </a:t>
+            </a:r>
+            <a:r>
+              <a:rPr lang="en-GB" sz="1100" b="1" dirty="0" err="1" smtClean="0">
+                <a:solidFill>
+                  <a:srgbClr val="000000"/>
+                </a:solidFill>
+                <a:latin typeface="Consolas"/>
+              </a:rPr>
+              <a:t>ToDoItem.</a:t>
+            </a:r>
+            <a:r>
+              <a:rPr lang="en-GB" sz="1100" b="1" dirty="0" err="1" smtClean="0">
+                <a:solidFill>
+                  <a:srgbClr val="7F0055"/>
+                </a:solidFill>
+                <a:latin typeface="Consolas"/>
+              </a:rPr>
+              <a:t>class</a:t>
+            </a:r>
+            <a:r>
+              <a:rPr lang="en-GB" sz="1100" b="1" dirty="0">
+                <a:solidFill>
+                  <a:srgbClr val="000000"/>
+                </a:solidFill>
+                <a:latin typeface="Consolas"/>
+              </a:rPr>
+              <a:t>, </a:t>
+            </a:r>
+            <a:r>
+              <a:rPr lang="en-GB" sz="1100" dirty="0" smtClean="0">
+                <a:solidFill>
+                  <a:srgbClr val="2A00FF"/>
+                </a:solidFill>
+                <a:latin typeface="Consolas"/>
+              </a:rPr>
+              <a:t>"</a:t>
+            </a:r>
+            <a:r>
+              <a:rPr lang="en-GB" sz="1100" dirty="0" err="1">
+                <a:solidFill>
+                  <a:srgbClr val="2A00FF"/>
+                </a:solidFill>
+                <a:latin typeface="Consolas"/>
+              </a:rPr>
+              <a:t>todo_notYetComplete</a:t>
+            </a:r>
+            <a:r>
+              <a:rPr lang="en-GB" sz="1100" dirty="0">
+                <a:solidFill>
+                  <a:srgbClr val="2A00FF"/>
+                </a:solidFill>
+                <a:latin typeface="Consolas"/>
+              </a:rPr>
+              <a:t>"</a:t>
+            </a:r>
+            <a:r>
+              <a:rPr lang="en-GB" sz="1100" dirty="0">
+                <a:solidFill>
+                  <a:srgbClr val="000000"/>
+                </a:solidFill>
+                <a:latin typeface="Consolas"/>
+              </a:rPr>
+              <a:t>, </a:t>
+            </a:r>
+          </a:p>
+          <a:p>
+            <a:r>
+              <a:rPr lang="en-GB" sz="1100" dirty="0" smtClean="0">
+                <a:solidFill>
+                  <a:srgbClr val="2A00FF"/>
+                </a:solidFill>
+                <a:latin typeface="Consolas"/>
+              </a:rPr>
+              <a:t>        "</a:t>
+            </a:r>
+            <a:r>
+              <a:rPr lang="en-GB" sz="1100" dirty="0" err="1">
+                <a:solidFill>
+                  <a:srgbClr val="2A00FF"/>
+                </a:solidFill>
+                <a:latin typeface="Consolas"/>
+              </a:rPr>
+              <a:t>ownedBy</a:t>
+            </a:r>
+            <a:r>
+              <a:rPr lang="en-GB" sz="1100" dirty="0">
+                <a:solidFill>
+                  <a:srgbClr val="2A00FF"/>
+                </a:solidFill>
+                <a:latin typeface="Consolas"/>
+              </a:rPr>
+              <a:t>"</a:t>
+            </a:r>
+            <a:r>
+              <a:rPr lang="en-GB" sz="1100" dirty="0">
+                <a:solidFill>
+                  <a:srgbClr val="000000"/>
+                </a:solidFill>
+                <a:latin typeface="Consolas"/>
+              </a:rPr>
+              <a:t>, </a:t>
+            </a:r>
+            <a:r>
+              <a:rPr lang="en-GB" sz="1100" dirty="0" err="1">
+                <a:solidFill>
+                  <a:srgbClr val="000000"/>
+                </a:solidFill>
+                <a:latin typeface="Consolas"/>
+              </a:rPr>
+              <a:t>currentUserName</a:t>
+            </a:r>
+            <a:r>
+              <a:rPr lang="en-GB" sz="1100" dirty="0">
+                <a:solidFill>
+                  <a:srgbClr val="000000"/>
+                </a:solidFill>
+                <a:latin typeface="Consolas"/>
+              </a:rPr>
+              <a:t>()));</a:t>
+            </a:r>
+          </a:p>
+          <a:p>
+            <a:r>
+              <a:rPr lang="en-GB" sz="1100" dirty="0" smtClean="0">
+                <a:solidFill>
+                  <a:srgbClr val="000000"/>
+                </a:solidFill>
+                <a:latin typeface="Consolas"/>
+              </a:rPr>
+              <a:t>    </a:t>
+            </a:r>
+            <a:r>
+              <a:rPr lang="en-GB" sz="1100" b="1" dirty="0">
+                <a:solidFill>
+                  <a:srgbClr val="7F0055"/>
+                </a:solidFill>
+                <a:latin typeface="Consolas"/>
+              </a:rPr>
+              <a:t>if</a:t>
+            </a:r>
+            <a:r>
+              <a:rPr lang="en-GB" sz="1100" b="1" dirty="0">
+                <a:solidFill>
+                  <a:srgbClr val="000000"/>
+                </a:solidFill>
+                <a:latin typeface="Consolas"/>
+              </a:rPr>
+              <a:t>(</a:t>
+            </a:r>
+            <a:r>
+              <a:rPr lang="en-GB" sz="1100" b="1" dirty="0" err="1">
+                <a:solidFill>
+                  <a:srgbClr val="000000"/>
+                </a:solidFill>
+                <a:latin typeface="Consolas"/>
+              </a:rPr>
+              <a:t>items.isEmpty</a:t>
+            </a:r>
+            <a:r>
+              <a:rPr lang="en-GB" sz="1100" b="1" dirty="0">
+                <a:solidFill>
+                  <a:srgbClr val="000000"/>
+                </a:solidFill>
+                <a:latin typeface="Consolas"/>
+              </a:rPr>
+              <a:t>()) {</a:t>
+            </a:r>
+          </a:p>
+          <a:p>
+            <a:r>
+              <a:rPr lang="en-US" sz="1100" dirty="0" smtClean="0">
+                <a:solidFill>
+                  <a:srgbClr val="000000"/>
+                </a:solidFill>
+                <a:latin typeface="Consolas"/>
+              </a:rPr>
+              <a:t>      </a:t>
+            </a:r>
+            <a:r>
+              <a:rPr lang="en-US" sz="1100" dirty="0" err="1">
+                <a:solidFill>
+                  <a:srgbClr val="0000C0"/>
+                </a:solidFill>
+                <a:latin typeface="Consolas"/>
+              </a:rPr>
+              <a:t>container</a:t>
+            </a:r>
+            <a:r>
+              <a:rPr lang="en-US" sz="1100" dirty="0" err="1">
+                <a:solidFill>
+                  <a:srgbClr val="000000"/>
+                </a:solidFill>
+                <a:latin typeface="Consolas"/>
+              </a:rPr>
+              <a:t>.informUser</a:t>
+            </a:r>
+            <a:r>
+              <a:rPr lang="en-US" sz="1100" dirty="0" smtClean="0">
+                <a:solidFill>
+                  <a:srgbClr val="000000"/>
+                </a:solidFill>
+                <a:latin typeface="Consolas"/>
+              </a:rPr>
+              <a:t>(</a:t>
+            </a:r>
+          </a:p>
+          <a:p>
+            <a:r>
+              <a:rPr lang="en-US" sz="1100" dirty="0">
+                <a:solidFill>
+                  <a:srgbClr val="000000"/>
+                </a:solidFill>
+                <a:latin typeface="Consolas"/>
+              </a:rPr>
+              <a:t> </a:t>
+            </a:r>
+            <a:r>
+              <a:rPr lang="en-US" sz="1100" dirty="0" smtClean="0">
+                <a:solidFill>
+                  <a:srgbClr val="000000"/>
+                </a:solidFill>
+                <a:latin typeface="Consolas"/>
+              </a:rPr>
+              <a:t>       </a:t>
+            </a:r>
+            <a:r>
+              <a:rPr lang="en-US" sz="1100" dirty="0" smtClean="0">
+                <a:solidFill>
+                  <a:srgbClr val="2A00FF"/>
+                </a:solidFill>
+                <a:latin typeface="Consolas"/>
+              </a:rPr>
+              <a:t>"</a:t>
+            </a:r>
+            <a:r>
+              <a:rPr lang="en-US" sz="1100" dirty="0">
+                <a:solidFill>
+                  <a:srgbClr val="2A00FF"/>
+                </a:solidFill>
+                <a:latin typeface="Consolas"/>
+              </a:rPr>
+              <a:t>All to-do items have been completed :-)"</a:t>
+            </a:r>
+            <a:r>
+              <a:rPr lang="en-US" sz="1100" dirty="0">
+                <a:solidFill>
+                  <a:srgbClr val="000000"/>
+                </a:solidFill>
+                <a:latin typeface="Consolas"/>
+              </a:rPr>
+              <a:t>);</a:t>
+            </a:r>
+          </a:p>
+          <a:p>
+            <a:r>
+              <a:rPr lang="en-GB" sz="1100" dirty="0">
+                <a:solidFill>
+                  <a:srgbClr val="000000"/>
+                </a:solidFill>
+                <a:latin typeface="Consolas"/>
+              </a:rPr>
+              <a:t>    </a:t>
+            </a:r>
+            <a:r>
+              <a:rPr lang="en-GB" sz="1100" dirty="0" smtClean="0">
+                <a:solidFill>
+                  <a:srgbClr val="000000"/>
+                </a:solidFill>
+                <a:latin typeface="Consolas"/>
+              </a:rPr>
+              <a:t>}</a:t>
+            </a:r>
+            <a:endParaRPr lang="en-GB" sz="1100" dirty="0">
+              <a:solidFill>
+                <a:srgbClr val="000000"/>
+              </a:solidFill>
+              <a:latin typeface="Consolas"/>
+            </a:endParaRPr>
+          </a:p>
+          <a:p>
+            <a:r>
+              <a:rPr lang="en-GB" sz="1100" dirty="0">
+                <a:solidFill>
+                  <a:srgbClr val="000000"/>
+                </a:solidFill>
+                <a:latin typeface="Consolas"/>
+              </a:rPr>
+              <a:t>  </a:t>
+            </a:r>
+            <a:r>
+              <a:rPr lang="en-GB" sz="1100" b="1" dirty="0" smtClean="0">
+                <a:solidFill>
+                  <a:srgbClr val="7F0055"/>
+                </a:solidFill>
+                <a:latin typeface="Consolas"/>
+              </a:rPr>
+              <a:t>return</a:t>
+            </a:r>
+            <a:r>
+              <a:rPr lang="en-GB" sz="1100" b="1" dirty="0" smtClean="0">
+                <a:solidFill>
+                  <a:srgbClr val="000000"/>
+                </a:solidFill>
+                <a:latin typeface="Consolas"/>
+              </a:rPr>
+              <a:t> </a:t>
+            </a:r>
+            <a:r>
+              <a:rPr lang="en-GB" sz="1100" b="1" dirty="0">
+                <a:solidFill>
+                  <a:srgbClr val="000000"/>
+                </a:solidFill>
+                <a:latin typeface="Consolas"/>
+              </a:rPr>
+              <a:t>items;</a:t>
+            </a:r>
+          </a:p>
+          <a:p>
+            <a:r>
+              <a:rPr lang="en-GB" sz="1100" dirty="0">
+                <a:solidFill>
+                  <a:srgbClr val="000000"/>
+                </a:solidFill>
+                <a:latin typeface="Consolas"/>
+              </a:rPr>
+              <a:t>  </a:t>
+            </a:r>
+            <a:r>
+              <a:rPr lang="en-GB" sz="1100" dirty="0" smtClean="0">
+                <a:solidFill>
+                  <a:srgbClr val="000000"/>
+                </a:solidFill>
+                <a:latin typeface="Consolas"/>
+              </a:rPr>
+              <a:t>}</a:t>
+            </a:r>
+            <a:endParaRPr lang="en-GB" sz="1100" dirty="0">
+              <a:solidFill>
+                <a:srgbClr val="000000"/>
+              </a:solidFill>
+              <a:latin typeface="Consolas"/>
+            </a:endParaRPr>
+          </a:p>
+          <a:p>
+            <a:r>
+              <a:rPr lang="en-GB" sz="1100" dirty="0" smtClean="0">
+                <a:latin typeface="Consolas"/>
+              </a:rPr>
+              <a:t>  ...</a:t>
+            </a:r>
+            <a:endParaRPr lang="en-GB" sz="1100" dirty="0">
+              <a:latin typeface="Consolas"/>
+            </a:endParaRPr>
+          </a:p>
+          <a:p>
+            <a:r>
+              <a:rPr lang="en-GB" sz="1100" b="1" dirty="0" smtClean="0">
+                <a:solidFill>
+                  <a:srgbClr val="000000"/>
+                </a:solidFill>
+                <a:latin typeface="Consolas"/>
+              </a:rPr>
+              <a:t>}</a:t>
+            </a:r>
+            <a:endParaRPr lang="en-GB" sz="1100" b="1" dirty="0" smtClean="0">
+              <a:solidFill>
+                <a:srgbClr val="000000"/>
+              </a:solidFill>
+              <a:latin typeface="Consolas"/>
+            </a:endParaRPr>
+          </a:p>
+        </p:txBody>
+      </p:sp>
+      <p:sp>
+        <p:nvSpPr>
+          <p:cNvPr id="8" name="TextBox 7"/>
+          <p:cNvSpPr txBox="1"/>
+          <p:nvPr/>
+        </p:nvSpPr>
+        <p:spPr>
+          <a:xfrm>
+            <a:off x="232728" y="3501008"/>
+            <a:ext cx="4555295" cy="1477328"/>
           </a:xfrm>
           <a:prstGeom prst="rect">
             <a:avLst/>
@@ -12710,7 +14996,7 @@
             <a:pPr algn="ctr"/>
             <a:r>
               <a:rPr lang="en-GB" dirty="0" smtClean="0"/>
-              <a:t>Optimistic locking</a:t>
+              <a:t>Some actions – such as those to install test fixture data – can be annotated for prototyping purposes only.  These are styled differently in the UI, and are suppressed when running in Wicket’s DEPLOYMENT mode.</a:t>
             </a:r>
             <a:endParaRPr lang="en-GB" dirty="0" smtClean="0"/>
           </a:p>
@@ -12718,28 +15004,33 @@
       </p:sp>
       <p:sp>
         <p:nvSpPr>
-          <p:cNvPr id="4" name="TextBox 3"/>
+          <p:cNvPr id="9" name="TextBox 8"/>
           <p:cNvSpPr txBox="1"/>
           <p:nvPr/>
         </p:nvSpPr>
         <p:spPr>
           <a:xfrm>
-            <a:off x="835968" y="2780928"/>
-            <a:ext cx="4824536" cy="369332"/>
+            <a:off x="5004048" y="3998674"/>
+            <a:ext cx="3528391" cy="1277273"/>
           </a:xfrm>
           <a:prstGeom prst="rect">
             <a:avLst/>
           </a:prstGeom>
+          <a:solidFill>
+            <a:schemeClr val="bg1">
+              <a:lumMod val="95000"/>
+            </a:schemeClr>
+          </a:solidFill>
         </p:spPr>
         <p:style>
           <a:lnRef idx="1">
-            <a:schemeClr val="accent1"/>
+            <a:schemeClr val="accent3"/>
           </a:lnRef>
           <a:fillRef idx="2">
-            <a:schemeClr val="accent1"/>
+            <a:schemeClr val="accent3"/>
           </a:fillRef>
           <a:effectRef idx="1">
-            <a:schemeClr val="accent1"/>
+            <a:schemeClr val="accent3"/>
           </a:effectRef>
           <a:fontRef idx="minor">
             <a:schemeClr val="dk1"/>
@@ -12751,60 +15042,231 @@
           </a:bodyPr>
           <a:lstStyle/>
           <a:p>
-            <a:pPr algn="ctr"/>
-            <a:r>
-              <a:rPr lang="en-GB" dirty="0" err="1" smtClean="0"/>
-              <a:t>DomainObjectContainer</a:t>
-            </a:r>
-            <a:r>
-              <a:rPr lang="en-GB" dirty="0" smtClean="0"/>
-              <a:t> – one point of contact</a:t>
-            </a:r>
-            <a:endParaRPr lang="en-GB" dirty="0" smtClean="0"/>
-          </a:p>
-        </p:txBody>
-      </p:sp>
-      <p:sp>
-        <p:nvSpPr>
-          <p:cNvPr id="5" name="TextBox 4"/>
-          <p:cNvSpPr txBox="1"/>
-          <p:nvPr/>
-        </p:nvSpPr>
-        <p:spPr>
-          <a:xfrm>
-            <a:off x="827584" y="3851756"/>
-            <a:ext cx="4824536" cy="369332"/>
-          </a:xfrm>
-          <a:prstGeom prst="rect">
-            <a:avLst/>
-          </a:prstGeom>
-        </p:spPr>
-        <p:style>
-          <a:lnRef idx="1">
-            <a:schemeClr val="accent1"/>
-          </a:lnRef>
-          <a:fillRef idx="2">
-            <a:schemeClr val="accent1"/>
-          </a:fillRef>
-          <a:effectRef idx="1">
-            <a:schemeClr val="accent1"/>
-          </a:effectRef>
-          <a:fontRef idx="minor">
-            <a:schemeClr val="dk1"/>
-          </a:fontRef>
-        </p:style>
-        <p:txBody>
-          <a:bodyPr wrap="square" rtlCol="0">
-            <a:spAutoFit/>
-          </a:bodyPr>
-          <a:lstStyle/>
-          <a:p>
-            <a:pPr algn="ctr"/>
-            <a:r>
-              <a:rPr lang="en-GB" dirty="0" smtClean="0"/>
-              <a:t>Create new, persist and delete objects</a:t>
-            </a:r>
-            <a:endParaRPr lang="en-GB" dirty="0" smtClean="0"/>
+            <a:r>
+              <a:rPr lang="en-US" sz="1100" dirty="0">
+                <a:solidFill>
+                  <a:srgbClr val="646464"/>
+                </a:solidFill>
+                <a:latin typeface="Consolas"/>
+              </a:rPr>
+              <a:t>@Named</a:t>
+            </a:r>
+            <a:r>
+              <a:rPr lang="en-US" sz="1100" dirty="0">
+                <a:solidFill>
+                  <a:srgbClr val="000000"/>
+                </a:solidFill>
+                <a:latin typeface="Consolas"/>
+              </a:rPr>
+              <a:t>(</a:t>
+            </a:r>
+            <a:r>
+              <a:rPr lang="en-US" sz="1100" dirty="0">
+                <a:solidFill>
+                  <a:srgbClr val="2A00FF"/>
+                </a:solidFill>
+                <a:latin typeface="Consolas"/>
+              </a:rPr>
+              <a:t>"Prototyping</a:t>
+            </a:r>
+            <a:r>
+              <a:rPr lang="en-US" sz="1100" dirty="0" smtClean="0">
+                <a:solidFill>
+                  <a:srgbClr val="2A00FF"/>
+                </a:solidFill>
+                <a:latin typeface="Consolas"/>
+              </a:rPr>
+              <a:t>"</a:t>
+            </a:r>
+            <a:r>
+              <a:rPr lang="en-US" sz="1100" dirty="0" smtClean="0">
+                <a:solidFill>
+                  <a:srgbClr val="000000"/>
+                </a:solidFill>
+                <a:latin typeface="Consolas"/>
+              </a:rPr>
+              <a:t>)</a:t>
+            </a:r>
+          </a:p>
+          <a:p>
+            <a:r>
+              <a:rPr lang="en-GB" sz="1100" b="1" dirty="0" smtClean="0">
+                <a:solidFill>
+                  <a:srgbClr val="7F0055"/>
+                </a:solidFill>
+                <a:latin typeface="Consolas"/>
+              </a:rPr>
+              <a:t>public</a:t>
+            </a:r>
+            <a:r>
+              <a:rPr lang="en-GB" sz="1100" b="1" dirty="0" smtClean="0">
+                <a:solidFill>
+                  <a:srgbClr val="000000"/>
+                </a:solidFill>
+                <a:latin typeface="Consolas"/>
+              </a:rPr>
+              <a:t> </a:t>
+            </a:r>
+            <a:r>
+              <a:rPr lang="en-GB" sz="1100" b="1" dirty="0">
+                <a:solidFill>
+                  <a:srgbClr val="7F0055"/>
+                </a:solidFill>
+                <a:latin typeface="Consolas"/>
+              </a:rPr>
+              <a:t>class</a:t>
+            </a:r>
+            <a:r>
+              <a:rPr lang="en-GB" sz="1100" b="1" dirty="0">
+                <a:solidFill>
+                  <a:srgbClr val="000000"/>
+                </a:solidFill>
+                <a:latin typeface="Consolas"/>
+              </a:rPr>
+              <a:t> </a:t>
+            </a:r>
+            <a:r>
+              <a:rPr lang="en-GB" sz="1100" b="1" dirty="0" err="1" smtClean="0">
+                <a:solidFill>
+                  <a:srgbClr val="000000"/>
+                </a:solidFill>
+                <a:latin typeface="Consolas"/>
+              </a:rPr>
+              <a:t>ToDoItemsFixturesService</a:t>
+            </a:r>
+            <a:r>
+              <a:rPr lang="en-GB" sz="1100" b="1" dirty="0" smtClean="0">
+                <a:solidFill>
+                  <a:srgbClr val="000000"/>
+                </a:solidFill>
+                <a:latin typeface="Consolas"/>
+              </a:rPr>
+              <a:t> ... </a:t>
+            </a:r>
+            <a:r>
+              <a:rPr lang="en-GB" sz="1100" b="1" dirty="0">
+                <a:solidFill>
+                  <a:srgbClr val="000000"/>
+                </a:solidFill>
+                <a:latin typeface="Consolas"/>
+              </a:rPr>
+              <a:t>{</a:t>
+            </a:r>
+          </a:p>
+          <a:p>
+            <a:endParaRPr lang="en-GB" sz="1100" dirty="0">
+              <a:latin typeface="Consolas"/>
+            </a:endParaRPr>
+          </a:p>
+          <a:p>
+            <a:r>
+              <a:rPr lang="en-GB" sz="1100" dirty="0" smtClean="0">
+                <a:solidFill>
+                  <a:srgbClr val="000000"/>
+                </a:solidFill>
+                <a:latin typeface="Consolas"/>
+              </a:rPr>
+              <a:t>  </a:t>
+            </a:r>
+            <a:r>
+              <a:rPr lang="en-GB" sz="1100" dirty="0">
+                <a:solidFill>
+                  <a:srgbClr val="646464"/>
+                </a:solidFill>
+                <a:latin typeface="Consolas"/>
+              </a:rPr>
+              <a:t>@Prototype</a:t>
+            </a:r>
+          </a:p>
+          <a:p>
+            <a:r>
+              <a:rPr lang="en-GB" sz="1100" dirty="0" smtClean="0">
+                <a:solidFill>
+                  <a:srgbClr val="000000"/>
+                </a:solidFill>
+                <a:latin typeface="Consolas"/>
+              </a:rPr>
+              <a:t>  </a:t>
+            </a:r>
+            <a:r>
+              <a:rPr lang="en-GB" sz="1100" b="1" dirty="0">
+                <a:solidFill>
+                  <a:srgbClr val="7F0055"/>
+                </a:solidFill>
+                <a:latin typeface="Consolas"/>
+              </a:rPr>
+              <a:t>public</a:t>
+            </a:r>
+            <a:r>
+              <a:rPr lang="en-GB" sz="1100" b="1" dirty="0">
+                <a:solidFill>
+                  <a:srgbClr val="000000"/>
+                </a:solidFill>
+                <a:latin typeface="Consolas"/>
+              </a:rPr>
+              <a:t> String </a:t>
+            </a:r>
+            <a:r>
+              <a:rPr lang="en-GB" sz="1100" b="1" dirty="0" err="1">
+                <a:solidFill>
+                  <a:srgbClr val="000000"/>
+                </a:solidFill>
+                <a:latin typeface="Consolas"/>
+              </a:rPr>
+              <a:t>installFixtures</a:t>
+            </a:r>
+            <a:r>
+              <a:rPr lang="en-GB" sz="1100" b="1" dirty="0">
+                <a:solidFill>
+                  <a:srgbClr val="000000"/>
+                </a:solidFill>
+                <a:latin typeface="Consolas"/>
+              </a:rPr>
+              <a:t>() </a:t>
+            </a:r>
+            <a:r>
+              <a:rPr lang="en-GB" sz="1100" b="1" dirty="0" smtClean="0">
+                <a:solidFill>
+                  <a:srgbClr val="000000"/>
+                </a:solidFill>
+                <a:latin typeface="Consolas"/>
+              </a:rPr>
+              <a:t>{ ... }</a:t>
+            </a:r>
+            <a:endParaRPr lang="en-GB" sz="1100" b="1" dirty="0">
+              <a:solidFill>
+                <a:srgbClr val="000000"/>
+              </a:solidFill>
+              <a:latin typeface="Consolas"/>
+            </a:endParaRPr>
+          </a:p>
+          <a:p>
+            <a:r>
+              <a:rPr lang="en-GB" sz="1100" b="1" dirty="0" smtClean="0">
+                <a:solidFill>
+                  <a:srgbClr val="000000"/>
+                </a:solidFill>
+                <a:latin typeface="Consolas"/>
+              </a:rPr>
+              <a:t>  ...</a:t>
+            </a:r>
+          </a:p>
+          <a:p>
+            <a:r>
+              <a:rPr lang="en-GB" sz="1100" b="1" dirty="0">
+                <a:solidFill>
+                  <a:srgbClr val="000000"/>
+                </a:solidFill>
+                <a:latin typeface="Consolas"/>
+              </a:rPr>
+              <a:t>}</a:t>
+            </a:r>
+            <a:endParaRPr lang="en-GB" sz="1100" b="1" dirty="0" smtClean="0">
+              <a:solidFill>
+                <a:srgbClr val="000000"/>
+              </a:solidFill>
+              <a:latin typeface="Consolas"/>
+            </a:endParaRPr>
           </a:p>
         </p:txBody>
       </p:sp>
@@ -12840,14 +15302,14 @@
       </p:grpSpPr>
       <p:sp>
         <p:nvSpPr>
-          <p:cNvPr id="2" name="TextBox 1"/>
+          <p:cNvPr id="7" name="TextBox 6"/>
           <p:cNvSpPr txBox="1"/>
           <p:nvPr/>
         </p:nvSpPr>
         <p:spPr>
           <a:xfrm>
-            <a:off x="604083" y="4427820"/>
-            <a:ext cx="4824536" cy="369332"/>
+            <a:off x="395536" y="260648"/>
+            <a:ext cx="4896544" cy="1477328"/>
           </a:xfrm>
           <a:prstGeom prst="rect">
             <a:avLst/>
@@ -12876,7 +15338,54 @@
             <a:pPr algn="ctr"/>
             <a:r>
               <a:rPr lang="en-GB" dirty="0" smtClean="0"/>
-              <a:t>Integration tests</a:t>
+              <a:t>Isis’ authorization model maps access to class members (properties, collections and actions) to Apache </a:t>
+            </a:r>
+            <a:r>
+              <a:rPr lang="en-GB" dirty="0" err="1" smtClean="0"/>
+              <a:t>Shiro</a:t>
+            </a:r>
+            <a:r>
+              <a:rPr lang="en-GB" dirty="0" smtClean="0"/>
+              <a:t> permissions:</a:t>
+            </a:r>
+          </a:p>
+          <a:p>
+            <a:pPr algn="ctr"/>
+            <a:r>
+              <a:rPr lang="en-GB" dirty="0" smtClean="0"/>
+              <a:t>inaccessible </a:t>
+            </a:r>
+            <a:r>
+              <a:rPr lang="en-GB" dirty="0" err="1" smtClean="0"/>
+              <a:t>vs</a:t>
+            </a:r>
+            <a:r>
+              <a:rPr lang="en-GB" dirty="0" smtClean="0"/>
+              <a:t> read-only </a:t>
+            </a:r>
+            <a:r>
+              <a:rPr lang="en-GB" dirty="0" err="1" smtClean="0"/>
+              <a:t>vs</a:t>
+            </a:r>
+            <a:r>
+              <a:rPr lang="en-GB" dirty="0" smtClean="0"/>
+              <a:t> read-write/</a:t>
+            </a:r>
+            <a:r>
+              <a:rPr lang="en-GB" dirty="0" err="1" smtClean="0"/>
+              <a:t>invokable</a:t>
+            </a:r>
+            <a:r>
+              <a:rPr lang="en-GB" dirty="0" smtClean="0"/>
+              <a:t>. </a:t>
+            </a:r>
+            <a:r>
+              <a:rPr lang="en-GB" dirty="0" err="1" smtClean="0"/>
+              <a:t>Shiro</a:t>
+            </a:r>
+            <a:r>
+              <a:rPr lang="en-GB" dirty="0" smtClean="0"/>
+              <a:t> in turn maps those permissions to roles</a:t>
             </a:r>
             <a:endParaRPr lang="en-GB" dirty="0" smtClean="0"/>
           </a:p>
@@ -12884,28 +15393,33 @@
       </p:sp>
       <p:sp>
         <p:nvSpPr>
-          <p:cNvPr id="3" name="TextBox 2"/>
+          <p:cNvPr id="8" name="TextBox 7"/>
           <p:cNvSpPr txBox="1"/>
           <p:nvPr/>
         </p:nvSpPr>
         <p:spPr>
           <a:xfrm>
-            <a:off x="611560" y="3068960"/>
-            <a:ext cx="4824536" cy="369332"/>
+            <a:off x="3995936" y="1988840"/>
+            <a:ext cx="4536503" cy="2970044"/>
           </a:xfrm>
           <a:prstGeom prst="rect">
             <a:avLst/>
           </a:prstGeom>
+          <a:solidFill>
+            <a:schemeClr val="bg1">
+              <a:lumMod val="95000"/>
+            </a:schemeClr>
+          </a:solidFill>
         </p:spPr>
         <p:style>
           <a:lnRef idx="1">
-            <a:schemeClr val="accent1"/>
+            <a:schemeClr val="accent3"/>
           </a:lnRef>
           <a:fillRef idx="2">
-            <a:schemeClr val="accent1"/>
+            <a:schemeClr val="accent3"/>
           </a:fillRef>
           <a:effectRef idx="1">
-            <a:schemeClr val="accent1"/>
+            <a:schemeClr val="accent3"/>
           </a:effectRef>
           <a:fontRef idx="minor">
             <a:schemeClr val="dk1"/>
@@ -12917,152 +15431,605 @@
           </a:bodyPr>
           <a:lstStyle/>
           <a:p>
-            <a:pPr algn="ctr"/>
-            <a:r>
-              <a:rPr lang="en-GB" dirty="0" smtClean="0"/>
-              <a:t>Injected for unit tests</a:t>
-            </a:r>
-            <a:endParaRPr lang="en-GB" dirty="0" smtClean="0"/>
-          </a:p>
-        </p:txBody>
-      </p:sp>
-      <p:sp>
-        <p:nvSpPr>
-          <p:cNvPr id="4" name="TextBox 3"/>
-          <p:cNvSpPr txBox="1"/>
-          <p:nvPr/>
-        </p:nvSpPr>
-        <p:spPr>
-          <a:xfrm>
-            <a:off x="611560" y="6084004"/>
-            <a:ext cx="4824536" cy="369332"/>
-          </a:xfrm>
-          <a:prstGeom prst="rect">
-            <a:avLst/>
-          </a:prstGeom>
-        </p:spPr>
-        <p:style>
-          <a:lnRef idx="1">
-            <a:schemeClr val="accent1"/>
-          </a:lnRef>
-          <a:fillRef idx="2">
-            <a:schemeClr val="accent1"/>
-          </a:fillRef>
-          <a:effectRef idx="1">
-            <a:schemeClr val="accent1"/>
-          </a:effectRef>
-          <a:fontRef idx="minor">
-            <a:schemeClr val="dk1"/>
-          </a:fontRef>
-        </p:style>
-        <p:txBody>
-          <a:bodyPr wrap="square" rtlCol="0">
-            <a:spAutoFit/>
-          </a:bodyPr>
-          <a:lstStyle/>
-          <a:p>
-            <a:pPr algn="ctr"/>
-            <a:r>
-              <a:rPr lang="en-GB" dirty="0" smtClean="0"/>
-              <a:t>BDD support (</a:t>
-            </a:r>
-            <a:r>
-              <a:rPr lang="en-GB" dirty="0" err="1" smtClean="0"/>
-              <a:t>eg</a:t>
-            </a:r>
-            <a:r>
-              <a:rPr lang="en-GB" dirty="0" smtClean="0"/>
-              <a:t> Cucumber JVM)</a:t>
-            </a:r>
-            <a:endParaRPr lang="en-GB" dirty="0" smtClean="0"/>
-          </a:p>
-        </p:txBody>
-      </p:sp>
-      <p:sp>
-        <p:nvSpPr>
-          <p:cNvPr id="5" name="TextBox 4"/>
-          <p:cNvSpPr txBox="1"/>
-          <p:nvPr/>
-        </p:nvSpPr>
-        <p:spPr>
-          <a:xfrm>
-            <a:off x="611560" y="525325"/>
-            <a:ext cx="4824536" cy="369332"/>
-          </a:xfrm>
-          <a:prstGeom prst="rect">
-            <a:avLst/>
-          </a:prstGeom>
-        </p:spPr>
-        <p:style>
-          <a:lnRef idx="1">
-            <a:schemeClr val="accent1"/>
-          </a:lnRef>
-          <a:fillRef idx="2">
-            <a:schemeClr val="accent1"/>
-          </a:fillRef>
-          <a:effectRef idx="1">
-            <a:schemeClr val="accent1"/>
-          </a:effectRef>
-          <a:fontRef idx="minor">
-            <a:schemeClr val="dk1"/>
-          </a:fontRef>
-        </p:style>
-        <p:txBody>
-          <a:bodyPr wrap="square" rtlCol="0">
-            <a:spAutoFit/>
-          </a:bodyPr>
-          <a:lstStyle/>
-          <a:p>
-            <a:pPr algn="ctr"/>
-            <a:r>
-              <a:rPr lang="en-GB" dirty="0" smtClean="0"/>
-              <a:t>fixtures</a:t>
-            </a:r>
-            <a:endParaRPr lang="en-GB" dirty="0" smtClean="0"/>
-          </a:p>
-        </p:txBody>
-      </p:sp>
-      <p:sp>
-        <p:nvSpPr>
-          <p:cNvPr id="6" name="TextBox 5"/>
-          <p:cNvSpPr txBox="1"/>
-          <p:nvPr/>
-        </p:nvSpPr>
-        <p:spPr>
-          <a:xfrm>
-            <a:off x="619037" y="1317413"/>
-            <a:ext cx="4824536" cy="369332"/>
-          </a:xfrm>
-          <a:prstGeom prst="rect">
-            <a:avLst/>
-          </a:prstGeom>
-        </p:spPr>
-        <p:style>
-          <a:lnRef idx="1">
-            <a:schemeClr val="accent1"/>
-          </a:lnRef>
-          <a:fillRef idx="2">
-            <a:schemeClr val="accent1"/>
-          </a:fillRef>
-          <a:effectRef idx="1">
-            <a:schemeClr val="accent1"/>
-          </a:effectRef>
-          <a:fontRef idx="minor">
-            <a:schemeClr val="dk1"/>
-          </a:fontRef>
-        </p:style>
-        <p:txBody>
-          <a:bodyPr wrap="square" rtlCol="0">
-            <a:spAutoFit/>
-          </a:bodyPr>
-          <a:lstStyle/>
-          <a:p>
-            <a:pPr algn="ctr"/>
-            <a:r>
-              <a:rPr lang="en-GB" dirty="0" smtClean="0"/>
-              <a:t>Exploration actions</a:t>
-            </a:r>
-            <a:endParaRPr lang="en-GB" dirty="0" smtClean="0"/>
+            <a:r>
+              <a:rPr lang="en-GB" sz="1100" dirty="0">
+                <a:solidFill>
+                  <a:srgbClr val="000000"/>
+                </a:solidFill>
+                <a:latin typeface="Consolas"/>
+              </a:rPr>
+              <a:t>[users]</a:t>
+            </a:r>
+          </a:p>
+          <a:p>
+            <a:r>
+              <a:rPr lang="en-GB" sz="1100" dirty="0">
+                <a:solidFill>
+                  <a:srgbClr val="3F7F5F"/>
+                </a:solidFill>
+                <a:latin typeface="Consolas"/>
+              </a:rPr>
+              <a:t># user = password, role1, role2, role3, ...</a:t>
+            </a:r>
+          </a:p>
+          <a:p>
+            <a:r>
+              <a:rPr lang="en-GB" sz="1100" dirty="0" err="1" smtClean="0">
+                <a:solidFill>
+                  <a:srgbClr val="000000"/>
+                </a:solidFill>
+                <a:latin typeface="Consolas"/>
+              </a:rPr>
+              <a:t>sven</a:t>
+            </a:r>
+            <a:r>
+              <a:rPr lang="en-GB" sz="1100" dirty="0" smtClean="0">
+                <a:solidFill>
+                  <a:srgbClr val="000000"/>
+                </a:solidFill>
+                <a:latin typeface="Consolas"/>
+              </a:rPr>
+              <a:t> </a:t>
+            </a:r>
+            <a:r>
+              <a:rPr lang="en-GB" sz="1100" dirty="0">
+                <a:solidFill>
+                  <a:srgbClr val="000000"/>
+                </a:solidFill>
+                <a:latin typeface="Consolas"/>
+              </a:rPr>
+              <a:t>= </a:t>
+            </a:r>
+            <a:r>
+              <a:rPr lang="en-GB" sz="1100" dirty="0">
+                <a:solidFill>
+                  <a:srgbClr val="2A00FF"/>
+                </a:solidFill>
+                <a:latin typeface="Consolas"/>
+              </a:rPr>
+              <a:t>pass,</a:t>
+            </a:r>
+            <a:r>
+              <a:rPr lang="en-GB" sz="1100" dirty="0">
+                <a:solidFill>
+                  <a:srgbClr val="000000"/>
+                </a:solidFill>
+                <a:latin typeface="Consolas"/>
+              </a:rPr>
+              <a:t> </a:t>
+            </a:r>
+            <a:r>
+              <a:rPr lang="en-GB" sz="1100" dirty="0" err="1">
+                <a:solidFill>
+                  <a:srgbClr val="2A00FF"/>
+                </a:solidFill>
+                <a:latin typeface="Consolas"/>
+              </a:rPr>
+              <a:t>admin_role</a:t>
+            </a:r>
+            <a:endParaRPr lang="en-GB" sz="1100" dirty="0">
+              <a:solidFill>
+                <a:srgbClr val="2A00FF"/>
+              </a:solidFill>
+              <a:latin typeface="Consolas"/>
+            </a:endParaRPr>
+          </a:p>
+          <a:p>
+            <a:r>
+              <a:rPr lang="en-GB" sz="1100" dirty="0" smtClean="0">
+                <a:solidFill>
+                  <a:srgbClr val="000000"/>
+                </a:solidFill>
+                <a:latin typeface="Consolas"/>
+              </a:rPr>
+              <a:t>bob  </a:t>
+            </a:r>
+            <a:r>
+              <a:rPr lang="en-GB" sz="1100" dirty="0">
+                <a:solidFill>
+                  <a:srgbClr val="000000"/>
+                </a:solidFill>
+                <a:latin typeface="Consolas"/>
+              </a:rPr>
+              <a:t>= </a:t>
+            </a:r>
+            <a:r>
+              <a:rPr lang="en-GB" sz="1100" dirty="0">
+                <a:solidFill>
+                  <a:srgbClr val="2A00FF"/>
+                </a:solidFill>
+                <a:latin typeface="Consolas"/>
+              </a:rPr>
+              <a:t>pass,</a:t>
+            </a:r>
+            <a:r>
+              <a:rPr lang="en-GB" sz="1100" dirty="0">
+                <a:solidFill>
+                  <a:srgbClr val="000000"/>
+                </a:solidFill>
+                <a:latin typeface="Consolas"/>
+              </a:rPr>
+              <a:t> </a:t>
+            </a:r>
+            <a:r>
+              <a:rPr lang="en-GB" sz="1100" dirty="0" err="1">
+                <a:solidFill>
+                  <a:srgbClr val="2A00FF"/>
+                </a:solidFill>
+                <a:latin typeface="Consolas"/>
+              </a:rPr>
+              <a:t>user_role</a:t>
+            </a:r>
+            <a:r>
+              <a:rPr lang="en-GB" sz="1100" dirty="0">
+                <a:solidFill>
+                  <a:srgbClr val="2A00FF"/>
+                </a:solidFill>
+                <a:latin typeface="Consolas"/>
+              </a:rPr>
+              <a:t>,</a:t>
+            </a:r>
+            <a:r>
+              <a:rPr lang="en-GB" sz="1100" dirty="0">
+                <a:solidFill>
+                  <a:srgbClr val="000000"/>
+                </a:solidFill>
+                <a:latin typeface="Consolas"/>
+              </a:rPr>
+              <a:t> </a:t>
+            </a:r>
+            <a:r>
+              <a:rPr lang="en-GB" sz="1100" dirty="0">
+                <a:solidFill>
+                  <a:srgbClr val="2A00FF"/>
+                </a:solidFill>
+                <a:latin typeface="Consolas"/>
+              </a:rPr>
+              <a:t>self-</a:t>
+            </a:r>
+            <a:r>
+              <a:rPr lang="en-GB" sz="1100" dirty="0" err="1">
+                <a:solidFill>
+                  <a:srgbClr val="2A00FF"/>
+                </a:solidFill>
+                <a:latin typeface="Consolas"/>
+              </a:rPr>
+              <a:t>install_role</a:t>
+            </a:r>
+            <a:endParaRPr lang="en-GB" sz="1100" dirty="0">
+              <a:solidFill>
+                <a:srgbClr val="2A00FF"/>
+              </a:solidFill>
+              <a:latin typeface="Consolas"/>
+            </a:endParaRPr>
+          </a:p>
+          <a:p>
+            <a:r>
+              <a:rPr lang="en-GB" sz="1100" dirty="0" smtClean="0">
+                <a:solidFill>
+                  <a:srgbClr val="000000"/>
+                </a:solidFill>
+                <a:latin typeface="Consolas"/>
+              </a:rPr>
+              <a:t>...</a:t>
+            </a:r>
+            <a:endParaRPr lang="en-GB" sz="1100" dirty="0">
+              <a:solidFill>
+                <a:srgbClr val="2A00FF"/>
+              </a:solidFill>
+              <a:latin typeface="Consolas"/>
+            </a:endParaRPr>
+          </a:p>
+          <a:p>
+            <a:endParaRPr lang="en-GB" sz="1100" dirty="0" smtClean="0">
+              <a:solidFill>
+                <a:srgbClr val="000000"/>
+              </a:solidFill>
+              <a:latin typeface="Consolas"/>
+            </a:endParaRPr>
+          </a:p>
+          <a:p>
+            <a:r>
+              <a:rPr lang="en-GB" sz="1100" dirty="0" smtClean="0">
+                <a:solidFill>
+                  <a:srgbClr val="000000"/>
+                </a:solidFill>
+                <a:latin typeface="Consolas"/>
+              </a:rPr>
+              <a:t>[</a:t>
+            </a:r>
+            <a:r>
+              <a:rPr lang="en-GB" sz="1100" dirty="0">
+                <a:solidFill>
+                  <a:srgbClr val="000000"/>
+                </a:solidFill>
+                <a:latin typeface="Consolas"/>
+              </a:rPr>
+              <a:t>roles]</a:t>
+            </a:r>
+          </a:p>
+          <a:p>
+            <a:r>
+              <a:rPr lang="en-GB" sz="1100" dirty="0">
+                <a:solidFill>
+                  <a:srgbClr val="3F7F5F"/>
+                </a:solidFill>
+                <a:latin typeface="Consolas"/>
+              </a:rPr>
+              <a:t># role = perm1, perm2, perm3, ...</a:t>
+            </a:r>
+          </a:p>
+          <a:p>
+            <a:r>
+              <a:rPr lang="en-GB" sz="1100" dirty="0">
+                <a:solidFill>
+                  <a:srgbClr val="3F7F5F"/>
+                </a:solidFill>
+                <a:latin typeface="Consolas"/>
+              </a:rPr>
+              <a:t># perm in format: </a:t>
+            </a:r>
+            <a:r>
+              <a:rPr lang="en-GB" sz="1100" dirty="0" err="1">
+                <a:solidFill>
+                  <a:srgbClr val="3F7F5F"/>
+                </a:solidFill>
+                <a:latin typeface="Consolas"/>
+              </a:rPr>
+              <a:t>packageName:className:memberName:r,w</a:t>
+            </a:r>
+            <a:endParaRPr lang="en-GB" sz="1100" dirty="0">
+              <a:solidFill>
+                <a:srgbClr val="3F7F5F"/>
+              </a:solidFill>
+              <a:latin typeface="Consolas"/>
+            </a:endParaRPr>
+          </a:p>
+          <a:p>
+            <a:r>
+              <a:rPr lang="en-GB" sz="1100" dirty="0" err="1" smtClean="0">
+                <a:solidFill>
+                  <a:srgbClr val="000000"/>
+                </a:solidFill>
+                <a:latin typeface="Consolas"/>
+              </a:rPr>
+              <a:t>user_role</a:t>
+            </a:r>
+            <a:r>
+              <a:rPr lang="en-GB" sz="1100" dirty="0" smtClean="0">
+                <a:solidFill>
+                  <a:srgbClr val="000000"/>
+                </a:solidFill>
+                <a:latin typeface="Consolas"/>
+              </a:rPr>
+              <a:t> </a:t>
+            </a:r>
+            <a:r>
+              <a:rPr lang="en-GB" sz="1100" dirty="0">
+                <a:solidFill>
+                  <a:srgbClr val="000000"/>
+                </a:solidFill>
+                <a:latin typeface="Consolas"/>
+              </a:rPr>
+              <a:t>= </a:t>
+            </a:r>
+            <a:r>
+              <a:rPr lang="en-GB" sz="1100" dirty="0">
+                <a:solidFill>
+                  <a:srgbClr val="2A00FF"/>
+                </a:solidFill>
+                <a:latin typeface="Consolas"/>
+              </a:rPr>
+              <a:t>*:</a:t>
+            </a:r>
+            <a:r>
+              <a:rPr lang="en-GB" sz="1100" dirty="0" err="1">
+                <a:solidFill>
+                  <a:srgbClr val="2A00FF"/>
+                </a:solidFill>
+                <a:latin typeface="Consolas"/>
+              </a:rPr>
+              <a:t>ToDoItems</a:t>
+            </a:r>
+            <a:r>
+              <a:rPr lang="en-GB" sz="1100" dirty="0">
+                <a:solidFill>
+                  <a:srgbClr val="2A00FF"/>
+                </a:solidFill>
+                <a:latin typeface="Consolas"/>
+              </a:rPr>
+              <a:t>:*:*,\</a:t>
+            </a:r>
+          </a:p>
+          <a:p>
+            <a:r>
+              <a:rPr lang="en-GB" sz="1100" dirty="0">
+                <a:solidFill>
+                  <a:srgbClr val="000000"/>
+                </a:solidFill>
+                <a:latin typeface="Consolas"/>
+              </a:rPr>
+              <a:t>            </a:t>
+            </a:r>
+            <a:r>
+              <a:rPr lang="en-GB" sz="1100" dirty="0">
+                <a:solidFill>
+                  <a:srgbClr val="2A00FF"/>
+                </a:solidFill>
+                <a:latin typeface="Consolas"/>
+              </a:rPr>
+              <a:t>*:</a:t>
+            </a:r>
+            <a:r>
+              <a:rPr lang="en-GB" sz="1100" dirty="0" err="1">
+                <a:solidFill>
+                  <a:srgbClr val="2A00FF"/>
+                </a:solidFill>
+                <a:latin typeface="Consolas"/>
+              </a:rPr>
+              <a:t>ToDoItem</a:t>
+            </a:r>
+            <a:r>
+              <a:rPr lang="en-GB" sz="1100" dirty="0">
+                <a:solidFill>
+                  <a:srgbClr val="2A00FF"/>
+                </a:solidFill>
+                <a:latin typeface="Consolas"/>
+              </a:rPr>
+              <a:t>:*:*</a:t>
+            </a:r>
+          </a:p>
+          <a:p>
+            <a:r>
+              <a:rPr lang="en-GB" sz="1100" dirty="0" err="1">
+                <a:solidFill>
+                  <a:srgbClr val="000000"/>
+                </a:solidFill>
+                <a:latin typeface="Consolas"/>
+              </a:rPr>
+              <a:t>analysis_role</a:t>
+            </a:r>
+            <a:r>
+              <a:rPr lang="en-GB" sz="1100" dirty="0">
+                <a:solidFill>
+                  <a:srgbClr val="000000"/>
+                </a:solidFill>
+                <a:latin typeface="Consolas"/>
+              </a:rPr>
+              <a:t> = </a:t>
+            </a:r>
+            <a:r>
+              <a:rPr lang="en-GB" sz="1100" dirty="0">
+                <a:solidFill>
+                  <a:srgbClr val="2A00FF"/>
+                </a:solidFill>
+                <a:latin typeface="Consolas"/>
+              </a:rPr>
+              <a:t>*:</a:t>
+            </a:r>
+            <a:r>
+              <a:rPr lang="en-GB" sz="1100" dirty="0" err="1">
+                <a:solidFill>
+                  <a:srgbClr val="2A00FF"/>
+                </a:solidFill>
+                <a:latin typeface="Consolas"/>
+              </a:rPr>
+              <a:t>ToDoItemAnalysis</a:t>
+            </a:r>
+            <a:r>
+              <a:rPr lang="en-GB" sz="1100" dirty="0">
+                <a:solidFill>
+                  <a:srgbClr val="2A00FF"/>
+                </a:solidFill>
+                <a:latin typeface="Consolas"/>
+              </a:rPr>
+              <a:t>:*:*,\</a:t>
+            </a:r>
+          </a:p>
+          <a:p>
+            <a:r>
+              <a:rPr lang="en-GB" sz="1100" dirty="0">
+                <a:solidFill>
+                  <a:srgbClr val="000000"/>
+                </a:solidFill>
+                <a:latin typeface="Consolas"/>
+              </a:rPr>
+              <a:t>            </a:t>
+            </a:r>
+            <a:r>
+              <a:rPr lang="en-GB" sz="1100" dirty="0">
+                <a:solidFill>
+                  <a:srgbClr val="2A00FF"/>
+                </a:solidFill>
+                <a:latin typeface="Consolas"/>
+              </a:rPr>
+              <a:t>*:</a:t>
+            </a:r>
+            <a:r>
+              <a:rPr lang="en-GB" sz="1100" dirty="0" err="1">
+                <a:solidFill>
+                  <a:srgbClr val="2A00FF"/>
+                </a:solidFill>
+                <a:latin typeface="Consolas"/>
+              </a:rPr>
+              <a:t>ToDoItemsByCategoryViewModel</a:t>
+            </a:r>
+            <a:r>
+              <a:rPr lang="en-GB" sz="1100" dirty="0">
+                <a:solidFill>
+                  <a:srgbClr val="2A00FF"/>
+                </a:solidFill>
+                <a:latin typeface="Consolas"/>
+              </a:rPr>
+              <a:t>:*:*,\</a:t>
+            </a:r>
+          </a:p>
+          <a:p>
+            <a:r>
+              <a:rPr lang="en-GB" sz="1100" dirty="0">
+                <a:solidFill>
+                  <a:srgbClr val="000000"/>
+                </a:solidFill>
+                <a:latin typeface="Consolas"/>
+              </a:rPr>
+              <a:t>            </a:t>
+            </a:r>
+            <a:r>
+              <a:rPr lang="en-GB" sz="1100" dirty="0">
+                <a:solidFill>
+                  <a:srgbClr val="2A00FF"/>
+                </a:solidFill>
+                <a:latin typeface="Consolas"/>
+              </a:rPr>
+              <a:t>*:</a:t>
+            </a:r>
+            <a:r>
+              <a:rPr lang="en-GB" sz="1100" dirty="0" err="1">
+                <a:solidFill>
+                  <a:srgbClr val="2A00FF"/>
+                </a:solidFill>
+                <a:latin typeface="Consolas"/>
+              </a:rPr>
+              <a:t>ToDoItemsByDateRangeViewModel</a:t>
+            </a:r>
+            <a:r>
+              <a:rPr lang="en-GB" sz="1100" dirty="0">
+                <a:solidFill>
+                  <a:srgbClr val="2A00FF"/>
+                </a:solidFill>
+                <a:latin typeface="Consolas"/>
+              </a:rPr>
+              <a:t>:*:*,\</a:t>
+            </a:r>
+          </a:p>
+          <a:p>
+            <a:r>
+              <a:rPr lang="en-GB" sz="1100" dirty="0">
+                <a:solidFill>
+                  <a:srgbClr val="000000"/>
+                </a:solidFill>
+                <a:latin typeface="Consolas"/>
+              </a:rPr>
+              <a:t>            </a:t>
+            </a:r>
+            <a:r>
+              <a:rPr lang="en-GB" sz="1100" dirty="0">
+                <a:solidFill>
+                  <a:srgbClr val="2A00FF"/>
+                </a:solidFill>
+                <a:latin typeface="Consolas"/>
+              </a:rPr>
+              <a:t>*:</a:t>
+            </a:r>
+            <a:r>
+              <a:rPr lang="en-GB" sz="1100" dirty="0" err="1">
+                <a:solidFill>
+                  <a:srgbClr val="2A00FF"/>
+                </a:solidFill>
+                <a:latin typeface="Consolas"/>
+              </a:rPr>
+              <a:t>ToDoAppDashboard</a:t>
+            </a:r>
+            <a:r>
+              <a:rPr lang="en-GB" sz="1100" dirty="0">
+                <a:solidFill>
+                  <a:srgbClr val="2A00FF"/>
+                </a:solidFill>
+                <a:latin typeface="Consolas"/>
+              </a:rPr>
+              <a:t>:*:*</a:t>
+            </a:r>
+          </a:p>
+          <a:p>
+            <a:r>
+              <a:rPr lang="en-GB" sz="1100" dirty="0">
+                <a:solidFill>
+                  <a:srgbClr val="000000"/>
+                </a:solidFill>
+                <a:latin typeface="Consolas"/>
+              </a:rPr>
+              <a:t>self-</a:t>
+            </a:r>
+            <a:r>
+              <a:rPr lang="en-GB" sz="1100" dirty="0" err="1">
+                <a:solidFill>
+                  <a:srgbClr val="000000"/>
+                </a:solidFill>
+                <a:latin typeface="Consolas"/>
+              </a:rPr>
+              <a:t>install_role</a:t>
+            </a:r>
+            <a:r>
+              <a:rPr lang="en-GB" sz="1100" dirty="0">
+                <a:solidFill>
+                  <a:srgbClr val="000000"/>
+                </a:solidFill>
+                <a:latin typeface="Consolas"/>
+              </a:rPr>
+              <a:t> = </a:t>
+            </a:r>
+            <a:r>
+              <a:rPr lang="en-GB" sz="1100" dirty="0">
+                <a:solidFill>
+                  <a:srgbClr val="2A00FF"/>
+                </a:solidFill>
+                <a:latin typeface="Consolas"/>
+              </a:rPr>
+              <a:t>*:</a:t>
+            </a:r>
+            <a:r>
+              <a:rPr lang="en-GB" sz="1100" dirty="0" err="1">
+                <a:solidFill>
+                  <a:srgbClr val="2A00FF"/>
+                </a:solidFill>
+                <a:latin typeface="Consolas"/>
+              </a:rPr>
+              <a:t>ToDoItemsFixturesService:install</a:t>
+            </a:r>
+            <a:r>
+              <a:rPr lang="en-GB" sz="1100" dirty="0">
+                <a:solidFill>
+                  <a:srgbClr val="2A00FF"/>
+                </a:solidFill>
+                <a:latin typeface="Consolas"/>
+              </a:rPr>
+              <a:t>:*</a:t>
+            </a:r>
+          </a:p>
+          <a:p>
+            <a:r>
+              <a:rPr lang="en-GB" sz="1100" dirty="0" err="1">
+                <a:solidFill>
+                  <a:srgbClr val="000000"/>
+                </a:solidFill>
+                <a:latin typeface="Consolas"/>
+              </a:rPr>
+              <a:t>admin_role</a:t>
+            </a:r>
+            <a:r>
+              <a:rPr lang="en-GB" sz="1100" dirty="0">
+                <a:solidFill>
+                  <a:srgbClr val="000000"/>
+                </a:solidFill>
+                <a:latin typeface="Consolas"/>
+              </a:rPr>
+              <a:t> = </a:t>
+            </a:r>
+            <a:r>
+              <a:rPr lang="en-GB" sz="1100" dirty="0" smtClean="0">
+                <a:solidFill>
+                  <a:srgbClr val="2A00FF"/>
+                </a:solidFill>
+                <a:latin typeface="Consolas"/>
+              </a:rPr>
+              <a:t>*</a:t>
+            </a:r>
+            <a:endParaRPr lang="en-GB" sz="1100" dirty="0">
+              <a:solidFill>
+                <a:srgbClr val="2A00FF"/>
+              </a:solidFill>
+              <a:latin typeface="Consolas"/>
+            </a:endParaRPr>
           </a:p>
         </p:txBody>
       </p:sp>
@@ -13528,14 +16495,14 @@
       </p:grpSpPr>
       <p:sp>
         <p:nvSpPr>
-          <p:cNvPr id="14" name="TextBox 13"/>
+          <p:cNvPr id="2" name="TextBox 1"/>
           <p:cNvSpPr txBox="1"/>
           <p:nvPr/>
         </p:nvSpPr>
         <p:spPr>
           <a:xfrm>
-            <a:off x="3851920" y="3789040"/>
-            <a:ext cx="4824536" cy="369332"/>
+            <a:off x="395536" y="260648"/>
+            <a:ext cx="5184576" cy="1754326"/>
           </a:xfrm>
           <a:prstGeom prst="rect">
             <a:avLst/>
@@ -13564,23 +16531,29 @@
             <a:pPr algn="ctr"/>
             <a:r>
               <a:rPr lang="en-GB" dirty="0" smtClean="0"/>
-              <a:t>Extensible (</a:t>
-            </a:r>
-            <a:r>
-              <a:rPr lang="en-GB" dirty="0" err="1" smtClean="0"/>
-              <a:t>gmap</a:t>
+              <a:t>Isis provides a </a:t>
             </a:r>
             <a:r>
               <a:rPr lang="en-GB" dirty="0" smtClean="0"/>
-              <a:t> </a:t>
-            </a:r>
-            <a:r>
-              <a:rPr lang="en-GB" dirty="0" err="1" smtClean="0"/>
-              <a:t>etc</a:t>
+              <a:t>configurable </a:t>
             </a:r>
             <a:r>
               <a:rPr lang="en-GB" dirty="0" smtClean="0"/>
-              <a:t>)</a:t>
+              <a:t>publishing service to integrate with other systems in the enterprise.</a:t>
+            </a:r>
+          </a:p>
+          <a:p>
+            <a:pPr algn="ctr"/>
+            <a:r>
+              <a:rPr lang="en-GB" dirty="0" smtClean="0"/>
+              <a:t>Either the invocation of an action can be published, and/or the resultant changes to domain objects.</a:t>
+            </a:r>
+          </a:p>
+          <a:p>
+            <a:pPr algn="ctr"/>
+            <a:r>
+              <a:rPr lang="en-GB" dirty="0" smtClean="0"/>
+              <a:t>Default implementations serialize the events as JSON, persisted to a database table.</a:t>
             </a:r>
             <a:endParaRPr lang="en-GB" dirty="0" smtClean="0"/>
           </a:p>
@@ -13588,14 +16561,1131 @@
       </p:sp>
       <p:sp>
         <p:nvSpPr>
-          <p:cNvPr id="15" name="TextBox 14"/>
+          <p:cNvPr id="5" name="TextBox 4"/>
           <p:cNvSpPr txBox="1"/>
           <p:nvPr/>
         </p:nvSpPr>
         <p:spPr>
           <a:xfrm>
-            <a:off x="3847937" y="4581128"/>
-            <a:ext cx="4824536" cy="369332"/>
+            <a:off x="5364088" y="1700808"/>
+            <a:ext cx="3168352" cy="938719"/>
+          </a:xfrm>
+          <a:prstGeom prst="rect">
+            <a:avLst/>
+          </a:prstGeom>
+          <a:solidFill>
+            <a:schemeClr val="bg1">
+              <a:lumMod val="95000"/>
+            </a:schemeClr>
+          </a:solidFill>
+        </p:spPr>
+        <p:style>
+          <a:lnRef idx="1">
+            <a:schemeClr val="accent3"/>
+          </a:lnRef>
+          <a:fillRef idx="2">
+            <a:schemeClr val="accent3"/>
+          </a:fillRef>
+          <a:effectRef idx="1">
+            <a:schemeClr val="accent3"/>
+          </a:effectRef>
+          <a:fontRef idx="minor">
+            <a:schemeClr val="dk1"/>
+          </a:fontRef>
+        </p:style>
+        <p:txBody>
+          <a:bodyPr wrap="square" rtlCol="0">
+            <a:spAutoFit/>
+          </a:bodyPr>
+          <a:lstStyle/>
+          <a:p>
+            <a:r>
+              <a:rPr lang="en-GB" sz="1100" dirty="0" smtClean="0">
+                <a:solidFill>
+                  <a:srgbClr val="646464"/>
+                </a:solidFill>
+                <a:latin typeface="Consolas"/>
+              </a:rPr>
+              <a:t>@</a:t>
+            </a:r>
+            <a:r>
+              <a:rPr lang="en-GB" sz="1100" dirty="0" err="1" smtClean="0">
+                <a:solidFill>
+                  <a:srgbClr val="646464"/>
+                </a:solidFill>
+                <a:latin typeface="Consolas"/>
+              </a:rPr>
+              <a:t>PublishedObject</a:t>
+            </a:r>
+            <a:r>
+              <a:rPr lang="en-GB" sz="1100" dirty="0" smtClean="0">
+                <a:solidFill>
+                  <a:srgbClr val="000000"/>
+                </a:solidFill>
+                <a:latin typeface="Consolas"/>
+              </a:rPr>
+              <a:t>(</a:t>
+            </a:r>
+            <a:br>
+              <a:rPr lang="en-GB" sz="1100" dirty="0" smtClean="0">
+                <a:solidFill>
+                  <a:srgbClr val="000000"/>
+                </a:solidFill>
+                <a:latin typeface="Consolas"/>
+              </a:rPr>
+            </a:br>
+            <a:r>
+              <a:rPr lang="en-GB" sz="1100" dirty="0" smtClean="0">
+                <a:solidFill>
+                  <a:srgbClr val="000000"/>
+                </a:solidFill>
+                <a:latin typeface="Consolas"/>
+              </a:rPr>
+              <a:t>   </a:t>
+            </a:r>
+            <a:r>
+              <a:rPr lang="en-GB" sz="1100" dirty="0" err="1" smtClean="0">
+                <a:solidFill>
+                  <a:srgbClr val="000000"/>
+                </a:solidFill>
+                <a:latin typeface="Consolas"/>
+              </a:rPr>
+              <a:t>ToDoItemChangedPayloadFactory</a:t>
+            </a:r>
+            <a:r>
+              <a:rPr lang="en-GB" sz="1100" dirty="0" smtClean="0">
+                <a:solidFill>
+                  <a:srgbClr val="000000"/>
+                </a:solidFill>
+                <a:latin typeface="Consolas"/>
+              </a:rPr>
+              <a:t>.</a:t>
+            </a:r>
+            <a:r>
+              <a:rPr lang="en-US" sz="1100" b="1" dirty="0" smtClean="0">
+                <a:solidFill>
+                  <a:srgbClr val="7F0055"/>
+                </a:solidFill>
+                <a:latin typeface="Consolas"/>
+              </a:rPr>
+              <a:t>class</a:t>
+            </a:r>
+            <a:r>
+              <a:rPr lang="en-GB" sz="1100" dirty="0" smtClean="0">
+                <a:solidFill>
+                  <a:srgbClr val="000000"/>
+                </a:solidFill>
+                <a:latin typeface="Consolas"/>
+              </a:rPr>
+              <a:t>)</a:t>
+            </a:r>
+            <a:endParaRPr lang="en-GB" sz="1100" b="1" dirty="0">
+              <a:solidFill>
+                <a:srgbClr val="000000"/>
+              </a:solidFill>
+              <a:highlight>
+                <a:srgbClr val="CECCF7"/>
+              </a:highlight>
+              <a:latin typeface="Consolas"/>
+            </a:endParaRPr>
+          </a:p>
+          <a:p>
+            <a:r>
+              <a:rPr lang="en-US" sz="1100" b="1" dirty="0" smtClean="0">
+                <a:solidFill>
+                  <a:srgbClr val="7F0055"/>
+                </a:solidFill>
+                <a:latin typeface="Consolas"/>
+              </a:rPr>
+              <a:t>public</a:t>
+            </a:r>
+            <a:r>
+              <a:rPr lang="en-US" sz="1100" b="1" dirty="0" smtClean="0">
+                <a:solidFill>
+                  <a:srgbClr val="000000"/>
+                </a:solidFill>
+                <a:latin typeface="Consolas"/>
+              </a:rPr>
+              <a:t> </a:t>
+            </a:r>
+            <a:r>
+              <a:rPr lang="en-US" sz="1100" b="1" dirty="0">
+                <a:solidFill>
+                  <a:srgbClr val="7F0055"/>
+                </a:solidFill>
+                <a:latin typeface="Consolas"/>
+              </a:rPr>
+              <a:t>class</a:t>
+            </a:r>
+            <a:r>
+              <a:rPr lang="en-US" sz="1100" b="1" dirty="0">
+                <a:solidFill>
+                  <a:srgbClr val="000000"/>
+                </a:solidFill>
+                <a:latin typeface="Consolas"/>
+              </a:rPr>
+              <a:t> </a:t>
+            </a:r>
+            <a:r>
+              <a:rPr lang="en-US" sz="1100" b="1" dirty="0" err="1">
+                <a:solidFill>
+                  <a:srgbClr val="000000"/>
+                </a:solidFill>
+                <a:latin typeface="Consolas"/>
+              </a:rPr>
+              <a:t>ToDoItem</a:t>
+            </a:r>
+            <a:r>
+              <a:rPr lang="en-US" sz="1100" b="1" dirty="0">
+                <a:solidFill>
+                  <a:srgbClr val="000000"/>
+                </a:solidFill>
+                <a:latin typeface="Consolas"/>
+              </a:rPr>
+              <a:t> </a:t>
+            </a:r>
+            <a:r>
+              <a:rPr lang="en-US" sz="1100" b="1" dirty="0" smtClean="0">
+                <a:solidFill>
+                  <a:srgbClr val="000000"/>
+                </a:solidFill>
+                <a:latin typeface="Consolas"/>
+              </a:rPr>
+              <a:t>... {</a:t>
+            </a:r>
+            <a:endParaRPr lang="en-GB" sz="1100" dirty="0" smtClean="0">
+              <a:solidFill>
+                <a:srgbClr val="000000"/>
+              </a:solidFill>
+              <a:latin typeface="Consolas"/>
+            </a:endParaRPr>
+          </a:p>
+          <a:p>
+            <a:r>
+              <a:rPr lang="en-GB" sz="1100" dirty="0" smtClean="0">
+                <a:solidFill>
+                  <a:srgbClr val="000000"/>
+                </a:solidFill>
+                <a:latin typeface="Consolas"/>
+              </a:rPr>
+              <a:t>  ...</a:t>
+            </a:r>
+          </a:p>
+          <a:p>
+            <a:r>
+              <a:rPr lang="en-GB" sz="1100" b="1" dirty="0" smtClean="0">
+                <a:solidFill>
+                  <a:srgbClr val="000000"/>
+                </a:solidFill>
+                <a:latin typeface="Consolas"/>
+              </a:rPr>
+              <a:t>}</a:t>
+            </a:r>
+          </a:p>
+        </p:txBody>
+      </p:sp>
+      <p:sp>
+        <p:nvSpPr>
+          <p:cNvPr id="6" name="TextBox 5"/>
+          <p:cNvSpPr txBox="1"/>
+          <p:nvPr/>
+        </p:nvSpPr>
+        <p:spPr>
+          <a:xfrm>
+            <a:off x="4355976" y="3436886"/>
+            <a:ext cx="4536504" cy="2462213"/>
+          </a:xfrm>
+          <a:prstGeom prst="rect">
+            <a:avLst/>
+          </a:prstGeom>
+          <a:solidFill>
+            <a:schemeClr val="bg1">
+              <a:lumMod val="95000"/>
+            </a:schemeClr>
+          </a:solidFill>
+        </p:spPr>
+        <p:style>
+          <a:lnRef idx="1">
+            <a:schemeClr val="accent3"/>
+          </a:lnRef>
+          <a:fillRef idx="2">
+            <a:schemeClr val="accent3"/>
+          </a:fillRef>
+          <a:effectRef idx="1">
+            <a:schemeClr val="accent3"/>
+          </a:effectRef>
+          <a:fontRef idx="minor">
+            <a:schemeClr val="dk1"/>
+          </a:fontRef>
+        </p:style>
+        <p:txBody>
+          <a:bodyPr wrap="square" rtlCol="0">
+            <a:spAutoFit/>
+          </a:bodyPr>
+          <a:lstStyle/>
+          <a:p>
+            <a:r>
+              <a:rPr lang="en-GB" sz="1100" dirty="0">
+                <a:solidFill>
+                  <a:srgbClr val="FF0000"/>
+                </a:solidFill>
+                <a:latin typeface="Consolas"/>
+              </a:rPr>
+              <a:t>{</a:t>
+            </a:r>
+          </a:p>
+          <a:p>
+            <a:r>
+              <a:rPr lang="en-GB" sz="1100" dirty="0">
+                <a:solidFill>
+                  <a:srgbClr val="FF0000"/>
+                </a:solidFill>
+                <a:latin typeface="Consolas"/>
+              </a:rPr>
+              <a:t>  "metadata" : </a:t>
+            </a:r>
+            <a:r>
+              <a:rPr lang="en-GB" sz="1100" dirty="0" smtClean="0">
+                <a:solidFill>
+                  <a:srgbClr val="FF0000"/>
+                </a:solidFill>
+                <a:latin typeface="Consolas"/>
+              </a:rPr>
+              <a:t>{ ... }</a:t>
+            </a:r>
+            <a:endParaRPr lang="en-GB" sz="1100" dirty="0">
+              <a:solidFill>
+                <a:srgbClr val="FF0000"/>
+              </a:solidFill>
+              <a:latin typeface="Consolas"/>
+            </a:endParaRPr>
+          </a:p>
+          <a:p>
+            <a:r>
+              <a:rPr lang="en-GB" sz="1100" dirty="0" smtClean="0">
+                <a:solidFill>
+                  <a:srgbClr val="FF0000"/>
+                </a:solidFill>
+                <a:latin typeface="Consolas"/>
+              </a:rPr>
+              <a:t>  "</a:t>
+            </a:r>
+            <a:r>
+              <a:rPr lang="en-GB" sz="1100" dirty="0">
+                <a:solidFill>
+                  <a:srgbClr val="FF0000"/>
+                </a:solidFill>
+                <a:latin typeface="Consolas"/>
+              </a:rPr>
+              <a:t>payload" : {</a:t>
+            </a:r>
+          </a:p>
+          <a:p>
+            <a:r>
+              <a:rPr lang="en-GB" sz="1100" dirty="0">
+                <a:solidFill>
+                  <a:srgbClr val="FF0000"/>
+                </a:solidFill>
+                <a:latin typeface="Consolas"/>
+              </a:rPr>
+              <a:t>    "title" : </a:t>
+            </a:r>
+            <a:r>
+              <a:rPr lang="en-GB" sz="1100" dirty="0" smtClean="0">
+                <a:solidFill>
+                  <a:srgbClr val="FF0000"/>
+                </a:solidFill>
+                <a:latin typeface="Consolas"/>
+              </a:rPr>
+              <a:t>...</a:t>
+            </a:r>
+          </a:p>
+          <a:p>
+            <a:r>
+              <a:rPr lang="en-GB" sz="1100" dirty="0">
+                <a:solidFill>
+                  <a:srgbClr val="FF0000"/>
+                </a:solidFill>
+                <a:latin typeface="Consolas"/>
+              </a:rPr>
+              <a:t> </a:t>
+            </a:r>
+            <a:r>
+              <a:rPr lang="en-GB" sz="1100" dirty="0" smtClean="0">
+                <a:solidFill>
+                  <a:srgbClr val="FF0000"/>
+                </a:solidFill>
+                <a:latin typeface="Consolas"/>
+              </a:rPr>
+              <a:t>   </a:t>
+            </a:r>
+            <a:r>
+              <a:rPr lang="en-GB" sz="1100" dirty="0">
+                <a:solidFill>
+                  <a:srgbClr val="FF0000"/>
+                </a:solidFill>
+                <a:latin typeface="Consolas"/>
+              </a:rPr>
+              <a:t>"members" : {</a:t>
+            </a:r>
+          </a:p>
+          <a:p>
+            <a:r>
+              <a:rPr lang="en-GB" sz="1100" dirty="0">
+                <a:solidFill>
+                  <a:srgbClr val="FF0000"/>
+                </a:solidFill>
+                <a:latin typeface="Consolas"/>
+              </a:rPr>
+              <a:t>      "changed" : </a:t>
+            </a:r>
+            <a:r>
+              <a:rPr lang="en-GB" sz="1100" dirty="0" smtClean="0">
+                <a:solidFill>
+                  <a:srgbClr val="FF0000"/>
+                </a:solidFill>
+                <a:latin typeface="Consolas"/>
+              </a:rPr>
+              <a:t>{ "</a:t>
+            </a:r>
+            <a:r>
+              <a:rPr lang="en-GB" sz="1100" dirty="0">
+                <a:solidFill>
+                  <a:srgbClr val="FF0000"/>
+                </a:solidFill>
+                <a:latin typeface="Consolas"/>
+              </a:rPr>
+              <a:t>value" : </a:t>
+            </a:r>
+            <a:r>
+              <a:rPr lang="en-GB" sz="1100" dirty="0" smtClean="0">
+                <a:solidFill>
+                  <a:srgbClr val="FF0000"/>
+                </a:solidFill>
+                <a:latin typeface="Consolas"/>
+              </a:rPr>
+              <a:t>{ "</a:t>
+            </a:r>
+            <a:r>
+              <a:rPr lang="en-GB" sz="1100" dirty="0" err="1">
+                <a:solidFill>
+                  <a:srgbClr val="FF0000"/>
+                </a:solidFill>
+                <a:latin typeface="Consolas"/>
+              </a:rPr>
+              <a:t>href</a:t>
+            </a:r>
+            <a:r>
+              <a:rPr lang="en-GB" sz="1100" dirty="0">
+                <a:solidFill>
+                  <a:srgbClr val="FF0000"/>
+                </a:solidFill>
+                <a:latin typeface="Consolas"/>
+              </a:rPr>
+              <a:t>" </a:t>
+            </a:r>
+            <a:r>
+              <a:rPr lang="en-GB" sz="1100" dirty="0" smtClean="0">
+                <a:solidFill>
+                  <a:srgbClr val="FF0000"/>
+                </a:solidFill>
+                <a:latin typeface="Consolas"/>
+              </a:rPr>
+              <a:t>:</a:t>
+            </a:r>
+          </a:p>
+          <a:p>
+            <a:r>
+              <a:rPr lang="en-GB" sz="1100" dirty="0">
+                <a:solidFill>
+                  <a:srgbClr val="FF0000"/>
+                </a:solidFill>
+                <a:latin typeface="Consolas"/>
+              </a:rPr>
+              <a:t> </a:t>
+            </a:r>
+            <a:r>
+              <a:rPr lang="en-GB" sz="1100" dirty="0" smtClean="0">
+                <a:solidFill>
+                  <a:srgbClr val="FF0000"/>
+                </a:solidFill>
+                <a:latin typeface="Consolas"/>
+              </a:rPr>
+              <a:t>       "http://localhost:8080/restful/objects/TODO/L_2</a:t>
+            </a:r>
+            <a:r>
+              <a:rPr lang="en-GB" sz="1100" dirty="0">
+                <a:solidFill>
+                  <a:srgbClr val="FF0000"/>
+                </a:solidFill>
+                <a:latin typeface="Consolas"/>
+              </a:rPr>
+              <a:t>",</a:t>
+            </a:r>
+          </a:p>
+          <a:p>
+            <a:r>
+              <a:rPr lang="en-GB" sz="1100" dirty="0" smtClean="0">
+                <a:solidFill>
+                  <a:srgbClr val="FF0000"/>
+                </a:solidFill>
+                <a:latin typeface="Consolas"/>
+              </a:rPr>
+              <a:t>      }}},</a:t>
+            </a:r>
+            <a:endParaRPr lang="en-GB" sz="1100" dirty="0">
+              <a:solidFill>
+                <a:srgbClr val="FF0000"/>
+              </a:solidFill>
+              <a:latin typeface="Consolas"/>
+            </a:endParaRPr>
+          </a:p>
+          <a:p>
+            <a:r>
+              <a:rPr lang="en-GB" sz="1100" dirty="0" smtClean="0">
+                <a:solidFill>
+                  <a:srgbClr val="FF0000"/>
+                </a:solidFill>
+                <a:latin typeface="Consolas"/>
+              </a:rPr>
+              <a:t>      "</a:t>
+            </a:r>
+            <a:r>
+              <a:rPr lang="en-GB" sz="1100" dirty="0">
+                <a:solidFill>
+                  <a:srgbClr val="FF0000"/>
+                </a:solidFill>
+                <a:latin typeface="Consolas"/>
+              </a:rPr>
+              <a:t>description" : {</a:t>
+            </a:r>
+          </a:p>
+          <a:p>
+            <a:r>
+              <a:rPr lang="en-GB" sz="1100" dirty="0" smtClean="0">
+                <a:solidFill>
+                  <a:srgbClr val="FF0000"/>
+                </a:solidFill>
+                <a:latin typeface="Consolas"/>
+              </a:rPr>
+              <a:t>        "</a:t>
+            </a:r>
+            <a:r>
+              <a:rPr lang="en-GB" sz="1100" dirty="0">
+                <a:solidFill>
+                  <a:srgbClr val="FF0000"/>
+                </a:solidFill>
+                <a:latin typeface="Consolas"/>
+              </a:rPr>
+              <a:t>value" : "Buy stamps",</a:t>
+            </a:r>
+          </a:p>
+          <a:p>
+            <a:r>
+              <a:rPr lang="en-GB" sz="1100" dirty="0" smtClean="0">
+                <a:solidFill>
+                  <a:srgbClr val="FF0000"/>
+                </a:solidFill>
+                <a:latin typeface="Consolas"/>
+              </a:rPr>
+              <a:t>      }</a:t>
+            </a:r>
+            <a:endParaRPr lang="en-GB" sz="1100" dirty="0">
+              <a:solidFill>
+                <a:srgbClr val="FF0000"/>
+              </a:solidFill>
+              <a:latin typeface="Consolas"/>
+            </a:endParaRPr>
+          </a:p>
+          <a:p>
+            <a:r>
+              <a:rPr lang="en-GB" sz="1100" dirty="0">
+                <a:solidFill>
+                  <a:srgbClr val="FF0000"/>
+                </a:solidFill>
+                <a:latin typeface="Consolas"/>
+              </a:rPr>
+              <a:t>    </a:t>
+            </a:r>
+            <a:r>
+              <a:rPr lang="en-GB" sz="1100" dirty="0" smtClean="0">
+                <a:solidFill>
+                  <a:srgbClr val="FF0000"/>
+                </a:solidFill>
+                <a:latin typeface="Consolas"/>
+              </a:rPr>
+              <a:t>}</a:t>
+            </a:r>
+          </a:p>
+          <a:p>
+            <a:r>
+              <a:rPr lang="en-GB" sz="1100" dirty="0">
+                <a:solidFill>
+                  <a:srgbClr val="FF0000"/>
+                </a:solidFill>
+                <a:latin typeface="Consolas"/>
+              </a:rPr>
+              <a:t> </a:t>
+            </a:r>
+            <a:r>
+              <a:rPr lang="en-GB" sz="1100" dirty="0" smtClean="0">
+                <a:solidFill>
+                  <a:srgbClr val="FF0000"/>
+                </a:solidFill>
+                <a:latin typeface="Consolas"/>
+              </a:rPr>
+              <a:t> </a:t>
+            </a:r>
+            <a:r>
+              <a:rPr lang="en-GB" sz="1100" dirty="0">
+                <a:solidFill>
+                  <a:srgbClr val="FF0000"/>
+                </a:solidFill>
+                <a:latin typeface="Consolas"/>
+              </a:rPr>
+              <a:t>}</a:t>
+            </a:r>
+          </a:p>
+          <a:p>
+            <a:r>
+              <a:rPr lang="en-GB" sz="1100" dirty="0" smtClean="0">
+                <a:solidFill>
+                  <a:srgbClr val="FF0000"/>
+                </a:solidFill>
+                <a:latin typeface="Consolas"/>
+              </a:rPr>
+              <a:t>}</a:t>
+            </a:r>
+            <a:endParaRPr lang="en-GB" sz="1100" b="1" dirty="0" smtClean="0">
+              <a:solidFill>
+                <a:srgbClr val="000000"/>
+              </a:solidFill>
+              <a:latin typeface="Consolas"/>
+            </a:endParaRPr>
+          </a:p>
+        </p:txBody>
+      </p:sp>
+      <p:sp>
+        <p:nvSpPr>
+          <p:cNvPr id="7" name="TextBox 6"/>
+          <p:cNvSpPr txBox="1"/>
+          <p:nvPr/>
+        </p:nvSpPr>
+        <p:spPr>
+          <a:xfrm>
+            <a:off x="273418" y="2492896"/>
+            <a:ext cx="5522718" cy="1277273"/>
+          </a:xfrm>
+          <a:prstGeom prst="rect">
+            <a:avLst/>
+          </a:prstGeom>
+          <a:solidFill>
+            <a:schemeClr val="bg1">
+              <a:lumMod val="95000"/>
+            </a:schemeClr>
+          </a:solidFill>
+        </p:spPr>
+        <p:style>
+          <a:lnRef idx="1">
+            <a:schemeClr val="accent3"/>
+          </a:lnRef>
+          <a:fillRef idx="2">
+            <a:schemeClr val="accent3"/>
+          </a:fillRef>
+          <a:effectRef idx="1">
+            <a:schemeClr val="accent3"/>
+          </a:effectRef>
+          <a:fontRef idx="minor">
+            <a:schemeClr val="dk1"/>
+          </a:fontRef>
+        </p:style>
+        <p:txBody>
+          <a:bodyPr wrap="square" rtlCol="0">
+            <a:spAutoFit/>
+          </a:bodyPr>
+          <a:lstStyle/>
+          <a:p>
+            <a:r>
+              <a:rPr lang="en-US" sz="1100" b="1" dirty="0">
+                <a:solidFill>
+                  <a:srgbClr val="7F0055"/>
+                </a:solidFill>
+                <a:latin typeface="Consolas"/>
+              </a:rPr>
+              <a:t>public</a:t>
+            </a:r>
+            <a:r>
+              <a:rPr lang="en-US" sz="1100" b="1" dirty="0">
+                <a:solidFill>
+                  <a:srgbClr val="000000"/>
+                </a:solidFill>
+                <a:latin typeface="Consolas"/>
+              </a:rPr>
+              <a:t> </a:t>
+            </a:r>
+            <a:r>
+              <a:rPr lang="en-US" sz="1100" b="1" dirty="0">
+                <a:solidFill>
+                  <a:srgbClr val="7F0055"/>
+                </a:solidFill>
+                <a:latin typeface="Consolas"/>
+              </a:rPr>
+              <a:t>class</a:t>
+            </a:r>
+            <a:r>
+              <a:rPr lang="en-US" sz="1100" b="1" dirty="0">
+                <a:solidFill>
+                  <a:srgbClr val="000000"/>
+                </a:solidFill>
+                <a:latin typeface="Consolas"/>
+              </a:rPr>
+              <a:t> </a:t>
+            </a:r>
+            <a:r>
+              <a:rPr lang="en-US" sz="1100" b="1" dirty="0" err="1">
+                <a:solidFill>
+                  <a:srgbClr val="000000"/>
+                </a:solidFill>
+                <a:latin typeface="Consolas"/>
+              </a:rPr>
+              <a:t>ToDoItemChangedPayloadFactory</a:t>
+            </a:r>
+            <a:r>
+              <a:rPr lang="en-US" sz="1100" b="1" dirty="0">
+                <a:solidFill>
+                  <a:srgbClr val="000000"/>
+                </a:solidFill>
+                <a:latin typeface="Consolas"/>
+              </a:rPr>
+              <a:t> </a:t>
+            </a:r>
+            <a:r>
+              <a:rPr lang="en-US" sz="1100" b="1" dirty="0">
+                <a:solidFill>
+                  <a:srgbClr val="7F0055"/>
+                </a:solidFill>
+                <a:latin typeface="Consolas"/>
+              </a:rPr>
+              <a:t>implements</a:t>
+            </a:r>
+            <a:r>
+              <a:rPr lang="en-US" sz="1100" b="1" dirty="0">
+                <a:solidFill>
+                  <a:srgbClr val="000000"/>
+                </a:solidFill>
+                <a:latin typeface="Consolas"/>
+              </a:rPr>
+              <a:t> </a:t>
+            </a:r>
+            <a:r>
+              <a:rPr lang="en-US" sz="1100" b="1" dirty="0" err="1">
+                <a:solidFill>
+                  <a:srgbClr val="000000"/>
+                </a:solidFill>
+                <a:latin typeface="Consolas"/>
+              </a:rPr>
+              <a:t>PayloadFactory</a:t>
+            </a:r>
+            <a:r>
+              <a:rPr lang="en-US" sz="1100" b="1" dirty="0">
+                <a:solidFill>
+                  <a:srgbClr val="000000"/>
+                </a:solidFill>
+                <a:latin typeface="Consolas"/>
+              </a:rPr>
+              <a:t>{</a:t>
+            </a:r>
+          </a:p>
+          <a:p>
+            <a:r>
+              <a:rPr lang="en-US" sz="1100" dirty="0" smtClean="0">
+                <a:solidFill>
+                  <a:srgbClr val="000000"/>
+                </a:solidFill>
+                <a:latin typeface="Consolas"/>
+              </a:rPr>
+              <a:t>  </a:t>
+            </a:r>
+            <a:r>
+              <a:rPr lang="en-US" sz="1100" b="1" dirty="0">
+                <a:solidFill>
+                  <a:srgbClr val="7F0055"/>
+                </a:solidFill>
+                <a:latin typeface="Consolas"/>
+              </a:rPr>
+              <a:t>public</a:t>
+            </a:r>
+            <a:r>
+              <a:rPr lang="en-US" sz="1100" b="1" dirty="0">
+                <a:solidFill>
+                  <a:srgbClr val="000000"/>
+                </a:solidFill>
+                <a:latin typeface="Consolas"/>
+              </a:rPr>
+              <a:t> </a:t>
+            </a:r>
+            <a:r>
+              <a:rPr lang="en-US" sz="1100" b="1" dirty="0">
+                <a:solidFill>
+                  <a:srgbClr val="7F0055"/>
+                </a:solidFill>
+                <a:latin typeface="Consolas"/>
+              </a:rPr>
+              <a:t>static</a:t>
+            </a:r>
+            <a:r>
+              <a:rPr lang="en-US" sz="1100" b="1" dirty="0">
+                <a:solidFill>
+                  <a:srgbClr val="000000"/>
+                </a:solidFill>
+                <a:latin typeface="Consolas"/>
+              </a:rPr>
+              <a:t> </a:t>
+            </a:r>
+            <a:r>
+              <a:rPr lang="en-US" sz="1100" b="1" dirty="0">
+                <a:solidFill>
+                  <a:srgbClr val="7F0055"/>
+                </a:solidFill>
+                <a:latin typeface="Consolas"/>
+              </a:rPr>
+              <a:t>class</a:t>
+            </a:r>
+            <a:r>
+              <a:rPr lang="en-US" sz="1100" b="1" dirty="0">
+                <a:solidFill>
+                  <a:srgbClr val="000000"/>
+                </a:solidFill>
+                <a:latin typeface="Consolas"/>
+              </a:rPr>
+              <a:t> </a:t>
+            </a:r>
+            <a:r>
+              <a:rPr lang="en-US" sz="1100" b="1" dirty="0" err="1">
+                <a:solidFill>
+                  <a:srgbClr val="000000"/>
+                </a:solidFill>
+                <a:latin typeface="Consolas"/>
+              </a:rPr>
+              <a:t>ToDoItemPayload</a:t>
+            </a:r>
+            <a:r>
+              <a:rPr lang="en-US" sz="1100" b="1" dirty="0">
+                <a:solidFill>
+                  <a:srgbClr val="000000"/>
+                </a:solidFill>
+                <a:latin typeface="Consolas"/>
+              </a:rPr>
+              <a:t> </a:t>
+            </a:r>
+            <a:endParaRPr lang="en-US" sz="1100" b="1" dirty="0" smtClean="0">
+              <a:solidFill>
+                <a:srgbClr val="000000"/>
+              </a:solidFill>
+              <a:latin typeface="Consolas"/>
+            </a:endParaRPr>
+          </a:p>
+          <a:p>
+            <a:r>
+              <a:rPr lang="en-US" sz="1100" b="1" dirty="0" smtClean="0">
+                <a:solidFill>
+                  <a:srgbClr val="000000"/>
+                </a:solidFill>
+                <a:latin typeface="Consolas"/>
+              </a:rPr>
+              <a:t>      </a:t>
+            </a:r>
+            <a:r>
+              <a:rPr lang="en-US" sz="1100" b="1" dirty="0" smtClean="0">
+                <a:solidFill>
+                  <a:srgbClr val="7F0055"/>
+                </a:solidFill>
+                <a:latin typeface="Consolas"/>
+              </a:rPr>
+              <a:t>extends</a:t>
+            </a:r>
+            <a:r>
+              <a:rPr lang="en-US" sz="1100" b="1" dirty="0" smtClean="0">
+                <a:solidFill>
+                  <a:srgbClr val="000000"/>
+                </a:solidFill>
+                <a:latin typeface="Consolas"/>
+              </a:rPr>
+              <a:t> </a:t>
+            </a:r>
+            <a:r>
+              <a:rPr lang="en-US" sz="1100" b="1" dirty="0" err="1">
+                <a:solidFill>
+                  <a:srgbClr val="000000"/>
+                </a:solidFill>
+                <a:latin typeface="Consolas"/>
+              </a:rPr>
+              <a:t>EventPayloadForObjectChanged</a:t>
+            </a:r>
+            <a:r>
+              <a:rPr lang="en-US" sz="1100" b="1" dirty="0">
+                <a:solidFill>
+                  <a:srgbClr val="000000"/>
+                </a:solidFill>
+                <a:latin typeface="Consolas"/>
+              </a:rPr>
+              <a:t>&lt;</a:t>
+            </a:r>
+            <a:r>
+              <a:rPr lang="en-US" sz="1100" b="1" dirty="0" err="1">
+                <a:solidFill>
+                  <a:srgbClr val="000000"/>
+                </a:solidFill>
+                <a:latin typeface="Consolas"/>
+              </a:rPr>
+              <a:t>ToDoItem</a:t>
+            </a:r>
+            <a:r>
+              <a:rPr lang="en-US" sz="1100" b="1" dirty="0">
+                <a:solidFill>
+                  <a:srgbClr val="000000"/>
+                </a:solidFill>
+                <a:latin typeface="Consolas"/>
+              </a:rPr>
+              <a:t>&gt; </a:t>
+            </a:r>
+            <a:r>
+              <a:rPr lang="en-US" sz="1100" b="1" dirty="0" smtClean="0">
+                <a:solidFill>
+                  <a:srgbClr val="000000"/>
+                </a:solidFill>
+                <a:latin typeface="Consolas"/>
+              </a:rPr>
+              <a:t>{ ...</a:t>
+            </a:r>
+            <a:endParaRPr lang="en-US" sz="1100" b="1" dirty="0">
+              <a:solidFill>
+                <a:srgbClr val="000000"/>
+              </a:solidFill>
+              <a:latin typeface="Consolas"/>
+            </a:endParaRPr>
+          </a:p>
+          <a:p>
+            <a:r>
+              <a:rPr lang="en-GB" sz="1100" b="1" dirty="0" smtClean="0">
+                <a:solidFill>
+                  <a:srgbClr val="7F0055"/>
+                </a:solidFill>
+                <a:latin typeface="Consolas"/>
+              </a:rPr>
+              <a:t>      public</a:t>
+            </a:r>
+            <a:r>
+              <a:rPr lang="en-GB" sz="1100" b="1" dirty="0" smtClean="0">
+                <a:solidFill>
+                  <a:srgbClr val="000000"/>
+                </a:solidFill>
+                <a:latin typeface="Consolas"/>
+              </a:rPr>
+              <a:t> </a:t>
+            </a:r>
+            <a:r>
+              <a:rPr lang="en-GB" sz="1100" b="1" dirty="0">
+                <a:solidFill>
+                  <a:srgbClr val="000000"/>
+                </a:solidFill>
+                <a:latin typeface="Consolas"/>
+              </a:rPr>
+              <a:t>String </a:t>
+            </a:r>
+            <a:r>
+              <a:rPr lang="en-GB" sz="1100" b="1" dirty="0" err="1">
+                <a:solidFill>
+                  <a:srgbClr val="000000"/>
+                </a:solidFill>
+                <a:latin typeface="Consolas"/>
+              </a:rPr>
+              <a:t>getDescription</a:t>
+            </a:r>
+            <a:r>
+              <a:rPr lang="en-GB" sz="1100" b="1" dirty="0">
+                <a:solidFill>
+                  <a:srgbClr val="000000"/>
+                </a:solidFill>
+                <a:latin typeface="Consolas"/>
+              </a:rPr>
+              <a:t>() </a:t>
+            </a:r>
+            <a:r>
+              <a:rPr lang="en-GB" sz="1100" b="1" dirty="0" smtClean="0">
+                <a:solidFill>
+                  <a:srgbClr val="000000"/>
+                </a:solidFill>
+                <a:latin typeface="Consolas"/>
+              </a:rPr>
+              <a:t>{ ... }</a:t>
+            </a:r>
+            <a:endParaRPr lang="en-GB" sz="1100" b="1" dirty="0">
+              <a:solidFill>
+                <a:srgbClr val="000000"/>
+              </a:solidFill>
+              <a:latin typeface="Consolas"/>
+            </a:endParaRPr>
+          </a:p>
+          <a:p>
+            <a:r>
+              <a:rPr lang="en-GB" sz="1100" dirty="0" smtClean="0">
+                <a:solidFill>
+                  <a:srgbClr val="000000"/>
+                </a:solidFill>
+                <a:latin typeface="Consolas"/>
+              </a:rPr>
+              <a:t>  }</a:t>
+            </a:r>
+            <a:endParaRPr lang="en-GB" sz="1100" dirty="0">
+              <a:solidFill>
+                <a:srgbClr val="000000"/>
+              </a:solidFill>
+              <a:latin typeface="Consolas"/>
+            </a:endParaRPr>
+          </a:p>
+          <a:p>
+            <a:r>
+              <a:rPr lang="en-US" sz="1100" b="1" dirty="0" smtClean="0">
+                <a:solidFill>
+                  <a:srgbClr val="7F0055"/>
+                </a:solidFill>
+                <a:latin typeface="Consolas"/>
+              </a:rPr>
+              <a:t>  public</a:t>
+            </a:r>
+            <a:r>
+              <a:rPr lang="en-US" sz="1100" b="1" dirty="0" smtClean="0">
+                <a:solidFill>
+                  <a:srgbClr val="000000"/>
+                </a:solidFill>
+                <a:latin typeface="Consolas"/>
+              </a:rPr>
+              <a:t> </a:t>
+            </a:r>
+            <a:r>
+              <a:rPr lang="en-US" sz="1100" b="1" dirty="0" err="1">
+                <a:solidFill>
+                  <a:srgbClr val="000000"/>
+                </a:solidFill>
+                <a:latin typeface="Consolas"/>
+              </a:rPr>
+              <a:t>EventPayload</a:t>
+            </a:r>
+            <a:r>
+              <a:rPr lang="en-US" sz="1100" b="1" dirty="0">
+                <a:solidFill>
+                  <a:srgbClr val="000000"/>
+                </a:solidFill>
+                <a:latin typeface="Consolas"/>
+              </a:rPr>
+              <a:t> </a:t>
+            </a:r>
+            <a:r>
+              <a:rPr lang="en-US" sz="1100" b="1" dirty="0" err="1" smtClean="0">
+                <a:solidFill>
+                  <a:srgbClr val="000000"/>
+                </a:solidFill>
+                <a:latin typeface="Consolas"/>
+              </a:rPr>
+              <a:t>payloadFor</a:t>
+            </a:r>
+            <a:r>
+              <a:rPr lang="en-US" sz="1100" b="1" dirty="0" smtClean="0">
+                <a:solidFill>
+                  <a:srgbClr val="000000"/>
+                </a:solidFill>
+                <a:latin typeface="Consolas"/>
+              </a:rPr>
+              <a:t>(Object </a:t>
+            </a:r>
+            <a:r>
+              <a:rPr lang="en-US" sz="1100" b="1" dirty="0" err="1">
+                <a:solidFill>
+                  <a:srgbClr val="000000"/>
+                </a:solidFill>
+                <a:latin typeface="Consolas"/>
+              </a:rPr>
+              <a:t>changedObject</a:t>
+            </a:r>
+            <a:r>
+              <a:rPr lang="en-US" sz="1100" b="1" dirty="0">
+                <a:solidFill>
+                  <a:srgbClr val="000000"/>
+                </a:solidFill>
+                <a:latin typeface="Consolas"/>
+              </a:rPr>
+              <a:t>, </a:t>
+            </a:r>
+            <a:r>
+              <a:rPr lang="en-US" sz="1100" b="1" dirty="0" smtClean="0">
+                <a:solidFill>
+                  <a:srgbClr val="000000"/>
+                </a:solidFill>
+                <a:latin typeface="Consolas"/>
+              </a:rPr>
+              <a:t>...) { … }</a:t>
+            </a:r>
+          </a:p>
+          <a:p>
+            <a:r>
+              <a:rPr lang="en-GB" sz="1100" dirty="0" smtClean="0">
+                <a:solidFill>
+                  <a:srgbClr val="000000"/>
+                </a:solidFill>
+                <a:latin typeface="Consolas"/>
+              </a:rPr>
+              <a:t>}</a:t>
+            </a:r>
+            <a:endParaRPr lang="en-GB" sz="1100" dirty="0">
+              <a:solidFill>
+                <a:srgbClr val="000000"/>
+              </a:solidFill>
+              <a:latin typeface="Consolas"/>
+            </a:endParaRPr>
+          </a:p>
+        </p:txBody>
+      </p:sp>
+    </p:spTree>
+    <p:extLst>
+      <p:ext uri="{BB962C8B-B14F-4D97-AF65-F5344CB8AC3E}">
+        <p14:creationId xmlns:p14="http://schemas.microsoft.com/office/powerpoint/2010/main" val="79641955"/>
+      </p:ext>
+    </p:extLst>
+  </p:cSld>
+  <p:clrMapOvr>
+    <a:masterClrMapping/>
+  </p:clrMapOvr>
+</p:sld>
+</file>
+
+<file path=ppt/slides/slide21.xml><?xml version="1.0" encoding="utf-8"?>
+<p:sld xmlns:a="http://schemas.openxmlformats.org/drawingml/2006/main" xmlns:r="http://schemas.openxmlformats.org/officeDocument/2006/relationships" xmlns:p="http://schemas.openxmlformats.org/presentationml/2006/main">
+  <p:cSld>
+    <p:spTree>
+      <p:nvGrpSpPr>
+        <p:cNvPr id="1" name=""/>
+        <p:cNvGrpSpPr/>
+        <p:nvPr/>
+      </p:nvGrpSpPr>
+      <p:grpSpPr>
+        <a:xfrm>
+          <a:off x="0" y="0"/>
+          <a:ext cx="0" cy="0"/>
+          <a:chOff x="0" y="0"/>
+          <a:chExt cx="0" cy="0"/>
+        </a:xfrm>
+      </p:grpSpPr>
+      <p:sp>
+        <p:nvSpPr>
+          <p:cNvPr id="2" name="TextBox 1"/>
+          <p:cNvSpPr txBox="1"/>
+          <p:nvPr/>
+        </p:nvSpPr>
+        <p:spPr>
+          <a:xfrm>
+            <a:off x="539552" y="404664"/>
+            <a:ext cx="4032448" cy="1200329"/>
           </a:xfrm>
           <a:prstGeom prst="rect">
             <a:avLst/>
@@ -13624,7 +17714,30 @@
             <a:pPr algn="ctr"/>
             <a:r>
               <a:rPr lang="en-GB" dirty="0" smtClean="0"/>
-              <a:t>Extensible (calendar)</a:t>
+              <a:t>Isis provides a simple </a:t>
+            </a:r>
+            <a:r>
+              <a:rPr lang="en-GB" dirty="0"/>
+              <a:t>a</a:t>
+            </a:r>
+            <a:r>
+              <a:rPr lang="en-GB" dirty="0" smtClean="0"/>
+              <a:t>uditing </a:t>
+            </a:r>
+            <a:r>
+              <a:rPr lang="en-GB" dirty="0"/>
+              <a:t>s</a:t>
+            </a:r>
+            <a:r>
+              <a:rPr lang="en-GB" dirty="0" smtClean="0"/>
+              <a:t>ervice to record changes to objects. </a:t>
+            </a:r>
+            <a:br>
+              <a:rPr lang="en-GB" dirty="0" smtClean="0"/>
+            </a:br>
+            <a:r>
+              <a:rPr lang="en-GB" dirty="0" smtClean="0"/>
+              <a:t>A default implementation saves to a database table.</a:t>
             </a:r>
             <a:endParaRPr lang="en-GB" dirty="0" smtClean="0"/>
           </a:p>
@@ -13632,14 +17745,659 @@
       </p:sp>
       <p:sp>
         <p:nvSpPr>
-          <p:cNvPr id="16" name="TextBox 15"/>
+          <p:cNvPr id="4" name="TextBox 3"/>
           <p:cNvSpPr txBox="1"/>
           <p:nvPr/>
         </p:nvSpPr>
         <p:spPr>
           <a:xfrm>
-            <a:off x="539552" y="1206044"/>
-            <a:ext cx="4824536" cy="406265"/>
+            <a:off x="5152093" y="1124744"/>
+            <a:ext cx="2304256" cy="769441"/>
+          </a:xfrm>
+          <a:prstGeom prst="rect">
+            <a:avLst/>
+          </a:prstGeom>
+          <a:solidFill>
+            <a:schemeClr val="bg1">
+              <a:lumMod val="95000"/>
+            </a:schemeClr>
+          </a:solidFill>
+        </p:spPr>
+        <p:style>
+          <a:lnRef idx="1">
+            <a:schemeClr val="accent3"/>
+          </a:lnRef>
+          <a:fillRef idx="2">
+            <a:schemeClr val="accent3"/>
+          </a:fillRef>
+          <a:effectRef idx="1">
+            <a:schemeClr val="accent3"/>
+          </a:effectRef>
+          <a:fontRef idx="minor">
+            <a:schemeClr val="dk1"/>
+          </a:fontRef>
+        </p:style>
+        <p:txBody>
+          <a:bodyPr wrap="square" rtlCol="0">
+            <a:spAutoFit/>
+          </a:bodyPr>
+          <a:lstStyle/>
+          <a:p>
+            <a:r>
+              <a:rPr lang="en-GB" sz="1100" dirty="0" smtClean="0">
+                <a:solidFill>
+                  <a:srgbClr val="646464"/>
+                </a:solidFill>
+                <a:latin typeface="Consolas"/>
+              </a:rPr>
+              <a:t>@Audited</a:t>
+            </a:r>
+            <a:endParaRPr lang="en-GB" sz="1100" b="1" dirty="0">
+              <a:solidFill>
+                <a:srgbClr val="000000"/>
+              </a:solidFill>
+              <a:highlight>
+                <a:srgbClr val="CECCF7"/>
+              </a:highlight>
+              <a:latin typeface="Consolas"/>
+            </a:endParaRPr>
+          </a:p>
+          <a:p>
+            <a:r>
+              <a:rPr lang="en-US" sz="1100" b="1" dirty="0" smtClean="0">
+                <a:solidFill>
+                  <a:srgbClr val="7F0055"/>
+                </a:solidFill>
+                <a:latin typeface="Consolas"/>
+              </a:rPr>
+              <a:t>public</a:t>
+            </a:r>
+            <a:r>
+              <a:rPr lang="en-US" sz="1100" b="1" dirty="0" smtClean="0">
+                <a:solidFill>
+                  <a:srgbClr val="000000"/>
+                </a:solidFill>
+                <a:latin typeface="Consolas"/>
+              </a:rPr>
+              <a:t> </a:t>
+            </a:r>
+            <a:r>
+              <a:rPr lang="en-US" sz="1100" b="1" dirty="0">
+                <a:solidFill>
+                  <a:srgbClr val="7F0055"/>
+                </a:solidFill>
+                <a:latin typeface="Consolas"/>
+              </a:rPr>
+              <a:t>class</a:t>
+            </a:r>
+            <a:r>
+              <a:rPr lang="en-US" sz="1100" b="1" dirty="0">
+                <a:solidFill>
+                  <a:srgbClr val="000000"/>
+                </a:solidFill>
+                <a:latin typeface="Consolas"/>
+              </a:rPr>
+              <a:t> </a:t>
+            </a:r>
+            <a:r>
+              <a:rPr lang="en-US" sz="1100" b="1" dirty="0" err="1">
+                <a:solidFill>
+                  <a:srgbClr val="000000"/>
+                </a:solidFill>
+                <a:latin typeface="Consolas"/>
+              </a:rPr>
+              <a:t>ToDoItem</a:t>
+            </a:r>
+            <a:r>
+              <a:rPr lang="en-US" sz="1100" b="1" dirty="0">
+                <a:solidFill>
+                  <a:srgbClr val="000000"/>
+                </a:solidFill>
+                <a:latin typeface="Consolas"/>
+              </a:rPr>
+              <a:t> </a:t>
+            </a:r>
+            <a:r>
+              <a:rPr lang="en-US" sz="1100" b="1" dirty="0" smtClean="0">
+                <a:solidFill>
+                  <a:srgbClr val="000000"/>
+                </a:solidFill>
+                <a:latin typeface="Consolas"/>
+              </a:rPr>
+              <a:t>... {</a:t>
+            </a:r>
+            <a:endParaRPr lang="en-GB" sz="1100" dirty="0" smtClean="0">
+              <a:solidFill>
+                <a:srgbClr val="000000"/>
+              </a:solidFill>
+              <a:latin typeface="Consolas"/>
+            </a:endParaRPr>
+          </a:p>
+          <a:p>
+            <a:r>
+              <a:rPr lang="en-GB" sz="1100" dirty="0" smtClean="0">
+                <a:solidFill>
+                  <a:srgbClr val="000000"/>
+                </a:solidFill>
+                <a:latin typeface="Consolas"/>
+              </a:rPr>
+              <a:t>  ...</a:t>
+            </a:r>
+          </a:p>
+          <a:p>
+            <a:r>
+              <a:rPr lang="en-GB" sz="1100" b="1" dirty="0" smtClean="0">
+                <a:solidFill>
+                  <a:srgbClr val="000000"/>
+                </a:solidFill>
+                <a:latin typeface="Consolas"/>
+              </a:rPr>
+              <a:t>}</a:t>
+            </a:r>
+          </a:p>
+        </p:txBody>
+      </p:sp>
+      <p:sp>
+        <p:nvSpPr>
+          <p:cNvPr id="5" name="TextBox 4"/>
+          <p:cNvSpPr txBox="1"/>
+          <p:nvPr/>
+        </p:nvSpPr>
+        <p:spPr>
+          <a:xfrm>
+            <a:off x="4788024" y="3599438"/>
+            <a:ext cx="3896816" cy="261610"/>
+          </a:xfrm>
+          <a:prstGeom prst="rect">
+            <a:avLst/>
+          </a:prstGeom>
+          <a:solidFill>
+            <a:schemeClr val="bg1">
+              <a:lumMod val="95000"/>
+            </a:schemeClr>
+          </a:solidFill>
+        </p:spPr>
+        <p:style>
+          <a:lnRef idx="1">
+            <a:schemeClr val="accent3"/>
+          </a:lnRef>
+          <a:fillRef idx="2">
+            <a:schemeClr val="accent3"/>
+          </a:fillRef>
+          <a:effectRef idx="1">
+            <a:schemeClr val="accent3"/>
+          </a:effectRef>
+          <a:fontRef idx="minor">
+            <a:schemeClr val="dk1"/>
+          </a:fontRef>
+        </p:style>
+        <p:txBody>
+          <a:bodyPr wrap="square" rtlCol="0">
+            <a:spAutoFit/>
+          </a:bodyPr>
+          <a:lstStyle/>
+          <a:p>
+            <a:r>
+              <a:rPr lang="en-GB" sz="1100" dirty="0">
+                <a:solidFill>
+                  <a:srgbClr val="FF0000"/>
+                </a:solidFill>
+                <a:latin typeface="Consolas"/>
+              </a:rPr>
+              <a:t>TODO:L_1 by </a:t>
+            </a:r>
+            <a:r>
+              <a:rPr lang="en-GB" sz="1100" dirty="0" err="1">
+                <a:solidFill>
+                  <a:srgbClr val="FF0000"/>
+                </a:solidFill>
+                <a:latin typeface="Consolas"/>
+              </a:rPr>
+              <a:t>sven</a:t>
+            </a:r>
+            <a:r>
+              <a:rPr lang="en-GB" sz="1100" dirty="0">
+                <a:solidFill>
+                  <a:srgbClr val="FF0000"/>
+                </a:solidFill>
+                <a:latin typeface="Consolas"/>
+              </a:rPr>
+              <a:t>, complete: true -&gt; </a:t>
+            </a:r>
+            <a:r>
+              <a:rPr lang="en-GB" sz="1100" dirty="0" smtClean="0">
+                <a:solidFill>
+                  <a:srgbClr val="FF0000"/>
+                </a:solidFill>
+                <a:latin typeface="Consolas"/>
+              </a:rPr>
+              <a:t>false</a:t>
+            </a:r>
+            <a:endParaRPr lang="en-GB" sz="1100" dirty="0">
+              <a:solidFill>
+                <a:srgbClr val="FF0000"/>
+              </a:solidFill>
+              <a:latin typeface="Consolas"/>
+            </a:endParaRPr>
+          </a:p>
+        </p:txBody>
+      </p:sp>
+      <p:sp>
+        <p:nvSpPr>
+          <p:cNvPr id="6" name="TextBox 5"/>
+          <p:cNvSpPr txBox="1"/>
+          <p:nvPr/>
+        </p:nvSpPr>
+        <p:spPr>
+          <a:xfrm>
+            <a:off x="1835696" y="2164938"/>
+            <a:ext cx="3600400" cy="1277273"/>
+          </a:xfrm>
+          <a:prstGeom prst="rect">
+            <a:avLst/>
+          </a:prstGeom>
+          <a:solidFill>
+            <a:schemeClr val="bg1">
+              <a:lumMod val="95000"/>
+            </a:schemeClr>
+          </a:solidFill>
+        </p:spPr>
+        <p:style>
+          <a:lnRef idx="1">
+            <a:schemeClr val="accent3"/>
+          </a:lnRef>
+          <a:fillRef idx="2">
+            <a:schemeClr val="accent3"/>
+          </a:fillRef>
+          <a:effectRef idx="1">
+            <a:schemeClr val="accent3"/>
+          </a:effectRef>
+          <a:fontRef idx="minor">
+            <a:schemeClr val="dk1"/>
+          </a:fontRef>
+        </p:style>
+        <p:txBody>
+          <a:bodyPr wrap="square" rtlCol="0">
+            <a:spAutoFit/>
+          </a:bodyPr>
+          <a:lstStyle/>
+          <a:p>
+            <a:r>
+              <a:rPr lang="en-GB" sz="1100" b="1" dirty="0">
+                <a:solidFill>
+                  <a:srgbClr val="7F0055"/>
+                </a:solidFill>
+                <a:latin typeface="Consolas"/>
+              </a:rPr>
+              <a:t>public</a:t>
+            </a:r>
+            <a:r>
+              <a:rPr lang="en-GB" sz="1100" b="1" dirty="0">
+                <a:solidFill>
+                  <a:srgbClr val="000000"/>
+                </a:solidFill>
+                <a:latin typeface="Consolas"/>
+              </a:rPr>
+              <a:t> </a:t>
+            </a:r>
+            <a:r>
+              <a:rPr lang="en-GB" sz="1100" b="1" dirty="0">
+                <a:solidFill>
+                  <a:srgbClr val="7F0055"/>
+                </a:solidFill>
+                <a:latin typeface="Consolas"/>
+              </a:rPr>
+              <a:t>interface</a:t>
+            </a:r>
+            <a:r>
+              <a:rPr lang="en-GB" sz="1100" b="1" dirty="0">
+                <a:solidFill>
+                  <a:srgbClr val="000000"/>
+                </a:solidFill>
+                <a:latin typeface="Consolas"/>
+              </a:rPr>
+              <a:t> AuditingService2 </a:t>
+            </a:r>
+            <a:r>
+              <a:rPr lang="en-GB" sz="1100" b="1" dirty="0" smtClean="0">
+                <a:solidFill>
+                  <a:srgbClr val="7F0055"/>
+                </a:solidFill>
+                <a:latin typeface="Consolas"/>
+              </a:rPr>
+              <a:t>... </a:t>
+            </a:r>
+            <a:r>
+              <a:rPr lang="en-GB" sz="1100" b="1" dirty="0" smtClean="0">
+                <a:solidFill>
+                  <a:srgbClr val="000000"/>
+                </a:solidFill>
+                <a:latin typeface="Consolas"/>
+              </a:rPr>
+              <a:t>{</a:t>
+            </a:r>
+            <a:endParaRPr lang="en-GB" sz="1100" b="1" strike="sngStrike" dirty="0">
+              <a:solidFill>
+                <a:srgbClr val="000000"/>
+              </a:solidFill>
+              <a:latin typeface="Consolas"/>
+            </a:endParaRPr>
+          </a:p>
+          <a:p>
+            <a:r>
+              <a:rPr lang="en-GB" sz="1100" b="1" dirty="0" smtClean="0">
+                <a:solidFill>
+                  <a:srgbClr val="7F0055"/>
+                </a:solidFill>
+                <a:latin typeface="Consolas"/>
+              </a:rPr>
+              <a:t>  public</a:t>
+            </a:r>
+            <a:r>
+              <a:rPr lang="en-GB" sz="1100" b="1" dirty="0" smtClean="0">
+                <a:solidFill>
+                  <a:srgbClr val="000000"/>
+                </a:solidFill>
+                <a:latin typeface="Consolas"/>
+              </a:rPr>
+              <a:t> </a:t>
+            </a:r>
+            <a:r>
+              <a:rPr lang="en-GB" sz="1100" b="1" dirty="0">
+                <a:solidFill>
+                  <a:srgbClr val="7F0055"/>
+                </a:solidFill>
+                <a:latin typeface="Consolas"/>
+              </a:rPr>
+              <a:t>void</a:t>
+            </a:r>
+            <a:r>
+              <a:rPr lang="en-GB" sz="1100" b="1" dirty="0">
+                <a:solidFill>
+                  <a:srgbClr val="000000"/>
+                </a:solidFill>
+                <a:latin typeface="Consolas"/>
+              </a:rPr>
+              <a:t> audit</a:t>
+            </a:r>
+            <a:r>
+              <a:rPr lang="en-GB" sz="1100" b="1" dirty="0" smtClean="0">
+                <a:solidFill>
+                  <a:srgbClr val="000000"/>
+                </a:solidFill>
+                <a:latin typeface="Consolas"/>
+              </a:rPr>
+              <a:t>(</a:t>
+            </a:r>
+          </a:p>
+          <a:p>
+            <a:r>
+              <a:rPr lang="en-GB" sz="1100" b="1" dirty="0">
+                <a:solidFill>
+                  <a:srgbClr val="000000"/>
+                </a:solidFill>
+                <a:latin typeface="Consolas"/>
+              </a:rPr>
+              <a:t> </a:t>
+            </a:r>
+            <a:r>
+              <a:rPr lang="en-GB" sz="1100" b="1" dirty="0" smtClean="0">
+                <a:solidFill>
+                  <a:srgbClr val="000000"/>
+                </a:solidFill>
+                <a:latin typeface="Consolas"/>
+              </a:rPr>
+              <a:t>   String </a:t>
+            </a:r>
+            <a:r>
+              <a:rPr lang="en-GB" sz="1100" b="1" dirty="0">
+                <a:solidFill>
+                  <a:srgbClr val="000000"/>
+                </a:solidFill>
+                <a:latin typeface="Consolas"/>
+              </a:rPr>
+              <a:t>user, </a:t>
+            </a:r>
+            <a:r>
+              <a:rPr lang="en-GB" sz="1100" b="1" dirty="0">
+                <a:solidFill>
+                  <a:srgbClr val="7F0055"/>
+                </a:solidFill>
+                <a:latin typeface="Consolas"/>
+              </a:rPr>
+              <a:t>long</a:t>
+            </a:r>
+            <a:r>
+              <a:rPr lang="en-GB" sz="1100" b="1" dirty="0">
+                <a:solidFill>
+                  <a:srgbClr val="000000"/>
+                </a:solidFill>
+                <a:latin typeface="Consolas"/>
+              </a:rPr>
+              <a:t> </a:t>
+            </a:r>
+            <a:r>
+              <a:rPr lang="en-GB" sz="1100" b="1" dirty="0" err="1">
+                <a:solidFill>
+                  <a:srgbClr val="000000"/>
+                </a:solidFill>
+                <a:latin typeface="Consolas"/>
+              </a:rPr>
+              <a:t>currentTimestampEpoch</a:t>
+            </a:r>
+            <a:r>
+              <a:rPr lang="en-GB" sz="1100" b="1" dirty="0">
+                <a:solidFill>
+                  <a:srgbClr val="000000"/>
+                </a:solidFill>
+                <a:latin typeface="Consolas"/>
+              </a:rPr>
+              <a:t>, </a:t>
+            </a:r>
+            <a:endParaRPr lang="en-GB" sz="1100" b="1" dirty="0" smtClean="0">
+              <a:solidFill>
+                <a:srgbClr val="000000"/>
+              </a:solidFill>
+              <a:latin typeface="Consolas"/>
+            </a:endParaRPr>
+          </a:p>
+          <a:p>
+            <a:r>
+              <a:rPr lang="en-GB" sz="1100" b="1" dirty="0">
+                <a:solidFill>
+                  <a:srgbClr val="000000"/>
+                </a:solidFill>
+                <a:latin typeface="Consolas"/>
+              </a:rPr>
+              <a:t> </a:t>
+            </a:r>
+            <a:r>
+              <a:rPr lang="en-GB" sz="1100" b="1" dirty="0" smtClean="0">
+                <a:solidFill>
+                  <a:srgbClr val="000000"/>
+                </a:solidFill>
+                <a:latin typeface="Consolas"/>
+              </a:rPr>
+              <a:t>   String </a:t>
+            </a:r>
+            <a:r>
+              <a:rPr lang="en-GB" sz="1100" b="1" dirty="0" err="1">
+                <a:solidFill>
+                  <a:srgbClr val="000000"/>
+                </a:solidFill>
+                <a:latin typeface="Consolas"/>
+              </a:rPr>
+              <a:t>objectType</a:t>
+            </a:r>
+            <a:r>
+              <a:rPr lang="en-GB" sz="1100" b="1" dirty="0">
+                <a:solidFill>
+                  <a:srgbClr val="000000"/>
+                </a:solidFill>
+                <a:latin typeface="Consolas"/>
+              </a:rPr>
+              <a:t>, String identifier, </a:t>
+            </a:r>
+            <a:endParaRPr lang="en-GB" sz="1100" b="1" dirty="0" smtClean="0">
+              <a:solidFill>
+                <a:srgbClr val="000000"/>
+              </a:solidFill>
+              <a:latin typeface="Consolas"/>
+            </a:endParaRPr>
+          </a:p>
+          <a:p>
+            <a:r>
+              <a:rPr lang="en-GB" sz="1100" b="1" dirty="0">
+                <a:solidFill>
+                  <a:srgbClr val="000000"/>
+                </a:solidFill>
+                <a:latin typeface="Consolas"/>
+              </a:rPr>
+              <a:t> </a:t>
+            </a:r>
+            <a:r>
+              <a:rPr lang="en-GB" sz="1100" b="1" dirty="0" smtClean="0">
+                <a:solidFill>
+                  <a:srgbClr val="000000"/>
+                </a:solidFill>
+                <a:latin typeface="Consolas"/>
+              </a:rPr>
+              <a:t>   String </a:t>
+            </a:r>
+            <a:r>
+              <a:rPr lang="en-GB" sz="1100" b="1" dirty="0" err="1">
+                <a:solidFill>
+                  <a:srgbClr val="000000"/>
+                </a:solidFill>
+                <a:latin typeface="Consolas"/>
+              </a:rPr>
+              <a:t>propertyId</a:t>
+            </a:r>
+            <a:r>
+              <a:rPr lang="en-GB" sz="1100" b="1" dirty="0">
+                <a:solidFill>
+                  <a:srgbClr val="000000"/>
+                </a:solidFill>
+                <a:latin typeface="Consolas"/>
+              </a:rPr>
+              <a:t>, </a:t>
+            </a:r>
+            <a:endParaRPr lang="en-GB" sz="1100" b="1" dirty="0" smtClean="0">
+              <a:solidFill>
+                <a:srgbClr val="000000"/>
+              </a:solidFill>
+              <a:latin typeface="Consolas"/>
+            </a:endParaRPr>
+          </a:p>
+          <a:p>
+            <a:r>
+              <a:rPr lang="en-GB" sz="1100" b="1" dirty="0">
+                <a:solidFill>
+                  <a:srgbClr val="000000"/>
+                </a:solidFill>
+                <a:latin typeface="Consolas"/>
+              </a:rPr>
+              <a:t> </a:t>
+            </a:r>
+            <a:r>
+              <a:rPr lang="en-GB" sz="1100" b="1" dirty="0" smtClean="0">
+                <a:solidFill>
+                  <a:srgbClr val="000000"/>
+                </a:solidFill>
+                <a:latin typeface="Consolas"/>
+              </a:rPr>
+              <a:t>   String </a:t>
+            </a:r>
+            <a:r>
+              <a:rPr lang="en-GB" sz="1100" b="1" dirty="0" err="1">
+                <a:solidFill>
+                  <a:srgbClr val="000000"/>
+                </a:solidFill>
+                <a:latin typeface="Consolas"/>
+              </a:rPr>
+              <a:t>preValue</a:t>
+            </a:r>
+            <a:r>
+              <a:rPr lang="en-GB" sz="1100" b="1" dirty="0">
+                <a:solidFill>
+                  <a:srgbClr val="000000"/>
+                </a:solidFill>
+                <a:latin typeface="Consolas"/>
+              </a:rPr>
+              <a:t>, String </a:t>
+            </a:r>
+            <a:r>
+              <a:rPr lang="en-GB" sz="1100" b="1" dirty="0" err="1">
+                <a:solidFill>
+                  <a:srgbClr val="000000"/>
+                </a:solidFill>
+                <a:latin typeface="Consolas"/>
+              </a:rPr>
+              <a:t>postValue</a:t>
+            </a:r>
+            <a:r>
+              <a:rPr lang="en-GB" sz="1100" b="1" dirty="0" smtClean="0">
+                <a:solidFill>
+                  <a:srgbClr val="000000"/>
+                </a:solidFill>
+                <a:latin typeface="Consolas"/>
+              </a:rPr>
+              <a:t>);</a:t>
+            </a:r>
+          </a:p>
+          <a:p>
+            <a:r>
+              <a:rPr lang="en-GB" sz="1100" b="1" dirty="0" smtClean="0">
+                <a:solidFill>
+                  <a:srgbClr val="000000"/>
+                </a:solidFill>
+                <a:latin typeface="Consolas"/>
+              </a:rPr>
+              <a:t>}</a:t>
+            </a:r>
+          </a:p>
+        </p:txBody>
+      </p:sp>
+    </p:spTree>
+    <p:extLst>
+      <p:ext uri="{BB962C8B-B14F-4D97-AF65-F5344CB8AC3E}">
+        <p14:creationId xmlns:p14="http://schemas.microsoft.com/office/powerpoint/2010/main" val="1429655176"/>
+      </p:ext>
+    </p:extLst>
+  </p:cSld>
+  <p:clrMapOvr>
+    <a:masterClrMapping/>
+  </p:clrMapOvr>
+</p:sld>
+</file>
+
+<file path=ppt/slides/slide22.xml><?xml version="1.0" encoding="utf-8"?>
+<p:sld xmlns:a="http://schemas.openxmlformats.org/drawingml/2006/main" xmlns:r="http://schemas.openxmlformats.org/officeDocument/2006/relationships" xmlns:p="http://schemas.openxmlformats.org/presentationml/2006/main">
+  <p:cSld>
+    <p:spTree>
+      <p:nvGrpSpPr>
+        <p:cNvPr id="1" name=""/>
+        <p:cNvGrpSpPr/>
+        <p:nvPr/>
+      </p:nvGrpSpPr>
+      <p:grpSpPr>
+        <a:xfrm>
+          <a:off x="0" y="0"/>
+          <a:ext cx="0" cy="0"/>
+          <a:chOff x="0" y="0"/>
+          <a:chExt cx="0" cy="0"/>
+        </a:xfrm>
+      </p:grpSpPr>
+      <p:sp>
+        <p:nvSpPr>
+          <p:cNvPr id="18" name="TextBox 17"/>
+          <p:cNvSpPr txBox="1"/>
+          <p:nvPr/>
+        </p:nvSpPr>
+        <p:spPr>
+          <a:xfrm>
+            <a:off x="467544" y="260648"/>
+            <a:ext cx="4824536" cy="923330"/>
           </a:xfrm>
           <a:prstGeom prst="rect">
             <a:avLst/>
@@ -13668,7 +18426,15 @@
             <a:pPr algn="ctr"/>
             <a:r>
               <a:rPr lang="en-GB" dirty="0" smtClean="0"/>
-              <a:t>Published action</a:t>
+              <a:t>Isis’ Wicket viewer has an extensible architecture.  Third-party components can plugin to provide, for example, an downloadable Excel </a:t>
+            </a:r>
+            <a:r>
+              <a:rPr lang="en-GB" dirty="0" err="1" smtClean="0"/>
+              <a:t>spreadsheet</a:t>
+            </a:r>
+            <a:r>
+              <a:rPr lang="en-GB" dirty="0" smtClean="0"/>
+              <a:t>.</a:t>
             </a:r>
             <a:endParaRPr lang="en-GB" dirty="0" smtClean="0"/>
           </a:p>
@@ -13676,14 +18442,14 @@
       </p:sp>
       <p:sp>
         <p:nvSpPr>
-          <p:cNvPr id="17" name="TextBox 16"/>
+          <p:cNvPr id="21" name="TextBox 20"/>
           <p:cNvSpPr txBox="1"/>
           <p:nvPr/>
         </p:nvSpPr>
         <p:spPr>
           <a:xfrm>
-            <a:off x="539552" y="2780928"/>
-            <a:ext cx="4824536" cy="369332"/>
+            <a:off x="467544" y="1785590"/>
+            <a:ext cx="4032448" cy="923330"/>
           </a:xfrm>
           <a:prstGeom prst="rect">
             <a:avLst/>
@@ -13712,7 +18478,7 @@
             <a:pPr algn="ctr"/>
             <a:r>
               <a:rPr lang="en-GB" dirty="0" smtClean="0"/>
-              <a:t>Audited</a:t>
+              <a:t>Another third-party component provides a calendar for any collection of objects that have date properties</a:t>
             </a:r>
             <a:endParaRPr lang="en-GB" dirty="0" smtClean="0"/>
           </a:p>
@@ -13720,14 +18486,14 @@
       </p:sp>
       <p:sp>
         <p:nvSpPr>
-          <p:cNvPr id="18" name="TextBox 17"/>
+          <p:cNvPr id="22" name="TextBox 21"/>
           <p:cNvSpPr txBox="1"/>
           <p:nvPr/>
         </p:nvSpPr>
         <p:spPr>
           <a:xfrm>
-            <a:off x="3851920" y="5219908"/>
-            <a:ext cx="4824536" cy="369332"/>
+            <a:off x="467544" y="3225750"/>
+            <a:ext cx="4032448" cy="923330"/>
           </a:xfrm>
           <a:prstGeom prst="rect">
             <a:avLst/>
@@ -13756,7 +18522,7 @@
             <a:pPr algn="ctr"/>
             <a:r>
               <a:rPr lang="en-GB" dirty="0" smtClean="0"/>
-              <a:t>Extensible (excel)</a:t>
+              <a:t>A further third-party component renders a map for any collection of objects that has a Location property (are “Locatable”)</a:t>
             </a:r>
             <a:endParaRPr lang="en-GB" dirty="0" smtClean="0"/>
           </a:p>
@@ -13764,14 +18530,14 @@
       </p:sp>
       <p:sp>
         <p:nvSpPr>
-          <p:cNvPr id="19" name="TextBox 18"/>
+          <p:cNvPr id="23" name="TextBox 22"/>
           <p:cNvSpPr txBox="1"/>
           <p:nvPr/>
         </p:nvSpPr>
         <p:spPr>
           <a:xfrm>
-            <a:off x="3851920" y="6011996"/>
-            <a:ext cx="4824536" cy="369332"/>
+            <a:off x="467544" y="4881934"/>
+            <a:ext cx="4032448" cy="1200329"/>
           </a:xfrm>
           <a:prstGeom prst="rect">
             <a:avLst/>
@@ -13800,34 +18566,68 @@
             <a:pPr algn="ctr"/>
             <a:r>
               <a:rPr lang="en-GB" dirty="0" smtClean="0"/>
-              <a:t>Extensible </a:t>
-            </a:r>
-            <a:r>
-              <a:rPr lang="en-GB" smtClean="0"/>
-              <a:t>(</a:t>
+              <a:t>A further third-party component integrates the </a:t>
             </a:r>
             <a:r>
               <a:rPr lang="en-GB" dirty="0" err="1" smtClean="0"/>
-              <a:t>wickedcharts</a:t>
+              <a:t>HighChart</a:t>
             </a:r>
             <a:r>
               <a:rPr lang="en-GB" dirty="0" smtClean="0"/>
-              <a:t>)</a:t>
+              <a:t> JS library to render </a:t>
+            </a:r>
+            <a:r>
+              <a:rPr lang="en-GB" dirty="0" err="1" smtClean="0"/>
+              <a:t>barcharts</a:t>
+            </a:r>
+            <a:r>
+              <a:rPr lang="en-GB" dirty="0" smtClean="0"/>
+              <a:t> graphs of collection of objects that have numeric properties</a:t>
             </a:r>
             <a:endParaRPr lang="en-GB" dirty="0" smtClean="0"/>
           </a:p>
         </p:txBody>
       </p:sp>
+    </p:spTree>
+    <p:extLst>
+      <p:ext uri="{BB962C8B-B14F-4D97-AF65-F5344CB8AC3E}">
+        <p14:creationId xmlns:p14="http://schemas.microsoft.com/office/powerpoint/2010/main" val="173146330"/>
+      </p:ext>
+    </p:extLst>
+  </p:cSld>
+  <p:clrMapOvr>
+    <a:masterClrMapping/>
+  </p:clrMapOvr>
+</p:sld>
+</file>
+
+<file path=ppt/slides/slide23.xml><?xml version="1.0" encoding="utf-8"?>
+<p:sld xmlns:a="http://schemas.openxmlformats.org/drawingml/2006/main" xmlns:r="http://schemas.openxmlformats.org/officeDocument/2006/relationships" xmlns:p="http://schemas.openxmlformats.org/presentationml/2006/main">
+  <p:cSld>
+    <p:spTree>
+      <p:nvGrpSpPr>
+        <p:cNvPr id="1" name=""/>
+        <p:cNvGrpSpPr/>
+        <p:nvPr/>
+      </p:nvGrpSpPr>
+      <p:grpSpPr>
+        <a:xfrm>
+          <a:off x="0" y="0"/>
+          <a:ext cx="0" cy="0"/>
+          <a:chOff x="0" y="0"/>
+          <a:chExt cx="0" cy="0"/>
+        </a:xfrm>
+      </p:grpSpPr>
       <p:sp>
         <p:nvSpPr>
-          <p:cNvPr id="20" name="TextBox 19"/>
+          <p:cNvPr id="2" name="TextBox 1"/>
           <p:cNvSpPr txBox="1"/>
           <p:nvPr/>
         </p:nvSpPr>
         <p:spPr>
           <a:xfrm>
-            <a:off x="539552" y="1972816"/>
-            <a:ext cx="4824536" cy="369332"/>
+            <a:off x="251520" y="404664"/>
+            <a:ext cx="4824536" cy="646331"/>
           </a:xfrm>
           <a:prstGeom prst="rect">
             <a:avLst/>
@@ -13856,7 +18656,82 @@
             <a:pPr algn="ctr"/>
             <a:r>
               <a:rPr lang="en-GB" dirty="0" smtClean="0"/>
-              <a:t>Bookmark service</a:t>
+              <a:t>Isis’ integration testing framework supports both developer (</a:t>
+            </a:r>
+            <a:r>
+              <a:rPr lang="en-GB" dirty="0" err="1" smtClean="0"/>
+              <a:t>JUnit</a:t>
+            </a:r>
+            <a:r>
+              <a:rPr lang="en-GB" dirty="0" smtClean="0"/>
+              <a:t>) or BDD (Cucumber) style testing</a:t>
+            </a:r>
+            <a:endParaRPr lang="en-GB" dirty="0" smtClean="0"/>
+          </a:p>
+        </p:txBody>
+      </p:sp>
+      <p:sp>
+        <p:nvSpPr>
+          <p:cNvPr id="5" name="TextBox 4"/>
+          <p:cNvSpPr txBox="1"/>
+          <p:nvPr/>
+        </p:nvSpPr>
+        <p:spPr>
+          <a:xfrm>
+            <a:off x="251520" y="1630541"/>
+            <a:ext cx="5040560" cy="1477328"/>
+          </a:xfrm>
+          <a:prstGeom prst="rect">
+            <a:avLst/>
+          </a:prstGeom>
+        </p:spPr>
+        <p:style>
+          <a:lnRef idx="1">
+            <a:schemeClr val="accent1"/>
+          </a:lnRef>
+          <a:fillRef idx="2">
+            <a:schemeClr val="accent1"/>
+          </a:fillRef>
+          <a:effectRef idx="1">
+            <a:schemeClr val="accent1"/>
+          </a:effectRef>
+          <a:fontRef idx="minor">
+            <a:schemeClr val="dk1"/>
+          </a:fontRef>
+        </p:style>
+        <p:txBody>
+          <a:bodyPr wrap="square" rtlCol="0">
+            <a:spAutoFit/>
+          </a:bodyPr>
+          <a:lstStyle/>
+          <a:p>
+            <a:pPr algn="ctr"/>
+            <a:r>
+              <a:rPr lang="en-GB" dirty="0" smtClean="0"/>
+              <a:t>Isis applications are built using Maven.  The archetype configures a multi-module project that separates the domain object model (</a:t>
+            </a:r>
+            <a:r>
+              <a:rPr lang="en-GB" dirty="0" err="1" smtClean="0"/>
+              <a:t>dom</a:t>
+            </a:r>
+            <a:r>
+              <a:rPr lang="en-GB" dirty="0" smtClean="0"/>
+              <a:t>) module away from the fixtures, the integration tests</a:t>
+            </a:r>
+            <a:br>
+              <a:rPr lang="en-GB" dirty="0" smtClean="0"/>
+            </a:br>
+            <a:r>
+              <a:rPr lang="en-GB" dirty="0" smtClean="0"/>
+              <a:t>and the </a:t>
+            </a:r>
+            <a:r>
+              <a:rPr lang="en-GB" dirty="0" err="1" smtClean="0"/>
+              <a:t>webapp</a:t>
+            </a:r>
+            <a:r>
+              <a:rPr lang="en-GB" dirty="0" smtClean="0"/>
+              <a:t> module.</a:t>
             </a:r>
             <a:endParaRPr lang="en-GB" dirty="0" smtClean="0"/>
           </a:p>
@@ -13865,7 +18740,7 @@
     </p:spTree>
     <p:extLst>
       <p:ext uri="{BB962C8B-B14F-4D97-AF65-F5344CB8AC3E}">
-        <p14:creationId xmlns:p14="http://schemas.microsoft.com/office/powerpoint/2010/main" val="173146330"/>
+        <p14:creationId xmlns:p14="http://schemas.microsoft.com/office/powerpoint/2010/main" val="2904710488"/>
       </p:ext>
     </p:extLst>
   </p:cSld>

--- a/content/images/screenshots2/screenshot-captions.pptx
+++ b/content/images/screenshots2/screenshot-captions.pptx
@@ -28,6 +28,7 @@
     <p:sldId id="278" r:id="rId22"/>
     <p:sldId id="269" r:id="rId23"/>
     <p:sldId id="276" r:id="rId24"/>
+    <p:sldId id="279" r:id="rId25"/>
   </p:sldIdLst>
   <p:sldSz cx="9144000" cy="6858000" type="screen4x3"/>
   <p:notesSz cx="6858000" cy="9144000"/>
@@ -126,6 +127,44 @@
       </a:defRPr>
     </a:lvl9pPr>
   </p:defaultTextStyle>
+  <p:extLst>
+    <p:ext uri="{521415D9-36F7-43E2-AB2F-B90AF26B5E84}">
+      <p14:sectionLst xmlns:p14="http://schemas.microsoft.com/office/powerpoint/2010/main">
+        <p14:section name="Default Section" id="{ECA169BA-A273-41CC-B5F0-2C73EDE8C0BF}">
+          <p14:sldIdLst>
+            <p14:sldId id="256"/>
+            <p14:sldId id="270"/>
+            <p14:sldId id="257"/>
+            <p14:sldId id="258"/>
+            <p14:sldId id="259"/>
+            <p14:sldId id="260"/>
+            <p14:sldId id="264"/>
+            <p14:sldId id="261"/>
+            <p14:sldId id="265"/>
+            <p14:sldId id="263"/>
+            <p14:sldId id="266"/>
+            <p14:sldId id="267"/>
+            <p14:sldId id="262"/>
+            <p14:sldId id="268"/>
+            <p14:sldId id="271"/>
+            <p14:sldId id="272"/>
+            <p14:sldId id="273"/>
+            <p14:sldId id="275"/>
+            <p14:sldId id="274"/>
+            <p14:sldId id="277"/>
+            <p14:sldId id="278"/>
+            <p14:sldId id="269"/>
+            <p14:sldId id="276"/>
+          </p14:sldIdLst>
+        </p14:section>
+        <p14:section name="Untitled Section" id="{712A4EE8-D6BA-4E81-B19F-977419110F73}">
+          <p14:sldIdLst>
+            <p14:sldId id="279"/>
+          </p14:sldIdLst>
+        </p14:section>
+      </p14:sectionLst>
+    </p:ext>
+  </p:extLst>
 </p:presentation>
 </file>
 
@@ -310,7 +349,7 @@
           <a:p>
             <a:fld id="{E5F807B2-FCF9-4B27-9118-3A3AB985CB6A}" type="datetimeFigureOut">
               <a:rPr lang="en-GB" smtClean="0"/>
-              <a:t>12/10/2013</a:t>
+              <a:t>14/10/2013</a:t>
             </a:fld>
             <a:endParaRPr lang="en-GB"/>
           </a:p>
@@ -480,7 +519,7 @@
           <a:p>
             <a:fld id="{E5F807B2-FCF9-4B27-9118-3A3AB985CB6A}" type="datetimeFigureOut">
               <a:rPr lang="en-GB" smtClean="0"/>
-              <a:t>12/10/2013</a:t>
+              <a:t>14/10/2013</a:t>
             </a:fld>
             <a:endParaRPr lang="en-GB"/>
           </a:p>
@@ -660,7 +699,7 @@
           <a:p>
             <a:fld id="{E5F807B2-FCF9-4B27-9118-3A3AB985CB6A}" type="datetimeFigureOut">
               <a:rPr lang="en-GB" smtClean="0"/>
-              <a:t>12/10/2013</a:t>
+              <a:t>14/10/2013</a:t>
             </a:fld>
             <a:endParaRPr lang="en-GB"/>
           </a:p>
@@ -830,7 +869,7 @@
           <a:p>
             <a:fld id="{E5F807B2-FCF9-4B27-9118-3A3AB985CB6A}" type="datetimeFigureOut">
               <a:rPr lang="en-GB" smtClean="0"/>
-              <a:t>12/10/2013</a:t>
+              <a:t>14/10/2013</a:t>
             </a:fld>
             <a:endParaRPr lang="en-GB"/>
           </a:p>
@@ -1076,7 +1115,7 @@
           <a:p>
             <a:fld id="{E5F807B2-FCF9-4B27-9118-3A3AB985CB6A}" type="datetimeFigureOut">
               <a:rPr lang="en-GB" smtClean="0"/>
-              <a:t>12/10/2013</a:t>
+              <a:t>14/10/2013</a:t>
             </a:fld>
             <a:endParaRPr lang="en-GB"/>
           </a:p>
@@ -1364,7 +1403,7 @@
           <a:p>
             <a:fld id="{E5F807B2-FCF9-4B27-9118-3A3AB985CB6A}" type="datetimeFigureOut">
               <a:rPr lang="en-GB" smtClean="0"/>
-              <a:t>12/10/2013</a:t>
+              <a:t>14/10/2013</a:t>
             </a:fld>
             <a:endParaRPr lang="en-GB"/>
           </a:p>
@@ -1786,7 +1825,7 @@
           <a:p>
             <a:fld id="{E5F807B2-FCF9-4B27-9118-3A3AB985CB6A}" type="datetimeFigureOut">
               <a:rPr lang="en-GB" smtClean="0"/>
-              <a:t>12/10/2013</a:t>
+              <a:t>14/10/2013</a:t>
             </a:fld>
             <a:endParaRPr lang="en-GB"/>
           </a:p>
@@ -1904,7 +1943,7 @@
           <a:p>
             <a:fld id="{E5F807B2-FCF9-4B27-9118-3A3AB985CB6A}" type="datetimeFigureOut">
               <a:rPr lang="en-GB" smtClean="0"/>
-              <a:t>12/10/2013</a:t>
+              <a:t>14/10/2013</a:t>
             </a:fld>
             <a:endParaRPr lang="en-GB"/>
           </a:p>
@@ -1999,7 +2038,7 @@
           <a:p>
             <a:fld id="{E5F807B2-FCF9-4B27-9118-3A3AB985CB6A}" type="datetimeFigureOut">
               <a:rPr lang="en-GB" smtClean="0"/>
-              <a:t>12/10/2013</a:t>
+              <a:t>14/10/2013</a:t>
             </a:fld>
             <a:endParaRPr lang="en-GB"/>
           </a:p>
@@ -2276,7 +2315,7 @@
           <a:p>
             <a:fld id="{E5F807B2-FCF9-4B27-9118-3A3AB985CB6A}" type="datetimeFigureOut">
               <a:rPr lang="en-GB" smtClean="0"/>
-              <a:t>12/10/2013</a:t>
+              <a:t>14/10/2013</a:t>
             </a:fld>
             <a:endParaRPr lang="en-GB"/>
           </a:p>
@@ -2529,7 +2568,7 @@
           <a:p>
             <a:fld id="{E5F807B2-FCF9-4B27-9118-3A3AB985CB6A}" type="datetimeFigureOut">
               <a:rPr lang="en-GB" smtClean="0"/>
-              <a:t>12/10/2013</a:t>
+              <a:t>14/10/2013</a:t>
             </a:fld>
             <a:endParaRPr lang="en-GB"/>
           </a:p>
@@ -2742,7 +2781,7 @@
           <a:p>
             <a:fld id="{E5F807B2-FCF9-4B27-9118-3A3AB985CB6A}" type="datetimeFigureOut">
               <a:rPr lang="en-GB" smtClean="0"/>
-              <a:t>12/10/2013</a:t>
+              <a:t>14/10/2013</a:t>
             </a:fld>
             <a:endParaRPr lang="en-GB"/>
           </a:p>
@@ -3232,7 +3271,6 @@
               <a:rPr lang="en-GB" dirty="0" smtClean="0"/>
               <a:t>...</a:t>
             </a:r>
-            <a:endParaRPr lang="en-GB" dirty="0" smtClean="0"/>
           </a:p>
         </p:txBody>
       </p:sp>
@@ -3276,59 +3314,6 @@
               <a:rPr lang="en-GB" dirty="0" smtClean="0"/>
               <a:t>... with Isis using Apache Wicket as the underlying web framework</a:t>
             </a:r>
-            <a:endParaRPr lang="en-GB" dirty="0" smtClean="0"/>
-          </a:p>
-        </p:txBody>
-      </p:sp>
-      <p:sp>
-        <p:nvSpPr>
-          <p:cNvPr id="9" name="TextBox 8"/>
-          <p:cNvSpPr txBox="1"/>
-          <p:nvPr/>
-        </p:nvSpPr>
-        <p:spPr>
-          <a:xfrm>
-            <a:off x="467544" y="3318376"/>
-            <a:ext cx="4464496" cy="646331"/>
-          </a:xfrm>
-          <a:prstGeom prst="rect">
-            <a:avLst/>
-          </a:prstGeom>
-        </p:spPr>
-        <p:style>
-          <a:lnRef idx="1">
-            <a:schemeClr val="accent1"/>
-          </a:lnRef>
-          <a:fillRef idx="2">
-            <a:schemeClr val="accent1"/>
-          </a:fillRef>
-          <a:effectRef idx="1">
-            <a:schemeClr val="accent1"/>
-          </a:effectRef>
-          <a:fontRef idx="minor">
-            <a:schemeClr val="dk1"/>
-          </a:fontRef>
-        </p:style>
-        <p:txBody>
-          <a:bodyPr wrap="square" rtlCol="0">
-            <a:spAutoFit/>
-          </a:bodyPr>
-          <a:lstStyle/>
-          <a:p>
-            <a:pPr algn="ctr"/>
-            <a:r>
-              <a:rPr lang="en-GB" dirty="0" smtClean="0"/>
-              <a:t>Isis also uses the JDO API for persistence; </a:t>
-            </a:r>
-            <a:r>
-              <a:rPr lang="en-GB" dirty="0" err="1" smtClean="0"/>
-              <a:t>DataNucleus</a:t>
-            </a:r>
-            <a:r>
-              <a:rPr lang="en-GB" dirty="0" smtClean="0"/>
-              <a:t> is used as the implementation</a:t>
-            </a:r>
-            <a:endParaRPr lang="en-GB" dirty="0" smtClean="0"/>
           </a:p>
         </p:txBody>
       </p:sp>
@@ -3757,6 +3742,151 @@
               </a:solidFill>
               <a:latin typeface="Consolas"/>
             </a:endParaRPr>
+          </a:p>
+        </p:txBody>
+      </p:sp>
+      <p:sp>
+        <p:nvSpPr>
+          <p:cNvPr id="8" name="TextBox 8"/>
+          <p:cNvSpPr txBox="1"/>
+          <p:nvPr/>
+        </p:nvSpPr>
+        <p:spPr>
+          <a:xfrm>
+            <a:off x="1115616" y="3358733"/>
+            <a:ext cx="4608512" cy="646331"/>
+          </a:xfrm>
+          <a:prstGeom prst="rect">
+            <a:avLst/>
+          </a:prstGeom>
+        </p:spPr>
+        <p:style>
+          <a:lnRef idx="1">
+            <a:schemeClr val="accent1"/>
+          </a:lnRef>
+          <a:fillRef idx="2">
+            <a:schemeClr val="accent1"/>
+          </a:fillRef>
+          <a:effectRef idx="1">
+            <a:schemeClr val="accent1"/>
+          </a:effectRef>
+          <a:fontRef idx="minor">
+            <a:schemeClr val="dk1"/>
+          </a:fontRef>
+        </p:style>
+        <p:txBody>
+          <a:bodyPr wrap="square" rtlCol="0">
+            <a:spAutoFit/>
+          </a:bodyPr>
+          <a:lstStyle>
+            <a:defPPr>
+              <a:defRPr lang="en-US"/>
+            </a:defPPr>
+            <a:lvl1pPr marL="0" algn="l" defTabSz="914400" rtl="0" eaLnBrk="1" latinLnBrk="0" hangingPunct="1">
+              <a:defRPr sz="1800" kern="1200">
+                <a:solidFill>
+                  <a:schemeClr val="dk1"/>
+                </a:solidFill>
+                <a:latin typeface="+mn-lt"/>
+                <a:ea typeface="+mn-ea"/>
+                <a:cs typeface="+mn-cs"/>
+              </a:defRPr>
+            </a:lvl1pPr>
+            <a:lvl2pPr marL="457200" algn="l" defTabSz="914400" rtl="0" eaLnBrk="1" latinLnBrk="0" hangingPunct="1">
+              <a:defRPr sz="1800" kern="1200">
+                <a:solidFill>
+                  <a:schemeClr val="dk1"/>
+                </a:solidFill>
+                <a:latin typeface="+mn-lt"/>
+                <a:ea typeface="+mn-ea"/>
+                <a:cs typeface="+mn-cs"/>
+              </a:defRPr>
+            </a:lvl2pPr>
+            <a:lvl3pPr marL="914400" algn="l" defTabSz="914400" rtl="0" eaLnBrk="1" latinLnBrk="0" hangingPunct="1">
+              <a:defRPr sz="1800" kern="1200">
+                <a:solidFill>
+                  <a:schemeClr val="dk1"/>
+                </a:solidFill>
+                <a:latin typeface="+mn-lt"/>
+                <a:ea typeface="+mn-ea"/>
+                <a:cs typeface="+mn-cs"/>
+              </a:defRPr>
+            </a:lvl3pPr>
+            <a:lvl4pPr marL="1371600" algn="l" defTabSz="914400" rtl="0" eaLnBrk="1" latinLnBrk="0" hangingPunct="1">
+              <a:defRPr sz="1800" kern="1200">
+                <a:solidFill>
+                  <a:schemeClr val="dk1"/>
+                </a:solidFill>
+                <a:latin typeface="+mn-lt"/>
+                <a:ea typeface="+mn-ea"/>
+                <a:cs typeface="+mn-cs"/>
+              </a:defRPr>
+            </a:lvl4pPr>
+            <a:lvl5pPr marL="1828800" algn="l" defTabSz="914400" rtl="0" eaLnBrk="1" latinLnBrk="0" hangingPunct="1">
+              <a:defRPr sz="1800" kern="1200">
+                <a:solidFill>
+                  <a:schemeClr val="dk1"/>
+                </a:solidFill>
+                <a:latin typeface="+mn-lt"/>
+                <a:ea typeface="+mn-ea"/>
+                <a:cs typeface="+mn-cs"/>
+              </a:defRPr>
+            </a:lvl5pPr>
+            <a:lvl6pPr marL="2286000" algn="l" defTabSz="914400" rtl="0" eaLnBrk="1" latinLnBrk="0" hangingPunct="1">
+              <a:defRPr sz="1800" kern="1200">
+                <a:solidFill>
+                  <a:schemeClr val="dk1"/>
+                </a:solidFill>
+                <a:latin typeface="+mn-lt"/>
+                <a:ea typeface="+mn-ea"/>
+                <a:cs typeface="+mn-cs"/>
+              </a:defRPr>
+            </a:lvl6pPr>
+            <a:lvl7pPr marL="2743200" algn="l" defTabSz="914400" rtl="0" eaLnBrk="1" latinLnBrk="0" hangingPunct="1">
+              <a:defRPr sz="1800" kern="1200">
+                <a:solidFill>
+                  <a:schemeClr val="dk1"/>
+                </a:solidFill>
+                <a:latin typeface="+mn-lt"/>
+                <a:ea typeface="+mn-ea"/>
+                <a:cs typeface="+mn-cs"/>
+              </a:defRPr>
+            </a:lvl7pPr>
+            <a:lvl8pPr marL="3200400" algn="l" defTabSz="914400" rtl="0" eaLnBrk="1" latinLnBrk="0" hangingPunct="1">
+              <a:defRPr sz="1800" kern="1200">
+                <a:solidFill>
+                  <a:schemeClr val="dk1"/>
+                </a:solidFill>
+                <a:latin typeface="+mn-lt"/>
+                <a:ea typeface="+mn-ea"/>
+                <a:cs typeface="+mn-cs"/>
+              </a:defRPr>
+            </a:lvl8pPr>
+            <a:lvl9pPr marL="3657600" algn="l" defTabSz="914400" rtl="0" eaLnBrk="1" latinLnBrk="0" hangingPunct="1">
+              <a:defRPr sz="1800" kern="1200">
+                <a:solidFill>
+                  <a:schemeClr val="dk1"/>
+                </a:solidFill>
+                <a:latin typeface="+mn-lt"/>
+                <a:ea typeface="+mn-ea"/>
+                <a:cs typeface="+mn-cs"/>
+              </a:defRPr>
+            </a:lvl9pPr>
+          </a:lstStyle>
+          <a:p>
+            <a:pPr algn="ctr"/>
+            <a:r>
+              <a:rPr lang="en-GB" dirty="0" smtClean="0"/>
+              <a:t>Isis also uses the JDO API for persistence; </a:t>
+            </a:r>
+            <a:r>
+              <a:rPr lang="en-GB" dirty="0" err="1" smtClean="0"/>
+              <a:t>DataNucleus</a:t>
+            </a:r>
+            <a:r>
+              <a:rPr lang="en-GB" dirty="0" smtClean="0"/>
+              <a:t> is the underlying implementation</a:t>
+            </a:r>
           </a:p>
         </p:txBody>
       </p:sp>
@@ -4585,7 +4715,6 @@
               <a:rPr lang="en-GB" dirty="0" smtClean="0"/>
               <a:t>Properties can be validated declaratively using annotations ...</a:t>
             </a:r>
-            <a:endParaRPr lang="en-GB" dirty="0" smtClean="0"/>
           </a:p>
         </p:txBody>
       </p:sp>
@@ -4795,61 +4924,52 @@
               <a:t> </a:t>
             </a:r>
             <a:r>
+              <a:rPr lang="en-GB" sz="1100" b="1" dirty="0" smtClean="0">
+                <a:solidFill>
+                  <a:srgbClr val="000000"/>
+                </a:solidFill>
+                <a:latin typeface="Consolas"/>
+              </a:rPr>
+              <a:t>String </a:t>
+            </a:r>
+            <a:r>
+              <a:rPr lang="en-GB" sz="1100" b="1" dirty="0" err="1" smtClean="0">
+                <a:solidFill>
+                  <a:srgbClr val="000000"/>
+                </a:solidFill>
+                <a:latin typeface="Consolas"/>
+              </a:rPr>
+              <a:t>getDescription</a:t>
+            </a:r>
+            <a:r>
+              <a:rPr lang="en-GB" sz="1100" b="1" dirty="0" smtClean="0">
+                <a:solidFill>
+                  <a:srgbClr val="000000"/>
+                </a:solidFill>
+                <a:latin typeface="Consolas"/>
+              </a:rPr>
+              <a:t>() { ... }</a:t>
+            </a:r>
+          </a:p>
+          <a:p>
+            <a:r>
               <a:rPr lang="en-GB" sz="1100" b="1" dirty="0">
                 <a:solidFill>
                   <a:srgbClr val="000000"/>
                 </a:solidFill>
                 <a:latin typeface="Consolas"/>
               </a:rPr>
-              <a:t>String </a:t>
-            </a:r>
-            <a:r>
-              <a:rPr lang="en-GB" sz="1100" b="1" dirty="0" err="1">
-                <a:solidFill>
-                  <a:srgbClr val="000000"/>
-                </a:solidFill>
-                <a:highlight>
-                  <a:srgbClr val="D4D4D4"/>
-                </a:highlight>
-                <a:latin typeface="Consolas"/>
-              </a:rPr>
-              <a:t>getDescription</a:t>
-            </a:r>
-            <a:r>
-              <a:rPr lang="en-GB" sz="1100" b="1" dirty="0">
-                <a:solidFill>
-                  <a:srgbClr val="000000"/>
-                </a:solidFill>
-                <a:highlight>
-                  <a:srgbClr val="D4D4D4"/>
-                </a:highlight>
-                <a:latin typeface="Consolas"/>
-              </a:rPr>
-              <a:t>() </a:t>
+              <a:t> </a:t>
             </a:r>
             <a:r>
               <a:rPr lang="en-GB" sz="1100" b="1" dirty="0" smtClean="0">
                 <a:solidFill>
                   <a:srgbClr val="000000"/>
                 </a:solidFill>
-                <a:highlight>
-                  <a:srgbClr val="D4D4D4"/>
-                </a:highlight>
-                <a:latin typeface="Consolas"/>
-              </a:rPr>
-              <a:t>{ ... }</a:t>
-            </a:r>
-            <a:endParaRPr lang="en-GB" sz="1100" b="1" dirty="0">
-              <a:solidFill>
-                <a:srgbClr val="000000"/>
-              </a:solidFill>
-              <a:highlight>
-                <a:srgbClr val="D4D4D4"/>
-              </a:highlight>
-              <a:latin typeface="Consolas"/>
-            </a:endParaRPr>
-          </a:p>
-          <a:p>
+                <a:latin typeface="Consolas"/>
+              </a:rPr>
+              <a:t> </a:t>
+            </a:r>
             <a:r>
               <a:rPr lang="en-GB" sz="1100" b="1" dirty="0" smtClean="0">
                 <a:solidFill>
@@ -4857,7 +4977,7 @@
                 </a:solidFill>
                 <a:latin typeface="Consolas"/>
               </a:rPr>
-              <a:t>  ...</a:t>
+              <a:t>...</a:t>
             </a:r>
             <a:endParaRPr lang="en-GB" sz="1100" b="1" dirty="0">
               <a:solidFill>
@@ -4937,7 +5057,6 @@
               <a:rPr lang="en-GB" dirty="0" smtClean="0"/>
               <a:t>method</a:t>
             </a:r>
-            <a:endParaRPr lang="en-GB" dirty="0" smtClean="0"/>
           </a:p>
         </p:txBody>
       </p:sp>
@@ -5082,7 +5201,7 @@
               <a:t> </a:t>
             </a:r>
             <a:r>
-              <a:rPr lang="en-US" sz="1100" b="1" dirty="0">
+              <a:rPr lang="en-US" sz="1100" b="1" dirty="0" smtClean="0">
                 <a:solidFill>
                   <a:srgbClr val="000000"/>
                 </a:solidFill>
@@ -5091,101 +5210,77 @@
               <a:t>String </a:t>
             </a:r>
             <a:r>
-              <a:rPr lang="en-US" sz="1100" b="1" dirty="0" err="1">
-                <a:solidFill>
-                  <a:srgbClr val="000000"/>
-                </a:solidFill>
-                <a:highlight>
-                  <a:srgbClr val="D4D4D4"/>
-                </a:highlight>
+              <a:rPr lang="en-US" sz="1100" b="1" dirty="0" err="1" smtClean="0">
+                <a:solidFill>
+                  <a:srgbClr val="000000"/>
+                </a:solidFill>
                 <a:latin typeface="Consolas"/>
               </a:rPr>
               <a:t>validateDueBy</a:t>
             </a:r>
             <a:r>
-              <a:rPr lang="en-US" sz="1100" b="1" dirty="0">
-                <a:solidFill>
-                  <a:srgbClr val="000000"/>
-                </a:solidFill>
-                <a:highlight>
-                  <a:srgbClr val="D4D4D4"/>
-                </a:highlight>
+              <a:rPr lang="en-US" sz="1100" b="1" dirty="0" smtClean="0">
+                <a:solidFill>
+                  <a:srgbClr val="000000"/>
+                </a:solidFill>
                 <a:latin typeface="Consolas"/>
               </a:rPr>
               <a:t>(</a:t>
             </a:r>
             <a:r>
-              <a:rPr lang="en-US" sz="1100" b="1" dirty="0">
+              <a:rPr lang="en-GB" sz="1100" b="1" dirty="0" smtClean="0">
                 <a:solidFill>
                   <a:srgbClr val="7F0055"/>
                 </a:solidFill>
-                <a:highlight>
-                  <a:srgbClr val="D4D4D4"/>
-                </a:highlight>
-                <a:latin typeface="Consolas"/>
-              </a:rPr>
-              <a:t>final</a:t>
-            </a:r>
-            <a:r>
-              <a:rPr lang="en-US" sz="1100" b="1" dirty="0">
-                <a:solidFill>
-                  <a:srgbClr val="000000"/>
-                </a:solidFill>
-                <a:highlight>
-                  <a:srgbClr val="D4D4D4"/>
-                </a:highlight>
-                <a:latin typeface="Consolas"/>
-              </a:rPr>
-              <a:t> </a:t>
-            </a:r>
-            <a:r>
-              <a:rPr lang="en-US" sz="1100" b="1" dirty="0" err="1">
-                <a:solidFill>
-                  <a:srgbClr val="000000"/>
-                </a:solidFill>
-                <a:highlight>
-                  <a:srgbClr val="D4D4D4"/>
-                </a:highlight>
+                <a:latin typeface="Consolas"/>
+              </a:rPr>
+              <a:t>final </a:t>
+            </a:r>
+            <a:r>
+              <a:rPr lang="en-US" sz="1100" b="1" dirty="0" err="1" smtClean="0">
+                <a:solidFill>
+                  <a:srgbClr val="000000"/>
+                </a:solidFill>
                 <a:latin typeface="Consolas"/>
               </a:rPr>
               <a:t>LocalDate</a:t>
             </a:r>
             <a:r>
-              <a:rPr lang="en-US" sz="1100" b="1" dirty="0">
-                <a:solidFill>
-                  <a:srgbClr val="000000"/>
-                </a:solidFill>
-                <a:highlight>
-                  <a:srgbClr val="D4D4D4"/>
-                </a:highlight>
-                <a:latin typeface="Consolas"/>
-              </a:rPr>
-              <a:t> </a:t>
-            </a:r>
-            <a:r>
-              <a:rPr lang="en-US" sz="1100" b="1" dirty="0" err="1">
-                <a:solidFill>
-                  <a:srgbClr val="000000"/>
-                </a:solidFill>
-                <a:highlight>
-                  <a:srgbClr val="D4D4D4"/>
-                </a:highlight>
+              <a:rPr lang="en-US" sz="1100" b="1" dirty="0" smtClean="0">
+                <a:solidFill>
+                  <a:srgbClr val="000000"/>
+                </a:solidFill>
+                <a:latin typeface="Consolas"/>
+              </a:rPr>
+              <a:t> </a:t>
+            </a:r>
+            <a:r>
+              <a:rPr lang="en-US" sz="1100" b="1" dirty="0" err="1" smtClean="0">
+                <a:solidFill>
+                  <a:srgbClr val="000000"/>
+                </a:solidFill>
                 <a:latin typeface="Consolas"/>
               </a:rPr>
               <a:t>dueBy</a:t>
             </a:r>
             <a:r>
-              <a:rPr lang="en-US" sz="1100" b="1" dirty="0">
-                <a:solidFill>
-                  <a:srgbClr val="000000"/>
-                </a:solidFill>
-                <a:highlight>
-                  <a:srgbClr val="D4D4D4"/>
-                </a:highlight>
+              <a:rPr lang="en-US" sz="1100" b="1" dirty="0" smtClean="0">
+                <a:solidFill>
+                  <a:srgbClr val="000000"/>
+                </a:solidFill>
                 <a:latin typeface="Consolas"/>
               </a:rPr>
               <a:t>) {</a:t>
             </a:r>
+            <a:endParaRPr lang="en-US" sz="1100" b="1" dirty="0">
+              <a:solidFill>
+                <a:srgbClr val="000000"/>
+              </a:solidFill>
+              <a:highlight>
+                <a:srgbClr val="D4D4D4"/>
+              </a:highlight>
+              <a:latin typeface="Consolas"/>
+            </a:endParaRPr>
           </a:p>
           <a:p>
             <a:r>
@@ -5553,7 +5648,6 @@
               <a:rPr lang="en-GB" dirty="0" smtClean="0"/>
               <a:t>Properties (and other class members) can also be hidden</a:t>
             </a:r>
-            <a:endParaRPr lang="en-GB" dirty="0" smtClean="0"/>
           </a:p>
         </p:txBody>
       </p:sp>
@@ -5908,7 +6002,6 @@
               <a:rPr lang="en-GB" dirty="0" smtClean="0"/>
               <a:t>be invoked directly...</a:t>
             </a:r>
-            <a:endParaRPr lang="en-GB" dirty="0" smtClean="0"/>
           </a:p>
         </p:txBody>
       </p:sp>
@@ -6015,16 +6108,7 @@
                 </a:solidFill>
                 <a:latin typeface="Consolas"/>
               </a:rPr>
-              <a:t>  </a:t>
-            </a:r>
-            <a:r>
-              <a:rPr lang="en-US" sz="1100" b="1" dirty="0" smtClean="0">
-                <a:solidFill>
-                  <a:srgbClr val="000000"/>
-                </a:solidFill>
-                <a:latin typeface="Consolas"/>
-              </a:rPr>
-              <a:t>...</a:t>
+              <a:t>  ...</a:t>
             </a:r>
             <a:endParaRPr lang="en-GB" sz="1100" dirty="0" smtClean="0">
               <a:solidFill>
@@ -6328,7 +6412,6 @@
               <a:rPr lang="en-GB" dirty="0" smtClean="0"/>
               <a:t>... but any action can be disabled as required</a:t>
             </a:r>
-            <a:endParaRPr lang="en-GB" dirty="0" smtClean="0"/>
           </a:p>
         </p:txBody>
       </p:sp>
@@ -6435,16 +6518,7 @@
                 </a:solidFill>
                 <a:latin typeface="Consolas"/>
               </a:rPr>
-              <a:t>  </a:t>
-            </a:r>
-            <a:r>
-              <a:rPr lang="en-US" sz="1100" b="1" dirty="0" smtClean="0">
-                <a:solidFill>
-                  <a:srgbClr val="000000"/>
-                </a:solidFill>
-                <a:latin typeface="Consolas"/>
-              </a:rPr>
-              <a:t>...</a:t>
+              <a:t>  ...</a:t>
             </a:r>
             <a:endParaRPr lang="en-GB" sz="1100" dirty="0" smtClean="0">
               <a:solidFill>
@@ -6741,7 +6815,6 @@
               <a:rPr lang="en-GB" dirty="0" smtClean="0"/>
               <a:t> can also be invoked...</a:t>
             </a:r>
-            <a:endParaRPr lang="en-GB" dirty="0" smtClean="0"/>
           </a:p>
         </p:txBody>
       </p:sp>
@@ -6848,16 +6921,7 @@
                 </a:solidFill>
                 <a:latin typeface="Consolas"/>
               </a:rPr>
-              <a:t>  </a:t>
-            </a:r>
-            <a:r>
-              <a:rPr lang="en-US" sz="1100" b="1" dirty="0" smtClean="0">
-                <a:solidFill>
-                  <a:srgbClr val="000000"/>
-                </a:solidFill>
-                <a:latin typeface="Consolas"/>
-              </a:rPr>
-              <a:t>...</a:t>
+              <a:t>  ...</a:t>
             </a:r>
             <a:endParaRPr lang="en-GB" sz="1100" dirty="0" smtClean="0">
               <a:solidFill>
@@ -7143,15 +7207,7 @@
             <a:pPr algn="ctr"/>
             <a:r>
               <a:rPr lang="en-GB" dirty="0" smtClean="0"/>
-              <a:t>... </a:t>
-            </a:r>
-            <a:r>
-              <a:rPr lang="en-GB" dirty="0" smtClean="0"/>
-              <a:t>a</a:t>
-            </a:r>
-            <a:r>
-              <a:rPr lang="en-GB" dirty="0" smtClean="0"/>
-              <a:t> form prompts for the arguments to invoke the action</a:t>
+              <a:t>... a form prompts for the arguments to invoke the action</a:t>
             </a:r>
             <a:r>
               <a:rPr lang="en-GB" dirty="0"/>
@@ -7264,16 +7320,7 @@
                 </a:solidFill>
                 <a:latin typeface="Consolas"/>
               </a:rPr>
-              <a:t>  </a:t>
-            </a:r>
-            <a:r>
-              <a:rPr lang="en-US" sz="1100" b="1" dirty="0" smtClean="0">
-                <a:solidFill>
-                  <a:srgbClr val="000000"/>
-                </a:solidFill>
-                <a:latin typeface="Consolas"/>
-              </a:rPr>
-              <a:t>...</a:t>
+              <a:t>  ...</a:t>
             </a:r>
             <a:endParaRPr lang="en-GB" sz="1100" dirty="0" smtClean="0">
               <a:solidFill>
@@ -7752,7 +7799,6 @@
               <a:rPr lang="en-GB" dirty="0" smtClean="0"/>
               <a:t> actions can also be invoked in bulk</a:t>
             </a:r>
-            <a:endParaRPr lang="en-GB" dirty="0" smtClean="0"/>
           </a:p>
         </p:txBody>
       </p:sp>
@@ -7859,16 +7905,7 @@
                 </a:solidFill>
                 <a:latin typeface="Consolas"/>
               </a:rPr>
-              <a:t>  </a:t>
-            </a:r>
-            <a:r>
-              <a:rPr lang="en-US" sz="1100" b="1" dirty="0" smtClean="0">
-                <a:solidFill>
-                  <a:srgbClr val="000000"/>
-                </a:solidFill>
-                <a:latin typeface="Consolas"/>
-              </a:rPr>
-              <a:t>...</a:t>
+              <a:t>  ...</a:t>
             </a:r>
             <a:endParaRPr lang="en-GB" sz="1100" dirty="0" smtClean="0">
               <a:solidFill>
@@ -8236,13 +8273,8 @@
             <a:pPr algn="ctr"/>
             <a:r>
               <a:rPr lang="en-GB" dirty="0" smtClean="0"/>
-              <a:t>They are implemented in domain services, but are rendered as if implemented </a:t>
-            </a:r>
-            <a:r>
-              <a:rPr lang="en-GB" dirty="0" smtClean="0"/>
-              <a:t>by the object</a:t>
-            </a:r>
-            <a:endParaRPr lang="en-GB" dirty="0" smtClean="0"/>
+              <a:t>They are implemented in domain services, but are rendered as if implemented by the object</a:t>
+            </a:r>
           </a:p>
         </p:txBody>
       </p:sp>
@@ -8286,7 +8318,6 @@
               <a:rPr lang="en-GB" dirty="0" smtClean="0"/>
               <a:t>Contributed properties also enable the object model to be decoupled</a:t>
             </a:r>
-            <a:endParaRPr lang="en-GB" dirty="0" smtClean="0"/>
           </a:p>
         </p:txBody>
       </p:sp>
@@ -8397,8 +8428,10 @@
                 </a:solidFill>
                 <a:latin typeface="Consolas"/>
               </a:rPr>
-              <a:t>... </a:t>
-            </a:r>
+              <a:t>... {</a:t>
+            </a:r>
+          </a:p>
+          <a:p>
             <a:r>
               <a:rPr lang="en-US" sz="1100" b="1" dirty="0" smtClean="0">
                 <a:solidFill>
@@ -8406,27 +8439,7 @@
                 </a:solidFill>
                 <a:latin typeface="Consolas"/>
               </a:rPr>
-              <a:t>{</a:t>
-            </a:r>
-          </a:p>
-          <a:p>
-            <a:r>
-              <a:rPr lang="en-US" sz="1100" b="1" dirty="0" smtClean="0">
-                <a:solidFill>
-                  <a:srgbClr val="000000"/>
-                </a:solidFill>
-                <a:latin typeface="Consolas"/>
-              </a:rPr>
-              <a:t>  </a:t>
-            </a:r>
-            <a:r>
-              <a:rPr lang="en-US" sz="1100" b="1" dirty="0" smtClean="0">
-                <a:solidFill>
-                  <a:srgbClr val="000000"/>
-                </a:solidFill>
-                <a:latin typeface="Consolas"/>
-              </a:rPr>
-              <a:t>...</a:t>
+              <a:t>  ...</a:t>
             </a:r>
             <a:endParaRPr lang="en-GB" sz="1100" dirty="0" smtClean="0">
               <a:solidFill>
@@ -8932,8 +8945,10 @@
                 </a:solidFill>
                 <a:latin typeface="Consolas"/>
               </a:rPr>
-              <a:t>... </a:t>
-            </a:r>
+              <a:t>... {</a:t>
+            </a:r>
+          </a:p>
+          <a:p>
             <a:r>
               <a:rPr lang="en-US" sz="1100" b="1" dirty="0" smtClean="0">
                 <a:solidFill>
@@ -8941,27 +8956,7 @@
                 </a:solidFill>
                 <a:latin typeface="Consolas"/>
               </a:rPr>
-              <a:t>{</a:t>
-            </a:r>
-          </a:p>
-          <a:p>
-            <a:r>
-              <a:rPr lang="en-US" sz="1100" b="1" dirty="0" smtClean="0">
-                <a:solidFill>
-                  <a:srgbClr val="000000"/>
-                </a:solidFill>
-                <a:latin typeface="Consolas"/>
-              </a:rPr>
-              <a:t>  </a:t>
-            </a:r>
-            <a:r>
-              <a:rPr lang="en-US" sz="1100" b="1" dirty="0" smtClean="0">
-                <a:solidFill>
-                  <a:srgbClr val="000000"/>
-                </a:solidFill>
-                <a:latin typeface="Consolas"/>
-              </a:rPr>
-              <a:t>...</a:t>
+              <a:t>  ...</a:t>
             </a:r>
             <a:endParaRPr lang="en-GB" sz="1100" dirty="0" smtClean="0">
               <a:solidFill>
@@ -9443,7 +9438,6 @@
               <a:rPr lang="en-GB" dirty="0" smtClean="0"/>
               <a:t>Contributed collections are also available to decouple the object model</a:t>
             </a:r>
-            <a:endParaRPr lang="en-GB" dirty="0" smtClean="0"/>
           </a:p>
         </p:txBody>
       </p:sp>
@@ -9554,8 +9548,10 @@
                 </a:solidFill>
                 <a:latin typeface="Consolas"/>
               </a:rPr>
-              <a:t>... </a:t>
-            </a:r>
+              <a:t>... {</a:t>
+            </a:r>
+          </a:p>
+          <a:p>
             <a:r>
               <a:rPr lang="en-US" sz="1100" b="1" dirty="0" smtClean="0">
                 <a:solidFill>
@@ -9563,27 +9559,7 @@
                 </a:solidFill>
                 <a:latin typeface="Consolas"/>
               </a:rPr>
-              <a:t>{</a:t>
-            </a:r>
-          </a:p>
-          <a:p>
-            <a:r>
-              <a:rPr lang="en-US" sz="1100" b="1" dirty="0" smtClean="0">
-                <a:solidFill>
-                  <a:srgbClr val="000000"/>
-                </a:solidFill>
-                <a:latin typeface="Consolas"/>
-              </a:rPr>
-              <a:t>  </a:t>
-            </a:r>
-            <a:r>
-              <a:rPr lang="en-US" sz="1100" b="1" dirty="0" smtClean="0">
-                <a:solidFill>
-                  <a:srgbClr val="000000"/>
-                </a:solidFill>
-                <a:latin typeface="Consolas"/>
-              </a:rPr>
-              <a:t>...</a:t>
+              <a:t>  ...</a:t>
             </a:r>
             <a:endParaRPr lang="en-GB" sz="1100" dirty="0" smtClean="0">
               <a:solidFill>
@@ -9983,7 +9959,6 @@
               <a:rPr lang="en-GB" dirty="0" smtClean="0"/>
               <a:t>View models may optionally be developed to support specific use cases. </a:t>
             </a:r>
-            <a:endParaRPr lang="en-GB" dirty="0" smtClean="0"/>
           </a:p>
         </p:txBody>
       </p:sp>
@@ -10094,8 +10069,10 @@
                 </a:solidFill>
                 <a:latin typeface="Consolas"/>
               </a:rPr>
-              <a:t>... </a:t>
-            </a:r>
+              <a:t>... {</a:t>
+            </a:r>
+          </a:p>
+          <a:p>
             <a:r>
               <a:rPr lang="en-US" sz="1100" b="1" dirty="0" smtClean="0">
                 <a:solidFill>
@@ -10103,27 +10080,7 @@
                 </a:solidFill>
                 <a:latin typeface="Consolas"/>
               </a:rPr>
-              <a:t>{</a:t>
-            </a:r>
-          </a:p>
-          <a:p>
-            <a:r>
-              <a:rPr lang="en-US" sz="1100" b="1" dirty="0" smtClean="0">
-                <a:solidFill>
-                  <a:srgbClr val="000000"/>
-                </a:solidFill>
-                <a:latin typeface="Consolas"/>
-              </a:rPr>
-              <a:t>  </a:t>
-            </a:r>
-            <a:r>
-              <a:rPr lang="en-US" sz="1100" b="1" dirty="0" smtClean="0">
-                <a:solidFill>
-                  <a:srgbClr val="000000"/>
-                </a:solidFill>
-                <a:latin typeface="Consolas"/>
-              </a:rPr>
-              <a:t>...</a:t>
+              <a:t>  ...</a:t>
             </a:r>
             <a:endParaRPr lang="en-GB" sz="1100" dirty="0" smtClean="0">
               <a:solidFill>
@@ -10584,7 +10541,6 @@
               <a:rPr lang="en-GB" dirty="0" smtClean="0"/>
               <a:t>interaction.</a:t>
             </a:r>
-            <a:endParaRPr lang="en-GB" dirty="0" smtClean="0"/>
           </a:p>
         </p:txBody>
       </p:sp>
@@ -11218,7 +11174,6 @@
               <a:rPr lang="en-GB" dirty="0" smtClean="0"/>
               <a:t>The view models in this case provide a stable API to the client.</a:t>
             </a:r>
-            <a:endParaRPr lang="en-GB" dirty="0" smtClean="0"/>
           </a:p>
         </p:txBody>
       </p:sp>
@@ -11314,7 +11269,6 @@
               <a:rPr lang="en-GB" dirty="0" smtClean="0"/>
               <a:t>dashboard view model.</a:t>
             </a:r>
-            <a:endParaRPr lang="en-GB" dirty="0" smtClean="0"/>
           </a:p>
         </p:txBody>
       </p:sp>
@@ -12642,7 +12596,6 @@
               <a:rPr lang="en-GB" dirty="0" smtClean="0"/>
               <a:t>Detection of concurrent edits automatically enforced through optimistic locking</a:t>
             </a:r>
-            <a:endParaRPr lang="en-GB" dirty="0" smtClean="0"/>
           </a:p>
         </p:txBody>
       </p:sp>
@@ -12962,7 +12915,6 @@
               <a:rPr lang="en-GB" dirty="0" smtClean="0"/>
               <a:t>the domain object and the framework</a:t>
             </a:r>
-            <a:endParaRPr lang="en-GB" dirty="0" smtClean="0"/>
           </a:p>
         </p:txBody>
       </p:sp>
@@ -13846,16 +13798,7 @@
                 </a:solidFill>
                 <a:latin typeface="Consolas"/>
               </a:rPr>
-              <a:t> </a:t>
-            </a:r>
-            <a:r>
-              <a:rPr lang="en-GB" sz="1100" dirty="0" smtClean="0">
-                <a:solidFill>
-                  <a:srgbClr val="000000"/>
-                </a:solidFill>
-                <a:latin typeface="Consolas"/>
-              </a:rPr>
-              <a:t>...</a:t>
+              <a:t> ...</a:t>
             </a:r>
           </a:p>
           <a:p>
@@ -14213,11 +14156,7 @@
             <a:pPr algn="ctr"/>
             <a:r>
               <a:rPr lang="en-GB" dirty="0" smtClean="0"/>
-              <a:t>It </a:t>
-            </a:r>
-            <a:r>
-              <a:rPr lang="en-GB" dirty="0" smtClean="0"/>
-              <a:t>can also be used to raise </a:t>
+              <a:t>It can also be used to raise </a:t>
             </a:r>
             <a:r>
               <a:rPr lang="en-GB" dirty="0"/>
@@ -14235,7 +14174,6 @@
               <a:rPr lang="en-GB" dirty="0" smtClean="0"/>
               <a:t>the user</a:t>
             </a:r>
-            <a:endParaRPr lang="en-GB" dirty="0" smtClean="0"/>
           </a:p>
         </p:txBody>
       </p:sp>
@@ -14949,12 +14887,6 @@
               </a:rPr>
               <a:t>}</a:t>
             </a:r>
-            <a:endParaRPr lang="en-GB" sz="1100" b="1" dirty="0" smtClean="0">
-              <a:solidFill>
-                <a:srgbClr val="000000"/>
-              </a:solidFill>
-              <a:latin typeface="Consolas"/>
-            </a:endParaRPr>
           </a:p>
         </p:txBody>
       </p:sp>
@@ -14998,7 +14930,6 @@
               <a:rPr lang="en-GB" dirty="0" smtClean="0"/>
               <a:t>Some actions – such as those to install test fixture data – can be annotated for prototyping purposes only.  These are styled differently in the UI, and are suppressed when running in Wicket’s DEPLOYMENT mode.</a:t>
             </a:r>
-            <a:endParaRPr lang="en-GB" dirty="0" smtClean="0"/>
           </a:p>
         </p:txBody>
       </p:sp>
@@ -15387,7 +15318,6 @@
               <a:rPr lang="en-GB" dirty="0" smtClean="0"/>
               <a:t> in turn maps those permissions to roles</a:t>
             </a:r>
-            <a:endParaRPr lang="en-GB" dirty="0" smtClean="0"/>
           </a:p>
         </p:txBody>
       </p:sp>
@@ -16400,7 +16330,6 @@
               <a:rPr lang="en-GB" dirty="0" smtClean="0"/>
               <a:t> archetype also generates a REST API that exposes all the domain applications functionality according to the Restful Objects specification (http://restfulobjects.org)</a:t>
             </a:r>
-            <a:endParaRPr lang="en-GB" dirty="0" smtClean="0"/>
           </a:p>
         </p:txBody>
       </p:sp>
@@ -16531,15 +16460,7 @@
             <a:pPr algn="ctr"/>
             <a:r>
               <a:rPr lang="en-GB" dirty="0" smtClean="0"/>
-              <a:t>Isis provides a </a:t>
-            </a:r>
-            <a:r>
-              <a:rPr lang="en-GB" dirty="0" smtClean="0"/>
-              <a:t>configurable </a:t>
-            </a:r>
-            <a:r>
-              <a:rPr lang="en-GB" dirty="0" smtClean="0"/>
-              <a:t>publishing service to integrate with other systems in the enterprise.</a:t>
+              <a:t>Isis provides a configurable publishing service to integrate with other systems in the enterprise.</a:t>
             </a:r>
           </a:p>
           <a:p>
@@ -16555,7 +16476,6 @@
               <a:rPr lang="en-GB" dirty="0" smtClean="0"/>
               <a:t>Default implementations serialize the events as JSON, persisted to a database table.</a:t>
             </a:r>
-            <a:endParaRPr lang="en-GB" dirty="0" smtClean="0"/>
           </a:p>
         </p:txBody>
       </p:sp>
@@ -17739,7 +17659,6 @@
               <a:rPr lang="en-GB" dirty="0" smtClean="0"/>
               <a:t>A default implementation saves to a database table.</a:t>
             </a:r>
-            <a:endParaRPr lang="en-GB" dirty="0" smtClean="0"/>
           </a:p>
         </p:txBody>
       </p:sp>
@@ -18436,7 +18355,6 @@
               <a:rPr lang="en-GB" dirty="0" smtClean="0"/>
               <a:t>.</a:t>
             </a:r>
-            <a:endParaRPr lang="en-GB" dirty="0" smtClean="0"/>
           </a:p>
         </p:txBody>
       </p:sp>
@@ -18480,7 +18398,6 @@
               <a:rPr lang="en-GB" dirty="0" smtClean="0"/>
               <a:t>Another third-party component provides a calendar for any collection of objects that have date properties</a:t>
             </a:r>
-            <a:endParaRPr lang="en-GB" dirty="0" smtClean="0"/>
           </a:p>
         </p:txBody>
       </p:sp>
@@ -18524,7 +18441,6 @@
               <a:rPr lang="en-GB" dirty="0" smtClean="0"/>
               <a:t>A further third-party component renders a map for any collection of objects that has a Location property (are “Locatable”)</a:t>
             </a:r>
-            <a:endParaRPr lang="en-GB" dirty="0" smtClean="0"/>
           </a:p>
         </p:txBody>
       </p:sp>
@@ -18584,7 +18500,6 @@
               <a:rPr lang="en-GB" dirty="0" smtClean="0"/>
               <a:t> graphs of collection of objects that have numeric properties</a:t>
             </a:r>
-            <a:endParaRPr lang="en-GB" dirty="0" smtClean="0"/>
           </a:p>
         </p:txBody>
       </p:sp>
@@ -18666,7 +18581,6 @@
               <a:rPr lang="en-GB" dirty="0" smtClean="0"/>
               <a:t>) or BDD (Cucumber) style testing</a:t>
             </a:r>
-            <a:endParaRPr lang="en-GB" dirty="0" smtClean="0"/>
           </a:p>
         </p:txBody>
       </p:sp>
@@ -18733,7 +18647,6 @@
               <a:rPr lang="en-GB" dirty="0" smtClean="0"/>
               <a:t> module.</a:t>
             </a:r>
-            <a:endParaRPr lang="en-GB" dirty="0" smtClean="0"/>
           </a:p>
         </p:txBody>
       </p:sp>
@@ -18741,6 +18654,1576 @@
     <p:extLst>
       <p:ext uri="{BB962C8B-B14F-4D97-AF65-F5344CB8AC3E}">
         <p14:creationId xmlns:p14="http://schemas.microsoft.com/office/powerpoint/2010/main" val="2904710488"/>
+      </p:ext>
+    </p:extLst>
+  </p:cSld>
+  <p:clrMapOvr>
+    <a:masterClrMapping/>
+  </p:clrMapOvr>
+</p:sld>
+</file>
+
+<file path=ppt/slides/slide24.xml><?xml version="1.0" encoding="utf-8"?>
+<p:sld xmlns:a="http://schemas.openxmlformats.org/drawingml/2006/main" xmlns:r="http://schemas.openxmlformats.org/officeDocument/2006/relationships" xmlns:p="http://schemas.openxmlformats.org/presentationml/2006/main">
+  <p:cSld>
+    <p:spTree>
+      <p:nvGrpSpPr>
+        <p:cNvPr id="1" name=""/>
+        <p:cNvGrpSpPr/>
+        <p:nvPr/>
+      </p:nvGrpSpPr>
+      <p:grpSpPr>
+        <a:xfrm>
+          <a:off x="0" y="0"/>
+          <a:ext cx="0" cy="0"/>
+          <a:chOff x="0" y="0"/>
+          <a:chExt cx="0" cy="0"/>
+        </a:xfrm>
+      </p:grpSpPr>
+      <p:sp>
+        <p:nvSpPr>
+          <p:cNvPr id="3" name="TextBox 2"/>
+          <p:cNvSpPr txBox="1"/>
+          <p:nvPr/>
+        </p:nvSpPr>
+        <p:spPr>
+          <a:xfrm>
+            <a:off x="251520" y="332656"/>
+            <a:ext cx="5040560" cy="923330"/>
+          </a:xfrm>
+          <a:prstGeom prst="rect">
+            <a:avLst/>
+          </a:prstGeom>
+        </p:spPr>
+        <p:style>
+          <a:lnRef idx="1">
+            <a:schemeClr val="accent1"/>
+          </a:lnRef>
+          <a:fillRef idx="2">
+            <a:schemeClr val="accent1"/>
+          </a:fillRef>
+          <a:effectRef idx="1">
+            <a:schemeClr val="accent1"/>
+          </a:effectRef>
+          <a:fontRef idx="minor">
+            <a:schemeClr val="dk1"/>
+          </a:fontRef>
+        </p:style>
+        <p:txBody>
+          <a:bodyPr wrap="square" rtlCol="0">
+            <a:spAutoFit/>
+          </a:bodyPr>
+          <a:lstStyle/>
+          <a:p>
+            <a:pPr algn="ctr"/>
+            <a:r>
+              <a:rPr lang="en-GB" dirty="0" smtClean="0"/>
+              <a:t>The user interface, while customizable, is derived entirely from the domain object model.  This page shows an instance of the </a:t>
+            </a:r>
+            <a:r>
+              <a:rPr lang="en-GB" dirty="0" err="1" smtClean="0"/>
+              <a:t>ToDoItem</a:t>
+            </a:r>
+            <a:r>
+              <a:rPr lang="en-GB" dirty="0" smtClean="0"/>
+              <a:t> class.</a:t>
+            </a:r>
+            <a:endParaRPr lang="en-GB" dirty="0" smtClean="0"/>
+          </a:p>
+        </p:txBody>
+      </p:sp>
+      <p:sp>
+        <p:nvSpPr>
+          <p:cNvPr id="4" name="TextBox 3"/>
+          <p:cNvSpPr txBox="1"/>
+          <p:nvPr/>
+        </p:nvSpPr>
+        <p:spPr>
+          <a:xfrm>
+            <a:off x="5349904" y="692696"/>
+            <a:ext cx="3326552" cy="3277820"/>
+          </a:xfrm>
+          <a:prstGeom prst="rect">
+            <a:avLst/>
+          </a:prstGeom>
+          <a:solidFill>
+            <a:schemeClr val="bg1">
+              <a:lumMod val="95000"/>
+            </a:schemeClr>
+          </a:solidFill>
+        </p:spPr>
+        <p:style>
+          <a:lnRef idx="1">
+            <a:schemeClr val="accent3"/>
+          </a:lnRef>
+          <a:fillRef idx="2">
+            <a:schemeClr val="accent3"/>
+          </a:fillRef>
+          <a:effectRef idx="1">
+            <a:schemeClr val="accent3"/>
+          </a:effectRef>
+          <a:fontRef idx="minor">
+            <a:schemeClr val="dk1"/>
+          </a:fontRef>
+        </p:style>
+        <p:txBody>
+          <a:bodyPr wrap="none" rtlCol="0">
+            <a:spAutoFit/>
+          </a:bodyPr>
+          <a:lstStyle/>
+          <a:p>
+            <a:r>
+              <a:rPr lang="en-US" sz="900" b="1" dirty="0" smtClean="0">
+                <a:solidFill>
+                  <a:srgbClr val="7F0055"/>
+                </a:solidFill>
+                <a:latin typeface="Consolas"/>
+              </a:rPr>
+              <a:t>public</a:t>
+            </a:r>
+            <a:r>
+              <a:rPr lang="en-US" sz="900" b="1" dirty="0" smtClean="0">
+                <a:solidFill>
+                  <a:srgbClr val="000000"/>
+                </a:solidFill>
+                <a:latin typeface="Consolas"/>
+              </a:rPr>
+              <a:t> </a:t>
+            </a:r>
+            <a:r>
+              <a:rPr lang="en-US" sz="900" b="1" dirty="0">
+                <a:solidFill>
+                  <a:srgbClr val="7F0055"/>
+                </a:solidFill>
+                <a:latin typeface="Consolas"/>
+              </a:rPr>
+              <a:t>class</a:t>
+            </a:r>
+            <a:r>
+              <a:rPr lang="en-US" sz="900" b="1" dirty="0">
+                <a:solidFill>
+                  <a:srgbClr val="000000"/>
+                </a:solidFill>
+                <a:latin typeface="Consolas"/>
+              </a:rPr>
+              <a:t> </a:t>
+            </a:r>
+            <a:r>
+              <a:rPr lang="en-US" sz="900" b="1" dirty="0" err="1" smtClean="0">
+                <a:solidFill>
+                  <a:srgbClr val="000000"/>
+                </a:solidFill>
+                <a:latin typeface="Consolas"/>
+              </a:rPr>
+              <a:t>ToDoItem</a:t>
+            </a:r>
+            <a:r>
+              <a:rPr lang="en-US" sz="900" b="1" dirty="0" smtClean="0">
+                <a:solidFill>
+                  <a:srgbClr val="000000"/>
+                </a:solidFill>
+                <a:latin typeface="Consolas"/>
+              </a:rPr>
+              <a:t> ... {</a:t>
+            </a:r>
+          </a:p>
+          <a:p>
+            <a:r>
+              <a:rPr lang="en-US" sz="900" b="1" dirty="0">
+                <a:solidFill>
+                  <a:srgbClr val="000000"/>
+                </a:solidFill>
+                <a:latin typeface="Consolas"/>
+              </a:rPr>
+              <a:t> </a:t>
+            </a:r>
+            <a:r>
+              <a:rPr lang="en-US" sz="900" b="1" dirty="0" smtClean="0">
+                <a:solidFill>
+                  <a:srgbClr val="000000"/>
+                </a:solidFill>
+                <a:latin typeface="Consolas"/>
+              </a:rPr>
+              <a:t> </a:t>
+            </a:r>
+            <a:r>
+              <a:rPr lang="en-US" sz="900" b="1" dirty="0" smtClean="0">
+                <a:solidFill>
+                  <a:srgbClr val="000000"/>
+                </a:solidFill>
+                <a:latin typeface="Consolas"/>
+              </a:rPr>
+              <a:t>...</a:t>
+            </a:r>
+          </a:p>
+          <a:p>
+            <a:r>
+              <a:rPr lang="en-GB" sz="900" b="1" dirty="0" smtClean="0">
+                <a:solidFill>
+                  <a:srgbClr val="7F0055"/>
+                </a:solidFill>
+                <a:latin typeface="Consolas"/>
+              </a:rPr>
+              <a:t>  </a:t>
+            </a:r>
+            <a:r>
+              <a:rPr lang="en-GB" sz="900" b="1" dirty="0">
+                <a:solidFill>
+                  <a:srgbClr val="7F0055"/>
+                </a:solidFill>
+                <a:latin typeface="Consolas"/>
+              </a:rPr>
+              <a:t>public</a:t>
+            </a:r>
+            <a:r>
+              <a:rPr lang="en-GB" sz="900" b="1" dirty="0">
+                <a:solidFill>
+                  <a:srgbClr val="000000"/>
+                </a:solidFill>
+                <a:latin typeface="Consolas"/>
+              </a:rPr>
+              <a:t> String </a:t>
+            </a:r>
+            <a:r>
+              <a:rPr lang="en-GB" sz="900" b="1" dirty="0" err="1">
+                <a:solidFill>
+                  <a:srgbClr val="000000"/>
+                </a:solidFill>
+                <a:latin typeface="Consolas"/>
+              </a:rPr>
+              <a:t>getDescription</a:t>
+            </a:r>
+            <a:r>
+              <a:rPr lang="en-GB" sz="900" b="1" dirty="0">
+                <a:solidFill>
+                  <a:srgbClr val="000000"/>
+                </a:solidFill>
+                <a:latin typeface="Consolas"/>
+              </a:rPr>
+              <a:t>() { ... </a:t>
+            </a:r>
+            <a:r>
+              <a:rPr lang="en-GB" sz="900" b="1" dirty="0" smtClean="0">
+                <a:solidFill>
+                  <a:srgbClr val="000000"/>
+                </a:solidFill>
+                <a:latin typeface="Consolas"/>
+              </a:rPr>
+              <a:t>}</a:t>
+            </a:r>
+          </a:p>
+          <a:p>
+            <a:r>
+              <a:rPr lang="en-GB" sz="900" b="1" dirty="0" smtClean="0">
+                <a:solidFill>
+                  <a:srgbClr val="000000"/>
+                </a:solidFill>
+                <a:latin typeface="Consolas"/>
+              </a:rPr>
+              <a:t>  </a:t>
+            </a:r>
+            <a:r>
+              <a:rPr lang="en-GB" sz="900" b="1" dirty="0">
+                <a:solidFill>
+                  <a:srgbClr val="7F0055"/>
+                </a:solidFill>
+                <a:latin typeface="Consolas"/>
+              </a:rPr>
+              <a:t>public</a:t>
+            </a:r>
+            <a:r>
+              <a:rPr lang="en-GB" sz="900" b="1" dirty="0">
+                <a:solidFill>
+                  <a:srgbClr val="000000"/>
+                </a:solidFill>
+                <a:latin typeface="Consolas"/>
+              </a:rPr>
+              <a:t> Category </a:t>
+            </a:r>
+            <a:r>
+              <a:rPr lang="en-GB" sz="900" b="1" dirty="0" err="1" smtClean="0">
+                <a:solidFill>
+                  <a:srgbClr val="000000"/>
+                </a:solidFill>
+                <a:latin typeface="Consolas"/>
+              </a:rPr>
+              <a:t>getCategory</a:t>
+            </a:r>
+            <a:r>
+              <a:rPr lang="en-GB" sz="900" b="1" dirty="0" smtClean="0">
+                <a:solidFill>
+                  <a:srgbClr val="000000"/>
+                </a:solidFill>
+                <a:latin typeface="Consolas"/>
+              </a:rPr>
+              <a:t>() { ... }</a:t>
+            </a:r>
+          </a:p>
+          <a:p>
+            <a:r>
+              <a:rPr lang="en-GB" sz="900" b="1" dirty="0" smtClean="0">
+                <a:solidFill>
+                  <a:srgbClr val="000000"/>
+                </a:solidFill>
+                <a:latin typeface="Consolas"/>
+              </a:rPr>
+              <a:t>  </a:t>
+            </a:r>
+            <a:r>
+              <a:rPr lang="en-GB" sz="900" b="1" dirty="0">
+                <a:solidFill>
+                  <a:srgbClr val="7F0055"/>
+                </a:solidFill>
+                <a:latin typeface="Consolas"/>
+              </a:rPr>
+              <a:t>public</a:t>
+            </a:r>
+            <a:r>
+              <a:rPr lang="en-GB" sz="900" b="1" dirty="0">
+                <a:solidFill>
+                  <a:srgbClr val="000000"/>
+                </a:solidFill>
+                <a:latin typeface="Consolas"/>
+              </a:rPr>
+              <a:t> </a:t>
+            </a:r>
+            <a:r>
+              <a:rPr lang="en-GB" sz="900" b="1" dirty="0" smtClean="0">
+                <a:solidFill>
+                  <a:srgbClr val="000000"/>
+                </a:solidFill>
+                <a:latin typeface="Consolas"/>
+              </a:rPr>
+              <a:t>Subcategory </a:t>
+            </a:r>
+            <a:r>
+              <a:rPr lang="en-GB" sz="900" b="1" dirty="0" err="1" smtClean="0">
+                <a:solidFill>
+                  <a:srgbClr val="000000"/>
+                </a:solidFill>
+                <a:latin typeface="Consolas"/>
+              </a:rPr>
+              <a:t>getSubcategory</a:t>
+            </a:r>
+            <a:r>
+              <a:rPr lang="en-GB" sz="900" b="1" dirty="0">
+                <a:solidFill>
+                  <a:srgbClr val="000000"/>
+                </a:solidFill>
+                <a:latin typeface="Consolas"/>
+              </a:rPr>
+              <a:t>() { ... </a:t>
+            </a:r>
+            <a:r>
+              <a:rPr lang="en-GB" sz="900" b="1" dirty="0" smtClean="0">
+                <a:solidFill>
+                  <a:srgbClr val="000000"/>
+                </a:solidFill>
+                <a:latin typeface="Consolas"/>
+              </a:rPr>
+              <a:t>}</a:t>
+            </a:r>
+          </a:p>
+          <a:p>
+            <a:r>
+              <a:rPr lang="en-GB" sz="900" b="1" dirty="0" smtClean="0">
+                <a:solidFill>
+                  <a:srgbClr val="000000"/>
+                </a:solidFill>
+                <a:latin typeface="Consolas"/>
+              </a:rPr>
+              <a:t>  </a:t>
+            </a:r>
+            <a:r>
+              <a:rPr lang="en-GB" sz="900" b="1" dirty="0" smtClean="0">
+                <a:solidFill>
+                  <a:srgbClr val="7F0055"/>
+                </a:solidFill>
+                <a:latin typeface="Consolas"/>
+              </a:rPr>
+              <a:t>public</a:t>
+            </a:r>
+            <a:r>
+              <a:rPr lang="en-GB" sz="900" b="1" dirty="0" smtClean="0">
+                <a:solidFill>
+                  <a:srgbClr val="000000"/>
+                </a:solidFill>
+                <a:latin typeface="Consolas"/>
+              </a:rPr>
+              <a:t> </a:t>
+            </a:r>
+            <a:r>
+              <a:rPr lang="en-GB" sz="900" b="1" dirty="0" err="1" smtClean="0">
+                <a:solidFill>
+                  <a:srgbClr val="000000"/>
+                </a:solidFill>
+                <a:latin typeface="Consolas"/>
+              </a:rPr>
+              <a:t>boolean</a:t>
+            </a:r>
+            <a:r>
+              <a:rPr lang="en-GB" sz="900" b="1" dirty="0" smtClean="0">
+                <a:solidFill>
+                  <a:srgbClr val="000000"/>
+                </a:solidFill>
+                <a:latin typeface="Consolas"/>
+              </a:rPr>
+              <a:t> </a:t>
+            </a:r>
+            <a:r>
+              <a:rPr lang="en-GB" sz="900" b="1" dirty="0" err="1" smtClean="0">
+                <a:solidFill>
+                  <a:srgbClr val="000000"/>
+                </a:solidFill>
+                <a:latin typeface="Consolas"/>
+              </a:rPr>
+              <a:t>isComplete</a:t>
+            </a:r>
+            <a:r>
+              <a:rPr lang="en-GB" sz="900" b="1" dirty="0" smtClean="0">
+                <a:solidFill>
+                  <a:srgbClr val="000000"/>
+                </a:solidFill>
+                <a:latin typeface="Consolas"/>
+              </a:rPr>
+              <a:t>() </a:t>
+            </a:r>
+            <a:r>
+              <a:rPr lang="en-GB" sz="900" b="1" dirty="0">
+                <a:solidFill>
+                  <a:srgbClr val="000000"/>
+                </a:solidFill>
+                <a:latin typeface="Consolas"/>
+              </a:rPr>
+              <a:t>{ ... </a:t>
+            </a:r>
+            <a:r>
+              <a:rPr lang="en-GB" sz="900" b="1" dirty="0" smtClean="0">
+                <a:solidFill>
+                  <a:srgbClr val="000000"/>
+                </a:solidFill>
+                <a:latin typeface="Consolas"/>
+              </a:rPr>
+              <a:t>}</a:t>
+            </a:r>
+          </a:p>
+          <a:p>
+            <a:r>
+              <a:rPr lang="en-GB" sz="900" b="1" dirty="0" smtClean="0">
+                <a:solidFill>
+                  <a:srgbClr val="000000"/>
+                </a:solidFill>
+                <a:latin typeface="Consolas"/>
+              </a:rPr>
+              <a:t>  </a:t>
+            </a:r>
+            <a:r>
+              <a:rPr lang="en-GB" sz="900" b="1" dirty="0">
+                <a:solidFill>
+                  <a:srgbClr val="7F0055"/>
+                </a:solidFill>
+                <a:latin typeface="Consolas"/>
+              </a:rPr>
+              <a:t>public</a:t>
+            </a:r>
+            <a:r>
+              <a:rPr lang="en-GB" sz="900" b="1" dirty="0">
+                <a:solidFill>
+                  <a:srgbClr val="000000"/>
+                </a:solidFill>
+                <a:latin typeface="Consolas"/>
+              </a:rPr>
+              <a:t> </a:t>
+            </a:r>
+            <a:r>
+              <a:rPr lang="en-GB" sz="900" b="1" dirty="0" smtClean="0">
+                <a:solidFill>
+                  <a:srgbClr val="000000"/>
+                </a:solidFill>
+                <a:latin typeface="Consolas"/>
+              </a:rPr>
+              <a:t>Long </a:t>
+            </a:r>
+            <a:r>
+              <a:rPr lang="en-GB" sz="900" b="1" dirty="0" err="1" smtClean="0">
+                <a:solidFill>
+                  <a:srgbClr val="000000"/>
+                </a:solidFill>
+                <a:latin typeface="Consolas"/>
+              </a:rPr>
+              <a:t>getVersionSequence</a:t>
+            </a:r>
+            <a:r>
+              <a:rPr lang="en-GB" sz="900" b="1" dirty="0" smtClean="0">
+                <a:solidFill>
+                  <a:srgbClr val="000000"/>
+                </a:solidFill>
+                <a:latin typeface="Consolas"/>
+              </a:rPr>
+              <a:t> () </a:t>
+            </a:r>
+            <a:r>
+              <a:rPr lang="en-GB" sz="900" b="1" dirty="0">
+                <a:solidFill>
+                  <a:srgbClr val="000000"/>
+                </a:solidFill>
+                <a:latin typeface="Consolas"/>
+              </a:rPr>
+              <a:t>{ ... </a:t>
+            </a:r>
+            <a:r>
+              <a:rPr lang="en-GB" sz="900" b="1" dirty="0" smtClean="0">
+                <a:solidFill>
+                  <a:srgbClr val="000000"/>
+                </a:solidFill>
+                <a:latin typeface="Consolas"/>
+              </a:rPr>
+              <a:t>}</a:t>
+            </a:r>
+          </a:p>
+          <a:p>
+            <a:r>
+              <a:rPr lang="en-GB" sz="900" b="1" dirty="0" smtClean="0">
+                <a:solidFill>
+                  <a:srgbClr val="000000"/>
+                </a:solidFill>
+                <a:latin typeface="Consolas"/>
+              </a:rPr>
+              <a:t>  </a:t>
+            </a:r>
+            <a:r>
+              <a:rPr lang="en-GB" sz="900" b="1" dirty="0">
+                <a:solidFill>
+                  <a:srgbClr val="7F0055"/>
+                </a:solidFill>
+                <a:latin typeface="Consolas"/>
+              </a:rPr>
+              <a:t>public</a:t>
+            </a:r>
+            <a:r>
+              <a:rPr lang="en-GB" sz="900" b="1" dirty="0">
+                <a:solidFill>
+                  <a:srgbClr val="000000"/>
+                </a:solidFill>
+                <a:latin typeface="Consolas"/>
+              </a:rPr>
+              <a:t> </a:t>
+            </a:r>
+            <a:r>
+              <a:rPr lang="en-GB" sz="900" b="1" dirty="0" err="1" smtClean="0">
+                <a:solidFill>
+                  <a:srgbClr val="000000"/>
+                </a:solidFill>
+                <a:latin typeface="Consolas"/>
+              </a:rPr>
+              <a:t>LocalDate</a:t>
+            </a:r>
+            <a:r>
+              <a:rPr lang="en-GB" sz="900" b="1" dirty="0" smtClean="0">
+                <a:solidFill>
+                  <a:srgbClr val="000000"/>
+                </a:solidFill>
+                <a:latin typeface="Consolas"/>
+              </a:rPr>
+              <a:t> </a:t>
+            </a:r>
+            <a:r>
+              <a:rPr lang="en-GB" sz="900" b="1" dirty="0" err="1" smtClean="0">
+                <a:solidFill>
+                  <a:srgbClr val="000000"/>
+                </a:solidFill>
+                <a:latin typeface="Consolas"/>
+              </a:rPr>
+              <a:t>getDueBy</a:t>
+            </a:r>
+            <a:r>
+              <a:rPr lang="en-GB" sz="900" b="1" dirty="0" smtClean="0">
+                <a:solidFill>
+                  <a:srgbClr val="000000"/>
+                </a:solidFill>
+                <a:latin typeface="Consolas"/>
+              </a:rPr>
+              <a:t>() </a:t>
+            </a:r>
+            <a:r>
+              <a:rPr lang="en-GB" sz="900" b="1" dirty="0">
+                <a:solidFill>
+                  <a:srgbClr val="000000"/>
+                </a:solidFill>
+                <a:latin typeface="Consolas"/>
+              </a:rPr>
+              <a:t>{ ... </a:t>
+            </a:r>
+            <a:r>
+              <a:rPr lang="en-GB" sz="900" b="1" dirty="0" smtClean="0">
+                <a:solidFill>
+                  <a:srgbClr val="000000"/>
+                </a:solidFill>
+                <a:latin typeface="Consolas"/>
+              </a:rPr>
+              <a:t>}</a:t>
+            </a:r>
+          </a:p>
+          <a:p>
+            <a:r>
+              <a:rPr lang="en-GB" sz="900" b="1" dirty="0" smtClean="0">
+                <a:solidFill>
+                  <a:srgbClr val="000000"/>
+                </a:solidFill>
+                <a:latin typeface="Consolas"/>
+              </a:rPr>
+              <a:t>  </a:t>
+            </a:r>
+            <a:r>
+              <a:rPr lang="en-GB" sz="900" b="1" dirty="0">
+                <a:solidFill>
+                  <a:srgbClr val="7F0055"/>
+                </a:solidFill>
+                <a:latin typeface="Consolas"/>
+              </a:rPr>
+              <a:t>public</a:t>
+            </a:r>
+            <a:r>
+              <a:rPr lang="en-GB" sz="900" b="1" dirty="0">
+                <a:solidFill>
+                  <a:srgbClr val="000000"/>
+                </a:solidFill>
+                <a:latin typeface="Consolas"/>
+              </a:rPr>
+              <a:t> </a:t>
+            </a:r>
+            <a:r>
+              <a:rPr lang="en-GB" sz="900" b="1" dirty="0" err="1" smtClean="0">
+                <a:solidFill>
+                  <a:srgbClr val="000000"/>
+                </a:solidFill>
+                <a:latin typeface="Consolas"/>
+              </a:rPr>
+              <a:t>BigDecimal</a:t>
+            </a:r>
+            <a:r>
+              <a:rPr lang="en-GB" sz="900" b="1" dirty="0" smtClean="0">
+                <a:solidFill>
+                  <a:srgbClr val="000000"/>
+                </a:solidFill>
+                <a:latin typeface="Consolas"/>
+              </a:rPr>
+              <a:t> </a:t>
+            </a:r>
+            <a:r>
+              <a:rPr lang="en-GB" sz="900" b="1" dirty="0" err="1" smtClean="0">
+                <a:solidFill>
+                  <a:srgbClr val="000000"/>
+                </a:solidFill>
+                <a:latin typeface="Consolas"/>
+              </a:rPr>
+              <a:t>getCost</a:t>
+            </a:r>
+            <a:r>
+              <a:rPr lang="en-GB" sz="900" b="1" dirty="0" smtClean="0">
+                <a:solidFill>
+                  <a:srgbClr val="000000"/>
+                </a:solidFill>
+                <a:latin typeface="Consolas"/>
+              </a:rPr>
+              <a:t>() </a:t>
+            </a:r>
+            <a:r>
+              <a:rPr lang="en-GB" sz="900" b="1" dirty="0">
+                <a:solidFill>
+                  <a:srgbClr val="000000"/>
+                </a:solidFill>
+                <a:latin typeface="Consolas"/>
+              </a:rPr>
+              <a:t>{ ... </a:t>
+            </a:r>
+            <a:r>
+              <a:rPr lang="en-GB" sz="900" b="1" dirty="0" smtClean="0">
+                <a:solidFill>
+                  <a:srgbClr val="000000"/>
+                </a:solidFill>
+                <a:latin typeface="Consolas"/>
+              </a:rPr>
+              <a:t>}</a:t>
+            </a:r>
+          </a:p>
+          <a:p>
+            <a:r>
+              <a:rPr lang="en-GB" sz="900" b="1" dirty="0" smtClean="0">
+                <a:solidFill>
+                  <a:srgbClr val="000000"/>
+                </a:solidFill>
+                <a:latin typeface="Consolas"/>
+              </a:rPr>
+              <a:t>  </a:t>
+            </a:r>
+            <a:r>
+              <a:rPr lang="en-GB" sz="900" b="1" dirty="0">
+                <a:solidFill>
+                  <a:srgbClr val="7F0055"/>
+                </a:solidFill>
+                <a:latin typeface="Consolas"/>
+              </a:rPr>
+              <a:t>public</a:t>
+            </a:r>
+            <a:r>
+              <a:rPr lang="en-GB" sz="900" b="1" dirty="0">
+                <a:solidFill>
+                  <a:srgbClr val="000000"/>
+                </a:solidFill>
+                <a:latin typeface="Consolas"/>
+              </a:rPr>
+              <a:t> </a:t>
+            </a:r>
+            <a:r>
+              <a:rPr lang="en-GB" sz="900" b="1" dirty="0" smtClean="0">
+                <a:solidFill>
+                  <a:srgbClr val="000000"/>
+                </a:solidFill>
+                <a:latin typeface="Consolas"/>
+              </a:rPr>
+              <a:t>String </a:t>
+            </a:r>
+            <a:r>
+              <a:rPr lang="en-GB" sz="900" b="1" dirty="0" err="1" smtClean="0">
+                <a:solidFill>
+                  <a:srgbClr val="000000"/>
+                </a:solidFill>
+                <a:latin typeface="Consolas"/>
+              </a:rPr>
+              <a:t>getNotes</a:t>
+            </a:r>
+            <a:r>
+              <a:rPr lang="en-GB" sz="900" b="1" dirty="0" smtClean="0">
+                <a:solidFill>
+                  <a:srgbClr val="000000"/>
+                </a:solidFill>
+                <a:latin typeface="Consolas"/>
+              </a:rPr>
+              <a:t>() </a:t>
+            </a:r>
+            <a:r>
+              <a:rPr lang="en-GB" sz="900" b="1" dirty="0">
+                <a:solidFill>
+                  <a:srgbClr val="000000"/>
+                </a:solidFill>
+                <a:latin typeface="Consolas"/>
+              </a:rPr>
+              <a:t>{ ... </a:t>
+            </a:r>
+            <a:r>
+              <a:rPr lang="en-GB" sz="900" b="1" dirty="0" smtClean="0">
+                <a:solidFill>
+                  <a:srgbClr val="000000"/>
+                </a:solidFill>
+                <a:latin typeface="Consolas"/>
+              </a:rPr>
+              <a:t>}</a:t>
+            </a:r>
+          </a:p>
+          <a:p>
+            <a:endParaRPr lang="en-GB" sz="900" b="1" dirty="0" smtClean="0">
+              <a:solidFill>
+                <a:srgbClr val="000000"/>
+              </a:solidFill>
+              <a:latin typeface="Consolas"/>
+            </a:endParaRPr>
+          </a:p>
+          <a:p>
+            <a:r>
+              <a:rPr lang="en-GB" sz="900" b="1" dirty="0" smtClean="0">
+                <a:solidFill>
+                  <a:srgbClr val="000000"/>
+                </a:solidFill>
+                <a:latin typeface="Consolas"/>
+              </a:rPr>
+              <a:t>  </a:t>
+            </a:r>
+            <a:r>
+              <a:rPr lang="en-GB" sz="900" b="1" dirty="0">
+                <a:solidFill>
+                  <a:srgbClr val="7F0055"/>
+                </a:solidFill>
+                <a:latin typeface="Consolas"/>
+              </a:rPr>
+              <a:t>public</a:t>
+            </a:r>
+            <a:r>
+              <a:rPr lang="en-GB" sz="900" b="1" dirty="0">
+                <a:solidFill>
+                  <a:srgbClr val="000000"/>
+                </a:solidFill>
+                <a:latin typeface="Consolas"/>
+              </a:rPr>
+              <a:t> </a:t>
+            </a:r>
+            <a:r>
+              <a:rPr lang="en-GB" sz="900" b="1" dirty="0" smtClean="0">
+                <a:solidFill>
+                  <a:srgbClr val="000000"/>
+                </a:solidFill>
+                <a:latin typeface="Consolas"/>
+              </a:rPr>
+              <a:t>List&lt;</a:t>
+            </a:r>
+            <a:r>
+              <a:rPr lang="en-GB" sz="900" b="1" dirty="0" err="1" smtClean="0">
+                <a:solidFill>
+                  <a:srgbClr val="000000"/>
+                </a:solidFill>
+                <a:latin typeface="Consolas"/>
+              </a:rPr>
+              <a:t>ToDoItem</a:t>
+            </a:r>
+            <a:r>
+              <a:rPr lang="en-GB" sz="900" b="1" dirty="0" smtClean="0">
+                <a:solidFill>
+                  <a:srgbClr val="000000"/>
+                </a:solidFill>
+                <a:latin typeface="Consolas"/>
+              </a:rPr>
+              <a:t>&gt; </a:t>
+            </a:r>
+            <a:r>
+              <a:rPr lang="en-GB" sz="900" b="1" dirty="0" err="1" smtClean="0">
+                <a:solidFill>
+                  <a:srgbClr val="000000"/>
+                </a:solidFill>
+                <a:latin typeface="Consolas"/>
+              </a:rPr>
+              <a:t>getDependencies</a:t>
+            </a:r>
+            <a:r>
+              <a:rPr lang="en-GB" sz="900" b="1" dirty="0" smtClean="0">
+                <a:solidFill>
+                  <a:srgbClr val="000000"/>
+                </a:solidFill>
+                <a:latin typeface="Consolas"/>
+              </a:rPr>
+              <a:t>() </a:t>
+            </a:r>
+            <a:r>
+              <a:rPr lang="en-GB" sz="900" b="1" dirty="0">
+                <a:solidFill>
+                  <a:srgbClr val="000000"/>
+                </a:solidFill>
+                <a:latin typeface="Consolas"/>
+              </a:rPr>
+              <a:t>{ ... </a:t>
+            </a:r>
+            <a:r>
+              <a:rPr lang="en-GB" sz="900" b="1" dirty="0" smtClean="0">
+                <a:solidFill>
+                  <a:srgbClr val="000000"/>
+                </a:solidFill>
+                <a:latin typeface="Consolas"/>
+              </a:rPr>
+              <a:t>}</a:t>
+            </a:r>
+          </a:p>
+          <a:p>
+            <a:endParaRPr lang="en-GB" sz="900" b="1" dirty="0" smtClean="0">
+              <a:solidFill>
+                <a:srgbClr val="000000"/>
+              </a:solidFill>
+              <a:latin typeface="Consolas"/>
+            </a:endParaRPr>
+          </a:p>
+          <a:p>
+            <a:r>
+              <a:rPr lang="en-GB" sz="900" b="1" dirty="0" smtClean="0">
+                <a:solidFill>
+                  <a:srgbClr val="000000"/>
+                </a:solidFill>
+                <a:latin typeface="Consolas"/>
+              </a:rPr>
+              <a:t>  </a:t>
+            </a:r>
+            <a:r>
+              <a:rPr lang="en-GB" sz="900" b="1" dirty="0">
+                <a:solidFill>
+                  <a:srgbClr val="7F0055"/>
+                </a:solidFill>
+                <a:latin typeface="Consolas"/>
+              </a:rPr>
+              <a:t>public</a:t>
+            </a:r>
+            <a:r>
+              <a:rPr lang="en-GB" sz="900" b="1" dirty="0">
+                <a:solidFill>
+                  <a:srgbClr val="000000"/>
+                </a:solidFill>
+                <a:latin typeface="Consolas"/>
+              </a:rPr>
+              <a:t> void </a:t>
+            </a:r>
+            <a:r>
+              <a:rPr lang="en-GB" sz="900" b="1" dirty="0" smtClean="0">
+                <a:solidFill>
+                  <a:srgbClr val="000000"/>
+                </a:solidFill>
+                <a:latin typeface="Consolas"/>
+              </a:rPr>
+              <a:t>complete() </a:t>
+            </a:r>
+            <a:r>
+              <a:rPr lang="en-GB" sz="900" b="1" dirty="0">
+                <a:solidFill>
+                  <a:srgbClr val="000000"/>
+                </a:solidFill>
+                <a:latin typeface="Consolas"/>
+              </a:rPr>
+              <a:t>{ ... </a:t>
+            </a:r>
+            <a:r>
+              <a:rPr lang="en-GB" sz="900" b="1" dirty="0" smtClean="0">
+                <a:solidFill>
+                  <a:srgbClr val="000000"/>
+                </a:solidFill>
+                <a:latin typeface="Consolas"/>
+              </a:rPr>
+              <a:t>}</a:t>
+            </a:r>
+          </a:p>
+          <a:p>
+            <a:r>
+              <a:rPr lang="en-GB" sz="900" b="1" dirty="0" smtClean="0">
+                <a:solidFill>
+                  <a:srgbClr val="000000"/>
+                </a:solidFill>
+                <a:latin typeface="Consolas"/>
+              </a:rPr>
+              <a:t>  </a:t>
+            </a:r>
+            <a:r>
+              <a:rPr lang="en-GB" sz="900" b="1" dirty="0">
+                <a:solidFill>
+                  <a:srgbClr val="7F0055"/>
+                </a:solidFill>
+                <a:latin typeface="Consolas"/>
+              </a:rPr>
+              <a:t>public</a:t>
+            </a:r>
+            <a:r>
+              <a:rPr lang="en-GB" sz="900" b="1" dirty="0">
+                <a:solidFill>
+                  <a:srgbClr val="000000"/>
+                </a:solidFill>
+                <a:latin typeface="Consolas"/>
+              </a:rPr>
+              <a:t> void </a:t>
+            </a:r>
+            <a:r>
+              <a:rPr lang="en-GB" sz="900" b="1" dirty="0" err="1" smtClean="0">
+                <a:solidFill>
+                  <a:srgbClr val="000000"/>
+                </a:solidFill>
+                <a:latin typeface="Consolas"/>
+              </a:rPr>
+              <a:t>notYetComplete</a:t>
+            </a:r>
+            <a:r>
+              <a:rPr lang="en-GB" sz="900" b="1" dirty="0" smtClean="0">
+                <a:solidFill>
+                  <a:srgbClr val="000000"/>
+                </a:solidFill>
+                <a:latin typeface="Consolas"/>
+              </a:rPr>
+              <a:t>() </a:t>
+            </a:r>
+            <a:r>
+              <a:rPr lang="en-GB" sz="900" b="1" dirty="0">
+                <a:solidFill>
+                  <a:srgbClr val="000000"/>
+                </a:solidFill>
+                <a:latin typeface="Consolas"/>
+              </a:rPr>
+              <a:t>{ ... </a:t>
+            </a:r>
+            <a:r>
+              <a:rPr lang="en-GB" sz="900" b="1" dirty="0" smtClean="0">
+                <a:solidFill>
+                  <a:srgbClr val="000000"/>
+                </a:solidFill>
+                <a:latin typeface="Consolas"/>
+              </a:rPr>
+              <a:t>}</a:t>
+            </a:r>
+          </a:p>
+          <a:p>
+            <a:endParaRPr lang="en-GB" sz="900" b="1" dirty="0">
+              <a:solidFill>
+                <a:srgbClr val="000000"/>
+              </a:solidFill>
+              <a:latin typeface="Consolas"/>
+            </a:endParaRPr>
+          </a:p>
+          <a:p>
+            <a:r>
+              <a:rPr lang="en-GB" sz="900" b="1" dirty="0" smtClean="0">
+                <a:solidFill>
+                  <a:srgbClr val="000000"/>
+                </a:solidFill>
+                <a:latin typeface="Consolas"/>
+              </a:rPr>
+              <a:t>  </a:t>
+            </a:r>
+            <a:r>
+              <a:rPr lang="en-GB" sz="900" b="1" dirty="0">
+                <a:solidFill>
+                  <a:srgbClr val="7F0055"/>
+                </a:solidFill>
+                <a:latin typeface="Consolas"/>
+              </a:rPr>
+              <a:t>public</a:t>
+            </a:r>
+            <a:r>
+              <a:rPr lang="en-GB" sz="900" b="1" dirty="0">
+                <a:solidFill>
+                  <a:srgbClr val="000000"/>
+                </a:solidFill>
+                <a:latin typeface="Consolas"/>
+              </a:rPr>
+              <a:t> </a:t>
+            </a:r>
+            <a:r>
+              <a:rPr lang="en-GB" sz="900" b="1" dirty="0" smtClean="0">
+                <a:solidFill>
+                  <a:srgbClr val="000000"/>
+                </a:solidFill>
+                <a:latin typeface="Consolas"/>
+              </a:rPr>
+              <a:t>void add(</a:t>
+            </a:r>
+            <a:r>
+              <a:rPr lang="en-GB" sz="900" b="1" dirty="0" err="1" smtClean="0">
+                <a:solidFill>
+                  <a:srgbClr val="000000"/>
+                </a:solidFill>
+                <a:latin typeface="Consolas"/>
+              </a:rPr>
+              <a:t>ToDoItem</a:t>
+            </a:r>
+            <a:r>
+              <a:rPr lang="en-GB" sz="900" b="1" dirty="0" smtClean="0">
+                <a:solidFill>
+                  <a:srgbClr val="000000"/>
+                </a:solidFill>
+                <a:latin typeface="Consolas"/>
+              </a:rPr>
+              <a:t> t) { </a:t>
+            </a:r>
+            <a:r>
+              <a:rPr lang="en-GB" sz="900" b="1" dirty="0">
+                <a:solidFill>
+                  <a:srgbClr val="000000"/>
+                </a:solidFill>
+                <a:latin typeface="Consolas"/>
+              </a:rPr>
+              <a:t>... }</a:t>
+            </a:r>
+            <a:endParaRPr lang="en-GB" sz="900" b="1" dirty="0">
+              <a:solidFill>
+                <a:srgbClr val="000000"/>
+              </a:solidFill>
+              <a:latin typeface="Consolas"/>
+            </a:endParaRPr>
+          </a:p>
+          <a:p>
+            <a:r>
+              <a:rPr lang="en-GB" sz="900" b="1" dirty="0" smtClean="0">
+                <a:solidFill>
+                  <a:srgbClr val="000000"/>
+                </a:solidFill>
+                <a:latin typeface="Consolas"/>
+              </a:rPr>
+              <a:t>  </a:t>
+            </a:r>
+            <a:r>
+              <a:rPr lang="en-GB" sz="900" b="1" dirty="0">
+                <a:solidFill>
+                  <a:srgbClr val="7F0055"/>
+                </a:solidFill>
+                <a:latin typeface="Consolas"/>
+              </a:rPr>
+              <a:t>public</a:t>
+            </a:r>
+            <a:r>
+              <a:rPr lang="en-GB" sz="900" b="1" dirty="0">
+                <a:solidFill>
+                  <a:srgbClr val="000000"/>
+                </a:solidFill>
+                <a:latin typeface="Consolas"/>
+              </a:rPr>
+              <a:t> void </a:t>
+            </a:r>
+            <a:r>
+              <a:rPr lang="en-GB" sz="900" b="1" dirty="0" smtClean="0">
+                <a:solidFill>
+                  <a:srgbClr val="000000"/>
+                </a:solidFill>
+                <a:latin typeface="Consolas"/>
+              </a:rPr>
+              <a:t>remove(</a:t>
+            </a:r>
+            <a:r>
+              <a:rPr lang="en-GB" sz="900" b="1" dirty="0" err="1" smtClean="0">
+                <a:solidFill>
+                  <a:srgbClr val="000000"/>
+                </a:solidFill>
+                <a:latin typeface="Consolas"/>
+              </a:rPr>
+              <a:t>ToDoItem</a:t>
+            </a:r>
+            <a:r>
+              <a:rPr lang="en-GB" sz="900" b="1" dirty="0" smtClean="0">
+                <a:solidFill>
+                  <a:srgbClr val="000000"/>
+                </a:solidFill>
+                <a:latin typeface="Consolas"/>
+              </a:rPr>
+              <a:t> </a:t>
+            </a:r>
+            <a:r>
+              <a:rPr lang="en-GB" sz="900" b="1" dirty="0">
+                <a:solidFill>
+                  <a:srgbClr val="000000"/>
+                </a:solidFill>
+                <a:latin typeface="Consolas"/>
+              </a:rPr>
+              <a:t>t) { ... }</a:t>
+            </a:r>
+            <a:endParaRPr lang="en-GB" sz="900" b="1" dirty="0" smtClean="0">
+              <a:solidFill>
+                <a:srgbClr val="000000"/>
+              </a:solidFill>
+              <a:latin typeface="Consolas"/>
+            </a:endParaRPr>
+          </a:p>
+          <a:p>
+            <a:endParaRPr lang="en-GB" sz="900" b="1" dirty="0" smtClean="0">
+              <a:solidFill>
+                <a:srgbClr val="000000"/>
+              </a:solidFill>
+              <a:latin typeface="Consolas"/>
+            </a:endParaRPr>
+          </a:p>
+          <a:p>
+            <a:r>
+              <a:rPr lang="en-GB" sz="900" b="1" dirty="0" smtClean="0">
+                <a:solidFill>
+                  <a:srgbClr val="000000"/>
+                </a:solidFill>
+                <a:latin typeface="Consolas"/>
+              </a:rPr>
+              <a:t>  </a:t>
+            </a:r>
+            <a:r>
+              <a:rPr lang="en-GB" sz="900" b="1" dirty="0">
+                <a:solidFill>
+                  <a:srgbClr val="7F0055"/>
+                </a:solidFill>
+                <a:latin typeface="Consolas"/>
+              </a:rPr>
+              <a:t>public</a:t>
+            </a:r>
+            <a:r>
+              <a:rPr lang="en-GB" sz="900" b="1" dirty="0">
+                <a:solidFill>
+                  <a:srgbClr val="000000"/>
+                </a:solidFill>
+                <a:latin typeface="Consolas"/>
+              </a:rPr>
+              <a:t> void </a:t>
+            </a:r>
+            <a:r>
+              <a:rPr lang="en-GB" sz="900" b="1" dirty="0" smtClean="0">
+                <a:solidFill>
+                  <a:srgbClr val="000000"/>
+                </a:solidFill>
+                <a:latin typeface="Consolas"/>
+              </a:rPr>
+              <a:t>duplicate () </a:t>
+            </a:r>
+            <a:r>
+              <a:rPr lang="en-GB" sz="900" b="1" dirty="0">
+                <a:solidFill>
+                  <a:srgbClr val="000000"/>
+                </a:solidFill>
+                <a:latin typeface="Consolas"/>
+              </a:rPr>
+              <a:t>{ ... </a:t>
+            </a:r>
+            <a:r>
+              <a:rPr lang="en-GB" sz="900" b="1" dirty="0" smtClean="0">
+                <a:solidFill>
+                  <a:srgbClr val="000000"/>
+                </a:solidFill>
+                <a:latin typeface="Consolas"/>
+              </a:rPr>
+              <a:t>}</a:t>
+            </a:r>
+            <a:endParaRPr lang="en-GB" sz="900" b="1" dirty="0">
+              <a:solidFill>
+                <a:srgbClr val="000000"/>
+              </a:solidFill>
+              <a:latin typeface="Consolas"/>
+            </a:endParaRPr>
+          </a:p>
+          <a:p>
+            <a:r>
+              <a:rPr lang="en-GB" sz="900" b="1" dirty="0" smtClean="0">
+                <a:solidFill>
+                  <a:srgbClr val="000000"/>
+                </a:solidFill>
+                <a:latin typeface="Consolas"/>
+              </a:rPr>
+              <a:t>  </a:t>
+            </a:r>
+            <a:r>
+              <a:rPr lang="en-GB" sz="900" b="1" dirty="0" smtClean="0">
+                <a:solidFill>
+                  <a:srgbClr val="7F0055"/>
+                </a:solidFill>
+                <a:latin typeface="Consolas"/>
+              </a:rPr>
+              <a:t>public</a:t>
+            </a:r>
+            <a:r>
+              <a:rPr lang="en-GB" sz="900" b="1" dirty="0" smtClean="0">
+                <a:solidFill>
+                  <a:srgbClr val="000000"/>
+                </a:solidFill>
+                <a:latin typeface="Consolas"/>
+              </a:rPr>
+              <a:t> </a:t>
+            </a:r>
+            <a:r>
+              <a:rPr lang="en-GB" sz="900" b="1" dirty="0">
+                <a:solidFill>
+                  <a:srgbClr val="000000"/>
+                </a:solidFill>
+                <a:latin typeface="Consolas"/>
+              </a:rPr>
+              <a:t>void </a:t>
+            </a:r>
+            <a:r>
+              <a:rPr lang="en-GB" sz="900" b="1" dirty="0" smtClean="0">
+                <a:solidFill>
+                  <a:srgbClr val="000000"/>
+                </a:solidFill>
+                <a:latin typeface="Consolas"/>
+              </a:rPr>
+              <a:t>delete() </a:t>
+            </a:r>
+            <a:r>
+              <a:rPr lang="en-GB" sz="900" b="1" dirty="0">
+                <a:solidFill>
+                  <a:srgbClr val="000000"/>
+                </a:solidFill>
+                <a:latin typeface="Consolas"/>
+              </a:rPr>
+              <a:t>{ ... }</a:t>
+            </a:r>
+          </a:p>
+          <a:p>
+            <a:r>
+              <a:rPr lang="en-GB" sz="900" b="1" dirty="0" smtClean="0">
+                <a:solidFill>
+                  <a:srgbClr val="000000"/>
+                </a:solidFill>
+                <a:latin typeface="Consolas"/>
+              </a:rPr>
+              <a:t>  ...</a:t>
+            </a:r>
+            <a:endParaRPr lang="en-GB" sz="900" dirty="0" smtClean="0">
+              <a:solidFill>
+                <a:srgbClr val="646464"/>
+              </a:solidFill>
+              <a:latin typeface="Consolas"/>
+            </a:endParaRPr>
+          </a:p>
+          <a:p>
+            <a:r>
+              <a:rPr lang="en-GB" sz="900" b="1" dirty="0" smtClean="0">
+                <a:solidFill>
+                  <a:srgbClr val="000000"/>
+                </a:solidFill>
+                <a:latin typeface="Consolas"/>
+              </a:rPr>
+              <a:t>}</a:t>
+            </a:r>
+            <a:endParaRPr lang="en-US" sz="900" b="1" dirty="0" smtClean="0">
+              <a:solidFill>
+                <a:srgbClr val="000000"/>
+              </a:solidFill>
+              <a:latin typeface="Consolas"/>
+            </a:endParaRPr>
+          </a:p>
+        </p:txBody>
+      </p:sp>
+      <p:sp>
+        <p:nvSpPr>
+          <p:cNvPr id="6" name="TextBox 5"/>
+          <p:cNvSpPr txBox="1"/>
+          <p:nvPr/>
+        </p:nvSpPr>
+        <p:spPr>
+          <a:xfrm>
+            <a:off x="251520" y="2350621"/>
+            <a:ext cx="2736304" cy="923330"/>
+          </a:xfrm>
+          <a:prstGeom prst="rect">
+            <a:avLst/>
+          </a:prstGeom>
+        </p:spPr>
+        <p:style>
+          <a:lnRef idx="1">
+            <a:schemeClr val="accent1"/>
+          </a:lnRef>
+          <a:fillRef idx="2">
+            <a:schemeClr val="accent1"/>
+          </a:fillRef>
+          <a:effectRef idx="1">
+            <a:schemeClr val="accent1"/>
+          </a:effectRef>
+          <a:fontRef idx="minor">
+            <a:schemeClr val="dk1"/>
+          </a:fontRef>
+        </p:style>
+        <p:txBody>
+          <a:bodyPr wrap="square" rtlCol="0">
+            <a:spAutoFit/>
+          </a:bodyPr>
+          <a:lstStyle/>
+          <a:p>
+            <a:pPr algn="ctr"/>
+            <a:r>
+              <a:rPr lang="en-GB" dirty="0" smtClean="0"/>
+              <a:t>Business rules can be defined declaratively</a:t>
+            </a:r>
+            <a:br>
+              <a:rPr lang="en-GB" dirty="0" smtClean="0"/>
+            </a:br>
+            <a:r>
+              <a:rPr lang="en-GB" dirty="0" smtClean="0"/>
+              <a:t>(as here, on a property)...</a:t>
+            </a:r>
+            <a:endParaRPr lang="en-GB" dirty="0" smtClean="0"/>
+          </a:p>
+        </p:txBody>
+      </p:sp>
+      <p:sp>
+        <p:nvSpPr>
+          <p:cNvPr id="7" name="TextBox 6"/>
+          <p:cNvSpPr txBox="1"/>
+          <p:nvPr/>
+        </p:nvSpPr>
+        <p:spPr>
+          <a:xfrm>
+            <a:off x="179512" y="3945830"/>
+            <a:ext cx="2808312" cy="923330"/>
+          </a:xfrm>
+          <a:prstGeom prst="rect">
+            <a:avLst/>
+          </a:prstGeom>
+        </p:spPr>
+        <p:style>
+          <a:lnRef idx="1">
+            <a:schemeClr val="accent1"/>
+          </a:lnRef>
+          <a:fillRef idx="2">
+            <a:schemeClr val="accent1"/>
+          </a:fillRef>
+          <a:effectRef idx="1">
+            <a:schemeClr val="accent1"/>
+          </a:effectRef>
+          <a:fontRef idx="minor">
+            <a:schemeClr val="dk1"/>
+          </a:fontRef>
+        </p:style>
+        <p:txBody>
+          <a:bodyPr wrap="square" rtlCol="0">
+            <a:spAutoFit/>
+          </a:bodyPr>
+          <a:lstStyle/>
+          <a:p>
+            <a:pPr algn="ctr"/>
+            <a:r>
+              <a:rPr lang="en-GB" dirty="0" smtClean="0"/>
+              <a:t>... or business rules can be defined imperatively</a:t>
+            </a:r>
+            <a:br>
+              <a:rPr lang="en-GB" dirty="0" smtClean="0"/>
+            </a:br>
+            <a:r>
+              <a:rPr lang="en-GB" dirty="0" smtClean="0"/>
+              <a:t>(as here, on an action)</a:t>
+            </a:r>
+            <a:endParaRPr lang="en-GB" dirty="0" smtClean="0"/>
+          </a:p>
+        </p:txBody>
+      </p:sp>
+      <p:sp>
+        <p:nvSpPr>
+          <p:cNvPr id="8" name="TextBox 7"/>
+          <p:cNvSpPr txBox="1"/>
+          <p:nvPr/>
+        </p:nvSpPr>
+        <p:spPr>
+          <a:xfrm>
+            <a:off x="467544" y="5325015"/>
+            <a:ext cx="3960440" cy="1200329"/>
+          </a:xfrm>
+          <a:prstGeom prst="rect">
+            <a:avLst/>
+          </a:prstGeom>
+        </p:spPr>
+        <p:style>
+          <a:lnRef idx="1">
+            <a:schemeClr val="accent1"/>
+          </a:lnRef>
+          <a:fillRef idx="2">
+            <a:schemeClr val="accent1"/>
+          </a:fillRef>
+          <a:effectRef idx="1">
+            <a:schemeClr val="accent1"/>
+          </a:effectRef>
+          <a:fontRef idx="minor">
+            <a:schemeClr val="dk1"/>
+          </a:fontRef>
+        </p:style>
+        <p:txBody>
+          <a:bodyPr wrap="square" rtlCol="0">
+            <a:spAutoFit/>
+          </a:bodyPr>
+          <a:lstStyle/>
+          <a:p>
+            <a:pPr algn="ctr"/>
+            <a:r>
+              <a:rPr lang="en-GB" dirty="0" smtClean="0"/>
+              <a:t>Most business logic resides in actions, which can perform arbitrary logic (including delegating to domain services injected int</a:t>
+            </a:r>
+            <a:r>
+              <a:rPr lang="en-GB" dirty="0" smtClean="0"/>
+              <a:t>o the object)</a:t>
+            </a:r>
+            <a:endParaRPr lang="en-GB" dirty="0" smtClean="0"/>
+          </a:p>
+        </p:txBody>
+      </p:sp>
+      <p:sp>
+        <p:nvSpPr>
+          <p:cNvPr id="9" name="TextBox 8"/>
+          <p:cNvSpPr txBox="1"/>
+          <p:nvPr/>
+        </p:nvSpPr>
+        <p:spPr>
+          <a:xfrm>
+            <a:off x="4139952" y="4509120"/>
+            <a:ext cx="4248472" cy="646331"/>
+          </a:xfrm>
+          <a:prstGeom prst="rect">
+            <a:avLst/>
+          </a:prstGeom>
+        </p:spPr>
+        <p:style>
+          <a:lnRef idx="1">
+            <a:schemeClr val="accent1"/>
+          </a:lnRef>
+          <a:fillRef idx="2">
+            <a:schemeClr val="accent1"/>
+          </a:fillRef>
+          <a:effectRef idx="1">
+            <a:schemeClr val="accent1"/>
+          </a:effectRef>
+          <a:fontRef idx="minor">
+            <a:schemeClr val="dk1"/>
+          </a:fontRef>
+        </p:style>
+        <p:txBody>
+          <a:bodyPr wrap="square" rtlCol="0">
+            <a:spAutoFit/>
+          </a:bodyPr>
+          <a:lstStyle/>
+          <a:p>
+            <a:pPr algn="ctr"/>
+            <a:r>
+              <a:rPr lang="en-GB" dirty="0" smtClean="0"/>
+              <a:t>Associations between objects are made using </a:t>
+            </a:r>
+            <a:r>
+              <a:rPr lang="en-GB" i="1" dirty="0" err="1" smtClean="0"/>
+              <a:t>autoComplete</a:t>
+            </a:r>
+            <a:r>
+              <a:rPr lang="en-GB" i="1" dirty="0" smtClean="0"/>
+              <a:t>()</a:t>
+            </a:r>
+            <a:r>
+              <a:rPr lang="en-GB" dirty="0" smtClean="0"/>
+              <a:t> supporting methods</a:t>
+            </a:r>
+            <a:endParaRPr lang="en-GB" dirty="0" smtClean="0"/>
+          </a:p>
+        </p:txBody>
+      </p:sp>
+      <p:sp>
+        <p:nvSpPr>
+          <p:cNvPr id="10" name="TextBox 9"/>
+          <p:cNvSpPr txBox="1"/>
+          <p:nvPr/>
+        </p:nvSpPr>
+        <p:spPr>
+          <a:xfrm>
+            <a:off x="4292352" y="5374957"/>
+            <a:ext cx="4600128" cy="646331"/>
+          </a:xfrm>
+          <a:prstGeom prst="rect">
+            <a:avLst/>
+          </a:prstGeom>
+        </p:spPr>
+        <p:style>
+          <a:lnRef idx="1">
+            <a:schemeClr val="accent1"/>
+          </a:lnRef>
+          <a:fillRef idx="2">
+            <a:schemeClr val="accent1"/>
+          </a:fillRef>
+          <a:effectRef idx="1">
+            <a:schemeClr val="accent1"/>
+          </a:effectRef>
+          <a:fontRef idx="minor">
+            <a:schemeClr val="dk1"/>
+          </a:fontRef>
+        </p:style>
+        <p:txBody>
+          <a:bodyPr wrap="square" rtlCol="0">
+            <a:spAutoFit/>
+          </a:bodyPr>
+          <a:lstStyle/>
+          <a:p>
+            <a:pPr algn="ctr"/>
+            <a:r>
+              <a:rPr lang="en-GB" dirty="0" smtClean="0"/>
+              <a:t>Isis uses the JDO API for persistence; </a:t>
+            </a:r>
+            <a:r>
+              <a:rPr lang="en-GB" dirty="0" err="1" smtClean="0"/>
+              <a:t>DataNucleus</a:t>
+            </a:r>
+            <a:r>
+              <a:rPr lang="en-GB" dirty="0" smtClean="0"/>
+              <a:t> is the underlying implementation</a:t>
+            </a:r>
+            <a:endParaRPr lang="en-GB" dirty="0" smtClean="0"/>
+          </a:p>
+        </p:txBody>
+      </p:sp>
+    </p:spTree>
+    <p:extLst>
+      <p:ext uri="{BB962C8B-B14F-4D97-AF65-F5344CB8AC3E}">
+        <p14:creationId xmlns:p14="http://schemas.microsoft.com/office/powerpoint/2010/main" val="705366208"/>
       </p:ext>
     </p:extLst>
   </p:cSld>
@@ -20726,8 +22209,8 @@
         </p:nvSpPr>
         <p:spPr>
           <a:xfrm>
-            <a:off x="2987824" y="3212976"/>
-            <a:ext cx="3339376" cy="938719"/>
+            <a:off x="4040936" y="2636912"/>
+            <a:ext cx="3493264" cy="1615827"/>
           </a:xfrm>
           <a:prstGeom prst="rect">
             <a:avLst/>
@@ -20759,13 +22242,122 @@
           <a:lstStyle/>
           <a:p>
             <a:r>
+              <a:rPr lang="en-US" sz="1100" b="1" dirty="0">
+                <a:solidFill>
+                  <a:srgbClr val="7F0055"/>
+                </a:solidFill>
+                <a:latin typeface="Consolas"/>
+              </a:rPr>
+              <a:t>public</a:t>
+            </a:r>
+            <a:r>
+              <a:rPr lang="en-US" sz="1100" b="1" dirty="0">
+                <a:solidFill>
+                  <a:srgbClr val="000000"/>
+                </a:solidFill>
+                <a:latin typeface="Consolas"/>
+              </a:rPr>
+              <a:t> </a:t>
+            </a:r>
+            <a:r>
+              <a:rPr lang="en-US" sz="1100" b="1" dirty="0">
+                <a:solidFill>
+                  <a:srgbClr val="7F0055"/>
+                </a:solidFill>
+                <a:latin typeface="Consolas"/>
+              </a:rPr>
+              <a:t>class</a:t>
+            </a:r>
+            <a:r>
+              <a:rPr lang="en-US" sz="1100" b="1" dirty="0">
+                <a:solidFill>
+                  <a:srgbClr val="000000"/>
+                </a:solidFill>
+                <a:latin typeface="Consolas"/>
+              </a:rPr>
+              <a:t> </a:t>
+            </a:r>
+            <a:r>
+              <a:rPr lang="en-US" sz="1100" b="1" dirty="0" err="1">
+                <a:solidFill>
+                  <a:srgbClr val="000000"/>
+                </a:solidFill>
+                <a:latin typeface="Consolas"/>
+              </a:rPr>
+              <a:t>ToDoItems</a:t>
+            </a:r>
+            <a:r>
+              <a:rPr lang="en-US" sz="1100" b="1" dirty="0">
+                <a:solidFill>
+                  <a:srgbClr val="000000"/>
+                </a:solidFill>
+                <a:latin typeface="Consolas"/>
+              </a:rPr>
+              <a:t> </a:t>
+            </a:r>
+            <a:r>
+              <a:rPr lang="en-US" sz="1100" b="1" dirty="0">
+                <a:solidFill>
+                  <a:srgbClr val="7F0055"/>
+                </a:solidFill>
+                <a:latin typeface="Consolas"/>
+              </a:rPr>
+              <a:t>...</a:t>
+            </a:r>
+            <a:r>
+              <a:rPr lang="en-US" sz="1100" b="1" dirty="0">
+                <a:solidFill>
+                  <a:srgbClr val="000000"/>
+                </a:solidFill>
+                <a:latin typeface="Consolas"/>
+              </a:rPr>
+              <a:t> </a:t>
+            </a:r>
+            <a:r>
+              <a:rPr lang="en-US" sz="1100" b="1" dirty="0" smtClean="0">
+                <a:solidFill>
+                  <a:srgbClr val="000000"/>
+                </a:solidFill>
+                <a:latin typeface="Consolas"/>
+              </a:rPr>
+              <a:t>{</a:t>
+            </a:r>
+          </a:p>
+          <a:p>
+            <a:r>
+              <a:rPr lang="en-US" sz="1100" b="1" dirty="0">
+                <a:solidFill>
+                  <a:srgbClr val="000000"/>
+                </a:solidFill>
+                <a:latin typeface="Consolas"/>
+              </a:rPr>
+              <a:t> </a:t>
+            </a:r>
+            <a:r>
+              <a:rPr lang="en-US" sz="1100" b="1" dirty="0" smtClean="0">
+                <a:solidFill>
+                  <a:srgbClr val="000000"/>
+                </a:solidFill>
+                <a:latin typeface="Consolas"/>
+              </a:rPr>
+              <a:t> ...</a:t>
+            </a:r>
+            <a:endParaRPr lang="en-US" sz="1100" b="1" dirty="0">
+              <a:solidFill>
+                <a:srgbClr val="000000"/>
+              </a:solidFill>
+              <a:latin typeface="Consolas"/>
+            </a:endParaRPr>
+          </a:p>
+          <a:p>
+            <a:r>
               <a:rPr lang="en-GB" sz="1100" b="1" dirty="0" smtClean="0">
                 <a:solidFill>
                   <a:srgbClr val="7F0055"/>
                 </a:solidFill>
                 <a:latin typeface="Consolas"/>
               </a:rPr>
-              <a:t>public</a:t>
+              <a:t>  public</a:t>
             </a:r>
             <a:r>
               <a:rPr lang="en-GB" sz="1100" b="1" dirty="0" smtClean="0">
@@ -20774,7 +22366,16 @@
                 </a:solidFill>
                 <a:latin typeface="Consolas"/>
               </a:rPr>
-              <a:t> List&lt;Subcategory&gt; choices2NewToDo(</a:t>
+              <a:t> </a:t>
+            </a:r>
+            <a:r>
+              <a:rPr lang="en-GB" sz="1100" b="1" dirty="0" smtClean="0">
+                <a:solidFill>
+                  <a:srgbClr val="000000"/>
+                </a:solidFill>
+                <a:latin typeface="Consolas"/>
+              </a:rPr>
+              <a:t>List&lt;Subcategory&gt; choices2NewToDo(</a:t>
             </a:r>
           </a:p>
           <a:p>
@@ -20785,6 +22386,15 @@
                 </a:solidFill>
                 <a:latin typeface="Consolas"/>
               </a:rPr>
+              <a:t>  </a:t>
+            </a:r>
+            <a:r>
+              <a:rPr lang="en-US" sz="1100" dirty="0" smtClean="0">
+                <a:solidFill>
+                  <a:srgbClr val="000000"/>
+                </a:solidFill>
+                <a:latin typeface="Consolas"/>
+              </a:rPr>
               <a:t>        </a:t>
             </a:r>
             <a:r>
@@ -20823,11 +22433,20 @@
                 </a:solidFill>
                 <a:latin typeface="Consolas"/>
               </a:rPr>
-              <a:t>       </a:t>
+              <a:t> </a:t>
             </a:r>
             <a:r>
               <a:rPr lang="en-US" sz="1100" b="1" dirty="0" smtClean="0">
                 <a:solidFill>
+                  <a:srgbClr val="000000"/>
+                </a:solidFill>
+                <a:latin typeface="Consolas"/>
+              </a:rPr>
+              <a:t>        </a:t>
+            </a:r>
+            <a:r>
+              <a:rPr lang="en-US" sz="1100" b="1" dirty="0" smtClean="0">
+                <a:solidFill>
                   <a:srgbClr val="7F0055"/>
                 </a:solidFill>
                 <a:latin typeface="Consolas"/>
@@ -20855,6 +22474,15 @@
               <a:t>  </a:t>
             </a:r>
             <a:r>
+              <a:rPr lang="en-GB" sz="1100" dirty="0" smtClean="0">
+                <a:solidFill>
+                  <a:srgbClr val="000000"/>
+                </a:solidFill>
+                <a:latin typeface="Consolas"/>
+              </a:rPr>
+              <a:t>  </a:t>
+            </a:r>
+            <a:r>
               <a:rPr lang="en-GB" sz="1100" b="1" dirty="0" smtClean="0">
                 <a:solidFill>
                   <a:srgbClr val="7F0055"/>
@@ -20897,7 +22525,16 @@
                 </a:solidFill>
                 <a:latin typeface="Consolas"/>
               </a:rPr>
-              <a:t>(category)</a:t>
+              <a:t>(category</a:t>
+            </a:r>
+            <a:r>
+              <a:rPr lang="en-GB" sz="1100" b="1" dirty="0" smtClean="0">
+                <a:solidFill>
+                  <a:srgbClr val="000000"/>
+                </a:solidFill>
+                <a:latin typeface="Consolas"/>
+              </a:rPr>
+              <a:t>)</a:t>
             </a:r>
             <a:r>
               <a:rPr lang="en-GB" sz="1100" b="1" i="1" dirty="0" smtClean="0">
@@ -20908,10 +22545,38 @@
               </a:rPr>
               <a:t>;</a:t>
             </a:r>
+            <a:endParaRPr lang="en-GB" sz="1100" b="1" i="1" dirty="0" smtClean="0">
+              <a:solidFill>
+                <a:srgbClr val="000000"/>
+              </a:solidFill>
+              <a:latin typeface="Consolas"/>
+            </a:endParaRPr>
           </a:p>
           <a:p>
             <a:r>
               <a:rPr lang="en-GB" sz="1100" dirty="0" smtClean="0">
+                <a:solidFill>
+                  <a:srgbClr val="000000"/>
+                </a:solidFill>
+                <a:latin typeface="Consolas"/>
+              </a:rPr>
+              <a:t>  }</a:t>
+            </a:r>
+          </a:p>
+          <a:p>
+            <a:r>
+              <a:rPr lang="en-GB" sz="1100" b="1" dirty="0" smtClean="0">
+                <a:solidFill>
+                  <a:srgbClr val="000000"/>
+                </a:solidFill>
+                <a:latin typeface="Consolas"/>
+              </a:rPr>
+              <a:t>  ...</a:t>
+            </a:r>
+          </a:p>
+          <a:p>
+            <a:r>
+              <a:rPr lang="en-GB" sz="1100" b="1" dirty="0">
                 <a:solidFill>
                   <a:srgbClr val="000000"/>
                 </a:solidFill>
@@ -21750,8 +23415,8 @@
         </p:nvSpPr>
         <p:spPr>
           <a:xfrm>
-            <a:off x="3923928" y="2780928"/>
-            <a:ext cx="3339376" cy="600164"/>
+            <a:off x="4207599" y="2961526"/>
+            <a:ext cx="4108817" cy="2123658"/>
           </a:xfrm>
           <a:prstGeom prst="rect">
             <a:avLst/>
@@ -21783,7 +23448,7 @@
           <a:lstStyle/>
           <a:p>
             <a:r>
-              <a:rPr lang="en-GB" sz="1100" b="1" dirty="0" smtClean="0">
+              <a:rPr lang="en-US" sz="1100" b="1" dirty="0">
                 <a:solidFill>
                   <a:srgbClr val="7F0055"/>
                 </a:solidFill>
@@ -21792,165 +23457,104 @@
               <a:t>public</a:t>
             </a:r>
             <a:r>
-              <a:rPr lang="en-GB" sz="1100" b="1" dirty="0" smtClean="0">
-                <a:solidFill>
-                  <a:srgbClr val="000000"/>
-                </a:solidFill>
-                <a:latin typeface="Consolas"/>
-              </a:rPr>
-              <a:t> </a:t>
-            </a:r>
-            <a:r>
-              <a:rPr lang="en-GB" sz="1100" b="1" dirty="0" err="1">
-                <a:solidFill>
-                  <a:srgbClr val="000000"/>
-                </a:solidFill>
-                <a:latin typeface="Consolas"/>
-              </a:rPr>
-              <a:t>LocalDate</a:t>
-            </a:r>
-            <a:r>
-              <a:rPr lang="en-GB" sz="1100" b="1" dirty="0">
-                <a:solidFill>
-                  <a:srgbClr val="000000"/>
-                </a:solidFill>
-                <a:latin typeface="Consolas"/>
-              </a:rPr>
-              <a:t> default3NewToDo() {</a:t>
-            </a:r>
-          </a:p>
-          <a:p>
-            <a:r>
-              <a:rPr lang="en-GB" sz="1100" dirty="0" smtClean="0">
-                <a:solidFill>
-                  <a:srgbClr val="000000"/>
-                </a:solidFill>
-                <a:latin typeface="Consolas"/>
-              </a:rPr>
-              <a:t>  </a:t>
-            </a:r>
-            <a:r>
-              <a:rPr lang="en-GB" sz="1100" b="1" dirty="0">
+              <a:rPr lang="en-US" sz="1100" b="1" dirty="0">
+                <a:solidFill>
+                  <a:srgbClr val="000000"/>
+                </a:solidFill>
+                <a:latin typeface="Consolas"/>
+              </a:rPr>
+              <a:t> </a:t>
+            </a:r>
+            <a:r>
+              <a:rPr lang="en-US" sz="1100" b="1" dirty="0">
                 <a:solidFill>
                   <a:srgbClr val="7F0055"/>
                 </a:solidFill>
                 <a:latin typeface="Consolas"/>
               </a:rPr>
-              <a:t>return</a:t>
-            </a:r>
-            <a:r>
-              <a:rPr lang="en-GB" sz="1100" b="1" dirty="0">
-                <a:solidFill>
-                  <a:srgbClr val="000000"/>
-                </a:solidFill>
-                <a:latin typeface="Consolas"/>
-              </a:rPr>
-              <a:t> </a:t>
-            </a:r>
-            <a:r>
-              <a:rPr lang="en-GB" sz="1100" b="1" dirty="0" err="1">
-                <a:solidFill>
-                  <a:srgbClr val="0000C0"/>
-                </a:solidFill>
-                <a:latin typeface="Consolas"/>
-              </a:rPr>
-              <a:t>clockService</a:t>
-            </a:r>
-            <a:r>
-              <a:rPr lang="en-GB" sz="1100" b="1" dirty="0" err="1">
-                <a:solidFill>
-                  <a:srgbClr val="000000"/>
-                </a:solidFill>
-                <a:latin typeface="Consolas"/>
-              </a:rPr>
-              <a:t>.now</a:t>
-            </a:r>
-            <a:r>
-              <a:rPr lang="en-GB" sz="1100" b="1" dirty="0">
-                <a:solidFill>
-                  <a:srgbClr val="000000"/>
-                </a:solidFill>
-                <a:latin typeface="Consolas"/>
-              </a:rPr>
-              <a:t>().</a:t>
-            </a:r>
-            <a:r>
-              <a:rPr lang="en-GB" sz="1100" b="1" dirty="0" err="1">
-                <a:solidFill>
-                  <a:srgbClr val="000000"/>
-                </a:solidFill>
-                <a:latin typeface="Consolas"/>
-              </a:rPr>
-              <a:t>plusDays</a:t>
-            </a:r>
-            <a:r>
-              <a:rPr lang="en-GB" sz="1100" b="1" dirty="0">
-                <a:solidFill>
-                  <a:srgbClr val="000000"/>
-                </a:solidFill>
-                <a:latin typeface="Consolas"/>
-              </a:rPr>
-              <a:t>(14);</a:t>
-            </a:r>
-          </a:p>
-          <a:p>
-            <a:r>
-              <a:rPr lang="en-GB" sz="1100" dirty="0" smtClean="0">
-                <a:solidFill>
-                  <a:srgbClr val="000000"/>
-                </a:solidFill>
-                <a:latin typeface="Consolas"/>
-              </a:rPr>
-              <a:t>}</a:t>
-            </a:r>
-            <a:endParaRPr lang="en-US" sz="1100" b="1" dirty="0" smtClean="0">
+              <a:t>class</a:t>
+            </a:r>
+            <a:r>
+              <a:rPr lang="en-US" sz="1100" b="1" dirty="0">
+                <a:solidFill>
+                  <a:srgbClr val="000000"/>
+                </a:solidFill>
+                <a:latin typeface="Consolas"/>
+              </a:rPr>
+              <a:t> </a:t>
+            </a:r>
+            <a:r>
+              <a:rPr lang="en-US" sz="1100" b="1" dirty="0" err="1">
+                <a:solidFill>
+                  <a:srgbClr val="000000"/>
+                </a:solidFill>
+                <a:latin typeface="Consolas"/>
+              </a:rPr>
+              <a:t>ToDoItems</a:t>
+            </a:r>
+            <a:r>
+              <a:rPr lang="en-US" sz="1100" b="1" dirty="0">
+                <a:solidFill>
+                  <a:srgbClr val="000000"/>
+                </a:solidFill>
+                <a:latin typeface="Consolas"/>
+              </a:rPr>
+              <a:t> </a:t>
+            </a:r>
+            <a:r>
+              <a:rPr lang="en-US" sz="1100" b="1" dirty="0">
+                <a:solidFill>
+                  <a:srgbClr val="7F0055"/>
+                </a:solidFill>
+                <a:latin typeface="Consolas"/>
+              </a:rPr>
+              <a:t>...</a:t>
+            </a:r>
+            <a:r>
+              <a:rPr lang="en-US" sz="1100" b="1" dirty="0">
+                <a:solidFill>
+                  <a:srgbClr val="000000"/>
+                </a:solidFill>
+                <a:latin typeface="Consolas"/>
+              </a:rPr>
+              <a:t> </a:t>
+            </a:r>
+            <a:r>
+              <a:rPr lang="en-US" sz="1100" b="1" dirty="0" smtClean="0">
+                <a:solidFill>
+                  <a:srgbClr val="000000"/>
+                </a:solidFill>
+                <a:latin typeface="Consolas"/>
+              </a:rPr>
+              <a:t>{</a:t>
+            </a:r>
+          </a:p>
+          <a:p>
+            <a:r>
+              <a:rPr lang="en-US" sz="1100" b="1" dirty="0">
+                <a:solidFill>
+                  <a:srgbClr val="000000"/>
+                </a:solidFill>
+                <a:latin typeface="Consolas"/>
+              </a:rPr>
+              <a:t> </a:t>
+            </a:r>
+            <a:r>
+              <a:rPr lang="en-US" sz="1100" b="1" dirty="0" smtClean="0">
+                <a:solidFill>
+                  <a:srgbClr val="000000"/>
+                </a:solidFill>
+                <a:latin typeface="Consolas"/>
+              </a:rPr>
+              <a:t> ...</a:t>
+            </a:r>
+            <a:endParaRPr lang="en-US" sz="1100" b="1" dirty="0">
               <a:solidFill>
                 <a:srgbClr val="000000"/>
               </a:solidFill>
               <a:latin typeface="Consolas"/>
             </a:endParaRPr>
           </a:p>
-        </p:txBody>
-      </p:sp>
-      <p:sp>
-        <p:nvSpPr>
-          <p:cNvPr id="10" name="TextBox 9"/>
-          <p:cNvSpPr txBox="1"/>
-          <p:nvPr/>
-        </p:nvSpPr>
-        <p:spPr>
-          <a:xfrm>
-            <a:off x="4076328" y="3548916"/>
-            <a:ext cx="4801314" cy="769441"/>
-          </a:xfrm>
-          <a:prstGeom prst="rect">
-            <a:avLst/>
-          </a:prstGeom>
-          <a:solidFill>
-            <a:schemeClr val="bg1">
-              <a:lumMod val="95000"/>
-            </a:schemeClr>
-          </a:solidFill>
-        </p:spPr>
-        <p:style>
-          <a:lnRef idx="1">
-            <a:schemeClr val="accent3"/>
-          </a:lnRef>
-          <a:fillRef idx="2">
-            <a:schemeClr val="accent3"/>
-          </a:fillRef>
-          <a:effectRef idx="1">
-            <a:schemeClr val="accent3"/>
-          </a:effectRef>
-          <a:fontRef idx="minor">
-            <a:schemeClr val="dk1"/>
-          </a:fontRef>
-        </p:style>
-        <p:txBody>
-          <a:bodyPr wrap="none" rtlCol="0">
-            <a:spAutoFit/>
-          </a:bodyPr>
-          <a:lstStyle/>
           <a:p>
             <a:r>
               <a:rPr lang="en-GB" sz="1100" b="1" dirty="0" smtClean="0">
@@ -21959,7 +23563,7 @@
                 </a:solidFill>
                 <a:latin typeface="Consolas"/>
               </a:rPr>
-              <a:t>private</a:t>
+              <a:t>  public</a:t>
             </a:r>
             <a:r>
               <a:rPr lang="en-GB" sz="1100" b="1" dirty="0" smtClean="0">
@@ -21977,6 +23581,149 @@
                 </a:solidFill>
                 <a:latin typeface="Consolas"/>
               </a:rPr>
+              <a:t>LocalDate</a:t>
+            </a:r>
+            <a:r>
+              <a:rPr lang="en-GB" sz="1100" b="1" dirty="0">
+                <a:solidFill>
+                  <a:srgbClr val="000000"/>
+                </a:solidFill>
+                <a:latin typeface="Consolas"/>
+              </a:rPr>
+              <a:t> default3NewToDo() {</a:t>
+            </a:r>
+          </a:p>
+          <a:p>
+            <a:r>
+              <a:rPr lang="en-GB" sz="1100" dirty="0" smtClean="0">
+                <a:solidFill>
+                  <a:srgbClr val="000000"/>
+                </a:solidFill>
+                <a:latin typeface="Consolas"/>
+              </a:rPr>
+              <a:t>    </a:t>
+            </a:r>
+            <a:r>
+              <a:rPr lang="en-GB" sz="1100" b="1" dirty="0">
+                <a:solidFill>
+                  <a:srgbClr val="7F0055"/>
+                </a:solidFill>
+                <a:latin typeface="Consolas"/>
+              </a:rPr>
+              <a:t>return</a:t>
+            </a:r>
+            <a:r>
+              <a:rPr lang="en-GB" sz="1100" b="1" dirty="0">
+                <a:solidFill>
+                  <a:srgbClr val="000000"/>
+                </a:solidFill>
+                <a:latin typeface="Consolas"/>
+              </a:rPr>
+              <a:t> </a:t>
+            </a:r>
+            <a:r>
+              <a:rPr lang="en-GB" sz="1100" b="1" dirty="0" err="1">
+                <a:solidFill>
+                  <a:srgbClr val="0000C0"/>
+                </a:solidFill>
+                <a:latin typeface="Consolas"/>
+              </a:rPr>
+              <a:t>clockService</a:t>
+            </a:r>
+            <a:r>
+              <a:rPr lang="en-GB" sz="1100" b="1" dirty="0" err="1">
+                <a:solidFill>
+                  <a:srgbClr val="000000"/>
+                </a:solidFill>
+                <a:latin typeface="Consolas"/>
+              </a:rPr>
+              <a:t>.now</a:t>
+            </a:r>
+            <a:r>
+              <a:rPr lang="en-GB" sz="1100" b="1" dirty="0">
+                <a:solidFill>
+                  <a:srgbClr val="000000"/>
+                </a:solidFill>
+                <a:latin typeface="Consolas"/>
+              </a:rPr>
+              <a:t>().</a:t>
+            </a:r>
+            <a:r>
+              <a:rPr lang="en-GB" sz="1100" b="1" dirty="0" err="1">
+                <a:solidFill>
+                  <a:srgbClr val="000000"/>
+                </a:solidFill>
+                <a:latin typeface="Consolas"/>
+              </a:rPr>
+              <a:t>plusDays</a:t>
+            </a:r>
+            <a:r>
+              <a:rPr lang="en-GB" sz="1100" b="1" dirty="0">
+                <a:solidFill>
+                  <a:srgbClr val="000000"/>
+                </a:solidFill>
+                <a:latin typeface="Consolas"/>
+              </a:rPr>
+              <a:t>(14);</a:t>
+            </a:r>
+          </a:p>
+          <a:p>
+            <a:r>
+              <a:rPr lang="en-GB" sz="1100" dirty="0" smtClean="0">
+                <a:solidFill>
+                  <a:srgbClr val="000000"/>
+                </a:solidFill>
+                <a:latin typeface="Consolas"/>
+              </a:rPr>
+              <a:t>  }</a:t>
+            </a:r>
+          </a:p>
+          <a:p>
+            <a:r>
+              <a:rPr lang="en-GB" sz="1100" b="1" dirty="0">
+                <a:solidFill>
+                  <a:srgbClr val="000000"/>
+                </a:solidFill>
+                <a:latin typeface="Consolas"/>
+              </a:rPr>
+              <a:t> </a:t>
+            </a:r>
+            <a:r>
+              <a:rPr lang="en-GB" sz="1100" b="1" dirty="0" smtClean="0">
+                <a:solidFill>
+                  <a:srgbClr val="000000"/>
+                </a:solidFill>
+                <a:latin typeface="Consolas"/>
+              </a:rPr>
+              <a:t> ...</a:t>
+            </a:r>
+          </a:p>
+          <a:p>
+            <a:r>
+              <a:rPr lang="en-GB" sz="1100" b="1" dirty="0" smtClean="0">
+                <a:solidFill>
+                  <a:srgbClr val="7F0055"/>
+                </a:solidFill>
+                <a:latin typeface="Consolas"/>
+              </a:rPr>
+              <a:t>  private</a:t>
+            </a:r>
+            <a:r>
+              <a:rPr lang="en-GB" sz="1100" b="1" dirty="0" smtClean="0">
+                <a:solidFill>
+                  <a:srgbClr val="000000"/>
+                </a:solidFill>
+                <a:latin typeface="Consolas"/>
+              </a:rPr>
+              <a:t> </a:t>
+            </a:r>
+            <a:r>
+              <a:rPr lang="en-GB" sz="1100" b="1" dirty="0" err="1">
+                <a:solidFill>
+                  <a:srgbClr val="000000"/>
+                </a:solidFill>
+                <a:latin typeface="Consolas"/>
+              </a:rPr>
               <a:t>ClockService</a:t>
             </a:r>
             <a:r>
@@ -22015,7 +23762,7 @@
                 </a:solidFill>
                 <a:latin typeface="Consolas"/>
               </a:rPr>
-              <a:t>public</a:t>
+              <a:t>  public</a:t>
             </a:r>
             <a:r>
               <a:rPr lang="en-GB" sz="1100" b="1" dirty="0" smtClean="0">
@@ -22054,22 +23801,116 @@
               <a:t>injectClockService</a:t>
             </a:r>
             <a:r>
+              <a:rPr lang="en-GB" sz="1100" b="1" dirty="0" smtClean="0">
+                <a:solidFill>
+                  <a:srgbClr val="000000"/>
+                </a:solidFill>
+                <a:latin typeface="Consolas"/>
+              </a:rPr>
+              <a:t>(</a:t>
+            </a:r>
+          </a:p>
+          <a:p>
+            <a:r>
+              <a:rPr lang="en-GB" sz="1100" b="1" dirty="0" smtClean="0">
+                <a:solidFill>
+                  <a:srgbClr val="000000"/>
+                </a:solidFill>
+                <a:latin typeface="Consolas"/>
+              </a:rPr>
+              <a:t>                 </a:t>
+            </a:r>
+            <a:r>
+              <a:rPr lang="en-GB" sz="1100" b="1" dirty="0" smtClean="0">
+                <a:solidFill>
+                  <a:srgbClr val="7F0055"/>
+                </a:solidFill>
+                <a:latin typeface="Consolas"/>
+              </a:rPr>
+              <a:t>final </a:t>
+            </a:r>
+            <a:r>
+              <a:rPr lang="en-GB" sz="1100" b="1" dirty="0" err="1" smtClean="0">
+                <a:solidFill>
+                  <a:srgbClr val="000000"/>
+                </a:solidFill>
+                <a:latin typeface="Consolas"/>
+              </a:rPr>
+              <a:t>ClockService</a:t>
+            </a:r>
+            <a:r>
+              <a:rPr lang="en-GB" sz="1100" b="1" dirty="0" smtClean="0">
+                <a:solidFill>
+                  <a:srgbClr val="000000"/>
+                </a:solidFill>
+                <a:latin typeface="Consolas"/>
+              </a:rPr>
+              <a:t> </a:t>
+            </a:r>
+            <a:r>
+              <a:rPr lang="en-GB" sz="1100" b="1" dirty="0" err="1">
+                <a:solidFill>
+                  <a:srgbClr val="000000"/>
+                </a:solidFill>
+                <a:latin typeface="Consolas"/>
+              </a:rPr>
+              <a:t>clockService</a:t>
+            </a:r>
+            <a:r>
               <a:rPr lang="en-GB" sz="1100" b="1" dirty="0">
                 <a:solidFill>
                   <a:srgbClr val="000000"/>
                 </a:solidFill>
                 <a:latin typeface="Consolas"/>
               </a:rPr>
-              <a:t>(</a:t>
+              <a:t>) {</a:t>
+            </a:r>
+          </a:p>
+          <a:p>
+            <a:r>
+              <a:rPr lang="en-GB" sz="1100" dirty="0">
+                <a:solidFill>
+                  <a:srgbClr val="000000"/>
+                </a:solidFill>
+                <a:latin typeface="Consolas"/>
+              </a:rPr>
+              <a:t> </a:t>
+            </a:r>
+            <a:r>
+              <a:rPr lang="en-GB" sz="1100" dirty="0" smtClean="0">
+                <a:solidFill>
+                  <a:srgbClr val="000000"/>
+                </a:solidFill>
+                <a:latin typeface="Consolas"/>
+              </a:rPr>
+              <a:t>   </a:t>
             </a:r>
             <a:r>
               <a:rPr lang="en-GB" sz="1100" b="1" dirty="0" err="1">
                 <a:solidFill>
-                  <a:srgbClr val="000000"/>
-                </a:solidFill>
-                <a:latin typeface="Consolas"/>
-              </a:rPr>
-              <a:t>ClockService</a:t>
+                  <a:srgbClr val="7F0055"/>
+                </a:solidFill>
+                <a:latin typeface="Consolas"/>
+              </a:rPr>
+              <a:t>this</a:t>
+            </a:r>
+            <a:r>
+              <a:rPr lang="en-GB" sz="1100" b="1" dirty="0" err="1">
+                <a:solidFill>
+                  <a:srgbClr val="000000"/>
+                </a:solidFill>
+                <a:latin typeface="Consolas"/>
+              </a:rPr>
+              <a:t>.</a:t>
+            </a:r>
+            <a:r>
+              <a:rPr lang="en-GB" sz="1100" b="1" dirty="0" err="1">
+                <a:solidFill>
+                  <a:srgbClr val="0000C0"/>
+                </a:solidFill>
+                <a:latin typeface="Consolas"/>
+              </a:rPr>
+              <a:t>clockService</a:t>
             </a:r>
             <a:r>
               <a:rPr lang="en-GB" sz="1100" b="1" dirty="0">
@@ -22078,7 +23919,7 @@
                 </a:solidFill>
                 <a:latin typeface="Consolas"/>
               </a:rPr>
-              <a:t> </a:t>
+              <a:t> = </a:t>
             </a:r>
             <a:r>
               <a:rPr lang="en-GB" sz="1100" b="1" dirty="0" err="1">
@@ -22090,14 +23931,20 @@
               <a:t>clockService</a:t>
             </a:r>
             <a:r>
-              <a:rPr lang="en-GB" sz="1100" b="1" dirty="0">
-                <a:solidFill>
-                  <a:srgbClr val="000000"/>
-                </a:solidFill>
-                <a:latin typeface="Consolas"/>
-              </a:rPr>
-              <a:t>) {</a:t>
-            </a:r>
+              <a:rPr lang="en-GB" sz="1100" b="1" dirty="0" smtClean="0">
+                <a:solidFill>
+                  <a:srgbClr val="000000"/>
+                </a:solidFill>
+                <a:latin typeface="Consolas"/>
+              </a:rPr>
+              <a:t>;</a:t>
+            </a:r>
+            <a:endParaRPr lang="en-GB" sz="1100" b="1" dirty="0">
+              <a:solidFill>
+                <a:srgbClr val="000000"/>
+              </a:solidFill>
+              <a:latin typeface="Consolas"/>
+            </a:endParaRPr>
           </a:p>
           <a:p>
             <a:r>
@@ -22107,66 +23954,18 @@
                 </a:solidFill>
                 <a:latin typeface="Consolas"/>
               </a:rPr>
-              <a:t>  </a:t>
-            </a:r>
-            <a:r>
-              <a:rPr lang="en-GB" sz="1100" b="1" dirty="0" err="1">
-                <a:solidFill>
-                  <a:srgbClr val="7F0055"/>
-                </a:solidFill>
-                <a:latin typeface="Consolas"/>
-              </a:rPr>
-              <a:t>this</a:t>
-            </a:r>
-            <a:r>
-              <a:rPr lang="en-GB" sz="1100" b="1" dirty="0" err="1">
-                <a:solidFill>
-                  <a:srgbClr val="000000"/>
-                </a:solidFill>
-                <a:latin typeface="Consolas"/>
-              </a:rPr>
-              <a:t>.</a:t>
-            </a:r>
-            <a:r>
-              <a:rPr lang="en-GB" sz="1100" b="1" dirty="0" err="1">
-                <a:solidFill>
-                  <a:srgbClr val="0000C0"/>
-                </a:solidFill>
-                <a:latin typeface="Consolas"/>
-              </a:rPr>
-              <a:t>clockService</a:t>
-            </a:r>
-            <a:r>
-              <a:rPr lang="en-GB" sz="1100" b="1" dirty="0">
-                <a:solidFill>
-                  <a:srgbClr val="000000"/>
-                </a:solidFill>
-                <a:latin typeface="Consolas"/>
-              </a:rPr>
-              <a:t> = </a:t>
-            </a:r>
-            <a:r>
-              <a:rPr lang="en-GB" sz="1100" b="1" dirty="0" err="1">
-                <a:solidFill>
-                  <a:srgbClr val="000000"/>
-                </a:solidFill>
-                <a:latin typeface="Consolas"/>
-              </a:rPr>
-              <a:t>clockService</a:t>
-            </a:r>
-            <a:r>
-              <a:rPr lang="en-GB" sz="1100" b="1" dirty="0">
-                <a:solidFill>
-                  <a:srgbClr val="000000"/>
-                </a:solidFill>
-                <a:latin typeface="Consolas"/>
-              </a:rPr>
-              <a:t>;</a:t>
-            </a:r>
-          </a:p>
-          <a:p>
-            <a:r>
-              <a:rPr lang="en-GB" sz="1100" dirty="0" smtClean="0">
+              <a:t>  }</a:t>
+            </a:r>
+            <a:endParaRPr lang="en-GB" sz="1100" b="1" dirty="0" smtClean="0">
+              <a:solidFill>
+                <a:srgbClr val="000000"/>
+              </a:solidFill>
+              <a:latin typeface="Consolas"/>
+            </a:endParaRPr>
+          </a:p>
+          <a:p>
+            <a:r>
+              <a:rPr lang="en-US" sz="1100" b="1" dirty="0" smtClean="0">
                 <a:solidFill>
                   <a:srgbClr val="000000"/>
                 </a:solidFill>
@@ -22357,8 +24156,8 @@
         </p:nvSpPr>
         <p:spPr>
           <a:xfrm>
-            <a:off x="3923928" y="1484784"/>
-            <a:ext cx="4339650" cy="1446550"/>
+            <a:off x="3923928" y="1052736"/>
+            <a:ext cx="4339650" cy="1954381"/>
           </a:xfrm>
           <a:prstGeom prst="rect">
             <a:avLst/>
@@ -22390,13 +24189,122 @@
           <a:lstStyle/>
           <a:p>
             <a:r>
+              <a:rPr lang="en-US" sz="1100" b="1" dirty="0">
+                <a:solidFill>
+                  <a:srgbClr val="7F0055"/>
+                </a:solidFill>
+                <a:latin typeface="Consolas"/>
+              </a:rPr>
+              <a:t>public</a:t>
+            </a:r>
+            <a:r>
+              <a:rPr lang="en-US" sz="1100" b="1" dirty="0">
+                <a:solidFill>
+                  <a:srgbClr val="000000"/>
+                </a:solidFill>
+                <a:latin typeface="Consolas"/>
+              </a:rPr>
+              <a:t> </a:t>
+            </a:r>
+            <a:r>
+              <a:rPr lang="en-US" sz="1100" b="1" dirty="0">
+                <a:solidFill>
+                  <a:srgbClr val="7F0055"/>
+                </a:solidFill>
+                <a:latin typeface="Consolas"/>
+              </a:rPr>
+              <a:t>class</a:t>
+            </a:r>
+            <a:r>
+              <a:rPr lang="en-US" sz="1100" b="1" dirty="0">
+                <a:solidFill>
+                  <a:srgbClr val="000000"/>
+                </a:solidFill>
+                <a:latin typeface="Consolas"/>
+              </a:rPr>
+              <a:t> </a:t>
+            </a:r>
+            <a:r>
+              <a:rPr lang="en-US" sz="1100" b="1" dirty="0" err="1">
+                <a:solidFill>
+                  <a:srgbClr val="000000"/>
+                </a:solidFill>
+                <a:latin typeface="Consolas"/>
+              </a:rPr>
+              <a:t>ToDoItems</a:t>
+            </a:r>
+            <a:r>
+              <a:rPr lang="en-US" sz="1100" b="1" dirty="0">
+                <a:solidFill>
+                  <a:srgbClr val="000000"/>
+                </a:solidFill>
+                <a:latin typeface="Consolas"/>
+              </a:rPr>
+              <a:t> </a:t>
+            </a:r>
+            <a:r>
+              <a:rPr lang="en-US" sz="1100" b="1" dirty="0">
+                <a:solidFill>
+                  <a:srgbClr val="7F0055"/>
+                </a:solidFill>
+                <a:latin typeface="Consolas"/>
+              </a:rPr>
+              <a:t>...</a:t>
+            </a:r>
+            <a:r>
+              <a:rPr lang="en-US" sz="1100" b="1" dirty="0">
+                <a:solidFill>
+                  <a:srgbClr val="000000"/>
+                </a:solidFill>
+                <a:latin typeface="Consolas"/>
+              </a:rPr>
+              <a:t> </a:t>
+            </a:r>
+            <a:r>
+              <a:rPr lang="en-US" sz="1100" b="1" dirty="0" smtClean="0">
+                <a:solidFill>
+                  <a:srgbClr val="000000"/>
+                </a:solidFill>
+                <a:latin typeface="Consolas"/>
+              </a:rPr>
+              <a:t>{</a:t>
+            </a:r>
+          </a:p>
+          <a:p>
+            <a:r>
+              <a:rPr lang="en-US" sz="1100" b="1" dirty="0">
+                <a:solidFill>
+                  <a:srgbClr val="000000"/>
+                </a:solidFill>
+                <a:latin typeface="Consolas"/>
+              </a:rPr>
+              <a:t> </a:t>
+            </a:r>
+            <a:r>
+              <a:rPr lang="en-US" sz="1100" b="1" dirty="0" smtClean="0">
+                <a:solidFill>
+                  <a:srgbClr val="000000"/>
+                </a:solidFill>
+                <a:latin typeface="Consolas"/>
+              </a:rPr>
+              <a:t> ...</a:t>
+            </a:r>
+            <a:endParaRPr lang="en-US" sz="1100" b="1" dirty="0">
+              <a:solidFill>
+                <a:srgbClr val="000000"/>
+              </a:solidFill>
+              <a:latin typeface="Consolas"/>
+            </a:endParaRPr>
+          </a:p>
+          <a:p>
+            <a:r>
               <a:rPr lang="en-GB" sz="1100" b="1" dirty="0" smtClean="0">
                 <a:solidFill>
                   <a:srgbClr val="7F0055"/>
                 </a:solidFill>
                 <a:latin typeface="Consolas"/>
               </a:rPr>
-              <a:t>public</a:t>
+              <a:t>  public</a:t>
             </a:r>
             <a:r>
               <a:rPr lang="en-GB" sz="1100" b="1" dirty="0" smtClean="0">
@@ -22463,6 +24371,15 @@
             </a:r>
           </a:p>
           <a:p>
+            <a:r>
+              <a:rPr lang="en-GB" sz="1100" b="1" dirty="0" smtClean="0">
+                <a:solidFill>
+                  <a:srgbClr val="000000"/>
+                </a:solidFill>
+                <a:latin typeface="Consolas"/>
+              </a:rPr>
+              <a:t>  </a:t>
+            </a:r>
             <a:r>
               <a:rPr lang="en-GB" sz="1100" b="1" dirty="0" smtClean="0">
                 <a:solidFill>
@@ -22490,49 +24407,197 @@
               <a:t>  </a:t>
             </a:r>
             <a:r>
+              <a:rPr lang="en-GB" sz="1100" dirty="0" smtClean="0">
+                <a:solidFill>
+                  <a:srgbClr val="0000C0"/>
+                </a:solidFill>
+                <a:latin typeface="Consolas"/>
+              </a:rPr>
+              <a:t>  </a:t>
+            </a:r>
+            <a:r>
+              <a:rPr lang="en-GB" sz="1100" b="1" dirty="0" smtClean="0">
+                <a:solidFill>
+                  <a:srgbClr val="7F0055"/>
+                </a:solidFill>
+                <a:latin typeface="Consolas"/>
+              </a:rPr>
+              <a:t>return</a:t>
+            </a:r>
+            <a:r>
+              <a:rPr lang="en-GB" sz="1100" dirty="0" smtClean="0">
+                <a:solidFill>
+                  <a:srgbClr val="0000C0"/>
+                </a:solidFill>
+                <a:latin typeface="Consolas"/>
+              </a:rPr>
+              <a:t> </a:t>
+            </a:r>
+            <a:r>
+              <a:rPr lang="en-GB" sz="1100" dirty="0" err="1" smtClean="0">
+                <a:solidFill>
+                  <a:srgbClr val="0000C0"/>
+                </a:solidFill>
+                <a:latin typeface="Consolas"/>
+              </a:rPr>
+              <a:t>container</a:t>
+            </a:r>
+            <a:r>
+              <a:rPr lang="en-GB" sz="1100" dirty="0" err="1" smtClean="0">
+                <a:solidFill>
+                  <a:srgbClr val="000000"/>
+                </a:solidFill>
+                <a:latin typeface="Consolas"/>
+              </a:rPr>
+              <a:t>.allMatches</a:t>
+            </a:r>
+            <a:r>
+              <a:rPr lang="en-GB" sz="1100" dirty="0">
+                <a:solidFill>
+                  <a:srgbClr val="000000"/>
+                </a:solidFill>
+                <a:latin typeface="Consolas"/>
+              </a:rPr>
+              <a:t>(</a:t>
+            </a:r>
+          </a:p>
+          <a:p>
+            <a:r>
+              <a:rPr lang="en-GB" sz="1100" dirty="0" smtClean="0">
+                <a:solidFill>
+                  <a:srgbClr val="000000"/>
+                </a:solidFill>
+                <a:latin typeface="Consolas"/>
+              </a:rPr>
+              <a:t>           </a:t>
+            </a:r>
+            <a:r>
               <a:rPr lang="en-GB" sz="1100" b="1" dirty="0">
                 <a:solidFill>
                   <a:srgbClr val="7F0055"/>
                 </a:solidFill>
                 <a:latin typeface="Consolas"/>
               </a:rPr>
-              <a:t>return</a:t>
-            </a:r>
+              <a:t>new</a:t>
+            </a:r>
+            <a:r>
+              <a:rPr lang="en-GB" sz="1100" b="1" dirty="0">
+                <a:solidFill>
+                  <a:srgbClr val="000000"/>
+                </a:solidFill>
+                <a:latin typeface="Consolas"/>
+              </a:rPr>
+              <a:t> </a:t>
+            </a:r>
+            <a:r>
+              <a:rPr lang="en-GB" sz="1100" b="1" dirty="0" err="1">
+                <a:solidFill>
+                  <a:srgbClr val="000000"/>
+                </a:solidFill>
+                <a:latin typeface="Consolas"/>
+              </a:rPr>
+              <a:t>QueryDefault</a:t>
+            </a:r>
+            <a:r>
+              <a:rPr lang="en-GB" sz="1100" b="1" dirty="0">
+                <a:solidFill>
+                  <a:srgbClr val="000000"/>
+                </a:solidFill>
+                <a:latin typeface="Consolas"/>
+              </a:rPr>
+              <a:t>&lt;</a:t>
+            </a:r>
+            <a:r>
+              <a:rPr lang="en-GB" sz="1100" b="1" dirty="0" err="1">
+                <a:solidFill>
+                  <a:srgbClr val="000000"/>
+                </a:solidFill>
+                <a:latin typeface="Consolas"/>
+              </a:rPr>
+              <a:t>ToDoItem</a:t>
+            </a:r>
+            <a:r>
+              <a:rPr lang="en-GB" sz="1100" b="1" dirty="0">
+                <a:solidFill>
+                  <a:srgbClr val="000000"/>
+                </a:solidFill>
+                <a:latin typeface="Consolas"/>
+              </a:rPr>
+              <a:t>&gt;(</a:t>
+            </a:r>
+            <a:r>
+              <a:rPr lang="en-GB" sz="1100" b="1" dirty="0" err="1">
+                <a:solidFill>
+                  <a:srgbClr val="000000"/>
+                </a:solidFill>
+                <a:latin typeface="Consolas"/>
+              </a:rPr>
+              <a:t>ToDoItem.</a:t>
+            </a:r>
+            <a:r>
+              <a:rPr lang="en-GB" sz="1100" b="1" dirty="0" err="1">
+                <a:solidFill>
+                  <a:srgbClr val="7F0055"/>
+                </a:solidFill>
+                <a:latin typeface="Consolas"/>
+              </a:rPr>
+              <a:t>class</a:t>
+            </a:r>
+            <a:r>
+              <a:rPr lang="en-GB" sz="1100" b="1" dirty="0">
+                <a:solidFill>
+                  <a:srgbClr val="000000"/>
+                </a:solidFill>
+                <a:latin typeface="Consolas"/>
+              </a:rPr>
+              <a:t>, </a:t>
+            </a:r>
+          </a:p>
+          <a:p>
             <a:r>
               <a:rPr lang="en-GB" sz="1100" dirty="0" smtClean="0">
                 <a:solidFill>
-                  <a:srgbClr val="0000C0"/>
-                </a:solidFill>
-                <a:latin typeface="Consolas"/>
-              </a:rPr>
-              <a:t> </a:t>
-            </a:r>
-            <a:r>
-              <a:rPr lang="en-GB" sz="1100" dirty="0" err="1" smtClean="0">
-                <a:solidFill>
-                  <a:srgbClr val="0000C0"/>
-                </a:solidFill>
-                <a:latin typeface="Consolas"/>
-              </a:rPr>
-              <a:t>container</a:t>
-            </a:r>
-            <a:r>
-              <a:rPr lang="en-GB" sz="1100" dirty="0" err="1" smtClean="0">
-                <a:solidFill>
-                  <a:srgbClr val="000000"/>
-                </a:solidFill>
-                <a:latin typeface="Consolas"/>
-              </a:rPr>
-              <a:t>.allMatches</a:t>
+                  <a:srgbClr val="000000"/>
+                </a:solidFill>
+                <a:latin typeface="Consolas"/>
+              </a:rPr>
+              <a:t>                 </a:t>
             </a:r>
             <a:r>
               <a:rPr lang="en-GB" sz="1100" dirty="0">
                 <a:solidFill>
-                  <a:srgbClr val="000000"/>
-                </a:solidFill>
-                <a:latin typeface="Consolas"/>
-              </a:rPr>
-              <a:t>(</a:t>
+                  <a:srgbClr val="2A00FF"/>
+                </a:solidFill>
+                <a:latin typeface="Consolas"/>
+              </a:rPr>
+              <a:t>"</a:t>
+            </a:r>
+            <a:r>
+              <a:rPr lang="en-GB" sz="1100" dirty="0" err="1">
+                <a:solidFill>
+                  <a:srgbClr val="2A00FF"/>
+                </a:solidFill>
+                <a:latin typeface="Consolas"/>
+              </a:rPr>
+              <a:t>todo_notYetComplete</a:t>
+            </a:r>
+            <a:r>
+              <a:rPr lang="en-GB" sz="1100" dirty="0">
+                <a:solidFill>
+                  <a:srgbClr val="2A00FF"/>
+                </a:solidFill>
+                <a:latin typeface="Consolas"/>
+              </a:rPr>
+              <a:t>"</a:t>
+            </a:r>
+            <a:r>
+              <a:rPr lang="en-GB" sz="1100" dirty="0">
+                <a:solidFill>
+                  <a:srgbClr val="000000"/>
+                </a:solidFill>
+                <a:latin typeface="Consolas"/>
+              </a:rPr>
+              <a:t>, </a:t>
             </a:r>
           </a:p>
           <a:p>
@@ -22543,213 +24608,103 @@
                 </a:solidFill>
                 <a:latin typeface="Consolas"/>
               </a:rPr>
-              <a:t>           </a:t>
-            </a:r>
+              <a:t>                  </a:t>
+            </a:r>
+            <a:r>
+              <a:rPr lang="en-GB" sz="1100" dirty="0">
+                <a:solidFill>
+                  <a:srgbClr val="2A00FF"/>
+                </a:solidFill>
+                <a:latin typeface="Consolas"/>
+              </a:rPr>
+              <a:t>"</a:t>
+            </a:r>
+            <a:r>
+              <a:rPr lang="en-GB" sz="1100" dirty="0" err="1">
+                <a:solidFill>
+                  <a:srgbClr val="2A00FF"/>
+                </a:solidFill>
+                <a:latin typeface="Consolas"/>
+              </a:rPr>
+              <a:t>ownedBy</a:t>
+            </a:r>
+            <a:r>
+              <a:rPr lang="en-GB" sz="1100" dirty="0">
+                <a:solidFill>
+                  <a:srgbClr val="2A00FF"/>
+                </a:solidFill>
+                <a:latin typeface="Consolas"/>
+              </a:rPr>
+              <a:t>"</a:t>
+            </a:r>
+            <a:r>
+              <a:rPr lang="en-GB" sz="1100" dirty="0">
+                <a:solidFill>
+                  <a:srgbClr val="000000"/>
+                </a:solidFill>
+                <a:latin typeface="Consolas"/>
+              </a:rPr>
+              <a:t>, </a:t>
+            </a:r>
+            <a:r>
+              <a:rPr lang="en-GB" sz="1100" dirty="0" err="1">
+                <a:solidFill>
+                  <a:srgbClr val="000000"/>
+                </a:solidFill>
+                <a:latin typeface="Consolas"/>
+              </a:rPr>
+              <a:t>currentUserName</a:t>
+            </a:r>
+            <a:r>
+              <a:rPr lang="en-GB" sz="1100" dirty="0">
+                <a:solidFill>
+                  <a:srgbClr val="000000"/>
+                </a:solidFill>
+                <a:latin typeface="Consolas"/>
+              </a:rPr>
+              <a:t>()));</a:t>
+            </a:r>
+          </a:p>
+          <a:p>
+            <a:r>
+              <a:rPr lang="en-GB" sz="1100" dirty="0" smtClean="0">
+                <a:solidFill>
+                  <a:srgbClr val="000000"/>
+                </a:solidFill>
+                <a:latin typeface="Consolas"/>
+              </a:rPr>
+              <a:t>  </a:t>
+            </a:r>
+            <a:r>
+              <a:rPr lang="en-GB" sz="1100" dirty="0" smtClean="0">
+                <a:solidFill>
+                  <a:srgbClr val="000000"/>
+                </a:solidFill>
+                <a:latin typeface="Consolas"/>
+              </a:rPr>
+              <a:t>}</a:t>
+            </a:r>
+          </a:p>
+          <a:p>
             <a:r>
               <a:rPr lang="en-GB" sz="1100" b="1" dirty="0">
                 <a:solidFill>
-                  <a:srgbClr val="7F0055"/>
-                </a:solidFill>
-                <a:latin typeface="Consolas"/>
-              </a:rPr>
-              <a:t>new</a:t>
-            </a:r>
-            <a:r>
-              <a:rPr lang="en-GB" sz="1100" b="1" dirty="0">
-                <a:solidFill>
-                  <a:srgbClr val="000000"/>
-                </a:solidFill>
-                <a:latin typeface="Consolas"/>
-              </a:rPr>
-              <a:t> </a:t>
-            </a:r>
-            <a:r>
-              <a:rPr lang="en-GB" sz="1100" b="1" dirty="0" err="1">
-                <a:solidFill>
-                  <a:srgbClr val="000000"/>
-                </a:solidFill>
-                <a:latin typeface="Consolas"/>
-              </a:rPr>
-              <a:t>QueryDefault</a:t>
-            </a:r>
-            <a:r>
-              <a:rPr lang="en-GB" sz="1100" b="1" dirty="0">
-                <a:solidFill>
-                  <a:srgbClr val="000000"/>
-                </a:solidFill>
-                <a:latin typeface="Consolas"/>
-              </a:rPr>
-              <a:t>&lt;</a:t>
-            </a:r>
-            <a:r>
-              <a:rPr lang="en-GB" sz="1100" b="1" dirty="0" err="1">
-                <a:solidFill>
-                  <a:srgbClr val="000000"/>
-                </a:solidFill>
-                <a:latin typeface="Consolas"/>
-              </a:rPr>
-              <a:t>ToDoItem</a:t>
-            </a:r>
-            <a:r>
-              <a:rPr lang="en-GB" sz="1100" b="1" dirty="0">
-                <a:solidFill>
-                  <a:srgbClr val="000000"/>
-                </a:solidFill>
-                <a:latin typeface="Consolas"/>
-              </a:rPr>
-              <a:t>&gt;(</a:t>
-            </a:r>
-            <a:r>
-              <a:rPr lang="en-GB" sz="1100" b="1" dirty="0" err="1">
-                <a:solidFill>
-                  <a:srgbClr val="000000"/>
-                </a:solidFill>
-                <a:latin typeface="Consolas"/>
-              </a:rPr>
-              <a:t>ToDoItem.</a:t>
-            </a:r>
-            <a:r>
-              <a:rPr lang="en-GB" sz="1100" b="1" dirty="0" err="1">
-                <a:solidFill>
-                  <a:srgbClr val="7F0055"/>
-                </a:solidFill>
-                <a:latin typeface="Consolas"/>
-              </a:rPr>
-              <a:t>class</a:t>
-            </a:r>
-            <a:r>
-              <a:rPr lang="en-GB" sz="1100" b="1" dirty="0">
-                <a:solidFill>
-                  <a:srgbClr val="000000"/>
-                </a:solidFill>
-                <a:latin typeface="Consolas"/>
-              </a:rPr>
-              <a:t>, </a:t>
-            </a:r>
-          </a:p>
-          <a:p>
-            <a:r>
-              <a:rPr lang="en-GB" sz="1100" dirty="0" smtClean="0">
-                <a:solidFill>
-                  <a:srgbClr val="000000"/>
-                </a:solidFill>
-                <a:latin typeface="Consolas"/>
-              </a:rPr>
-              <a:t>                 </a:t>
-            </a:r>
-            <a:r>
-              <a:rPr lang="en-GB" sz="1100" dirty="0">
-                <a:solidFill>
-                  <a:srgbClr val="2A00FF"/>
-                </a:solidFill>
-                <a:latin typeface="Consolas"/>
-              </a:rPr>
-              <a:t>"</a:t>
-            </a:r>
-            <a:r>
-              <a:rPr lang="en-GB" sz="1100" dirty="0" err="1">
-                <a:solidFill>
-                  <a:srgbClr val="2A00FF"/>
-                </a:solidFill>
-                <a:latin typeface="Consolas"/>
-              </a:rPr>
-              <a:t>todo_notYetComplete</a:t>
-            </a:r>
-            <a:r>
-              <a:rPr lang="en-GB" sz="1100" dirty="0">
-                <a:solidFill>
-                  <a:srgbClr val="2A00FF"/>
-                </a:solidFill>
-                <a:latin typeface="Consolas"/>
-              </a:rPr>
-              <a:t>"</a:t>
-            </a:r>
-            <a:r>
-              <a:rPr lang="en-GB" sz="1100" dirty="0">
-                <a:solidFill>
-                  <a:srgbClr val="000000"/>
-                </a:solidFill>
-                <a:latin typeface="Consolas"/>
-              </a:rPr>
-              <a:t>, </a:t>
-            </a:r>
-          </a:p>
-          <a:p>
-            <a:r>
-              <a:rPr lang="en-GB" sz="1100" dirty="0" smtClean="0">
-                <a:solidFill>
-                  <a:srgbClr val="000000"/>
-                </a:solidFill>
-                <a:latin typeface="Consolas"/>
-              </a:rPr>
-              <a:t>                  </a:t>
-            </a:r>
-            <a:r>
-              <a:rPr lang="en-GB" sz="1100" dirty="0">
-                <a:solidFill>
-                  <a:srgbClr val="2A00FF"/>
-                </a:solidFill>
-                <a:latin typeface="Consolas"/>
-              </a:rPr>
-              <a:t>"</a:t>
-            </a:r>
-            <a:r>
-              <a:rPr lang="en-GB" sz="1100" dirty="0" err="1">
-                <a:solidFill>
-                  <a:srgbClr val="2A00FF"/>
-                </a:solidFill>
-                <a:latin typeface="Consolas"/>
-              </a:rPr>
-              <a:t>ownedBy</a:t>
-            </a:r>
-            <a:r>
-              <a:rPr lang="en-GB" sz="1100" dirty="0">
-                <a:solidFill>
-                  <a:srgbClr val="2A00FF"/>
-                </a:solidFill>
-                <a:latin typeface="Consolas"/>
-              </a:rPr>
-              <a:t>"</a:t>
-            </a:r>
-            <a:r>
-              <a:rPr lang="en-GB" sz="1100" dirty="0">
-                <a:solidFill>
-                  <a:srgbClr val="000000"/>
-                </a:solidFill>
-                <a:latin typeface="Consolas"/>
-              </a:rPr>
-              <a:t>, </a:t>
-            </a:r>
-            <a:r>
-              <a:rPr lang="en-GB" sz="1100" dirty="0" err="1">
-                <a:solidFill>
-                  <a:srgbClr val="000000"/>
-                </a:solidFill>
-                <a:latin typeface="Consolas"/>
-              </a:rPr>
-              <a:t>currentUserName</a:t>
-            </a:r>
-            <a:r>
-              <a:rPr lang="en-GB" sz="1100" dirty="0">
-                <a:solidFill>
-                  <a:srgbClr val="000000"/>
-                </a:solidFill>
-                <a:latin typeface="Consolas"/>
-              </a:rPr>
-              <a:t>()));</a:t>
-            </a:r>
-          </a:p>
-          <a:p>
-            <a:r>
-              <a:rPr lang="en-GB" sz="1100" dirty="0" smtClean="0">
-                <a:solidFill>
-                  <a:srgbClr val="000000"/>
-                </a:solidFill>
-                <a:latin typeface="Consolas"/>
-              </a:rPr>
-              <a:t>  }</a:t>
-            </a:r>
-            <a:endParaRPr lang="en-GB" sz="1100" dirty="0">
+                  <a:srgbClr val="000000"/>
+                </a:solidFill>
+                <a:latin typeface="Consolas"/>
+              </a:rPr>
+              <a:t> </a:t>
+            </a:r>
+            <a:r>
+              <a:rPr lang="en-GB" sz="1100" b="1" dirty="0" smtClean="0">
+                <a:solidFill>
+                  <a:srgbClr val="000000"/>
+                </a:solidFill>
+                <a:latin typeface="Consolas"/>
+              </a:rPr>
+              <a:t> ...</a:t>
+            </a:r>
+            <a:endParaRPr lang="en-GB" sz="1100" b="1" dirty="0">
               <a:solidFill>
                 <a:srgbClr val="000000"/>
               </a:solidFill>
@@ -22777,14 +24732,14 @@
       </p:sp>
       <p:sp>
         <p:nvSpPr>
-          <p:cNvPr id="6" name="TextBox 5"/>
+          <p:cNvPr id="7" name="TextBox 6"/>
           <p:cNvSpPr txBox="1"/>
           <p:nvPr/>
         </p:nvSpPr>
         <p:spPr>
           <a:xfrm>
-            <a:off x="691952" y="5385990"/>
-            <a:ext cx="3880048" cy="923330"/>
+            <a:off x="557955" y="5517232"/>
+            <a:ext cx="4384104" cy="923330"/>
           </a:xfrm>
           <a:prstGeom prst="rect">
             <a:avLst/>
@@ -22813,22 +24768,16 @@
             <a:pPr algn="ctr"/>
             <a:r>
               <a:rPr lang="en-GB" dirty="0" smtClean="0"/>
-              <a:t>The layout of the object’s members</a:t>
-            </a:r>
-            <a:br>
+              <a:t>The user interface is derived entirely from the domain object model.</a:t>
+            </a:r>
+          </a:p>
+          <a:p>
+            <a:pPr algn="ctr"/>
+            <a:r>
               <a:rPr lang="en-GB" dirty="0" smtClean="0"/>
-            </a:br>
-            <a:r>
-              <a:rPr lang="en-GB" dirty="0" smtClean="0"/>
-              <a:t>(its properties, collections and actions)</a:t>
-            </a:r>
-            <a:br>
-              <a:rPr lang="en-GB" dirty="0" smtClean="0"/>
-            </a:br>
-            <a:r>
-              <a:rPr lang="en-GB" dirty="0" smtClean="0"/>
-              <a:t>is specified using metadata.</a:t>
-            </a:r>
+              <a:t>Additional metadata provides layout hints</a:t>
+            </a:r>
+            <a:endParaRPr lang="en-GB" dirty="0" smtClean="0"/>
           </a:p>
         </p:txBody>
       </p:sp>
@@ -22969,16 +24918,6 @@
                 </a:solidFill>
               </a14:hiddenFill>
             </a:ext>
-            <a:ext uri="{91240B29-F687-4F45-9708-019B960494DF}">
-              <a14:hiddenLine xmlns:a14="http://schemas.microsoft.com/office/drawing/2010/main" w="9525">
-                <a:solidFill>
-                  <a:schemeClr val="tx1"/>
-                </a:solidFill>
-                <a:miter lim="800000"/>
-                <a:headEnd/>
-                <a:tailEnd/>
-              </a14:hiddenLine>
-            </a:ext>
           </a:extLst>
         </p:spPr>
       </p:pic>
@@ -23020,17 +24959,8 @@
             <a:pPr algn="ctr"/>
             <a:r>
               <a:rPr lang="en-GB" dirty="0" smtClean="0"/>
-              <a:t>The layout metadata is </a:t>
-            </a:r>
-            <a:r>
-              <a:rPr lang="en-GB" dirty="0" smtClean="0"/>
-              <a:t>represented in </a:t>
-            </a:r>
-            <a:r>
-              <a:rPr lang="en-GB" dirty="0" smtClean="0"/>
-              <a:t>JSON</a:t>
-            </a:r>
-            <a:endParaRPr lang="en-GB" dirty="0" smtClean="0"/>
+              <a:t>The layout metadata is represented in JSON</a:t>
+            </a:r>
           </a:p>
         </p:txBody>
       </p:sp>
@@ -24076,7 +26006,6 @@
               <a:rPr lang="en-GB" dirty="0" smtClean="0"/>
               <a:t>identify it to the user...</a:t>
             </a:r>
-            <a:endParaRPr lang="en-GB" dirty="0" smtClean="0"/>
           </a:p>
         </p:txBody>
       </p:sp>
@@ -24126,17 +26055,8 @@
             </a:r>
             <a:r>
               <a:rPr lang="en-GB" dirty="0" smtClean="0"/>
-              <a:t>nd e</a:t>
-            </a:r>
-            <a:r>
-              <a:rPr lang="en-GB" dirty="0" smtClean="0"/>
-              <a:t>ach object is also represented </a:t>
-            </a:r>
-            <a:r>
-              <a:rPr lang="en-GB" dirty="0" smtClean="0"/>
-              <a:t>by an icon</a:t>
-            </a:r>
-            <a:endParaRPr lang="en-GB" dirty="0" smtClean="0"/>
+              <a:t>nd each object is also represented by an icon</a:t>
+            </a:r>
           </a:p>
         </p:txBody>
       </p:sp>
@@ -25362,7 +27282,7 @@
           <p:nvPr/>
         </p:nvPicPr>
         <p:blipFill>
-          <a:blip r:embed="rId2">
+          <a:blip>
             <a:extLst>
               <a:ext uri="{28A0092B-C50C-407E-A947-70E740481C1C}">
                 <a14:useLocalDpi xmlns:a14="http://schemas.microsoft.com/office/drawing/2010/main" val="0"/>
@@ -25404,16 +27324,6 @@
                   <a:schemeClr val="accent1"/>
                 </a:solidFill>
               </a14:hiddenFill>
-            </a:ext>
-            <a:ext uri="{91240B29-F687-4F45-9708-019B960494DF}">
-              <a14:hiddenLine xmlns:a14="http://schemas.microsoft.com/office/drawing/2010/main" w="9525">
-                <a:solidFill>
-                  <a:schemeClr val="tx1"/>
-                </a:solidFill>
-                <a:miter lim="800000"/>
-                <a:headEnd/>
-                <a:tailEnd/>
-              </a14:hiddenLine>
             </a:ext>
           </a:extLst>
         </p:spPr>
